--- a/slides/06_CSP.pptx
+++ b/slides/06_CSP.pptx
@@ -2294,7 +2294,7 @@
           <a:p>
             <a:fld id="{FDB68C03-DCF9-4B87-BBF6-8F2088376604}" type="datetimeFigureOut">
               <a:rPr lang="en-US" smtClean="0"/>
-              <a:t>10/21/2020</a:t>
+              <a:t>9/1/2021</a:t>
             </a:fld>
             <a:endParaRPr lang="en-US"/>
           </a:p>
@@ -2904,7 +2904,7 @@
           <a:p>
             <a:fld id="{FDB68C03-DCF9-4B87-BBF6-8F2088376604}" type="datetimeFigureOut">
               <a:rPr lang="en-US" smtClean="0"/>
-              <a:t>10/21/2020</a:t>
+              <a:t>9/1/2021</a:t>
             </a:fld>
             <a:endParaRPr lang="en-US"/>
           </a:p>
@@ -3179,7 +3179,7 @@
           <a:p>
             <a:fld id="{FDB68C03-DCF9-4B87-BBF6-8F2088376604}" type="datetimeFigureOut">
               <a:rPr lang="en-US" smtClean="0"/>
-              <a:t>10/21/2020</a:t>
+              <a:t>9/1/2021</a:t>
             </a:fld>
             <a:endParaRPr lang="en-US"/>
           </a:p>
@@ -4968,7 +4968,7 @@
           <a:p>
             <a:fld id="{FDB68C03-DCF9-4B87-BBF6-8F2088376604}" type="datetimeFigureOut">
               <a:rPr lang="en-US" smtClean="0"/>
-              <a:t>10/21/2020</a:t>
+              <a:t>9/1/2021</a:t>
             </a:fld>
             <a:endParaRPr lang="en-US"/>
           </a:p>
@@ -5813,18 +5813,32 @@
           <a:p>
             <a:pPr algn="l"/>
             <a:r>
-              <a:rPr lang="en-US" sz="2900"/>
-              <a:t>CS 5/7320 Artificial Intelligence</a:t>
+              <a:rPr lang="en-US" sz="2900" b="1" dirty="0"/>
+              <a:t>CS 5/7320 </a:t>
             </a:r>
             <a:br>
-              <a:rPr lang="en-US" sz="2900"/>
+              <a:rPr lang="en-US" sz="2900" b="1" dirty="0"/>
+            </a:br>
+            <a:r>
+              <a:rPr lang="en-US" sz="2400" b="1" dirty="0"/>
+              <a:t>Artificial Intelligence</a:t>
+            </a:r>
+            <a:br>
+              <a:rPr lang="en-US" sz="2900" dirty="0"/>
             </a:br>
             <a:br>
-              <a:rPr lang="en-US" sz="2900"/>
+              <a:rPr lang="en-US" sz="2900" dirty="0"/>
             </a:br>
             <a:r>
-              <a:rPr lang="en-US" sz="2900"/>
+              <a:rPr lang="en-US" sz="2900" b="1" dirty="0"/>
               <a:t>Constraint Satisfaction Problems</a:t>
+            </a:r>
+            <a:br>
+              <a:rPr lang="en-US" sz="2900" dirty="0"/>
+            </a:br>
+            <a:r>
+              <a:rPr lang="en-US" sz="2900" dirty="0"/>
+              <a:t>AIMA Chapter 6</a:t>
             </a:r>
           </a:p>
         </p:txBody>
@@ -5859,20 +5873,31 @@
           <a:p>
             <a:pPr algn="l"/>
             <a:r>
-              <a:rPr lang="en-US" sz="2100"/>
+              <a:rPr lang="en-US" sz="2100" dirty="0"/>
               <a:t>Slides by Michael Hahsler</a:t>
             </a:r>
             <a:br>
-              <a:rPr lang="en-US" sz="2100"/>
+              <a:rPr lang="en-US" sz="2100" dirty="0"/>
             </a:br>
             <a:r>
-              <a:rPr lang="en-US" sz="2100"/>
-              <a:t> based on Slides by Svetlana Lazepnik	</a:t>
+              <a:rPr lang="en-US" sz="1400" dirty="0"/>
+              <a:t>based on Slides by Svetlana </a:t>
+            </a:r>
+            <a:r>
+              <a:rPr lang="en-US" sz="1400" dirty="0" err="1"/>
+              <a:t>Lazepnik</a:t>
+            </a:r>
+            <a:br>
+              <a:rPr lang="en-US" sz="1400" dirty="0"/>
+            </a:br>
+            <a:r>
+              <a:rPr lang="en-US" sz="1400" dirty="0"/>
+              <a:t>with figures from the AIMA textbook</a:t>
             </a:r>
           </a:p>
           <a:p>
             <a:pPr algn="l"/>
-            <a:endParaRPr lang="en-US" sz="2100"/>
+            <a:endParaRPr lang="en-US" sz="2100" dirty="0"/>
           </a:p>
         </p:txBody>
       </p:sp>
@@ -6136,6 +6161,172 @@
           <a:noFill/>
         </p:spPr>
       </p:pic>
+      <p:pic>
+        <p:nvPicPr>
+          <p:cNvPr id="12" name="Picture 4" descr="Creative Commons License">
+            <a:extLst>
+              <a:ext uri="{FF2B5EF4-FFF2-40B4-BE49-F238E27FC236}">
+                <a16:creationId xmlns:a16="http://schemas.microsoft.com/office/drawing/2014/main" id="{B9A0D3EB-EE05-400A-A5D0-1007C82D0662}"/>
+              </a:ext>
+            </a:extLst>
+          </p:cNvPr>
+          <p:cNvPicPr>
+            <a:picLocks noChangeAspect="1" noChangeArrowheads="1"/>
+          </p:cNvPicPr>
+          <p:nvPr/>
+        </p:nvPicPr>
+        <p:blipFill>
+          <a:blip r:embed="rId6">
+            <a:extLst>
+              <a:ext uri="{28A0092B-C50C-407E-A947-70E740481C1C}">
+                <a14:useLocalDpi xmlns:a14="http://schemas.microsoft.com/office/drawing/2010/main" val="0"/>
+              </a:ext>
+            </a:extLst>
+          </a:blip>
+          <a:srcRect/>
+          <a:stretch>
+            <a:fillRect/>
+          </a:stretch>
+        </p:blipFill>
+        <p:spPr bwMode="auto">
+          <a:xfrm>
+            <a:off x="469738" y="6274385"/>
+            <a:ext cx="838200" cy="295275"/>
+          </a:xfrm>
+          <a:prstGeom prst="rect">
+            <a:avLst/>
+          </a:prstGeom>
+          <a:noFill/>
+          <a:extLst>
+            <a:ext uri="{909E8E84-426E-40DD-AFC4-6F175D3DCCD1}">
+              <a14:hiddenFill xmlns:a14="http://schemas.microsoft.com/office/drawing/2010/main">
+                <a:solidFill>
+                  <a:srgbClr val="FFFFFF"/>
+                </a:solidFill>
+              </a14:hiddenFill>
+            </a:ext>
+          </a:extLst>
+        </p:spPr>
+      </p:pic>
+      <p:sp>
+        <p:nvSpPr>
+          <p:cNvPr id="13" name="TextBox 12">
+            <a:extLst>
+              <a:ext uri="{FF2B5EF4-FFF2-40B4-BE49-F238E27FC236}">
+                <a16:creationId xmlns:a16="http://schemas.microsoft.com/office/drawing/2014/main" id="{F376C638-044E-4B61-86B2-381C4B1316F4}"/>
+              </a:ext>
+            </a:extLst>
+          </p:cNvPr>
+          <p:cNvSpPr txBox="1"/>
+          <p:nvPr/>
+        </p:nvSpPr>
+        <p:spPr>
+          <a:xfrm>
+            <a:off x="1325879" y="6198513"/>
+            <a:ext cx="3017521" cy="430887"/>
+          </a:xfrm>
+          <a:prstGeom prst="rect">
+            <a:avLst/>
+          </a:prstGeom>
+          <a:noFill/>
+        </p:spPr>
+        <p:txBody>
+          <a:bodyPr wrap="square">
+            <a:spAutoFit/>
+          </a:bodyPr>
+          <a:lstStyle/>
+          <a:p>
+            <a:r>
+              <a:rPr lang="en-US" sz="1100" b="0" i="0" dirty="0">
+                <a:solidFill>
+                  <a:schemeClr val="tx1">
+                    <a:lumMod val="50000"/>
+                  </a:schemeClr>
+                </a:solidFill>
+                <a:effectLst/>
+                <a:latin typeface="source sans pro" panose="020B0503030403020204" pitchFamily="34" charset="0"/>
+              </a:rPr>
+              <a:t>This work is licensed under a </a:t>
+            </a:r>
+            <a:r>
+              <a:rPr lang="en-US" sz="1100" b="0" i="0" strike="noStrike" dirty="0">
+                <a:solidFill>
+                  <a:schemeClr val="tx1">
+                    <a:lumMod val="50000"/>
+                  </a:schemeClr>
+                </a:solidFill>
+                <a:effectLst/>
+                <a:latin typeface="source sans pro" panose="020B0503030403020204" pitchFamily="34" charset="0"/>
+                <a:hlinkClick r:id="rId7">
+                  <a:extLst>
+                    <a:ext uri="{A12FA001-AC4F-418D-AE19-62706E023703}">
+                      <ahyp:hlinkClr xmlns:ahyp="http://schemas.microsoft.com/office/drawing/2018/hyperlinkcolor" val="tx"/>
+                    </a:ext>
+                  </a:extLst>
+                </a:hlinkClick>
+              </a:rPr>
+              <a:t>Creative Commons Attribution-</a:t>
+            </a:r>
+            <a:r>
+              <a:rPr lang="en-US" sz="1100" b="0" i="0" strike="noStrike" dirty="0" err="1">
+                <a:solidFill>
+                  <a:schemeClr val="tx1">
+                    <a:lumMod val="50000"/>
+                  </a:schemeClr>
+                </a:solidFill>
+                <a:effectLst/>
+                <a:latin typeface="source sans pro" panose="020B0503030403020204" pitchFamily="34" charset="0"/>
+                <a:hlinkClick r:id="rId7">
+                  <a:extLst>
+                    <a:ext uri="{A12FA001-AC4F-418D-AE19-62706E023703}">
+                      <ahyp:hlinkClr xmlns:ahyp="http://schemas.microsoft.com/office/drawing/2018/hyperlinkcolor" val="tx"/>
+                    </a:ext>
+                  </a:extLst>
+                </a:hlinkClick>
+              </a:rPr>
+              <a:t>ShareAlike</a:t>
+            </a:r>
+            <a:r>
+              <a:rPr lang="en-US" sz="1100" b="0" i="0" strike="noStrike" dirty="0">
+                <a:solidFill>
+                  <a:schemeClr val="tx1">
+                    <a:lumMod val="50000"/>
+                  </a:schemeClr>
+                </a:solidFill>
+                <a:effectLst/>
+                <a:latin typeface="source sans pro" panose="020B0503030403020204" pitchFamily="34" charset="0"/>
+                <a:hlinkClick r:id="rId7">
+                  <a:extLst>
+                    <a:ext uri="{A12FA001-AC4F-418D-AE19-62706E023703}">
+                      <ahyp:hlinkClr xmlns:ahyp="http://schemas.microsoft.com/office/drawing/2018/hyperlinkcolor" val="tx"/>
+                    </a:ext>
+                  </a:extLst>
+                </a:hlinkClick>
+              </a:rPr>
+              <a:t> 4.0 International License</a:t>
+            </a:r>
+            <a:r>
+              <a:rPr lang="en-US" sz="1100" b="0" i="0" dirty="0">
+                <a:solidFill>
+                  <a:schemeClr val="tx1">
+                    <a:lumMod val="50000"/>
+                  </a:schemeClr>
+                </a:solidFill>
+                <a:effectLst/>
+                <a:latin typeface="source sans pro" panose="020B0503030403020204" pitchFamily="34" charset="0"/>
+              </a:rPr>
+              <a:t>.</a:t>
+            </a:r>
+            <a:endParaRPr lang="en-US" sz="1100" dirty="0">
+              <a:solidFill>
+                <a:schemeClr val="tx1">
+                  <a:lumMod val="50000"/>
+                </a:schemeClr>
+              </a:solidFill>
+            </a:endParaRPr>
+          </a:p>
+        </p:txBody>
+      </p:sp>
     </p:spTree>
   </p:cSld>
   <p:clrMapOvr>
@@ -10199,8 +10390,8 @@
           </a:p>
         </p:txBody>
       </p:sp>
-      <mc:AlternateContent xmlns:mc="http://schemas.openxmlformats.org/markup-compatibility/2006">
-        <mc:Choice xmlns:a14="http://schemas.microsoft.com/office/drawing/2010/main" Requires="a14">
+      <mc:AlternateContent xmlns:mc="http://schemas.openxmlformats.org/markup-compatibility/2006" xmlns:a14="http://schemas.microsoft.com/office/drawing/2010/main">
+        <mc:Choice Requires="a14">
           <p:sp>
             <p:nvSpPr>
               <p:cNvPr id="5123" name="Rectangle 3"/>
@@ -10526,7 +10717,7 @@
             </p:txBody>
           </p:sp>
         </mc:Choice>
-        <mc:Fallback>
+        <mc:Fallback xmlns="">
           <p:sp>
             <p:nvSpPr>
               <p:cNvPr id="5123" name="Rectangle 3"/>
@@ -11300,8 +11491,8 @@
           </a:p>
         </p:txBody>
       </p:sp>
-      <mc:AlternateContent xmlns:mc="http://schemas.openxmlformats.org/markup-compatibility/2006">
-        <mc:Choice xmlns:a14="http://schemas.microsoft.com/office/drawing/2010/main" Requires="a14">
+      <mc:AlternateContent xmlns:mc="http://schemas.openxmlformats.org/markup-compatibility/2006" xmlns:a14="http://schemas.microsoft.com/office/drawing/2010/main">
+        <mc:Choice Requires="a14">
           <p:sp>
             <p:nvSpPr>
               <p:cNvPr id="6147" name="Rectangle 3"/>
@@ -11582,7 +11773,7 @@
             </p:txBody>
           </p:sp>
         </mc:Choice>
-        <mc:Fallback>
+        <mc:Fallback xmlns="">
           <p:sp>
             <p:nvSpPr>
               <p:cNvPr id="6147" name="Rectangle 3"/>

--- a/slides/06_CSP.pptx
+++ b/slides/06_CSP.pptx
@@ -2294,7 +2294,7 @@
           <a:p>
             <a:fld id="{FDB68C03-DCF9-4B87-BBF6-8F2088376604}" type="datetimeFigureOut">
               <a:rPr lang="en-US" smtClean="0"/>
-              <a:t>9/1/2021</a:t>
+              <a:t>3/24/2022</a:t>
             </a:fld>
             <a:endParaRPr lang="en-US"/>
           </a:p>
@@ -2904,7 +2904,7 @@
           <a:p>
             <a:fld id="{FDB68C03-DCF9-4B87-BBF6-8F2088376604}" type="datetimeFigureOut">
               <a:rPr lang="en-US" smtClean="0"/>
-              <a:t>9/1/2021</a:t>
+              <a:t>3/24/2022</a:t>
             </a:fld>
             <a:endParaRPr lang="en-US"/>
           </a:p>
@@ -3179,7 +3179,7 @@
           <a:p>
             <a:fld id="{FDB68C03-DCF9-4B87-BBF6-8F2088376604}" type="datetimeFigureOut">
               <a:rPr lang="en-US" smtClean="0"/>
-              <a:t>9/1/2021</a:t>
+              <a:t>3/24/2022</a:t>
             </a:fld>
             <a:endParaRPr lang="en-US"/>
           </a:p>
@@ -4968,7 +4968,7 @@
           <a:p>
             <a:fld id="{FDB68C03-DCF9-4B87-BBF6-8F2088376604}" type="datetimeFigureOut">
               <a:rPr lang="en-US" smtClean="0"/>
-              <a:t>9/1/2021</a:t>
+              <a:t>3/24/2022</a:t>
             </a:fld>
             <a:endParaRPr lang="en-US"/>
           </a:p>
@@ -10059,13 +10059,13 @@
         </p:nvSpPr>
         <p:spPr>
           <a:xfrm>
-            <a:off x="457200" y="1371600"/>
-            <a:ext cx="8229600" cy="5486400"/>
+            <a:off x="461211" y="1309036"/>
+            <a:ext cx="8229600" cy="5105400"/>
           </a:xfrm>
         </p:spPr>
         <p:txBody>
           <a:bodyPr>
-            <a:normAutofit/>
+            <a:normAutofit fontScale="92500" lnSpcReduction="20000"/>
           </a:bodyPr>
           <a:lstStyle/>
           <a:p>
@@ -10074,7 +10074,23 @@
             </a:pPr>
             <a:r>
               <a:rPr lang="en-US" sz="2000" dirty="0"/>
-              <a:t>Local search is often very effective for CSPs.</a:t>
+              <a:t>CSP algorithms allow </a:t>
+            </a:r>
+            <a:r>
+              <a:rPr lang="en-US" sz="2000" b="1" dirty="0"/>
+              <a:t>incomplete states</a:t>
+            </a:r>
+            <a:r>
+              <a:rPr lang="en-US" sz="2000" dirty="0"/>
+              <a:t>, but only if </a:t>
+            </a:r>
+            <a:r>
+              <a:rPr lang="en-US" sz="2000" b="1" dirty="0"/>
+              <a:t>they satisfy all constraints</a:t>
+            </a:r>
+            <a:r>
+              <a:rPr lang="en-US" sz="2000" dirty="0"/>
+              <a:t>.</a:t>
             </a:r>
           </a:p>
           <a:p>
@@ -10089,24 +10105,39 @@
             </a:pPr>
             <a:r>
               <a:rPr lang="en-US" sz="2000" dirty="0"/>
-              <a:t>Hill-climbing and simulated annealing work only with “complete” states, i.e., all variables assigned:</a:t>
+              <a:t>Local Search (e.g., Hill-climbing and simulated annealing) works only with </a:t>
+            </a:r>
+            <a:r>
+              <a:rPr lang="en-US" sz="2000" b="1" dirty="0"/>
+              <a:t>“complete” states</a:t>
+            </a:r>
+            <a:r>
+              <a:rPr lang="en-US" sz="2000" dirty="0"/>
+              <a:t>, i.e., all variables assigned, but we can </a:t>
+            </a:r>
+            <a:r>
+              <a:rPr lang="en-US" sz="2000" b="1" dirty="0"/>
+              <a:t>allow states with unsatisfied constraints</a:t>
+            </a:r>
+            <a:r>
+              <a:rPr lang="en-US" sz="2000" dirty="0"/>
+              <a:t>.</a:t>
             </a:r>
           </a:p>
           <a:p>
             <a:pPr lvl="1"/>
-            <a:r>
-              <a:rPr lang="en-US" sz="2000" dirty="0"/>
-              <a:t>Allow states with unsatisfied constraints</a:t>
-            </a:r>
-          </a:p>
-          <a:p>
-            <a:pPr lvl="1"/>
-            <a:r>
-              <a:rPr lang="en-US" sz="2000" dirty="0"/>
+            <a:endParaRPr lang="en-US" sz="2000" dirty="0"/>
+          </a:p>
+          <a:p>
+            <a:pPr marL="0" indent="0">
+              <a:buNone/>
+            </a:pPr>
+            <a:r>
+              <a:rPr lang="en-US" sz="2300" dirty="0"/>
               <a:t>Attempt to improve states by the </a:t>
             </a:r>
             <a:r>
-              <a:rPr lang="en-US" sz="2000" b="1" dirty="0">
+              <a:rPr lang="en-US" sz="2300" b="1" dirty="0">
                 <a:solidFill>
                   <a:srgbClr val="FF0000"/>
                 </a:solidFill>
@@ -10114,10 +10145,10 @@
               <a:t>min-conflicts</a:t>
             </a:r>
             <a:r>
-              <a:rPr lang="en-US" sz="2000" dirty="0"/>
+              <a:rPr lang="en-US" sz="2300" dirty="0"/>
               <a:t> heuristic:</a:t>
             </a:r>
-            <a:endParaRPr lang="en-US" sz="2000" dirty="0">
+            <a:endParaRPr lang="en-US" sz="2300" dirty="0">
               <a:solidFill>
                 <a:srgbClr val="FF0000"/>
               </a:solidFill>
@@ -10152,6 +10183,77 @@
               <a:rPr lang="en-US" sz="1800" dirty="0"/>
               <a:t>Repeat till all constraints are met. </a:t>
             </a:r>
+          </a:p>
+          <a:p>
+            <a:pPr marL="1028700" lvl="2" indent="-342900">
+              <a:buFont typeface="+mj-lt"/>
+              <a:buAutoNum type="arabicPeriod"/>
+            </a:pPr>
+            <a:endParaRPr lang="en-US" sz="1800" dirty="0"/>
+          </a:p>
+          <a:p>
+            <a:pPr marL="1028700" lvl="2" indent="-342900">
+              <a:buFont typeface="+mj-lt"/>
+              <a:buAutoNum type="arabicPeriod"/>
+            </a:pPr>
+            <a:endParaRPr lang="en-US" sz="1800" dirty="0"/>
+          </a:p>
+          <a:p>
+            <a:pPr marL="1028700" lvl="2" indent="-342900">
+              <a:buFont typeface="+mj-lt"/>
+              <a:buAutoNum type="arabicPeriod"/>
+            </a:pPr>
+            <a:endParaRPr lang="en-US" sz="1800" dirty="0"/>
+          </a:p>
+          <a:p>
+            <a:pPr marL="1028700" lvl="2" indent="-342900">
+              <a:buFont typeface="+mj-lt"/>
+              <a:buAutoNum type="arabicPeriod"/>
+            </a:pPr>
+            <a:endParaRPr lang="en-US" sz="1800" dirty="0"/>
+          </a:p>
+          <a:p>
+            <a:pPr marL="1028700" lvl="2" indent="-342900">
+              <a:buFont typeface="+mj-lt"/>
+              <a:buAutoNum type="arabicPeriod"/>
+            </a:pPr>
+            <a:endParaRPr lang="en-US" sz="1800" dirty="0"/>
+          </a:p>
+          <a:p>
+            <a:pPr marL="1028700" lvl="2" indent="-342900">
+              <a:buFont typeface="+mj-lt"/>
+              <a:buAutoNum type="arabicPeriod"/>
+            </a:pPr>
+            <a:endParaRPr lang="en-US" sz="1800" dirty="0"/>
+          </a:p>
+          <a:p>
+            <a:pPr marL="1028700" lvl="2" indent="-342900">
+              <a:buFont typeface="+mj-lt"/>
+              <a:buAutoNum type="arabicPeriod"/>
+            </a:pPr>
+            <a:endParaRPr lang="en-US" sz="1800" dirty="0"/>
+          </a:p>
+          <a:p>
+            <a:pPr marL="1028700" lvl="2" indent="-342900">
+              <a:buFont typeface="+mj-lt"/>
+              <a:buAutoNum type="arabicPeriod"/>
+            </a:pPr>
+            <a:endParaRPr lang="en-US" sz="1800" dirty="0"/>
+          </a:p>
+          <a:p>
+            <a:pPr marL="342900" lvl="1" indent="0">
+              <a:buNone/>
+            </a:pPr>
+            <a:r>
+              <a:rPr lang="en-US" sz="2400" dirty="0"/>
+              <a:t>Local search is often very effective for CSPs. </a:t>
+            </a:r>
+          </a:p>
+          <a:p>
+            <a:pPr marL="342900" lvl="1" indent="0">
+              <a:buNone/>
+            </a:pPr>
+            <a:endParaRPr lang="en-US" sz="2100" dirty="0"/>
           </a:p>
         </p:txBody>
       </p:sp>
@@ -10172,7 +10274,7 @@
         </p:blipFill>
         <p:spPr bwMode="auto">
           <a:xfrm>
-            <a:off x="1828800" y="5011221"/>
+            <a:off x="1828800" y="4114800"/>
             <a:ext cx="5153449" cy="1618179"/>
           </a:xfrm>
           <a:prstGeom prst="rect">
@@ -10201,7 +10303,7 @@
         </p:nvCxnSpPr>
         <p:spPr>
           <a:xfrm flipV="1">
-            <a:off x="4267200" y="5257800"/>
+            <a:off x="4267200" y="4361379"/>
             <a:ext cx="0" cy="228600"/>
           </a:xfrm>
           <a:prstGeom prst="straightConnector1">
@@ -10240,7 +10342,7 @@
         </p:nvCxnSpPr>
         <p:spPr>
           <a:xfrm>
-            <a:off x="6477000" y="5867400"/>
+            <a:off x="6477000" y="4970979"/>
             <a:ext cx="0" cy="228600"/>
           </a:xfrm>
           <a:prstGeom prst="straightConnector1">
@@ -10384,14 +10486,21 @@
           <a:lstStyle/>
           <a:p>
             <a:r>
-              <a:rPr lang="en-US" sz="3200"/>
-              <a:t>Constraint satisfaction problems (CSPs)</a:t>
-            </a:r>
-          </a:p>
-        </p:txBody>
-      </p:sp>
-      <mc:AlternateContent xmlns:mc="http://schemas.openxmlformats.org/markup-compatibility/2006" xmlns:a14="http://schemas.microsoft.com/office/drawing/2010/main">
-        <mc:Choice Requires="a14">
+              <a:rPr lang="en-US" sz="3200" dirty="0"/>
+              <a:t>Constraint satisfaction </a:t>
+            </a:r>
+            <a:br>
+              <a:rPr lang="en-US" sz="3200" dirty="0"/>
+            </a:br>
+            <a:r>
+              <a:rPr lang="en-US" sz="3200" dirty="0"/>
+              <a:t>problems (CSPs)</a:t>
+            </a:r>
+          </a:p>
+        </p:txBody>
+      </p:sp>
+      <mc:AlternateContent xmlns:mc="http://schemas.openxmlformats.org/markup-compatibility/2006">
+        <mc:Choice xmlns:a14="http://schemas.microsoft.com/office/drawing/2010/main" Requires="a14">
           <p:sp>
             <p:nvSpPr>
               <p:cNvPr id="5123" name="Rectangle 3"/>
@@ -10404,13 +10513,13 @@
             </p:nvSpPr>
             <p:spPr>
               <a:xfrm>
-                <a:off x="628650" y="1549513"/>
-                <a:ext cx="7886700" cy="3508375"/>
+                <a:off x="628650" y="2286000"/>
+                <a:ext cx="8058150" cy="4206874"/>
               </a:xfrm>
             </p:spPr>
             <p:txBody>
               <a:bodyPr>
-                <a:normAutofit fontScale="85000" lnSpcReduction="20000"/>
+                <a:normAutofit fontScale="77500" lnSpcReduction="20000"/>
               </a:bodyPr>
               <a:lstStyle/>
               <a:p>
@@ -10437,11 +10546,7 @@
                   <a:t> is defined by a set of </a:t>
                 </a:r>
                 <a:r>
-                  <a:rPr lang="en-US" sz="2000" dirty="0">
-                    <a:solidFill>
-                      <a:srgbClr val="FF0000"/>
-                    </a:solidFill>
-                  </a:rPr>
+                  <a:rPr lang="en-US" sz="2000" b="1" dirty="0"/>
                   <a:t>variables</a:t>
                 </a:r>
                 <a:r>
@@ -10454,34 +10559,21 @@
                 </a:r>
                 <a:r>
                   <a:rPr lang="en-US" sz="2000" i="1" baseline="-25000" dirty="0"/>
-                  <a:t>i</a:t>
+                  <a:t>i </a:t>
                 </a:r>
-                <a:endParaRPr lang="en-US" sz="2000" dirty="0"/>
+                <a:r>
+                  <a:rPr lang="en-US" sz="2000" dirty="0"/>
+                  <a:t> (= factored state description)</a:t>
+                </a:r>
               </a:p>
               <a:p>
                 <a:pPr lvl="2"/>
                 <a:r>
                   <a:rPr lang="en-US" sz="1700" dirty="0"/>
-                  <a:t>Each variable can be </a:t>
+                  <a:t>Each variable can have a </a:t>
                 </a:r>
                 <a:r>
-                  <a:rPr lang="en-US" sz="1800" dirty="0">
-                    <a:solidFill>
-                      <a:srgbClr val="FF0000"/>
-                    </a:solidFill>
-                  </a:rPr>
-                  <a:t>unassigned</a:t>
-                </a:r>
-                <a:r>
-                  <a:rPr lang="en-US" sz="1700" dirty="0"/>
-                  <a:t> (partial solution) or have a </a:t>
-                </a:r>
-                <a:r>
-                  <a:rPr lang="en-US" sz="1700" dirty="0">
-                    <a:solidFill>
-                      <a:srgbClr val="FF0000"/>
-                    </a:solidFill>
-                  </a:rPr>
+                  <a:rPr lang="en-US" sz="1700" b="1" dirty="0"/>
                   <a:t>value</a:t>
                 </a:r>
                 <a:r>
@@ -10489,11 +10581,7 @@
                   <a:t> from </a:t>
                 </a:r>
                 <a:r>
-                  <a:rPr lang="en-US" sz="1700" dirty="0">
-                    <a:solidFill>
-                      <a:srgbClr val="FF0000"/>
-                    </a:solidFill>
-                  </a:rPr>
+                  <a:rPr lang="en-US" sz="1700" b="1" dirty="0"/>
                   <a:t>domain</a:t>
                 </a:r>
                 <a:r>
@@ -10506,9 +10594,33 @@
                 </a:r>
                 <a:r>
                   <a:rPr lang="en-US" sz="1700" i="1" baseline="-25000" dirty="0"/>
-                  <a:t>i.</a:t>
+                  <a:t>i  </a:t>
                 </a:r>
-                <a:endParaRPr lang="en-US" sz="2000" dirty="0"/>
+                <a:r>
+                  <a:rPr lang="en-US" sz="1700" dirty="0"/>
+                  <a:t>or be </a:t>
+                </a:r>
+                <a:r>
+                  <a:rPr lang="en-US" sz="1800" b="1" dirty="0"/>
+                  <a:t>unassigned</a:t>
+                </a:r>
+                <a:r>
+                  <a:rPr lang="en-US" sz="1700" dirty="0"/>
+                  <a:t> (partial solution).</a:t>
+                </a:r>
+                <a:endParaRPr lang="en-US" sz="2000" b="1" dirty="0">
+                  <a:solidFill>
+                    <a:srgbClr val="CC0000"/>
+                  </a:solidFill>
+                </a:endParaRPr>
+              </a:p>
+              <a:p>
+                <a:pPr lvl="1"/>
+                <a:endParaRPr lang="en-US" sz="2000" b="1" dirty="0">
+                  <a:solidFill>
+                    <a:srgbClr val="CC0000"/>
+                  </a:solidFill>
+                </a:endParaRPr>
               </a:p>
               <a:p>
                 <a:pPr lvl="1"/>
@@ -10622,6 +10734,14 @@
               </a:p>
               <a:p>
                 <a:pPr lvl="1"/>
+                <a:endParaRPr lang="en-US" sz="2000" b="1" dirty="0">
+                  <a:solidFill>
+                    <a:srgbClr val="CC0000"/>
+                  </a:solidFill>
+                </a:endParaRPr>
+              </a:p>
+              <a:p>
+                <a:pPr lvl="1"/>
                 <a:r>
                   <a:rPr lang="en-US" sz="2000" b="1" dirty="0">
                     <a:solidFill>
@@ -10641,9 +10761,9 @@
                   <a:buAutoNum type="alphaLcParenR"/>
                 </a:pPr>
                 <a:r>
-                  <a:rPr lang="en-US" sz="1800" dirty="0">
+                  <a:rPr lang="en-US" sz="1800" b="1" dirty="0">
                     <a:solidFill>
-                      <a:srgbClr val="FF0000"/>
+                      <a:srgbClr val="C00000"/>
                     </a:solidFill>
                   </a:rPr>
                   <a:t>Consistent assignment</a:t>
@@ -10664,12 +10784,20 @@
                   <a:buAutoNum type="alphaLcParenR"/>
                 </a:pPr>
                 <a:r>
+                  <a:rPr lang="en-US" sz="1800" b="1" dirty="0">
+                    <a:solidFill>
+                      <a:srgbClr val="C00000"/>
+                    </a:solidFill>
+                  </a:rPr>
+                  <a:t>Complete assignment:</a:t>
+                </a:r>
+                <a:r>
                   <a:rPr lang="en-US" sz="1800" dirty="0">
                     <a:solidFill>
                       <a:srgbClr val="FF0000"/>
                     </a:solidFill>
                   </a:rPr>
-                  <a:t>Complete assignment: </a:t>
+                  <a:t> </a:t>
                 </a:r>
                 <a:r>
                   <a:rPr lang="en-US" sz="1800" dirty="0"/>
@@ -10685,39 +10813,49 @@
                 </a:pPr>
                 <a:r>
                   <a:rPr lang="en-US" sz="2000" dirty="0"/>
-                  <a:t>How does this compare to the “generic” tree search formulation?</a:t>
+                  <a:t>This makes the problem different from the “generic” tree search formulation where we have:</a:t>
                 </a:r>
               </a:p>
               <a:p>
                 <a:pPr lvl="1"/>
                 <a:r>
-                  <a:rPr lang="en-US" sz="2000" dirty="0"/>
-                  <a:t>A </a:t>
-                </a:r>
-                <a:r>
-                  <a:rPr lang="en-US" sz="2000" b="1" dirty="0">
-                    <a:solidFill>
-                      <a:srgbClr val="FF0000"/>
-                    </a:solidFill>
-                  </a:rPr>
-                  <a:t>structured representation for states</a:t>
-                </a:r>
-                <a:r>
-                  <a:rPr lang="en-US" sz="2000" dirty="0"/>
-                  <a:t>, expressed by a set of variable/value combinations and constraints represented in a formal language.</a:t>
+                  <a:rPr lang="en-US" sz="1700" dirty="0"/>
+                  <a:t>Atomic states</a:t>
                 </a:r>
               </a:p>
               <a:p>
                 <a:pPr lvl="1"/>
                 <a:r>
-                  <a:rPr lang="en-US" sz="2000" dirty="0"/>
-                  <a:t>General-purpose algorithms with more power than standard search algorithms exit.</a:t>
+                  <a:rPr lang="en-US" sz="1700" dirty="0"/>
+                  <a:t>States are always compete assignments.</a:t>
+                </a:r>
+              </a:p>
+              <a:p>
+                <a:pPr lvl="1"/>
+                <a:r>
+                  <a:rPr lang="en-US" sz="1700" dirty="0"/>
+                  <a:t>Constrains are implicit in the transition function.</a:t>
+                </a:r>
+              </a:p>
+              <a:p>
+                <a:pPr marL="0" indent="0">
+                  <a:buNone/>
+                </a:pPr>
+                <a:endParaRPr lang="en-US" sz="2300" dirty="0"/>
+              </a:p>
+              <a:p>
+                <a:pPr marL="0" indent="0">
+                  <a:buNone/>
+                </a:pPr>
+                <a:r>
+                  <a:rPr lang="en-US" dirty="0"/>
+                  <a:t>General-purpose algorithms for CSP with more power than standard search algorithms exit.</a:t>
                 </a:r>
               </a:p>
             </p:txBody>
           </p:sp>
         </mc:Choice>
-        <mc:Fallback xmlns="">
+        <mc:Fallback>
           <p:sp>
             <p:nvSpPr>
               <p:cNvPr id="5123" name="Rectangle 3"/>
@@ -10730,13 +10868,13 @@
             </p:nvSpPr>
             <p:spPr>
               <a:xfrm>
-                <a:off x="628650" y="1549513"/>
-                <a:ext cx="7886700" cy="3508375"/>
+                <a:off x="628650" y="2286000"/>
+                <a:ext cx="8058150" cy="4206874"/>
               </a:xfrm>
               <a:blipFill>
                 <a:blip r:embed="rId3"/>
                 <a:stretch>
-                  <a:fillRect l="-464" t="-2431"/>
+                  <a:fillRect l="-378" t="-1884"/>
                 </a:stretch>
               </a:blipFill>
             </p:spPr>
@@ -10769,16 +10907,15 @@
           </p:cNvPicPr>
           <p:nvPr/>
         </p:nvPicPr>
-        <p:blipFill>
+        <p:blipFill rotWithShape="1">
           <a:blip r:embed="rId4"/>
-          <a:stretch>
-            <a:fillRect/>
-          </a:stretch>
+          <a:srcRect r="39163"/>
+          <a:stretch/>
         </p:blipFill>
         <p:spPr>
           <a:xfrm>
-            <a:off x="3877783" y="4894410"/>
-            <a:ext cx="4648200" cy="1612641"/>
+            <a:off x="4572000" y="533400"/>
+            <a:ext cx="2827817" cy="1612641"/>
           </a:xfrm>
           <a:prstGeom prst="rect">
             <a:avLst/>
@@ -10799,7 +10936,7 @@
         </p:nvSpPr>
         <p:spPr>
           <a:xfrm>
-            <a:off x="4953000" y="4894410"/>
+            <a:off x="5647217" y="533400"/>
             <a:ext cx="1752600" cy="1598464"/>
           </a:xfrm>
           <a:prstGeom prst="roundRect">
@@ -10836,6 +10973,57 @@
           <a:p>
             <a:pPr algn="ctr"/>
             <a:endParaRPr lang="en-US"/>
+          </a:p>
+        </p:txBody>
+      </p:sp>
+      <p:sp>
+        <p:nvSpPr>
+          <p:cNvPr id="4" name="Speech Bubble: Rectangle with Corners Rounded 3">
+            <a:extLst>
+              <a:ext uri="{FF2B5EF4-FFF2-40B4-BE49-F238E27FC236}">
+                <a16:creationId xmlns:a16="http://schemas.microsoft.com/office/drawing/2014/main" id="{D10843E1-985B-4A9F-A87D-3ABA26727E55}"/>
+              </a:ext>
+            </a:extLst>
+          </p:cNvPr>
+          <p:cNvSpPr/>
+          <p:nvPr/>
+        </p:nvSpPr>
+        <p:spPr>
+          <a:xfrm>
+            <a:off x="7848600" y="685799"/>
+            <a:ext cx="1219200" cy="1004889"/>
+          </a:xfrm>
+          <a:prstGeom prst="wedgeRoundRectCallout">
+            <a:avLst>
+              <a:gd name="adj1" fmla="val -123464"/>
+              <a:gd name="adj2" fmla="val -6150"/>
+              <a:gd name="adj3" fmla="val 16667"/>
+            </a:avLst>
+          </a:prstGeom>
+        </p:spPr>
+        <p:style>
+          <a:lnRef idx="3">
+            <a:schemeClr val="lt1"/>
+          </a:lnRef>
+          <a:fillRef idx="1">
+            <a:schemeClr val="accent6"/>
+          </a:fillRef>
+          <a:effectRef idx="1">
+            <a:schemeClr val="accent6"/>
+          </a:effectRef>
+          <a:fontRef idx="minor">
+            <a:schemeClr val="lt1"/>
+          </a:fontRef>
+        </p:style>
+        <p:txBody>
+          <a:bodyPr rtlCol="0" anchor="ctr"/>
+          <a:lstStyle/>
+          <a:p>
+            <a:pPr algn="ctr"/>
+            <a:r>
+              <a:rPr lang="en-US" sz="1400" b="1" dirty="0"/>
+              <a:t>+ variables can have no value!</a:t>
+            </a:r>
           </a:p>
         </p:txBody>
       </p:sp>
@@ -10973,7 +11161,7 @@
                                         <p:tgtEl>
                                           <p:spTgt spid="5123">
                                             <p:txEl>
-                                              <p:pRg st="3" end="3"/>
+                                              <p:pRg st="4" end="4"/>
                                             </p:txEl>
                                           </p:spTgt>
                                         </p:tgtEl>
@@ -11004,7 +11192,7 @@
                                         <p:tgtEl>
                                           <p:spTgt spid="5123">
                                             <p:txEl>
-                                              <p:pRg st="4" end="4"/>
+                                              <p:pRg st="6" end="6"/>
                                             </p:txEl>
                                           </p:spTgt>
                                         </p:tgtEl>
@@ -11035,7 +11223,7 @@
                                         <p:tgtEl>
                                           <p:spTgt spid="5123">
                                             <p:txEl>
-                                              <p:pRg st="5" end="5"/>
+                                              <p:pRg st="7" end="7"/>
                                             </p:txEl>
                                           </p:spTgt>
                                         </p:tgtEl>
@@ -11066,7 +11254,7 @@
                                         <p:tgtEl>
                                           <p:spTgt spid="5123">
                                             <p:txEl>
-                                              <p:pRg st="6" end="6"/>
+                                              <p:pRg st="8" end="8"/>
                                             </p:txEl>
                                           </p:spTgt>
                                         </p:tgtEl>
@@ -11115,7 +11303,100 @@
                                         <p:tgtEl>
                                           <p:spTgt spid="5123">
                                             <p:txEl>
-                                              <p:pRg st="8" end="8"/>
+                                              <p:pRg st="10" end="10"/>
+                                            </p:txEl>
+                                          </p:spTgt>
+                                        </p:tgtEl>
+                                        <p:attrNameLst>
+                                          <p:attrName>style.visibility</p:attrName>
+                                        </p:attrNameLst>
+                                      </p:cBhvr>
+                                      <p:to>
+                                        <p:strVal val="visible"/>
+                                      </p:to>
+                                    </p:set>
+                                  </p:childTnLst>
+                                </p:cTn>
+                              </p:par>
+                              <p:par>
+                                <p:cTn id="23" presetID="1" presetClass="entr" presetSubtype="0" fill="hold" grpId="0" nodeType="withEffect">
+                                  <p:stCondLst>
+                                    <p:cond delay="0"/>
+                                  </p:stCondLst>
+                                  <p:childTnLst>
+                                    <p:set>
+                                      <p:cBhvr>
+                                        <p:cTn id="24" dur="1" fill="hold">
+                                          <p:stCondLst>
+                                            <p:cond delay="0"/>
+                                          </p:stCondLst>
+                                        </p:cTn>
+                                        <p:tgtEl>
+                                          <p:spTgt spid="5123">
+                                            <p:txEl>
+                                              <p:pRg st="11" end="11"/>
+                                            </p:txEl>
+                                          </p:spTgt>
+                                        </p:tgtEl>
+                                        <p:attrNameLst>
+                                          <p:attrName>style.visibility</p:attrName>
+                                        </p:attrNameLst>
+                                      </p:cBhvr>
+                                      <p:to>
+                                        <p:strVal val="visible"/>
+                                      </p:to>
+                                    </p:set>
+                                  </p:childTnLst>
+                                </p:cTn>
+                              </p:par>
+                              <p:par>
+                                <p:cTn id="25" presetID="1" presetClass="entr" presetSubtype="0" fill="hold" grpId="0" nodeType="withEffect">
+                                  <p:stCondLst>
+                                    <p:cond delay="0"/>
+                                  </p:stCondLst>
+                                  <p:childTnLst>
+                                    <p:set>
+                                      <p:cBhvr>
+                                        <p:cTn id="26" dur="1" fill="hold">
+                                          <p:stCondLst>
+                                            <p:cond delay="0"/>
+                                          </p:stCondLst>
+                                        </p:cTn>
+                                        <p:tgtEl>
+                                          <p:spTgt spid="5123">
+                                            <p:txEl>
+                                              <p:pRg st="12" end="12"/>
+                                            </p:txEl>
+                                          </p:spTgt>
+                                        </p:tgtEl>
+                                        <p:attrNameLst>
+                                          <p:attrName>style.visibility</p:attrName>
+                                        </p:attrNameLst>
+                                      </p:cBhvr>
+                                      <p:to>
+                                        <p:strVal val="visible"/>
+                                      </p:to>
+                                    </p:set>
+                                  </p:childTnLst>
+                                </p:cTn>
+                              </p:par>
+                              <p:par>
+                                <p:cTn id="27" presetID="1" presetClass="entr" presetSubtype="0" fill="hold" grpId="0" nodeType="withEffect">
+                                  <p:stCondLst>
+                                    <p:cond delay="0"/>
+                                  </p:stCondLst>
+                                  <p:childTnLst>
+                                    <p:set>
+                                      <p:cBhvr>
+                                        <p:cTn id="28" dur="1" fill="hold">
+                                          <p:stCondLst>
+                                            <p:cond delay="0"/>
+                                          </p:stCondLst>
+                                        </p:cTn>
+                                        <p:tgtEl>
+                                          <p:spTgt spid="5123">
+                                            <p:txEl>
+                                              <p:pRg st="13" end="13"/>
                                             </p:txEl>
                                           </p:spTgt>
                                         </p:tgtEl>
@@ -11137,26 +11418,26 @@
                     </p:cTn>
                   </p:par>
                   <p:par>
-                    <p:cTn id="23" fill="hold">
+                    <p:cTn id="29" fill="hold">
                       <p:stCondLst>
                         <p:cond delay="indefinite"/>
                       </p:stCondLst>
                       <p:childTnLst>
                         <p:par>
-                          <p:cTn id="24" fill="hold">
+                          <p:cTn id="30" fill="hold">
                             <p:stCondLst>
                               <p:cond delay="0"/>
                             </p:stCondLst>
                             <p:childTnLst>
                               <p:par>
-                                <p:cTn id="25" presetID="1" presetClass="entr" presetSubtype="0" fill="hold" grpId="0" nodeType="clickEffect">
+                                <p:cTn id="31" presetID="1" presetClass="entr" presetSubtype="0" fill="hold" grpId="0" nodeType="clickEffect">
                                   <p:stCondLst>
                                     <p:cond delay="0"/>
                                   </p:stCondLst>
                                   <p:childTnLst>
                                     <p:set>
                                       <p:cBhvr>
-                                        <p:cTn id="26" dur="1" fill="hold">
+                                        <p:cTn id="32" dur="1" fill="hold">
                                           <p:stCondLst>
                                             <p:cond delay="0"/>
                                           </p:stCondLst>
@@ -11164,56 +11445,7 @@
                                         <p:tgtEl>
                                           <p:spTgt spid="5123">
                                             <p:txEl>
-                                              <p:pRg st="9" end="9"/>
-                                            </p:txEl>
-                                          </p:spTgt>
-                                        </p:tgtEl>
-                                        <p:attrNameLst>
-                                          <p:attrName>style.visibility</p:attrName>
-                                        </p:attrNameLst>
-                                      </p:cBhvr>
-                                      <p:to>
-                                        <p:strVal val="visible"/>
-                                      </p:to>
-                                    </p:set>
-                                  </p:childTnLst>
-                                </p:cTn>
-                              </p:par>
-                            </p:childTnLst>
-                          </p:cTn>
-                        </p:par>
-                      </p:childTnLst>
-                    </p:cTn>
-                  </p:par>
-                  <p:par>
-                    <p:cTn id="27" fill="hold">
-                      <p:stCondLst>
-                        <p:cond delay="indefinite"/>
-                      </p:stCondLst>
-                      <p:childTnLst>
-                        <p:par>
-                          <p:cTn id="28" fill="hold">
-                            <p:stCondLst>
-                              <p:cond delay="0"/>
-                            </p:stCondLst>
-                            <p:childTnLst>
-                              <p:par>
-                                <p:cTn id="29" presetID="1" presetClass="entr" presetSubtype="0" fill="hold" grpId="0" nodeType="clickEffect">
-                                  <p:stCondLst>
-                                    <p:cond delay="0"/>
-                                  </p:stCondLst>
-                                  <p:childTnLst>
-                                    <p:set>
-                                      <p:cBhvr>
-                                        <p:cTn id="30" dur="1" fill="hold">
-                                          <p:stCondLst>
-                                            <p:cond delay="0"/>
-                                          </p:stCondLst>
-                                        </p:cTn>
-                                        <p:tgtEl>
-                                          <p:spTgt spid="5123">
-                                            <p:txEl>
-                                              <p:pRg st="10" end="10"/>
+                                              <p:pRg st="15" end="15"/>
                                             </p:txEl>
                                           </p:spTgt>
                                         </p:tgtEl>
@@ -16514,10 +16746,15 @@
             <p:ph idx="1"/>
           </p:nvPr>
         </p:nvSpPr>
-        <p:spPr/>
+        <p:spPr>
+          <a:xfrm>
+            <a:off x="628650" y="1825625"/>
+            <a:ext cx="6762750" cy="4351338"/>
+          </a:xfrm>
+        </p:spPr>
         <p:txBody>
           <a:bodyPr>
-            <a:normAutofit lnSpcReduction="10000"/>
+            <a:normAutofit fontScale="92500" lnSpcReduction="10000"/>
           </a:bodyPr>
           <a:lstStyle/>
           <a:p>
@@ -16530,7 +16767,7 @@
             </a:br>
             <a:r>
               <a:rPr lang="en-US" dirty="0"/>
-              <a:t>Find variable assignments that makes a Boolean expression (often expressed in conjunctive normal form) evaluate as true. </a:t>
+              <a:t>Find variable assignments that makes a Boolean expression (often expressed in conjunctive normal form) evaluate as true.</a:t>
             </a:r>
           </a:p>
           <a:p>
@@ -16582,7 +16819,14 @@
             </a:br>
             <a:r>
               <a:rPr lang="en-US" dirty="0"/>
-              <a:t>Find a feasible solution.</a:t>
+              <a:t>Find a feasible solution using, e.g., </a:t>
+            </a:r>
+            <a:br>
+              <a:rPr lang="en-US" dirty="0"/>
+            </a:br>
+            <a:r>
+              <a:rPr lang="en-US" dirty="0"/>
+              <a:t>the simplex algorithm.</a:t>
             </a:r>
           </a:p>
           <a:p>
@@ -16842,6 +17086,85 @@
           </a:extLst>
         </p:spPr>
       </p:pic>
+      <p:sp>
+        <p:nvSpPr>
+          <p:cNvPr id="4" name="Right Brace 3">
+            <a:extLst>
+              <a:ext uri="{FF2B5EF4-FFF2-40B4-BE49-F238E27FC236}">
+                <a16:creationId xmlns:a16="http://schemas.microsoft.com/office/drawing/2014/main" id="{D6B4F95F-71FD-4E58-99F6-1BE4DDF3BDB9}"/>
+              </a:ext>
+            </a:extLst>
+          </p:cNvPr>
+          <p:cNvSpPr/>
+          <p:nvPr/>
+        </p:nvSpPr>
+        <p:spPr>
+          <a:xfrm>
+            <a:off x="7391400" y="1825625"/>
+            <a:ext cx="304800" cy="2583894"/>
+          </a:xfrm>
+          <a:prstGeom prst="rightBrace">
+            <a:avLst/>
+          </a:prstGeom>
+        </p:spPr>
+        <p:style>
+          <a:lnRef idx="1">
+            <a:schemeClr val="accent1"/>
+          </a:lnRef>
+          <a:fillRef idx="0">
+            <a:schemeClr val="accent1"/>
+          </a:fillRef>
+          <a:effectRef idx="0">
+            <a:schemeClr val="accent1"/>
+          </a:effectRef>
+          <a:fontRef idx="minor">
+            <a:schemeClr val="tx1"/>
+          </a:fontRef>
+        </p:style>
+        <p:txBody>
+          <a:bodyPr rtlCol="0" anchor="ctr"/>
+          <a:lstStyle/>
+          <a:p>
+            <a:pPr algn="ctr"/>
+            <a:endParaRPr lang="en-US"/>
+          </a:p>
+        </p:txBody>
+      </p:sp>
+      <p:sp>
+        <p:nvSpPr>
+          <p:cNvPr id="5" name="TextBox 4">
+            <a:extLst>
+              <a:ext uri="{FF2B5EF4-FFF2-40B4-BE49-F238E27FC236}">
+                <a16:creationId xmlns:a16="http://schemas.microsoft.com/office/drawing/2014/main" id="{1D896929-379C-4B9F-BE37-2F6C0043FCE0}"/>
+              </a:ext>
+            </a:extLst>
+          </p:cNvPr>
+          <p:cNvSpPr txBox="1"/>
+          <p:nvPr/>
+        </p:nvSpPr>
+        <p:spPr>
+          <a:xfrm rot="16200000">
+            <a:off x="7119419" y="2787687"/>
+            <a:ext cx="1675294" cy="369332"/>
+          </a:xfrm>
+          <a:prstGeom prst="rect">
+            <a:avLst/>
+          </a:prstGeom>
+          <a:noFill/>
+        </p:spPr>
+        <p:txBody>
+          <a:bodyPr wrap="square" rtlCol="0">
+            <a:spAutoFit/>
+          </a:bodyPr>
+          <a:lstStyle/>
+          <a:p>
+            <a:r>
+              <a:rPr lang="en-US" dirty="0"/>
+              <a:t>NP-complete </a:t>
+            </a:r>
+          </a:p>
+        </p:txBody>
+      </p:sp>
     </p:spTree>
     <p:extLst>
       <p:ext uri="{BB962C8B-B14F-4D97-AF65-F5344CB8AC3E}">

--- a/slides/06_CSP.pptx
+++ b/slides/06_CSP.pptx
@@ -2294,7 +2294,7 @@
           <a:p>
             <a:fld id="{FDB68C03-DCF9-4B87-BBF6-8F2088376604}" type="datetimeFigureOut">
               <a:rPr lang="en-US" smtClean="0"/>
-              <a:t>3/24/2022</a:t>
+              <a:t>11/6/2023</a:t>
             </a:fld>
             <a:endParaRPr lang="en-US"/>
           </a:p>
@@ -2904,7 +2904,7 @@
           <a:p>
             <a:fld id="{FDB68C03-DCF9-4B87-BBF6-8F2088376604}" type="datetimeFigureOut">
               <a:rPr lang="en-US" smtClean="0"/>
-              <a:t>3/24/2022</a:t>
+              <a:t>11/6/2023</a:t>
             </a:fld>
             <a:endParaRPr lang="en-US"/>
           </a:p>
@@ -3179,7 +3179,7 @@
           <a:p>
             <a:fld id="{FDB68C03-DCF9-4B87-BBF6-8F2088376604}" type="datetimeFigureOut">
               <a:rPr lang="en-US" smtClean="0"/>
-              <a:t>3/24/2022</a:t>
+              <a:t>11/6/2023</a:t>
             </a:fld>
             <a:endParaRPr lang="en-US"/>
           </a:p>
@@ -4968,7 +4968,7 @@
           <a:p>
             <a:fld id="{FDB68C03-DCF9-4B87-BBF6-8F2088376604}" type="datetimeFigureOut">
               <a:rPr lang="en-US" smtClean="0"/>
-              <a:t>3/24/2022</a:t>
+              <a:t>11/6/2023</a:t>
             </a:fld>
             <a:endParaRPr lang="en-US"/>
           </a:p>
@@ -6450,6 +6450,146 @@
           </a:p>
         </p:txBody>
       </p:sp>
+      <p:sp>
+        <p:nvSpPr>
+          <p:cNvPr id="2" name="Star: 5 Points 1">
+            <a:extLst>
+              <a:ext uri="{FF2B5EF4-FFF2-40B4-BE49-F238E27FC236}">
+                <a16:creationId xmlns:a16="http://schemas.microsoft.com/office/drawing/2014/main" id="{935DF966-C2A1-7C21-4E4C-5D04E963651F}"/>
+              </a:ext>
+            </a:extLst>
+          </p:cNvPr>
+          <p:cNvSpPr/>
+          <p:nvPr/>
+        </p:nvSpPr>
+        <p:spPr>
+          <a:xfrm>
+            <a:off x="8763000" y="129075"/>
+            <a:ext cx="247650" cy="244474"/>
+          </a:xfrm>
+          <a:prstGeom prst="star5">
+            <a:avLst/>
+          </a:prstGeom>
+        </p:spPr>
+        <p:style>
+          <a:lnRef idx="2">
+            <a:schemeClr val="accent2">
+              <a:shade val="50000"/>
+            </a:schemeClr>
+          </a:lnRef>
+          <a:fillRef idx="1">
+            <a:schemeClr val="accent2"/>
+          </a:fillRef>
+          <a:effectRef idx="0">
+            <a:schemeClr val="accent2"/>
+          </a:effectRef>
+          <a:fontRef idx="minor">
+            <a:schemeClr val="lt1"/>
+          </a:fontRef>
+        </p:style>
+        <p:txBody>
+          <a:bodyPr rtlCol="0" anchor="ctr"/>
+          <a:lstStyle>
+            <a:defPPr>
+              <a:defRPr lang="en-US"/>
+            </a:defPPr>
+            <a:lvl1pPr marL="0" algn="l" defTabSz="914400" rtl="0" eaLnBrk="1" latinLnBrk="0" hangingPunct="1">
+              <a:defRPr sz="1800" kern="1200">
+                <a:solidFill>
+                  <a:schemeClr val="lt1"/>
+                </a:solidFill>
+                <a:latin typeface="+mn-lt"/>
+                <a:ea typeface="+mn-ea"/>
+                <a:cs typeface="+mn-cs"/>
+              </a:defRPr>
+            </a:lvl1pPr>
+            <a:lvl2pPr marL="457200" algn="l" defTabSz="914400" rtl="0" eaLnBrk="1" latinLnBrk="0" hangingPunct="1">
+              <a:defRPr sz="1800" kern="1200">
+                <a:solidFill>
+                  <a:schemeClr val="lt1"/>
+                </a:solidFill>
+                <a:latin typeface="+mn-lt"/>
+                <a:ea typeface="+mn-ea"/>
+                <a:cs typeface="+mn-cs"/>
+              </a:defRPr>
+            </a:lvl2pPr>
+            <a:lvl3pPr marL="914400" algn="l" defTabSz="914400" rtl="0" eaLnBrk="1" latinLnBrk="0" hangingPunct="1">
+              <a:defRPr sz="1800" kern="1200">
+                <a:solidFill>
+                  <a:schemeClr val="lt1"/>
+                </a:solidFill>
+                <a:latin typeface="+mn-lt"/>
+                <a:ea typeface="+mn-ea"/>
+                <a:cs typeface="+mn-cs"/>
+              </a:defRPr>
+            </a:lvl3pPr>
+            <a:lvl4pPr marL="1371600" algn="l" defTabSz="914400" rtl="0" eaLnBrk="1" latinLnBrk="0" hangingPunct="1">
+              <a:defRPr sz="1800" kern="1200">
+                <a:solidFill>
+                  <a:schemeClr val="lt1"/>
+                </a:solidFill>
+                <a:latin typeface="+mn-lt"/>
+                <a:ea typeface="+mn-ea"/>
+                <a:cs typeface="+mn-cs"/>
+              </a:defRPr>
+            </a:lvl4pPr>
+            <a:lvl5pPr marL="1828800" algn="l" defTabSz="914400" rtl="0" eaLnBrk="1" latinLnBrk="0" hangingPunct="1">
+              <a:defRPr sz="1800" kern="1200">
+                <a:solidFill>
+                  <a:schemeClr val="lt1"/>
+                </a:solidFill>
+                <a:latin typeface="+mn-lt"/>
+                <a:ea typeface="+mn-ea"/>
+                <a:cs typeface="+mn-cs"/>
+              </a:defRPr>
+            </a:lvl5pPr>
+            <a:lvl6pPr marL="2286000" algn="l" defTabSz="914400" rtl="0" eaLnBrk="1" latinLnBrk="0" hangingPunct="1">
+              <a:defRPr sz="1800" kern="1200">
+                <a:solidFill>
+                  <a:schemeClr val="lt1"/>
+                </a:solidFill>
+                <a:latin typeface="+mn-lt"/>
+                <a:ea typeface="+mn-ea"/>
+                <a:cs typeface="+mn-cs"/>
+              </a:defRPr>
+            </a:lvl6pPr>
+            <a:lvl7pPr marL="2743200" algn="l" defTabSz="914400" rtl="0" eaLnBrk="1" latinLnBrk="0" hangingPunct="1">
+              <a:defRPr sz="1800" kern="1200">
+                <a:solidFill>
+                  <a:schemeClr val="lt1"/>
+                </a:solidFill>
+                <a:latin typeface="+mn-lt"/>
+                <a:ea typeface="+mn-ea"/>
+                <a:cs typeface="+mn-cs"/>
+              </a:defRPr>
+            </a:lvl7pPr>
+            <a:lvl8pPr marL="3200400" algn="l" defTabSz="914400" rtl="0" eaLnBrk="1" latinLnBrk="0" hangingPunct="1">
+              <a:defRPr sz="1800" kern="1200">
+                <a:solidFill>
+                  <a:schemeClr val="lt1"/>
+                </a:solidFill>
+                <a:latin typeface="+mn-lt"/>
+                <a:ea typeface="+mn-ea"/>
+                <a:cs typeface="+mn-cs"/>
+              </a:defRPr>
+            </a:lvl8pPr>
+            <a:lvl9pPr marL="3657600" algn="l" defTabSz="914400" rtl="0" eaLnBrk="1" latinLnBrk="0" hangingPunct="1">
+              <a:defRPr sz="1800" kern="1200">
+                <a:solidFill>
+                  <a:schemeClr val="lt1"/>
+                </a:solidFill>
+                <a:latin typeface="+mn-lt"/>
+                <a:ea typeface="+mn-ea"/>
+                <a:cs typeface="+mn-cs"/>
+              </a:defRPr>
+            </a:lvl9pPr>
+          </a:lstStyle>
+          <a:p>
+            <a:pPr algn="ctr"/>
+            <a:endParaRPr lang="en-US"/>
+          </a:p>
+        </p:txBody>
+      </p:sp>
     </p:spTree>
   </p:cSld>
   <p:clrMapOvr>
@@ -6605,6 +6745,146 @@
               <a:rPr lang="en-US" sz="2400" dirty="0"/>
               <a:t>Any complete and consistent assignment.</a:t>
             </a:r>
+          </a:p>
+        </p:txBody>
+      </p:sp>
+      <p:sp>
+        <p:nvSpPr>
+          <p:cNvPr id="2" name="Star: 5 Points 1">
+            <a:extLst>
+              <a:ext uri="{FF2B5EF4-FFF2-40B4-BE49-F238E27FC236}">
+                <a16:creationId xmlns:a16="http://schemas.microsoft.com/office/drawing/2014/main" id="{6B71A7AB-D489-B60F-A6EA-D0B687D3175B}"/>
+              </a:ext>
+            </a:extLst>
+          </p:cNvPr>
+          <p:cNvSpPr/>
+          <p:nvPr/>
+        </p:nvSpPr>
+        <p:spPr>
+          <a:xfrm>
+            <a:off x="8763000" y="129075"/>
+            <a:ext cx="247650" cy="244474"/>
+          </a:xfrm>
+          <a:prstGeom prst="star5">
+            <a:avLst/>
+          </a:prstGeom>
+        </p:spPr>
+        <p:style>
+          <a:lnRef idx="2">
+            <a:schemeClr val="accent2">
+              <a:shade val="50000"/>
+            </a:schemeClr>
+          </a:lnRef>
+          <a:fillRef idx="1">
+            <a:schemeClr val="accent2"/>
+          </a:fillRef>
+          <a:effectRef idx="0">
+            <a:schemeClr val="accent2"/>
+          </a:effectRef>
+          <a:fontRef idx="minor">
+            <a:schemeClr val="lt1"/>
+          </a:fontRef>
+        </p:style>
+        <p:txBody>
+          <a:bodyPr rtlCol="0" anchor="ctr"/>
+          <a:lstStyle>
+            <a:defPPr>
+              <a:defRPr lang="en-US"/>
+            </a:defPPr>
+            <a:lvl1pPr marL="0" algn="l" defTabSz="914400" rtl="0" eaLnBrk="1" latinLnBrk="0" hangingPunct="1">
+              <a:defRPr sz="1800" kern="1200">
+                <a:solidFill>
+                  <a:schemeClr val="lt1"/>
+                </a:solidFill>
+                <a:latin typeface="+mn-lt"/>
+                <a:ea typeface="+mn-ea"/>
+                <a:cs typeface="+mn-cs"/>
+              </a:defRPr>
+            </a:lvl1pPr>
+            <a:lvl2pPr marL="457200" algn="l" defTabSz="914400" rtl="0" eaLnBrk="1" latinLnBrk="0" hangingPunct="1">
+              <a:defRPr sz="1800" kern="1200">
+                <a:solidFill>
+                  <a:schemeClr val="lt1"/>
+                </a:solidFill>
+                <a:latin typeface="+mn-lt"/>
+                <a:ea typeface="+mn-ea"/>
+                <a:cs typeface="+mn-cs"/>
+              </a:defRPr>
+            </a:lvl2pPr>
+            <a:lvl3pPr marL="914400" algn="l" defTabSz="914400" rtl="0" eaLnBrk="1" latinLnBrk="0" hangingPunct="1">
+              <a:defRPr sz="1800" kern="1200">
+                <a:solidFill>
+                  <a:schemeClr val="lt1"/>
+                </a:solidFill>
+                <a:latin typeface="+mn-lt"/>
+                <a:ea typeface="+mn-ea"/>
+                <a:cs typeface="+mn-cs"/>
+              </a:defRPr>
+            </a:lvl3pPr>
+            <a:lvl4pPr marL="1371600" algn="l" defTabSz="914400" rtl="0" eaLnBrk="1" latinLnBrk="0" hangingPunct="1">
+              <a:defRPr sz="1800" kern="1200">
+                <a:solidFill>
+                  <a:schemeClr val="lt1"/>
+                </a:solidFill>
+                <a:latin typeface="+mn-lt"/>
+                <a:ea typeface="+mn-ea"/>
+                <a:cs typeface="+mn-cs"/>
+              </a:defRPr>
+            </a:lvl4pPr>
+            <a:lvl5pPr marL="1828800" algn="l" defTabSz="914400" rtl="0" eaLnBrk="1" latinLnBrk="0" hangingPunct="1">
+              <a:defRPr sz="1800" kern="1200">
+                <a:solidFill>
+                  <a:schemeClr val="lt1"/>
+                </a:solidFill>
+                <a:latin typeface="+mn-lt"/>
+                <a:ea typeface="+mn-ea"/>
+                <a:cs typeface="+mn-cs"/>
+              </a:defRPr>
+            </a:lvl5pPr>
+            <a:lvl6pPr marL="2286000" algn="l" defTabSz="914400" rtl="0" eaLnBrk="1" latinLnBrk="0" hangingPunct="1">
+              <a:defRPr sz="1800" kern="1200">
+                <a:solidFill>
+                  <a:schemeClr val="lt1"/>
+                </a:solidFill>
+                <a:latin typeface="+mn-lt"/>
+                <a:ea typeface="+mn-ea"/>
+                <a:cs typeface="+mn-cs"/>
+              </a:defRPr>
+            </a:lvl6pPr>
+            <a:lvl7pPr marL="2743200" algn="l" defTabSz="914400" rtl="0" eaLnBrk="1" latinLnBrk="0" hangingPunct="1">
+              <a:defRPr sz="1800" kern="1200">
+                <a:solidFill>
+                  <a:schemeClr val="lt1"/>
+                </a:solidFill>
+                <a:latin typeface="+mn-lt"/>
+                <a:ea typeface="+mn-ea"/>
+                <a:cs typeface="+mn-cs"/>
+              </a:defRPr>
+            </a:lvl7pPr>
+            <a:lvl8pPr marL="3200400" algn="l" defTabSz="914400" rtl="0" eaLnBrk="1" latinLnBrk="0" hangingPunct="1">
+              <a:defRPr sz="1800" kern="1200">
+                <a:solidFill>
+                  <a:schemeClr val="lt1"/>
+                </a:solidFill>
+                <a:latin typeface="+mn-lt"/>
+                <a:ea typeface="+mn-ea"/>
+                <a:cs typeface="+mn-cs"/>
+              </a:defRPr>
+            </a:lvl8pPr>
+            <a:lvl9pPr marL="3657600" algn="l" defTabSz="914400" rtl="0" eaLnBrk="1" latinLnBrk="0" hangingPunct="1">
+              <a:defRPr sz="1800" kern="1200">
+                <a:solidFill>
+                  <a:schemeClr val="lt1"/>
+                </a:solidFill>
+                <a:latin typeface="+mn-lt"/>
+                <a:ea typeface="+mn-ea"/>
+                <a:cs typeface="+mn-cs"/>
+              </a:defRPr>
+            </a:lvl9pPr>
+          </a:lstStyle>
+          <a:p>
+            <a:pPr algn="ctr"/>
+            <a:endParaRPr lang="en-US"/>
           </a:p>
         </p:txBody>
       </p:sp>
@@ -7305,9 +7585,149 @@
             </a:r>
             <a:r>
               <a:rPr lang="en-US" sz="2400" b="1" dirty="0"/>
-              <a:t>backtracking search</a:t>
+              <a:t>backtracking search.</a:t>
             </a:r>
             <a:endParaRPr lang="en-US" sz="2400" dirty="0"/>
+          </a:p>
+        </p:txBody>
+      </p:sp>
+      <p:sp>
+        <p:nvSpPr>
+          <p:cNvPr id="2" name="Star: 5 Points 1">
+            <a:extLst>
+              <a:ext uri="{FF2B5EF4-FFF2-40B4-BE49-F238E27FC236}">
+                <a16:creationId xmlns:a16="http://schemas.microsoft.com/office/drawing/2014/main" id="{95D84DF1-5896-6569-D9E0-C1381A5C4546}"/>
+              </a:ext>
+            </a:extLst>
+          </p:cNvPr>
+          <p:cNvSpPr/>
+          <p:nvPr/>
+        </p:nvSpPr>
+        <p:spPr>
+          <a:xfrm>
+            <a:off x="8763000" y="129075"/>
+            <a:ext cx="247650" cy="244474"/>
+          </a:xfrm>
+          <a:prstGeom prst="star5">
+            <a:avLst/>
+          </a:prstGeom>
+        </p:spPr>
+        <p:style>
+          <a:lnRef idx="2">
+            <a:schemeClr val="accent2">
+              <a:shade val="50000"/>
+            </a:schemeClr>
+          </a:lnRef>
+          <a:fillRef idx="1">
+            <a:schemeClr val="accent2"/>
+          </a:fillRef>
+          <a:effectRef idx="0">
+            <a:schemeClr val="accent2"/>
+          </a:effectRef>
+          <a:fontRef idx="minor">
+            <a:schemeClr val="lt1"/>
+          </a:fontRef>
+        </p:style>
+        <p:txBody>
+          <a:bodyPr rtlCol="0" anchor="ctr"/>
+          <a:lstStyle>
+            <a:defPPr>
+              <a:defRPr lang="en-US"/>
+            </a:defPPr>
+            <a:lvl1pPr marL="0" algn="l" defTabSz="914400" rtl="0" eaLnBrk="1" latinLnBrk="0" hangingPunct="1">
+              <a:defRPr sz="1800" kern="1200">
+                <a:solidFill>
+                  <a:schemeClr val="lt1"/>
+                </a:solidFill>
+                <a:latin typeface="+mn-lt"/>
+                <a:ea typeface="+mn-ea"/>
+                <a:cs typeface="+mn-cs"/>
+              </a:defRPr>
+            </a:lvl1pPr>
+            <a:lvl2pPr marL="457200" algn="l" defTabSz="914400" rtl="0" eaLnBrk="1" latinLnBrk="0" hangingPunct="1">
+              <a:defRPr sz="1800" kern="1200">
+                <a:solidFill>
+                  <a:schemeClr val="lt1"/>
+                </a:solidFill>
+                <a:latin typeface="+mn-lt"/>
+                <a:ea typeface="+mn-ea"/>
+                <a:cs typeface="+mn-cs"/>
+              </a:defRPr>
+            </a:lvl2pPr>
+            <a:lvl3pPr marL="914400" algn="l" defTabSz="914400" rtl="0" eaLnBrk="1" latinLnBrk="0" hangingPunct="1">
+              <a:defRPr sz="1800" kern="1200">
+                <a:solidFill>
+                  <a:schemeClr val="lt1"/>
+                </a:solidFill>
+                <a:latin typeface="+mn-lt"/>
+                <a:ea typeface="+mn-ea"/>
+                <a:cs typeface="+mn-cs"/>
+              </a:defRPr>
+            </a:lvl3pPr>
+            <a:lvl4pPr marL="1371600" algn="l" defTabSz="914400" rtl="0" eaLnBrk="1" latinLnBrk="0" hangingPunct="1">
+              <a:defRPr sz="1800" kern="1200">
+                <a:solidFill>
+                  <a:schemeClr val="lt1"/>
+                </a:solidFill>
+                <a:latin typeface="+mn-lt"/>
+                <a:ea typeface="+mn-ea"/>
+                <a:cs typeface="+mn-cs"/>
+              </a:defRPr>
+            </a:lvl4pPr>
+            <a:lvl5pPr marL="1828800" algn="l" defTabSz="914400" rtl="0" eaLnBrk="1" latinLnBrk="0" hangingPunct="1">
+              <a:defRPr sz="1800" kern="1200">
+                <a:solidFill>
+                  <a:schemeClr val="lt1"/>
+                </a:solidFill>
+                <a:latin typeface="+mn-lt"/>
+                <a:ea typeface="+mn-ea"/>
+                <a:cs typeface="+mn-cs"/>
+              </a:defRPr>
+            </a:lvl5pPr>
+            <a:lvl6pPr marL="2286000" algn="l" defTabSz="914400" rtl="0" eaLnBrk="1" latinLnBrk="0" hangingPunct="1">
+              <a:defRPr sz="1800" kern="1200">
+                <a:solidFill>
+                  <a:schemeClr val="lt1"/>
+                </a:solidFill>
+                <a:latin typeface="+mn-lt"/>
+                <a:ea typeface="+mn-ea"/>
+                <a:cs typeface="+mn-cs"/>
+              </a:defRPr>
+            </a:lvl6pPr>
+            <a:lvl7pPr marL="2743200" algn="l" defTabSz="914400" rtl="0" eaLnBrk="1" latinLnBrk="0" hangingPunct="1">
+              <a:defRPr sz="1800" kern="1200">
+                <a:solidFill>
+                  <a:schemeClr val="lt1"/>
+                </a:solidFill>
+                <a:latin typeface="+mn-lt"/>
+                <a:ea typeface="+mn-ea"/>
+                <a:cs typeface="+mn-cs"/>
+              </a:defRPr>
+            </a:lvl7pPr>
+            <a:lvl8pPr marL="3200400" algn="l" defTabSz="914400" rtl="0" eaLnBrk="1" latinLnBrk="0" hangingPunct="1">
+              <a:defRPr sz="1800" kern="1200">
+                <a:solidFill>
+                  <a:schemeClr val="lt1"/>
+                </a:solidFill>
+                <a:latin typeface="+mn-lt"/>
+                <a:ea typeface="+mn-ea"/>
+                <a:cs typeface="+mn-cs"/>
+              </a:defRPr>
+            </a:lvl8pPr>
+            <a:lvl9pPr marL="3657600" algn="l" defTabSz="914400" rtl="0" eaLnBrk="1" latinLnBrk="0" hangingPunct="1">
+              <a:defRPr sz="1800" kern="1200">
+                <a:solidFill>
+                  <a:schemeClr val="lt1"/>
+                </a:solidFill>
+                <a:latin typeface="+mn-lt"/>
+                <a:ea typeface="+mn-ea"/>
+                <a:cs typeface="+mn-cs"/>
+              </a:defRPr>
+            </a:lvl9pPr>
+          </a:lstStyle>
+          <a:p>
+            <a:pPr algn="ctr"/>
+            <a:endParaRPr lang="en-US"/>
           </a:p>
         </p:txBody>
       </p:sp>
@@ -8070,6 +8490,146 @@
           </a:fontRef>
         </p:style>
       </p:cxnSp>
+      <p:sp>
+        <p:nvSpPr>
+          <p:cNvPr id="2" name="Star: 5 Points 1">
+            <a:extLst>
+              <a:ext uri="{FF2B5EF4-FFF2-40B4-BE49-F238E27FC236}">
+                <a16:creationId xmlns:a16="http://schemas.microsoft.com/office/drawing/2014/main" id="{CA497226-A8BC-6C7E-D599-C0BB97D40F82}"/>
+              </a:ext>
+            </a:extLst>
+          </p:cNvPr>
+          <p:cNvSpPr/>
+          <p:nvPr/>
+        </p:nvSpPr>
+        <p:spPr>
+          <a:xfrm>
+            <a:off x="8763000" y="129075"/>
+            <a:ext cx="247650" cy="244474"/>
+          </a:xfrm>
+          <a:prstGeom prst="star5">
+            <a:avLst/>
+          </a:prstGeom>
+        </p:spPr>
+        <p:style>
+          <a:lnRef idx="2">
+            <a:schemeClr val="accent2">
+              <a:shade val="50000"/>
+            </a:schemeClr>
+          </a:lnRef>
+          <a:fillRef idx="1">
+            <a:schemeClr val="accent2"/>
+          </a:fillRef>
+          <a:effectRef idx="0">
+            <a:schemeClr val="accent2"/>
+          </a:effectRef>
+          <a:fontRef idx="minor">
+            <a:schemeClr val="lt1"/>
+          </a:fontRef>
+        </p:style>
+        <p:txBody>
+          <a:bodyPr rtlCol="0" anchor="ctr"/>
+          <a:lstStyle>
+            <a:defPPr>
+              <a:defRPr lang="en-US"/>
+            </a:defPPr>
+            <a:lvl1pPr marL="0" algn="l" defTabSz="914400" rtl="0" eaLnBrk="1" latinLnBrk="0" hangingPunct="1">
+              <a:defRPr sz="1800" kern="1200">
+                <a:solidFill>
+                  <a:schemeClr val="lt1"/>
+                </a:solidFill>
+                <a:latin typeface="+mn-lt"/>
+                <a:ea typeface="+mn-ea"/>
+                <a:cs typeface="+mn-cs"/>
+              </a:defRPr>
+            </a:lvl1pPr>
+            <a:lvl2pPr marL="457200" algn="l" defTabSz="914400" rtl="0" eaLnBrk="1" latinLnBrk="0" hangingPunct="1">
+              <a:defRPr sz="1800" kern="1200">
+                <a:solidFill>
+                  <a:schemeClr val="lt1"/>
+                </a:solidFill>
+                <a:latin typeface="+mn-lt"/>
+                <a:ea typeface="+mn-ea"/>
+                <a:cs typeface="+mn-cs"/>
+              </a:defRPr>
+            </a:lvl2pPr>
+            <a:lvl3pPr marL="914400" algn="l" defTabSz="914400" rtl="0" eaLnBrk="1" latinLnBrk="0" hangingPunct="1">
+              <a:defRPr sz="1800" kern="1200">
+                <a:solidFill>
+                  <a:schemeClr val="lt1"/>
+                </a:solidFill>
+                <a:latin typeface="+mn-lt"/>
+                <a:ea typeface="+mn-ea"/>
+                <a:cs typeface="+mn-cs"/>
+              </a:defRPr>
+            </a:lvl3pPr>
+            <a:lvl4pPr marL="1371600" algn="l" defTabSz="914400" rtl="0" eaLnBrk="1" latinLnBrk="0" hangingPunct="1">
+              <a:defRPr sz="1800" kern="1200">
+                <a:solidFill>
+                  <a:schemeClr val="lt1"/>
+                </a:solidFill>
+                <a:latin typeface="+mn-lt"/>
+                <a:ea typeface="+mn-ea"/>
+                <a:cs typeface="+mn-cs"/>
+              </a:defRPr>
+            </a:lvl4pPr>
+            <a:lvl5pPr marL="1828800" algn="l" defTabSz="914400" rtl="0" eaLnBrk="1" latinLnBrk="0" hangingPunct="1">
+              <a:defRPr sz="1800" kern="1200">
+                <a:solidFill>
+                  <a:schemeClr val="lt1"/>
+                </a:solidFill>
+                <a:latin typeface="+mn-lt"/>
+                <a:ea typeface="+mn-ea"/>
+                <a:cs typeface="+mn-cs"/>
+              </a:defRPr>
+            </a:lvl5pPr>
+            <a:lvl6pPr marL="2286000" algn="l" defTabSz="914400" rtl="0" eaLnBrk="1" latinLnBrk="0" hangingPunct="1">
+              <a:defRPr sz="1800" kern="1200">
+                <a:solidFill>
+                  <a:schemeClr val="lt1"/>
+                </a:solidFill>
+                <a:latin typeface="+mn-lt"/>
+                <a:ea typeface="+mn-ea"/>
+                <a:cs typeface="+mn-cs"/>
+              </a:defRPr>
+            </a:lvl6pPr>
+            <a:lvl7pPr marL="2743200" algn="l" defTabSz="914400" rtl="0" eaLnBrk="1" latinLnBrk="0" hangingPunct="1">
+              <a:defRPr sz="1800" kern="1200">
+                <a:solidFill>
+                  <a:schemeClr val="lt1"/>
+                </a:solidFill>
+                <a:latin typeface="+mn-lt"/>
+                <a:ea typeface="+mn-ea"/>
+                <a:cs typeface="+mn-cs"/>
+              </a:defRPr>
+            </a:lvl7pPr>
+            <a:lvl8pPr marL="3200400" algn="l" defTabSz="914400" rtl="0" eaLnBrk="1" latinLnBrk="0" hangingPunct="1">
+              <a:defRPr sz="1800" kern="1200">
+                <a:solidFill>
+                  <a:schemeClr val="lt1"/>
+                </a:solidFill>
+                <a:latin typeface="+mn-lt"/>
+                <a:ea typeface="+mn-ea"/>
+                <a:cs typeface="+mn-cs"/>
+              </a:defRPr>
+            </a:lvl8pPr>
+            <a:lvl9pPr marL="3657600" algn="l" defTabSz="914400" rtl="0" eaLnBrk="1" latinLnBrk="0" hangingPunct="1">
+              <a:defRPr sz="1800" kern="1200">
+                <a:solidFill>
+                  <a:schemeClr val="lt1"/>
+                </a:solidFill>
+                <a:latin typeface="+mn-lt"/>
+                <a:ea typeface="+mn-ea"/>
+                <a:cs typeface="+mn-cs"/>
+              </a:defRPr>
+            </a:lvl9pPr>
+          </a:lstStyle>
+          <a:p>
+            <a:pPr algn="ctr"/>
+            <a:endParaRPr lang="en-US"/>
+          </a:p>
+        </p:txBody>
+      </p:sp>
     </p:spTree>
   </p:cSld>
   <p:clrMapOvr>
@@ -10367,6 +10927,146 @@
           </a:fontRef>
         </p:style>
       </p:cxnSp>
+      <p:sp>
+        <p:nvSpPr>
+          <p:cNvPr id="2" name="Star: 5 Points 1">
+            <a:extLst>
+              <a:ext uri="{FF2B5EF4-FFF2-40B4-BE49-F238E27FC236}">
+                <a16:creationId xmlns:a16="http://schemas.microsoft.com/office/drawing/2014/main" id="{70EC62FA-B858-4E16-D6F2-28ECC7788FB1}"/>
+              </a:ext>
+            </a:extLst>
+          </p:cNvPr>
+          <p:cNvSpPr/>
+          <p:nvPr/>
+        </p:nvSpPr>
+        <p:spPr>
+          <a:xfrm>
+            <a:off x="8763000" y="129075"/>
+            <a:ext cx="247650" cy="244474"/>
+          </a:xfrm>
+          <a:prstGeom prst="star5">
+            <a:avLst/>
+          </a:prstGeom>
+        </p:spPr>
+        <p:style>
+          <a:lnRef idx="2">
+            <a:schemeClr val="accent2">
+              <a:shade val="50000"/>
+            </a:schemeClr>
+          </a:lnRef>
+          <a:fillRef idx="1">
+            <a:schemeClr val="accent2"/>
+          </a:fillRef>
+          <a:effectRef idx="0">
+            <a:schemeClr val="accent2"/>
+          </a:effectRef>
+          <a:fontRef idx="minor">
+            <a:schemeClr val="lt1"/>
+          </a:fontRef>
+        </p:style>
+        <p:txBody>
+          <a:bodyPr rtlCol="0" anchor="ctr"/>
+          <a:lstStyle>
+            <a:defPPr>
+              <a:defRPr lang="en-US"/>
+            </a:defPPr>
+            <a:lvl1pPr marL="0" algn="l" defTabSz="914400" rtl="0" eaLnBrk="1" latinLnBrk="0" hangingPunct="1">
+              <a:defRPr sz="1800" kern="1200">
+                <a:solidFill>
+                  <a:schemeClr val="lt1"/>
+                </a:solidFill>
+                <a:latin typeface="+mn-lt"/>
+                <a:ea typeface="+mn-ea"/>
+                <a:cs typeface="+mn-cs"/>
+              </a:defRPr>
+            </a:lvl1pPr>
+            <a:lvl2pPr marL="457200" algn="l" defTabSz="914400" rtl="0" eaLnBrk="1" latinLnBrk="0" hangingPunct="1">
+              <a:defRPr sz="1800" kern="1200">
+                <a:solidFill>
+                  <a:schemeClr val="lt1"/>
+                </a:solidFill>
+                <a:latin typeface="+mn-lt"/>
+                <a:ea typeface="+mn-ea"/>
+                <a:cs typeface="+mn-cs"/>
+              </a:defRPr>
+            </a:lvl2pPr>
+            <a:lvl3pPr marL="914400" algn="l" defTabSz="914400" rtl="0" eaLnBrk="1" latinLnBrk="0" hangingPunct="1">
+              <a:defRPr sz="1800" kern="1200">
+                <a:solidFill>
+                  <a:schemeClr val="lt1"/>
+                </a:solidFill>
+                <a:latin typeface="+mn-lt"/>
+                <a:ea typeface="+mn-ea"/>
+                <a:cs typeface="+mn-cs"/>
+              </a:defRPr>
+            </a:lvl3pPr>
+            <a:lvl4pPr marL="1371600" algn="l" defTabSz="914400" rtl="0" eaLnBrk="1" latinLnBrk="0" hangingPunct="1">
+              <a:defRPr sz="1800" kern="1200">
+                <a:solidFill>
+                  <a:schemeClr val="lt1"/>
+                </a:solidFill>
+                <a:latin typeface="+mn-lt"/>
+                <a:ea typeface="+mn-ea"/>
+                <a:cs typeface="+mn-cs"/>
+              </a:defRPr>
+            </a:lvl4pPr>
+            <a:lvl5pPr marL="1828800" algn="l" defTabSz="914400" rtl="0" eaLnBrk="1" latinLnBrk="0" hangingPunct="1">
+              <a:defRPr sz="1800" kern="1200">
+                <a:solidFill>
+                  <a:schemeClr val="lt1"/>
+                </a:solidFill>
+                <a:latin typeface="+mn-lt"/>
+                <a:ea typeface="+mn-ea"/>
+                <a:cs typeface="+mn-cs"/>
+              </a:defRPr>
+            </a:lvl5pPr>
+            <a:lvl6pPr marL="2286000" algn="l" defTabSz="914400" rtl="0" eaLnBrk="1" latinLnBrk="0" hangingPunct="1">
+              <a:defRPr sz="1800" kern="1200">
+                <a:solidFill>
+                  <a:schemeClr val="lt1"/>
+                </a:solidFill>
+                <a:latin typeface="+mn-lt"/>
+                <a:ea typeface="+mn-ea"/>
+                <a:cs typeface="+mn-cs"/>
+              </a:defRPr>
+            </a:lvl6pPr>
+            <a:lvl7pPr marL="2743200" algn="l" defTabSz="914400" rtl="0" eaLnBrk="1" latinLnBrk="0" hangingPunct="1">
+              <a:defRPr sz="1800" kern="1200">
+                <a:solidFill>
+                  <a:schemeClr val="lt1"/>
+                </a:solidFill>
+                <a:latin typeface="+mn-lt"/>
+                <a:ea typeface="+mn-ea"/>
+                <a:cs typeface="+mn-cs"/>
+              </a:defRPr>
+            </a:lvl7pPr>
+            <a:lvl8pPr marL="3200400" algn="l" defTabSz="914400" rtl="0" eaLnBrk="1" latinLnBrk="0" hangingPunct="1">
+              <a:defRPr sz="1800" kern="1200">
+                <a:solidFill>
+                  <a:schemeClr val="lt1"/>
+                </a:solidFill>
+                <a:latin typeface="+mn-lt"/>
+                <a:ea typeface="+mn-ea"/>
+                <a:cs typeface="+mn-cs"/>
+              </a:defRPr>
+            </a:lvl8pPr>
+            <a:lvl9pPr marL="3657600" algn="l" defTabSz="914400" rtl="0" eaLnBrk="1" latinLnBrk="0" hangingPunct="1">
+              <a:defRPr sz="1800" kern="1200">
+                <a:solidFill>
+                  <a:schemeClr val="lt1"/>
+                </a:solidFill>
+                <a:latin typeface="+mn-lt"/>
+                <a:ea typeface="+mn-ea"/>
+                <a:cs typeface="+mn-cs"/>
+              </a:defRPr>
+            </a:lvl9pPr>
+          </a:lstStyle>
+          <a:p>
+            <a:pPr algn="ctr"/>
+            <a:endParaRPr lang="en-US"/>
+          </a:p>
+        </p:txBody>
+      </p:sp>
     </p:spTree>
   </p:cSld>
   <p:clrMapOvr>
@@ -10519,7 +11219,7 @@
             </p:spPr>
             <p:txBody>
               <a:bodyPr>
-                <a:normAutofit fontScale="77500" lnSpcReduction="20000"/>
+                <a:normAutofit fontScale="62500" lnSpcReduction="20000"/>
               </a:bodyPr>
               <a:lstStyle/>
               <a:p>
@@ -10812,29 +11512,59 @@
                   <a:buNone/>
                 </a:pPr>
                 <a:r>
+                  <a:rPr lang="en-US" dirty="0"/>
+                  <a:t>Differences: ”generic” tree search:</a:t>
+                </a:r>
+              </a:p>
+              <a:p>
+                <a:pPr lvl="1"/>
+                <a:r>
+                  <a:rPr lang="en-US" dirty="0"/>
+                  <a:t>Atomic states (variables are only used to create human readable labels or calculate heuristics)</a:t>
+                </a:r>
+              </a:p>
+              <a:p>
+                <a:pPr lvl="1"/>
+                <a:r>
+                  <a:rPr lang="en-US" dirty="0"/>
+                  <a:t>States are always complete assignments.</a:t>
+                </a:r>
+              </a:p>
+              <a:p>
+                <a:pPr lvl="1"/>
+                <a:r>
+                  <a:rPr lang="en-US" dirty="0"/>
+                  <a:t>Constrains are implicit in the transition function.</a:t>
+                </a:r>
+              </a:p>
+              <a:p>
+                <a:pPr marL="0" indent="0">
+                  <a:buNone/>
+                </a:pPr>
+                <a:r>
                   <a:rPr lang="en-US" sz="2000" dirty="0"/>
-                  <a:t>This makes the problem different from the “generic” tree search formulation where we have:</a:t>
+                  <a:t>Differences: Local search</a:t>
                 </a:r>
               </a:p>
               <a:p>
                 <a:pPr lvl="1"/>
                 <a:r>
                   <a:rPr lang="en-US" sz="1700" dirty="0"/>
-                  <a:t>Atomic states</a:t>
+                  <a:t>Factored representation to find local moves.</a:t>
                 </a:r>
               </a:p>
               <a:p>
                 <a:pPr lvl="1"/>
                 <a:r>
                   <a:rPr lang="en-US" sz="1700" dirty="0"/>
-                  <a:t>States are always compete assignments.</a:t>
+                  <a:t>Always complete assignments.</a:t>
                 </a:r>
               </a:p>
               <a:p>
                 <a:pPr lvl="1"/>
                 <a:r>
                   <a:rPr lang="en-US" sz="1700" dirty="0"/>
-                  <a:t>Constrains are implicit in the transition function.</a:t>
+                  <a:t>Constraints may not be met.</a:t>
                 </a:r>
               </a:p>
               <a:p>
@@ -10874,7 +11604,7 @@
               <a:blipFill>
                 <a:blip r:embed="rId3"/>
                 <a:stretch>
-                  <a:fillRect l="-378" t="-1884"/>
+                  <a:fillRect l="-76" t="-1304"/>
                 </a:stretch>
               </a:blipFill>
             </p:spPr>
@@ -11024,6 +11754,146 @@
               <a:rPr lang="en-US" sz="1400" b="1" dirty="0"/>
               <a:t>+ variables can have no value!</a:t>
             </a:r>
+          </a:p>
+        </p:txBody>
+      </p:sp>
+      <p:sp>
+        <p:nvSpPr>
+          <p:cNvPr id="5" name="Star: 5 Points 4">
+            <a:extLst>
+              <a:ext uri="{FF2B5EF4-FFF2-40B4-BE49-F238E27FC236}">
+                <a16:creationId xmlns:a16="http://schemas.microsoft.com/office/drawing/2014/main" id="{C991C4F9-0A76-FF1E-E481-8912EE1EE828}"/>
+              </a:ext>
+            </a:extLst>
+          </p:cNvPr>
+          <p:cNvSpPr/>
+          <p:nvPr/>
+        </p:nvSpPr>
+        <p:spPr>
+          <a:xfrm>
+            <a:off x="8763000" y="129075"/>
+            <a:ext cx="247650" cy="244474"/>
+          </a:xfrm>
+          <a:prstGeom prst="star5">
+            <a:avLst/>
+          </a:prstGeom>
+        </p:spPr>
+        <p:style>
+          <a:lnRef idx="2">
+            <a:schemeClr val="accent2">
+              <a:shade val="50000"/>
+            </a:schemeClr>
+          </a:lnRef>
+          <a:fillRef idx="1">
+            <a:schemeClr val="accent2"/>
+          </a:fillRef>
+          <a:effectRef idx="0">
+            <a:schemeClr val="accent2"/>
+          </a:effectRef>
+          <a:fontRef idx="minor">
+            <a:schemeClr val="lt1"/>
+          </a:fontRef>
+        </p:style>
+        <p:txBody>
+          <a:bodyPr rtlCol="0" anchor="ctr"/>
+          <a:lstStyle>
+            <a:defPPr>
+              <a:defRPr lang="en-US"/>
+            </a:defPPr>
+            <a:lvl1pPr marL="0" algn="l" defTabSz="914400" rtl="0" eaLnBrk="1" latinLnBrk="0" hangingPunct="1">
+              <a:defRPr sz="1800" kern="1200">
+                <a:solidFill>
+                  <a:schemeClr val="lt1"/>
+                </a:solidFill>
+                <a:latin typeface="+mn-lt"/>
+                <a:ea typeface="+mn-ea"/>
+                <a:cs typeface="+mn-cs"/>
+              </a:defRPr>
+            </a:lvl1pPr>
+            <a:lvl2pPr marL="457200" algn="l" defTabSz="914400" rtl="0" eaLnBrk="1" latinLnBrk="0" hangingPunct="1">
+              <a:defRPr sz="1800" kern="1200">
+                <a:solidFill>
+                  <a:schemeClr val="lt1"/>
+                </a:solidFill>
+                <a:latin typeface="+mn-lt"/>
+                <a:ea typeface="+mn-ea"/>
+                <a:cs typeface="+mn-cs"/>
+              </a:defRPr>
+            </a:lvl2pPr>
+            <a:lvl3pPr marL="914400" algn="l" defTabSz="914400" rtl="0" eaLnBrk="1" latinLnBrk="0" hangingPunct="1">
+              <a:defRPr sz="1800" kern="1200">
+                <a:solidFill>
+                  <a:schemeClr val="lt1"/>
+                </a:solidFill>
+                <a:latin typeface="+mn-lt"/>
+                <a:ea typeface="+mn-ea"/>
+                <a:cs typeface="+mn-cs"/>
+              </a:defRPr>
+            </a:lvl3pPr>
+            <a:lvl4pPr marL="1371600" algn="l" defTabSz="914400" rtl="0" eaLnBrk="1" latinLnBrk="0" hangingPunct="1">
+              <a:defRPr sz="1800" kern="1200">
+                <a:solidFill>
+                  <a:schemeClr val="lt1"/>
+                </a:solidFill>
+                <a:latin typeface="+mn-lt"/>
+                <a:ea typeface="+mn-ea"/>
+                <a:cs typeface="+mn-cs"/>
+              </a:defRPr>
+            </a:lvl4pPr>
+            <a:lvl5pPr marL="1828800" algn="l" defTabSz="914400" rtl="0" eaLnBrk="1" latinLnBrk="0" hangingPunct="1">
+              <a:defRPr sz="1800" kern="1200">
+                <a:solidFill>
+                  <a:schemeClr val="lt1"/>
+                </a:solidFill>
+                <a:latin typeface="+mn-lt"/>
+                <a:ea typeface="+mn-ea"/>
+                <a:cs typeface="+mn-cs"/>
+              </a:defRPr>
+            </a:lvl5pPr>
+            <a:lvl6pPr marL="2286000" algn="l" defTabSz="914400" rtl="0" eaLnBrk="1" latinLnBrk="0" hangingPunct="1">
+              <a:defRPr sz="1800" kern="1200">
+                <a:solidFill>
+                  <a:schemeClr val="lt1"/>
+                </a:solidFill>
+                <a:latin typeface="+mn-lt"/>
+                <a:ea typeface="+mn-ea"/>
+                <a:cs typeface="+mn-cs"/>
+              </a:defRPr>
+            </a:lvl6pPr>
+            <a:lvl7pPr marL="2743200" algn="l" defTabSz="914400" rtl="0" eaLnBrk="1" latinLnBrk="0" hangingPunct="1">
+              <a:defRPr sz="1800" kern="1200">
+                <a:solidFill>
+                  <a:schemeClr val="lt1"/>
+                </a:solidFill>
+                <a:latin typeface="+mn-lt"/>
+                <a:ea typeface="+mn-ea"/>
+                <a:cs typeface="+mn-cs"/>
+              </a:defRPr>
+            </a:lvl7pPr>
+            <a:lvl8pPr marL="3200400" algn="l" defTabSz="914400" rtl="0" eaLnBrk="1" latinLnBrk="0" hangingPunct="1">
+              <a:defRPr sz="1800" kern="1200">
+                <a:solidFill>
+                  <a:schemeClr val="lt1"/>
+                </a:solidFill>
+                <a:latin typeface="+mn-lt"/>
+                <a:ea typeface="+mn-ea"/>
+                <a:cs typeface="+mn-cs"/>
+              </a:defRPr>
+            </a:lvl8pPr>
+            <a:lvl9pPr marL="3657600" algn="l" defTabSz="914400" rtl="0" eaLnBrk="1" latinLnBrk="0" hangingPunct="1">
+              <a:defRPr sz="1800" kern="1200">
+                <a:solidFill>
+                  <a:schemeClr val="lt1"/>
+                </a:solidFill>
+                <a:latin typeface="+mn-lt"/>
+                <a:ea typeface="+mn-ea"/>
+                <a:cs typeface="+mn-cs"/>
+              </a:defRPr>
+            </a:lvl9pPr>
+          </a:lstStyle>
+          <a:p>
+            <a:pPr algn="ctr"/>
+            <a:endParaRPr lang="en-US"/>
           </a:p>
         </p:txBody>
       </p:sp>
@@ -11445,7 +12315,149 @@
                                         <p:tgtEl>
                                           <p:spTgt spid="5123">
                                             <p:txEl>
+                                              <p:pRg st="14" end="14"/>
+                                            </p:txEl>
+                                          </p:spTgt>
+                                        </p:tgtEl>
+                                        <p:attrNameLst>
+                                          <p:attrName>style.visibility</p:attrName>
+                                        </p:attrNameLst>
+                                      </p:cBhvr>
+                                      <p:to>
+                                        <p:strVal val="visible"/>
+                                      </p:to>
+                                    </p:set>
+                                  </p:childTnLst>
+                                </p:cTn>
+                              </p:par>
+                              <p:par>
+                                <p:cTn id="33" presetID="1" presetClass="entr" presetSubtype="0" fill="hold" grpId="0" nodeType="withEffect">
+                                  <p:stCondLst>
+                                    <p:cond delay="0"/>
+                                  </p:stCondLst>
+                                  <p:childTnLst>
+                                    <p:set>
+                                      <p:cBhvr>
+                                        <p:cTn id="34" dur="1" fill="hold">
+                                          <p:stCondLst>
+                                            <p:cond delay="0"/>
+                                          </p:stCondLst>
+                                        </p:cTn>
+                                        <p:tgtEl>
+                                          <p:spTgt spid="5123">
+                                            <p:txEl>
                                               <p:pRg st="15" end="15"/>
+                                            </p:txEl>
+                                          </p:spTgt>
+                                        </p:tgtEl>
+                                        <p:attrNameLst>
+                                          <p:attrName>style.visibility</p:attrName>
+                                        </p:attrNameLst>
+                                      </p:cBhvr>
+                                      <p:to>
+                                        <p:strVal val="visible"/>
+                                      </p:to>
+                                    </p:set>
+                                  </p:childTnLst>
+                                </p:cTn>
+                              </p:par>
+                              <p:par>
+                                <p:cTn id="35" presetID="1" presetClass="entr" presetSubtype="0" fill="hold" grpId="0" nodeType="withEffect">
+                                  <p:stCondLst>
+                                    <p:cond delay="0"/>
+                                  </p:stCondLst>
+                                  <p:childTnLst>
+                                    <p:set>
+                                      <p:cBhvr>
+                                        <p:cTn id="36" dur="1" fill="hold">
+                                          <p:stCondLst>
+                                            <p:cond delay="0"/>
+                                          </p:stCondLst>
+                                        </p:cTn>
+                                        <p:tgtEl>
+                                          <p:spTgt spid="5123">
+                                            <p:txEl>
+                                              <p:pRg st="16" end="16"/>
+                                            </p:txEl>
+                                          </p:spTgt>
+                                        </p:tgtEl>
+                                        <p:attrNameLst>
+                                          <p:attrName>style.visibility</p:attrName>
+                                        </p:attrNameLst>
+                                      </p:cBhvr>
+                                      <p:to>
+                                        <p:strVal val="visible"/>
+                                      </p:to>
+                                    </p:set>
+                                  </p:childTnLst>
+                                </p:cTn>
+                              </p:par>
+                              <p:par>
+                                <p:cTn id="37" presetID="1" presetClass="entr" presetSubtype="0" fill="hold" grpId="0" nodeType="withEffect">
+                                  <p:stCondLst>
+                                    <p:cond delay="0"/>
+                                  </p:stCondLst>
+                                  <p:childTnLst>
+                                    <p:set>
+                                      <p:cBhvr>
+                                        <p:cTn id="38" dur="1" fill="hold">
+                                          <p:stCondLst>
+                                            <p:cond delay="0"/>
+                                          </p:stCondLst>
+                                        </p:cTn>
+                                        <p:tgtEl>
+                                          <p:spTgt spid="5123">
+                                            <p:txEl>
+                                              <p:pRg st="17" end="17"/>
+                                            </p:txEl>
+                                          </p:spTgt>
+                                        </p:tgtEl>
+                                        <p:attrNameLst>
+                                          <p:attrName>style.visibility</p:attrName>
+                                        </p:attrNameLst>
+                                      </p:cBhvr>
+                                      <p:to>
+                                        <p:strVal val="visible"/>
+                                      </p:to>
+                                    </p:set>
+                                  </p:childTnLst>
+                                </p:cTn>
+                              </p:par>
+                            </p:childTnLst>
+                          </p:cTn>
+                        </p:par>
+                      </p:childTnLst>
+                    </p:cTn>
+                  </p:par>
+                  <p:par>
+                    <p:cTn id="39" fill="hold">
+                      <p:stCondLst>
+                        <p:cond delay="indefinite"/>
+                      </p:stCondLst>
+                      <p:childTnLst>
+                        <p:par>
+                          <p:cTn id="40" fill="hold">
+                            <p:stCondLst>
+                              <p:cond delay="0"/>
+                            </p:stCondLst>
+                            <p:childTnLst>
+                              <p:par>
+                                <p:cTn id="41" presetID="1" presetClass="entr" presetSubtype="0" fill="hold" grpId="0" nodeType="clickEffect">
+                                  <p:stCondLst>
+                                    <p:cond delay="0"/>
+                                  </p:stCondLst>
+                                  <p:childTnLst>
+                                    <p:set>
+                                      <p:cBhvr>
+                                        <p:cTn id="42" dur="1" fill="hold">
+                                          <p:stCondLst>
+                                            <p:cond delay="0"/>
+                                          </p:stCondLst>
+                                        </p:cTn>
+                                        <p:tgtEl>
+                                          <p:spTgt spid="5123">
+                                            <p:txEl>
+                                              <p:pRg st="19" end="19"/>
                                             </p:txEl>
                                           </p:spTgt>
                                         </p:tgtEl>
@@ -11673,6 +12685,146 @@
               <a:rPr lang="en-US" sz="2400" b="1" dirty="0"/>
               <a:t>min-conflicts heuristic.</a:t>
             </a:r>
+          </a:p>
+        </p:txBody>
+      </p:sp>
+      <p:sp>
+        <p:nvSpPr>
+          <p:cNvPr id="2" name="Star: 5 Points 1">
+            <a:extLst>
+              <a:ext uri="{FF2B5EF4-FFF2-40B4-BE49-F238E27FC236}">
+                <a16:creationId xmlns:a16="http://schemas.microsoft.com/office/drawing/2014/main" id="{4253AC54-64CB-030B-E1AA-4122F4E510B1}"/>
+              </a:ext>
+            </a:extLst>
+          </p:cNvPr>
+          <p:cNvSpPr/>
+          <p:nvPr/>
+        </p:nvSpPr>
+        <p:spPr>
+          <a:xfrm>
+            <a:off x="8763000" y="129075"/>
+            <a:ext cx="247650" cy="244474"/>
+          </a:xfrm>
+          <a:prstGeom prst="star5">
+            <a:avLst/>
+          </a:prstGeom>
+        </p:spPr>
+        <p:style>
+          <a:lnRef idx="2">
+            <a:schemeClr val="accent2">
+              <a:shade val="50000"/>
+            </a:schemeClr>
+          </a:lnRef>
+          <a:fillRef idx="1">
+            <a:schemeClr val="accent2"/>
+          </a:fillRef>
+          <a:effectRef idx="0">
+            <a:schemeClr val="accent2"/>
+          </a:effectRef>
+          <a:fontRef idx="minor">
+            <a:schemeClr val="lt1"/>
+          </a:fontRef>
+        </p:style>
+        <p:txBody>
+          <a:bodyPr rtlCol="0" anchor="ctr"/>
+          <a:lstStyle>
+            <a:defPPr>
+              <a:defRPr lang="en-US"/>
+            </a:defPPr>
+            <a:lvl1pPr marL="0" algn="l" defTabSz="914400" rtl="0" eaLnBrk="1" latinLnBrk="0" hangingPunct="1">
+              <a:defRPr sz="1800" kern="1200">
+                <a:solidFill>
+                  <a:schemeClr val="lt1"/>
+                </a:solidFill>
+                <a:latin typeface="+mn-lt"/>
+                <a:ea typeface="+mn-ea"/>
+                <a:cs typeface="+mn-cs"/>
+              </a:defRPr>
+            </a:lvl1pPr>
+            <a:lvl2pPr marL="457200" algn="l" defTabSz="914400" rtl="0" eaLnBrk="1" latinLnBrk="0" hangingPunct="1">
+              <a:defRPr sz="1800" kern="1200">
+                <a:solidFill>
+                  <a:schemeClr val="lt1"/>
+                </a:solidFill>
+                <a:latin typeface="+mn-lt"/>
+                <a:ea typeface="+mn-ea"/>
+                <a:cs typeface="+mn-cs"/>
+              </a:defRPr>
+            </a:lvl2pPr>
+            <a:lvl3pPr marL="914400" algn="l" defTabSz="914400" rtl="0" eaLnBrk="1" latinLnBrk="0" hangingPunct="1">
+              <a:defRPr sz="1800" kern="1200">
+                <a:solidFill>
+                  <a:schemeClr val="lt1"/>
+                </a:solidFill>
+                <a:latin typeface="+mn-lt"/>
+                <a:ea typeface="+mn-ea"/>
+                <a:cs typeface="+mn-cs"/>
+              </a:defRPr>
+            </a:lvl3pPr>
+            <a:lvl4pPr marL="1371600" algn="l" defTabSz="914400" rtl="0" eaLnBrk="1" latinLnBrk="0" hangingPunct="1">
+              <a:defRPr sz="1800" kern="1200">
+                <a:solidFill>
+                  <a:schemeClr val="lt1"/>
+                </a:solidFill>
+                <a:latin typeface="+mn-lt"/>
+                <a:ea typeface="+mn-ea"/>
+                <a:cs typeface="+mn-cs"/>
+              </a:defRPr>
+            </a:lvl4pPr>
+            <a:lvl5pPr marL="1828800" algn="l" defTabSz="914400" rtl="0" eaLnBrk="1" latinLnBrk="0" hangingPunct="1">
+              <a:defRPr sz="1800" kern="1200">
+                <a:solidFill>
+                  <a:schemeClr val="lt1"/>
+                </a:solidFill>
+                <a:latin typeface="+mn-lt"/>
+                <a:ea typeface="+mn-ea"/>
+                <a:cs typeface="+mn-cs"/>
+              </a:defRPr>
+            </a:lvl5pPr>
+            <a:lvl6pPr marL="2286000" algn="l" defTabSz="914400" rtl="0" eaLnBrk="1" latinLnBrk="0" hangingPunct="1">
+              <a:defRPr sz="1800" kern="1200">
+                <a:solidFill>
+                  <a:schemeClr val="lt1"/>
+                </a:solidFill>
+                <a:latin typeface="+mn-lt"/>
+                <a:ea typeface="+mn-ea"/>
+                <a:cs typeface="+mn-cs"/>
+              </a:defRPr>
+            </a:lvl6pPr>
+            <a:lvl7pPr marL="2743200" algn="l" defTabSz="914400" rtl="0" eaLnBrk="1" latinLnBrk="0" hangingPunct="1">
+              <a:defRPr sz="1800" kern="1200">
+                <a:solidFill>
+                  <a:schemeClr val="lt1"/>
+                </a:solidFill>
+                <a:latin typeface="+mn-lt"/>
+                <a:ea typeface="+mn-ea"/>
+                <a:cs typeface="+mn-cs"/>
+              </a:defRPr>
+            </a:lvl7pPr>
+            <a:lvl8pPr marL="3200400" algn="l" defTabSz="914400" rtl="0" eaLnBrk="1" latinLnBrk="0" hangingPunct="1">
+              <a:defRPr sz="1800" kern="1200">
+                <a:solidFill>
+                  <a:schemeClr val="lt1"/>
+                </a:solidFill>
+                <a:latin typeface="+mn-lt"/>
+                <a:ea typeface="+mn-ea"/>
+                <a:cs typeface="+mn-cs"/>
+              </a:defRPr>
+            </a:lvl8pPr>
+            <a:lvl9pPr marL="3657600" algn="l" defTabSz="914400" rtl="0" eaLnBrk="1" latinLnBrk="0" hangingPunct="1">
+              <a:defRPr sz="1800" kern="1200">
+                <a:solidFill>
+                  <a:schemeClr val="lt1"/>
+                </a:solidFill>
+                <a:latin typeface="+mn-lt"/>
+                <a:ea typeface="+mn-ea"/>
+                <a:cs typeface="+mn-cs"/>
+              </a:defRPr>
+            </a:lvl9pPr>
+          </a:lstStyle>
+          <a:p>
+            <a:pPr algn="ctr"/>
+            <a:endParaRPr lang="en-US"/>
           </a:p>
         </p:txBody>
       </p:sp>
@@ -12190,6 +13342,146 @@
           </a:p>
         </p:txBody>
       </p:sp>
+      <p:sp>
+        <p:nvSpPr>
+          <p:cNvPr id="6" name="Star: 5 Points 5">
+            <a:extLst>
+              <a:ext uri="{FF2B5EF4-FFF2-40B4-BE49-F238E27FC236}">
+                <a16:creationId xmlns:a16="http://schemas.microsoft.com/office/drawing/2014/main" id="{2E676863-1099-D3A2-F35F-7B3CB0A7944F}"/>
+              </a:ext>
+            </a:extLst>
+          </p:cNvPr>
+          <p:cNvSpPr/>
+          <p:nvPr/>
+        </p:nvSpPr>
+        <p:spPr>
+          <a:xfrm>
+            <a:off x="8763000" y="129075"/>
+            <a:ext cx="247650" cy="244474"/>
+          </a:xfrm>
+          <a:prstGeom prst="star5">
+            <a:avLst/>
+          </a:prstGeom>
+        </p:spPr>
+        <p:style>
+          <a:lnRef idx="2">
+            <a:schemeClr val="accent2">
+              <a:shade val="50000"/>
+            </a:schemeClr>
+          </a:lnRef>
+          <a:fillRef idx="1">
+            <a:schemeClr val="accent2"/>
+          </a:fillRef>
+          <a:effectRef idx="0">
+            <a:schemeClr val="accent2"/>
+          </a:effectRef>
+          <a:fontRef idx="minor">
+            <a:schemeClr val="lt1"/>
+          </a:fontRef>
+        </p:style>
+        <p:txBody>
+          <a:bodyPr rtlCol="0" anchor="ctr"/>
+          <a:lstStyle>
+            <a:defPPr>
+              <a:defRPr lang="en-US"/>
+            </a:defPPr>
+            <a:lvl1pPr marL="0" algn="l" defTabSz="914400" rtl="0" eaLnBrk="1" latinLnBrk="0" hangingPunct="1">
+              <a:defRPr sz="1800" kern="1200">
+                <a:solidFill>
+                  <a:schemeClr val="lt1"/>
+                </a:solidFill>
+                <a:latin typeface="+mn-lt"/>
+                <a:ea typeface="+mn-ea"/>
+                <a:cs typeface="+mn-cs"/>
+              </a:defRPr>
+            </a:lvl1pPr>
+            <a:lvl2pPr marL="457200" algn="l" defTabSz="914400" rtl="0" eaLnBrk="1" latinLnBrk="0" hangingPunct="1">
+              <a:defRPr sz="1800" kern="1200">
+                <a:solidFill>
+                  <a:schemeClr val="lt1"/>
+                </a:solidFill>
+                <a:latin typeface="+mn-lt"/>
+                <a:ea typeface="+mn-ea"/>
+                <a:cs typeface="+mn-cs"/>
+              </a:defRPr>
+            </a:lvl2pPr>
+            <a:lvl3pPr marL="914400" algn="l" defTabSz="914400" rtl="0" eaLnBrk="1" latinLnBrk="0" hangingPunct="1">
+              <a:defRPr sz="1800" kern="1200">
+                <a:solidFill>
+                  <a:schemeClr val="lt1"/>
+                </a:solidFill>
+                <a:latin typeface="+mn-lt"/>
+                <a:ea typeface="+mn-ea"/>
+                <a:cs typeface="+mn-cs"/>
+              </a:defRPr>
+            </a:lvl3pPr>
+            <a:lvl4pPr marL="1371600" algn="l" defTabSz="914400" rtl="0" eaLnBrk="1" latinLnBrk="0" hangingPunct="1">
+              <a:defRPr sz="1800" kern="1200">
+                <a:solidFill>
+                  <a:schemeClr val="lt1"/>
+                </a:solidFill>
+                <a:latin typeface="+mn-lt"/>
+                <a:ea typeface="+mn-ea"/>
+                <a:cs typeface="+mn-cs"/>
+              </a:defRPr>
+            </a:lvl4pPr>
+            <a:lvl5pPr marL="1828800" algn="l" defTabSz="914400" rtl="0" eaLnBrk="1" latinLnBrk="0" hangingPunct="1">
+              <a:defRPr sz="1800" kern="1200">
+                <a:solidFill>
+                  <a:schemeClr val="lt1"/>
+                </a:solidFill>
+                <a:latin typeface="+mn-lt"/>
+                <a:ea typeface="+mn-ea"/>
+                <a:cs typeface="+mn-cs"/>
+              </a:defRPr>
+            </a:lvl5pPr>
+            <a:lvl6pPr marL="2286000" algn="l" defTabSz="914400" rtl="0" eaLnBrk="1" latinLnBrk="0" hangingPunct="1">
+              <a:defRPr sz="1800" kern="1200">
+                <a:solidFill>
+                  <a:schemeClr val="lt1"/>
+                </a:solidFill>
+                <a:latin typeface="+mn-lt"/>
+                <a:ea typeface="+mn-ea"/>
+                <a:cs typeface="+mn-cs"/>
+              </a:defRPr>
+            </a:lvl6pPr>
+            <a:lvl7pPr marL="2743200" algn="l" defTabSz="914400" rtl="0" eaLnBrk="1" latinLnBrk="0" hangingPunct="1">
+              <a:defRPr sz="1800" kern="1200">
+                <a:solidFill>
+                  <a:schemeClr val="lt1"/>
+                </a:solidFill>
+                <a:latin typeface="+mn-lt"/>
+                <a:ea typeface="+mn-ea"/>
+                <a:cs typeface="+mn-cs"/>
+              </a:defRPr>
+            </a:lvl7pPr>
+            <a:lvl8pPr marL="3200400" algn="l" defTabSz="914400" rtl="0" eaLnBrk="1" latinLnBrk="0" hangingPunct="1">
+              <a:defRPr sz="1800" kern="1200">
+                <a:solidFill>
+                  <a:schemeClr val="lt1"/>
+                </a:solidFill>
+                <a:latin typeface="+mn-lt"/>
+                <a:ea typeface="+mn-ea"/>
+                <a:cs typeface="+mn-cs"/>
+              </a:defRPr>
+            </a:lvl8pPr>
+            <a:lvl9pPr marL="3657600" algn="l" defTabSz="914400" rtl="0" eaLnBrk="1" latinLnBrk="0" hangingPunct="1">
+              <a:defRPr sz="1800" kern="1200">
+                <a:solidFill>
+                  <a:schemeClr val="lt1"/>
+                </a:solidFill>
+                <a:latin typeface="+mn-lt"/>
+                <a:ea typeface="+mn-ea"/>
+                <a:cs typeface="+mn-cs"/>
+              </a:defRPr>
+            </a:lvl9pPr>
+          </a:lstStyle>
+          <a:p>
+            <a:pPr algn="ctr"/>
+            <a:endParaRPr lang="en-US"/>
+          </a:p>
+        </p:txBody>
+      </p:sp>
     </p:spTree>
   </p:cSld>
   <p:clrMapOvr>
@@ -12607,6 +13899,146 @@
           <a:noFill/>
         </p:spPr>
       </p:pic>
+      <p:sp>
+        <p:nvSpPr>
+          <p:cNvPr id="2" name="Star: 5 Points 1">
+            <a:extLst>
+              <a:ext uri="{FF2B5EF4-FFF2-40B4-BE49-F238E27FC236}">
+                <a16:creationId xmlns:a16="http://schemas.microsoft.com/office/drawing/2014/main" id="{68E8705D-1DAA-D270-F375-6A59E241780D}"/>
+              </a:ext>
+            </a:extLst>
+          </p:cNvPr>
+          <p:cNvSpPr/>
+          <p:nvPr/>
+        </p:nvSpPr>
+        <p:spPr>
+          <a:xfrm>
+            <a:off x="8763000" y="129075"/>
+            <a:ext cx="247650" cy="244474"/>
+          </a:xfrm>
+          <a:prstGeom prst="star5">
+            <a:avLst/>
+          </a:prstGeom>
+        </p:spPr>
+        <p:style>
+          <a:lnRef idx="2">
+            <a:schemeClr val="accent2">
+              <a:shade val="50000"/>
+            </a:schemeClr>
+          </a:lnRef>
+          <a:fillRef idx="1">
+            <a:schemeClr val="accent2"/>
+          </a:fillRef>
+          <a:effectRef idx="0">
+            <a:schemeClr val="accent2"/>
+          </a:effectRef>
+          <a:fontRef idx="minor">
+            <a:schemeClr val="lt1"/>
+          </a:fontRef>
+        </p:style>
+        <p:txBody>
+          <a:bodyPr rtlCol="0" anchor="ctr"/>
+          <a:lstStyle>
+            <a:defPPr>
+              <a:defRPr lang="en-US"/>
+            </a:defPPr>
+            <a:lvl1pPr marL="0" algn="l" defTabSz="914400" rtl="0" eaLnBrk="1" latinLnBrk="0" hangingPunct="1">
+              <a:defRPr sz="1800" kern="1200">
+                <a:solidFill>
+                  <a:schemeClr val="lt1"/>
+                </a:solidFill>
+                <a:latin typeface="+mn-lt"/>
+                <a:ea typeface="+mn-ea"/>
+                <a:cs typeface="+mn-cs"/>
+              </a:defRPr>
+            </a:lvl1pPr>
+            <a:lvl2pPr marL="457200" algn="l" defTabSz="914400" rtl="0" eaLnBrk="1" latinLnBrk="0" hangingPunct="1">
+              <a:defRPr sz="1800" kern="1200">
+                <a:solidFill>
+                  <a:schemeClr val="lt1"/>
+                </a:solidFill>
+                <a:latin typeface="+mn-lt"/>
+                <a:ea typeface="+mn-ea"/>
+                <a:cs typeface="+mn-cs"/>
+              </a:defRPr>
+            </a:lvl2pPr>
+            <a:lvl3pPr marL="914400" algn="l" defTabSz="914400" rtl="0" eaLnBrk="1" latinLnBrk="0" hangingPunct="1">
+              <a:defRPr sz="1800" kern="1200">
+                <a:solidFill>
+                  <a:schemeClr val="lt1"/>
+                </a:solidFill>
+                <a:latin typeface="+mn-lt"/>
+                <a:ea typeface="+mn-ea"/>
+                <a:cs typeface="+mn-cs"/>
+              </a:defRPr>
+            </a:lvl3pPr>
+            <a:lvl4pPr marL="1371600" algn="l" defTabSz="914400" rtl="0" eaLnBrk="1" latinLnBrk="0" hangingPunct="1">
+              <a:defRPr sz="1800" kern="1200">
+                <a:solidFill>
+                  <a:schemeClr val="lt1"/>
+                </a:solidFill>
+                <a:latin typeface="+mn-lt"/>
+                <a:ea typeface="+mn-ea"/>
+                <a:cs typeface="+mn-cs"/>
+              </a:defRPr>
+            </a:lvl4pPr>
+            <a:lvl5pPr marL="1828800" algn="l" defTabSz="914400" rtl="0" eaLnBrk="1" latinLnBrk="0" hangingPunct="1">
+              <a:defRPr sz="1800" kern="1200">
+                <a:solidFill>
+                  <a:schemeClr val="lt1"/>
+                </a:solidFill>
+                <a:latin typeface="+mn-lt"/>
+                <a:ea typeface="+mn-ea"/>
+                <a:cs typeface="+mn-cs"/>
+              </a:defRPr>
+            </a:lvl5pPr>
+            <a:lvl6pPr marL="2286000" algn="l" defTabSz="914400" rtl="0" eaLnBrk="1" latinLnBrk="0" hangingPunct="1">
+              <a:defRPr sz="1800" kern="1200">
+                <a:solidFill>
+                  <a:schemeClr val="lt1"/>
+                </a:solidFill>
+                <a:latin typeface="+mn-lt"/>
+                <a:ea typeface="+mn-ea"/>
+                <a:cs typeface="+mn-cs"/>
+              </a:defRPr>
+            </a:lvl6pPr>
+            <a:lvl7pPr marL="2743200" algn="l" defTabSz="914400" rtl="0" eaLnBrk="1" latinLnBrk="0" hangingPunct="1">
+              <a:defRPr sz="1800" kern="1200">
+                <a:solidFill>
+                  <a:schemeClr val="lt1"/>
+                </a:solidFill>
+                <a:latin typeface="+mn-lt"/>
+                <a:ea typeface="+mn-ea"/>
+                <a:cs typeface="+mn-cs"/>
+              </a:defRPr>
+            </a:lvl7pPr>
+            <a:lvl8pPr marL="3200400" algn="l" defTabSz="914400" rtl="0" eaLnBrk="1" latinLnBrk="0" hangingPunct="1">
+              <a:defRPr sz="1800" kern="1200">
+                <a:solidFill>
+                  <a:schemeClr val="lt1"/>
+                </a:solidFill>
+                <a:latin typeface="+mn-lt"/>
+                <a:ea typeface="+mn-ea"/>
+                <a:cs typeface="+mn-cs"/>
+              </a:defRPr>
+            </a:lvl8pPr>
+            <a:lvl9pPr marL="3657600" algn="l" defTabSz="914400" rtl="0" eaLnBrk="1" latinLnBrk="0" hangingPunct="1">
+              <a:defRPr sz="1800" kern="1200">
+                <a:solidFill>
+                  <a:schemeClr val="lt1"/>
+                </a:solidFill>
+                <a:latin typeface="+mn-lt"/>
+                <a:ea typeface="+mn-ea"/>
+                <a:cs typeface="+mn-cs"/>
+              </a:defRPr>
+            </a:lvl9pPr>
+          </a:lstStyle>
+          <a:p>
+            <a:pPr algn="ctr"/>
+            <a:endParaRPr lang="en-US"/>
+          </a:p>
+        </p:txBody>
+      </p:sp>
     </p:spTree>
   </p:cSld>
   <p:clrMapOvr>
@@ -13550,6 +14982,146 @@
           </p:sp>
         </mc:Fallback>
       </mc:AlternateContent>
+      <p:sp>
+        <p:nvSpPr>
+          <p:cNvPr id="9" name="Star: 5 Points 8">
+            <a:extLst>
+              <a:ext uri="{FF2B5EF4-FFF2-40B4-BE49-F238E27FC236}">
+                <a16:creationId xmlns:a16="http://schemas.microsoft.com/office/drawing/2014/main" id="{241E6494-3CB8-711B-835B-5CE26D06FB32}"/>
+              </a:ext>
+            </a:extLst>
+          </p:cNvPr>
+          <p:cNvSpPr/>
+          <p:nvPr/>
+        </p:nvSpPr>
+        <p:spPr>
+          <a:xfrm>
+            <a:off x="8763000" y="129075"/>
+            <a:ext cx="247650" cy="244474"/>
+          </a:xfrm>
+          <a:prstGeom prst="star5">
+            <a:avLst/>
+          </a:prstGeom>
+        </p:spPr>
+        <p:style>
+          <a:lnRef idx="2">
+            <a:schemeClr val="accent2">
+              <a:shade val="50000"/>
+            </a:schemeClr>
+          </a:lnRef>
+          <a:fillRef idx="1">
+            <a:schemeClr val="accent2"/>
+          </a:fillRef>
+          <a:effectRef idx="0">
+            <a:schemeClr val="accent2"/>
+          </a:effectRef>
+          <a:fontRef idx="minor">
+            <a:schemeClr val="lt1"/>
+          </a:fontRef>
+        </p:style>
+        <p:txBody>
+          <a:bodyPr rtlCol="0" anchor="ctr"/>
+          <a:lstStyle>
+            <a:defPPr>
+              <a:defRPr lang="en-US"/>
+            </a:defPPr>
+            <a:lvl1pPr marL="0" algn="l" defTabSz="914400" rtl="0" eaLnBrk="1" latinLnBrk="0" hangingPunct="1">
+              <a:defRPr sz="1800" kern="1200">
+                <a:solidFill>
+                  <a:schemeClr val="lt1"/>
+                </a:solidFill>
+                <a:latin typeface="+mn-lt"/>
+                <a:ea typeface="+mn-ea"/>
+                <a:cs typeface="+mn-cs"/>
+              </a:defRPr>
+            </a:lvl1pPr>
+            <a:lvl2pPr marL="457200" algn="l" defTabSz="914400" rtl="0" eaLnBrk="1" latinLnBrk="0" hangingPunct="1">
+              <a:defRPr sz="1800" kern="1200">
+                <a:solidFill>
+                  <a:schemeClr val="lt1"/>
+                </a:solidFill>
+                <a:latin typeface="+mn-lt"/>
+                <a:ea typeface="+mn-ea"/>
+                <a:cs typeface="+mn-cs"/>
+              </a:defRPr>
+            </a:lvl2pPr>
+            <a:lvl3pPr marL="914400" algn="l" defTabSz="914400" rtl="0" eaLnBrk="1" latinLnBrk="0" hangingPunct="1">
+              <a:defRPr sz="1800" kern="1200">
+                <a:solidFill>
+                  <a:schemeClr val="lt1"/>
+                </a:solidFill>
+                <a:latin typeface="+mn-lt"/>
+                <a:ea typeface="+mn-ea"/>
+                <a:cs typeface="+mn-cs"/>
+              </a:defRPr>
+            </a:lvl3pPr>
+            <a:lvl4pPr marL="1371600" algn="l" defTabSz="914400" rtl="0" eaLnBrk="1" latinLnBrk="0" hangingPunct="1">
+              <a:defRPr sz="1800" kern="1200">
+                <a:solidFill>
+                  <a:schemeClr val="lt1"/>
+                </a:solidFill>
+                <a:latin typeface="+mn-lt"/>
+                <a:ea typeface="+mn-ea"/>
+                <a:cs typeface="+mn-cs"/>
+              </a:defRPr>
+            </a:lvl4pPr>
+            <a:lvl5pPr marL="1828800" algn="l" defTabSz="914400" rtl="0" eaLnBrk="1" latinLnBrk="0" hangingPunct="1">
+              <a:defRPr sz="1800" kern="1200">
+                <a:solidFill>
+                  <a:schemeClr val="lt1"/>
+                </a:solidFill>
+                <a:latin typeface="+mn-lt"/>
+                <a:ea typeface="+mn-ea"/>
+                <a:cs typeface="+mn-cs"/>
+              </a:defRPr>
+            </a:lvl5pPr>
+            <a:lvl6pPr marL="2286000" algn="l" defTabSz="914400" rtl="0" eaLnBrk="1" latinLnBrk="0" hangingPunct="1">
+              <a:defRPr sz="1800" kern="1200">
+                <a:solidFill>
+                  <a:schemeClr val="lt1"/>
+                </a:solidFill>
+                <a:latin typeface="+mn-lt"/>
+                <a:ea typeface="+mn-ea"/>
+                <a:cs typeface="+mn-cs"/>
+              </a:defRPr>
+            </a:lvl6pPr>
+            <a:lvl7pPr marL="2743200" algn="l" defTabSz="914400" rtl="0" eaLnBrk="1" latinLnBrk="0" hangingPunct="1">
+              <a:defRPr sz="1800" kern="1200">
+                <a:solidFill>
+                  <a:schemeClr val="lt1"/>
+                </a:solidFill>
+                <a:latin typeface="+mn-lt"/>
+                <a:ea typeface="+mn-ea"/>
+                <a:cs typeface="+mn-cs"/>
+              </a:defRPr>
+            </a:lvl7pPr>
+            <a:lvl8pPr marL="3200400" algn="l" defTabSz="914400" rtl="0" eaLnBrk="1" latinLnBrk="0" hangingPunct="1">
+              <a:defRPr sz="1800" kern="1200">
+                <a:solidFill>
+                  <a:schemeClr val="lt1"/>
+                </a:solidFill>
+                <a:latin typeface="+mn-lt"/>
+                <a:ea typeface="+mn-ea"/>
+                <a:cs typeface="+mn-cs"/>
+              </a:defRPr>
+            </a:lvl8pPr>
+            <a:lvl9pPr marL="3657600" algn="l" defTabSz="914400" rtl="0" eaLnBrk="1" latinLnBrk="0" hangingPunct="1">
+              <a:defRPr sz="1800" kern="1200">
+                <a:solidFill>
+                  <a:schemeClr val="lt1"/>
+                </a:solidFill>
+                <a:latin typeface="+mn-lt"/>
+                <a:ea typeface="+mn-ea"/>
+                <a:cs typeface="+mn-cs"/>
+              </a:defRPr>
+            </a:lvl9pPr>
+          </a:lstStyle>
+          <a:p>
+            <a:pPr algn="ctr"/>
+            <a:endParaRPr lang="en-US"/>
+          </a:p>
+        </p:txBody>
+      </p:sp>
     </p:spTree>
   </p:cSld>
   <p:clrMapOvr>
@@ -14599,6 +16171,146 @@
               </a:rPr>
               <a:t>1</a:t>
             </a:r>
+          </a:p>
+        </p:txBody>
+      </p:sp>
+      <p:sp>
+        <p:nvSpPr>
+          <p:cNvPr id="9" name="Star: 5 Points 8">
+            <a:extLst>
+              <a:ext uri="{FF2B5EF4-FFF2-40B4-BE49-F238E27FC236}">
+                <a16:creationId xmlns:a16="http://schemas.microsoft.com/office/drawing/2014/main" id="{7DFC03D8-788A-CB85-C262-95AE0C52408A}"/>
+              </a:ext>
+            </a:extLst>
+          </p:cNvPr>
+          <p:cNvSpPr/>
+          <p:nvPr/>
+        </p:nvSpPr>
+        <p:spPr>
+          <a:xfrm>
+            <a:off x="8763000" y="129075"/>
+            <a:ext cx="247650" cy="244474"/>
+          </a:xfrm>
+          <a:prstGeom prst="star5">
+            <a:avLst/>
+          </a:prstGeom>
+        </p:spPr>
+        <p:style>
+          <a:lnRef idx="2">
+            <a:schemeClr val="accent2">
+              <a:shade val="50000"/>
+            </a:schemeClr>
+          </a:lnRef>
+          <a:fillRef idx="1">
+            <a:schemeClr val="accent2"/>
+          </a:fillRef>
+          <a:effectRef idx="0">
+            <a:schemeClr val="accent2"/>
+          </a:effectRef>
+          <a:fontRef idx="minor">
+            <a:schemeClr val="lt1"/>
+          </a:fontRef>
+        </p:style>
+        <p:txBody>
+          <a:bodyPr rtlCol="0" anchor="ctr"/>
+          <a:lstStyle>
+            <a:defPPr>
+              <a:defRPr lang="en-US"/>
+            </a:defPPr>
+            <a:lvl1pPr marL="0" algn="l" defTabSz="914400" rtl="0" eaLnBrk="1" latinLnBrk="0" hangingPunct="1">
+              <a:defRPr sz="1800" kern="1200">
+                <a:solidFill>
+                  <a:schemeClr val="lt1"/>
+                </a:solidFill>
+                <a:latin typeface="+mn-lt"/>
+                <a:ea typeface="+mn-ea"/>
+                <a:cs typeface="+mn-cs"/>
+              </a:defRPr>
+            </a:lvl1pPr>
+            <a:lvl2pPr marL="457200" algn="l" defTabSz="914400" rtl="0" eaLnBrk="1" latinLnBrk="0" hangingPunct="1">
+              <a:defRPr sz="1800" kern="1200">
+                <a:solidFill>
+                  <a:schemeClr val="lt1"/>
+                </a:solidFill>
+                <a:latin typeface="+mn-lt"/>
+                <a:ea typeface="+mn-ea"/>
+                <a:cs typeface="+mn-cs"/>
+              </a:defRPr>
+            </a:lvl2pPr>
+            <a:lvl3pPr marL="914400" algn="l" defTabSz="914400" rtl="0" eaLnBrk="1" latinLnBrk="0" hangingPunct="1">
+              <a:defRPr sz="1800" kern="1200">
+                <a:solidFill>
+                  <a:schemeClr val="lt1"/>
+                </a:solidFill>
+                <a:latin typeface="+mn-lt"/>
+                <a:ea typeface="+mn-ea"/>
+                <a:cs typeface="+mn-cs"/>
+              </a:defRPr>
+            </a:lvl3pPr>
+            <a:lvl4pPr marL="1371600" algn="l" defTabSz="914400" rtl="0" eaLnBrk="1" latinLnBrk="0" hangingPunct="1">
+              <a:defRPr sz="1800" kern="1200">
+                <a:solidFill>
+                  <a:schemeClr val="lt1"/>
+                </a:solidFill>
+                <a:latin typeface="+mn-lt"/>
+                <a:ea typeface="+mn-ea"/>
+                <a:cs typeface="+mn-cs"/>
+              </a:defRPr>
+            </a:lvl4pPr>
+            <a:lvl5pPr marL="1828800" algn="l" defTabSz="914400" rtl="0" eaLnBrk="1" latinLnBrk="0" hangingPunct="1">
+              <a:defRPr sz="1800" kern="1200">
+                <a:solidFill>
+                  <a:schemeClr val="lt1"/>
+                </a:solidFill>
+                <a:latin typeface="+mn-lt"/>
+                <a:ea typeface="+mn-ea"/>
+                <a:cs typeface="+mn-cs"/>
+              </a:defRPr>
+            </a:lvl5pPr>
+            <a:lvl6pPr marL="2286000" algn="l" defTabSz="914400" rtl="0" eaLnBrk="1" latinLnBrk="0" hangingPunct="1">
+              <a:defRPr sz="1800" kern="1200">
+                <a:solidFill>
+                  <a:schemeClr val="lt1"/>
+                </a:solidFill>
+                <a:latin typeface="+mn-lt"/>
+                <a:ea typeface="+mn-ea"/>
+                <a:cs typeface="+mn-cs"/>
+              </a:defRPr>
+            </a:lvl6pPr>
+            <a:lvl7pPr marL="2743200" algn="l" defTabSz="914400" rtl="0" eaLnBrk="1" latinLnBrk="0" hangingPunct="1">
+              <a:defRPr sz="1800" kern="1200">
+                <a:solidFill>
+                  <a:schemeClr val="lt1"/>
+                </a:solidFill>
+                <a:latin typeface="+mn-lt"/>
+                <a:ea typeface="+mn-ea"/>
+                <a:cs typeface="+mn-cs"/>
+              </a:defRPr>
+            </a:lvl7pPr>
+            <a:lvl8pPr marL="3200400" algn="l" defTabSz="914400" rtl="0" eaLnBrk="1" latinLnBrk="0" hangingPunct="1">
+              <a:defRPr sz="1800" kern="1200">
+                <a:solidFill>
+                  <a:schemeClr val="lt1"/>
+                </a:solidFill>
+                <a:latin typeface="+mn-lt"/>
+                <a:ea typeface="+mn-ea"/>
+                <a:cs typeface="+mn-cs"/>
+              </a:defRPr>
+            </a:lvl8pPr>
+            <a:lvl9pPr marL="3657600" algn="l" defTabSz="914400" rtl="0" eaLnBrk="1" latinLnBrk="0" hangingPunct="1">
+              <a:defRPr sz="1800" kern="1200">
+                <a:solidFill>
+                  <a:schemeClr val="lt1"/>
+                </a:solidFill>
+                <a:latin typeface="+mn-lt"/>
+                <a:ea typeface="+mn-ea"/>
+                <a:cs typeface="+mn-cs"/>
+              </a:defRPr>
+            </a:lvl9pPr>
+          </a:lstStyle>
+          <a:p>
+            <a:pPr algn="ctr"/>
+            <a:endParaRPr lang="en-US"/>
           </a:p>
         </p:txBody>
       </p:sp>
@@ -17162,6 +18874,146 @@
               <a:rPr lang="en-US" dirty="0"/>
               <a:t>NP-complete </a:t>
             </a:r>
+          </a:p>
+        </p:txBody>
+      </p:sp>
+      <p:sp>
+        <p:nvSpPr>
+          <p:cNvPr id="6" name="Star: 5 Points 5">
+            <a:extLst>
+              <a:ext uri="{FF2B5EF4-FFF2-40B4-BE49-F238E27FC236}">
+                <a16:creationId xmlns:a16="http://schemas.microsoft.com/office/drawing/2014/main" id="{A5267430-1038-3CAC-693B-FC5202383851}"/>
+              </a:ext>
+            </a:extLst>
+          </p:cNvPr>
+          <p:cNvSpPr/>
+          <p:nvPr/>
+        </p:nvSpPr>
+        <p:spPr>
+          <a:xfrm>
+            <a:off x="8763000" y="129075"/>
+            <a:ext cx="247650" cy="244474"/>
+          </a:xfrm>
+          <a:prstGeom prst="star5">
+            <a:avLst/>
+          </a:prstGeom>
+        </p:spPr>
+        <p:style>
+          <a:lnRef idx="2">
+            <a:schemeClr val="accent2">
+              <a:shade val="50000"/>
+            </a:schemeClr>
+          </a:lnRef>
+          <a:fillRef idx="1">
+            <a:schemeClr val="accent2"/>
+          </a:fillRef>
+          <a:effectRef idx="0">
+            <a:schemeClr val="accent2"/>
+          </a:effectRef>
+          <a:fontRef idx="minor">
+            <a:schemeClr val="lt1"/>
+          </a:fontRef>
+        </p:style>
+        <p:txBody>
+          <a:bodyPr rtlCol="0" anchor="ctr"/>
+          <a:lstStyle>
+            <a:defPPr>
+              <a:defRPr lang="en-US"/>
+            </a:defPPr>
+            <a:lvl1pPr marL="0" algn="l" defTabSz="914400" rtl="0" eaLnBrk="1" latinLnBrk="0" hangingPunct="1">
+              <a:defRPr sz="1800" kern="1200">
+                <a:solidFill>
+                  <a:schemeClr val="lt1"/>
+                </a:solidFill>
+                <a:latin typeface="+mn-lt"/>
+                <a:ea typeface="+mn-ea"/>
+                <a:cs typeface="+mn-cs"/>
+              </a:defRPr>
+            </a:lvl1pPr>
+            <a:lvl2pPr marL="457200" algn="l" defTabSz="914400" rtl="0" eaLnBrk="1" latinLnBrk="0" hangingPunct="1">
+              <a:defRPr sz="1800" kern="1200">
+                <a:solidFill>
+                  <a:schemeClr val="lt1"/>
+                </a:solidFill>
+                <a:latin typeface="+mn-lt"/>
+                <a:ea typeface="+mn-ea"/>
+                <a:cs typeface="+mn-cs"/>
+              </a:defRPr>
+            </a:lvl2pPr>
+            <a:lvl3pPr marL="914400" algn="l" defTabSz="914400" rtl="0" eaLnBrk="1" latinLnBrk="0" hangingPunct="1">
+              <a:defRPr sz="1800" kern="1200">
+                <a:solidFill>
+                  <a:schemeClr val="lt1"/>
+                </a:solidFill>
+                <a:latin typeface="+mn-lt"/>
+                <a:ea typeface="+mn-ea"/>
+                <a:cs typeface="+mn-cs"/>
+              </a:defRPr>
+            </a:lvl3pPr>
+            <a:lvl4pPr marL="1371600" algn="l" defTabSz="914400" rtl="0" eaLnBrk="1" latinLnBrk="0" hangingPunct="1">
+              <a:defRPr sz="1800" kern="1200">
+                <a:solidFill>
+                  <a:schemeClr val="lt1"/>
+                </a:solidFill>
+                <a:latin typeface="+mn-lt"/>
+                <a:ea typeface="+mn-ea"/>
+                <a:cs typeface="+mn-cs"/>
+              </a:defRPr>
+            </a:lvl4pPr>
+            <a:lvl5pPr marL="1828800" algn="l" defTabSz="914400" rtl="0" eaLnBrk="1" latinLnBrk="0" hangingPunct="1">
+              <a:defRPr sz="1800" kern="1200">
+                <a:solidFill>
+                  <a:schemeClr val="lt1"/>
+                </a:solidFill>
+                <a:latin typeface="+mn-lt"/>
+                <a:ea typeface="+mn-ea"/>
+                <a:cs typeface="+mn-cs"/>
+              </a:defRPr>
+            </a:lvl5pPr>
+            <a:lvl6pPr marL="2286000" algn="l" defTabSz="914400" rtl="0" eaLnBrk="1" latinLnBrk="0" hangingPunct="1">
+              <a:defRPr sz="1800" kern="1200">
+                <a:solidFill>
+                  <a:schemeClr val="lt1"/>
+                </a:solidFill>
+                <a:latin typeface="+mn-lt"/>
+                <a:ea typeface="+mn-ea"/>
+                <a:cs typeface="+mn-cs"/>
+              </a:defRPr>
+            </a:lvl6pPr>
+            <a:lvl7pPr marL="2743200" algn="l" defTabSz="914400" rtl="0" eaLnBrk="1" latinLnBrk="0" hangingPunct="1">
+              <a:defRPr sz="1800" kern="1200">
+                <a:solidFill>
+                  <a:schemeClr val="lt1"/>
+                </a:solidFill>
+                <a:latin typeface="+mn-lt"/>
+                <a:ea typeface="+mn-ea"/>
+                <a:cs typeface="+mn-cs"/>
+              </a:defRPr>
+            </a:lvl7pPr>
+            <a:lvl8pPr marL="3200400" algn="l" defTabSz="914400" rtl="0" eaLnBrk="1" latinLnBrk="0" hangingPunct="1">
+              <a:defRPr sz="1800" kern="1200">
+                <a:solidFill>
+                  <a:schemeClr val="lt1"/>
+                </a:solidFill>
+                <a:latin typeface="+mn-lt"/>
+                <a:ea typeface="+mn-ea"/>
+                <a:cs typeface="+mn-cs"/>
+              </a:defRPr>
+            </a:lvl8pPr>
+            <a:lvl9pPr marL="3657600" algn="l" defTabSz="914400" rtl="0" eaLnBrk="1" latinLnBrk="0" hangingPunct="1">
+              <a:defRPr sz="1800" kern="1200">
+                <a:solidFill>
+                  <a:schemeClr val="lt1"/>
+                </a:solidFill>
+                <a:latin typeface="+mn-lt"/>
+                <a:ea typeface="+mn-ea"/>
+                <a:cs typeface="+mn-cs"/>
+              </a:defRPr>
+            </a:lvl9pPr>
+          </a:lstStyle>
+          <a:p>
+            <a:pPr algn="ctr"/>
+            <a:endParaRPr lang="en-US"/>
           </a:p>
         </p:txBody>
       </p:sp>

--- a/slides/06_CSP.pptx
+++ b/slides/06_CSP.pptx
@@ -8,7 +8,7 @@
     <p:notesMasterId r:id="rId22"/>
   </p:notesMasterIdLst>
   <p:sldIdLst>
-    <p:sldId id="257" r:id="rId2"/>
+    <p:sldId id="330" r:id="rId2"/>
     <p:sldId id="259" r:id="rId3"/>
     <p:sldId id="260" r:id="rId4"/>
     <p:sldId id="261" r:id="rId5"/>
@@ -659,6 +659,11 @@
         </p:txBody>
       </p:sp>
     </p:spTree>
+    <p:extLst>
+      <p:ext uri="{BB962C8B-B14F-4D97-AF65-F5344CB8AC3E}">
+        <p14:creationId xmlns:p14="http://schemas.microsoft.com/office/powerpoint/2010/main" val="2446231114"/>
+      </p:ext>
+    </p:extLst>
   </p:cSld>
   <p:clrMapOvr>
     <a:masterClrMapping/>
@@ -2294,7 +2299,7 @@
           <a:p>
             <a:fld id="{FDB68C03-DCF9-4B87-BBF6-8F2088376604}" type="datetimeFigureOut">
               <a:rPr lang="en-US" smtClean="0"/>
-              <a:t>11/6/2023</a:t>
+              <a:t>5/1/2024</a:t>
             </a:fld>
             <a:endParaRPr lang="en-US"/>
           </a:p>
@@ -2904,7 +2909,7 @@
           <a:p>
             <a:fld id="{FDB68C03-DCF9-4B87-BBF6-8F2088376604}" type="datetimeFigureOut">
               <a:rPr lang="en-US" smtClean="0"/>
-              <a:t>11/6/2023</a:t>
+              <a:t>5/1/2024</a:t>
             </a:fld>
             <a:endParaRPr lang="en-US"/>
           </a:p>
@@ -3179,7 +3184,7 @@
           <a:p>
             <a:fld id="{FDB68C03-DCF9-4B87-BBF6-8F2088376604}" type="datetimeFigureOut">
               <a:rPr lang="en-US" smtClean="0"/>
-              <a:t>11/6/2023</a:t>
+              <a:t>5/1/2024</a:t>
             </a:fld>
             <a:endParaRPr lang="en-US"/>
           </a:p>
@@ -4968,7 +4973,7 @@
           <a:p>
             <a:fld id="{FDB68C03-DCF9-4B87-BBF6-8F2088376604}" type="datetimeFigureOut">
               <a:rPr lang="en-US" smtClean="0"/>
-              <a:t>11/6/2023</a:t>
+              <a:t>5/1/2024</a:t>
             </a:fld>
             <a:endParaRPr lang="en-US"/>
           </a:p>
@@ -5396,10 +5401,10 @@
       </p:grpSpPr>
       <p:sp useBgFill="1">
         <p:nvSpPr>
-          <p:cNvPr id="3116" name="Rectangle 110">
+          <p:cNvPr id="3081" name="Rectangle 3080">
             <a:extLst>
               <a:ext uri="{FF2B5EF4-FFF2-40B4-BE49-F238E27FC236}">
-                <a16:creationId xmlns:a16="http://schemas.microsoft.com/office/drawing/2014/main" id="{8C886788-700E-4D20-9F80-E0E96837A203}"/>
+                <a16:creationId xmlns:a16="http://schemas.microsoft.com/office/drawing/2014/main" id="{0671A8AE-40A1-4631-A6B8-581AFF065482}"/>
               </a:ext>
               <a:ext uri="{C183D7F6-B498-43B3-948B-1728B52AA6E4}">
                 <adec:decorative xmlns:adec="http://schemas.microsoft.com/office/drawing/2017/decorative" val="1"/>
@@ -5454,12 +5459,42 @@
           </a:p>
         </p:txBody>
       </p:sp>
-      <p:sp useBgFill="1">
-        <p:nvSpPr>
-          <p:cNvPr id="3117" name="Freeform: Shape 112">
+      <p:pic>
+        <p:nvPicPr>
+          <p:cNvPr id="12" name="Picture 5">
             <a:extLst>
               <a:ext uri="{FF2B5EF4-FFF2-40B4-BE49-F238E27FC236}">
-                <a16:creationId xmlns:a16="http://schemas.microsoft.com/office/drawing/2014/main" id="{1850674C-4E08-4C62-A3E2-6337FE4F7D86}"/>
+                <a16:creationId xmlns:a16="http://schemas.microsoft.com/office/drawing/2014/main" id="{28D62784-4BD8-58D1-78FF-7162587B0A12}"/>
+              </a:ext>
+            </a:extLst>
+          </p:cNvPr>
+          <p:cNvPicPr>
+            <a:picLocks noChangeAspect="1" noChangeArrowheads="1"/>
+          </p:cNvPicPr>
+          <p:nvPr/>
+        </p:nvPicPr>
+        <p:blipFill rotWithShape="1">
+          <a:blip r:embed="rId3" cstate="print"/>
+          <a:srcRect l="9147" r="35088" b="6250"/>
+          <a:stretch/>
+        </p:blipFill>
+        <p:spPr bwMode="auto">
+          <a:xfrm>
+            <a:off x="2642616" y="10"/>
+            <a:ext cx="6501384" cy="6857990"/>
+          </a:xfrm>
+          <a:prstGeom prst="rect">
+            <a:avLst/>
+          </a:prstGeom>
+          <a:noFill/>
+        </p:spPr>
+      </p:pic>
+      <p:sp>
+        <p:nvSpPr>
+          <p:cNvPr id="3083" name="Rectangle 3082">
+            <a:extLst>
+              <a:ext uri="{FF2B5EF4-FFF2-40B4-BE49-F238E27FC236}">
+                <a16:creationId xmlns:a16="http://schemas.microsoft.com/office/drawing/2014/main" id="{AB58EF07-17C2-48CF-ABB0-EEF1F17CB8F0}"/>
               </a:ext>
               <a:ext uri="{C183D7F6-B498-43B3-948B-1728B52AA6E4}">
                 <adec:decorative xmlns:adec="http://schemas.microsoft.com/office/drawing/2017/decorative" val="1"/>
@@ -5479,96 +5514,36 @@
         </p:nvSpPr>
         <p:spPr>
           <a:xfrm>
-            <a:off x="0" y="0"/>
-            <a:ext cx="3719285" cy="6858000"/>
+            <a:off x="2" y="0"/>
+            <a:ext cx="7004404" cy="6858000"/>
           </a:xfrm>
-          <a:custGeom>
+          <a:prstGeom prst="rect">
             <a:avLst/>
-            <a:gdLst>
-              <a:gd name="connsiteX0" fmla="*/ 0 w 4959047"/>
-              <a:gd name="connsiteY0" fmla="*/ 0 h 6858000"/>
-              <a:gd name="connsiteX1" fmla="*/ 4110127 w 4959047"/>
-              <a:gd name="connsiteY1" fmla="*/ 0 h 6858000"/>
-              <a:gd name="connsiteX2" fmla="*/ 4179024 w 4959047"/>
-              <a:gd name="connsiteY2" fmla="*/ 123368 h 6858000"/>
-              <a:gd name="connsiteX3" fmla="*/ 4959047 w 4959047"/>
-              <a:gd name="connsiteY3" fmla="*/ 3429000 h 6858000"/>
-              <a:gd name="connsiteX4" fmla="*/ 4179024 w 4959047"/>
-              <a:gd name="connsiteY4" fmla="*/ 6734633 h 6858000"/>
-              <a:gd name="connsiteX5" fmla="*/ 4110127 w 4959047"/>
-              <a:gd name="connsiteY5" fmla="*/ 6858000 h 6858000"/>
-              <a:gd name="connsiteX6" fmla="*/ 0 w 4959047"/>
-              <a:gd name="connsiteY6" fmla="*/ 6858000 h 6858000"/>
-            </a:gdLst>
-            <a:ahLst/>
-            <a:cxnLst>
-              <a:cxn ang="0">
-                <a:pos x="connsiteX0" y="connsiteY0"/>
-              </a:cxn>
-              <a:cxn ang="0">
-                <a:pos x="connsiteX1" y="connsiteY1"/>
-              </a:cxn>
-              <a:cxn ang="0">
-                <a:pos x="connsiteX2" y="connsiteY2"/>
-              </a:cxn>
-              <a:cxn ang="0">
-                <a:pos x="connsiteX3" y="connsiteY3"/>
-              </a:cxn>
-              <a:cxn ang="0">
-                <a:pos x="connsiteX4" y="connsiteY4"/>
-              </a:cxn>
-              <a:cxn ang="0">
-                <a:pos x="connsiteX5" y="connsiteY5"/>
-              </a:cxn>
-              <a:cxn ang="0">
-                <a:pos x="connsiteX6" y="connsiteY6"/>
-              </a:cxn>
-            </a:cxnLst>
-            <a:rect l="l" t="t" r="r" b="b"/>
-            <a:pathLst>
-              <a:path w="4959047" h="6858000">
-                <a:moveTo>
-                  <a:pt x="0" y="0"/>
-                </a:moveTo>
-                <a:lnTo>
-                  <a:pt x="4110127" y="0"/>
-                </a:lnTo>
-                <a:lnTo>
-                  <a:pt x="4179024" y="123368"/>
-                </a:lnTo>
-                <a:cubicBezTo>
-                  <a:pt x="4668929" y="1045156"/>
-                  <a:pt x="4959047" y="2189404"/>
-                  <a:pt x="4959047" y="3429000"/>
-                </a:cubicBezTo>
-                <a:cubicBezTo>
-                  <a:pt x="4959047" y="4668597"/>
-                  <a:pt x="4668929" y="5812845"/>
-                  <a:pt x="4179024" y="6734633"/>
-                </a:cubicBezTo>
-                <a:lnTo>
-                  <a:pt x="4110127" y="6858000"/>
-                </a:lnTo>
-                <a:lnTo>
-                  <a:pt x="0" y="6858000"/>
-                </a:lnTo>
-                <a:close/>
-              </a:path>
-            </a:pathLst>
-          </a:custGeom>
-          <a:ln w="9525">
-            <a:solidFill>
-              <a:srgbClr val="EFEFEF"/>
-            </a:solidFill>
+          </a:prstGeom>
+          <a:gradFill>
+            <a:gsLst>
+              <a:gs pos="58000">
+                <a:schemeClr val="tx1"/>
+              </a:gs>
+              <a:gs pos="33000">
+                <a:schemeClr val="tx1">
+                  <a:alpha val="64000"/>
+                </a:schemeClr>
+              </a:gs>
+              <a:gs pos="0">
+                <a:schemeClr val="tx1">
+                  <a:alpha val="0"/>
+                </a:schemeClr>
+              </a:gs>
+              <a:gs pos="100000">
+                <a:schemeClr val="tx1"/>
+              </a:gs>
+            </a:gsLst>
+            <a:lin ang="10800000" scaled="0"/>
+          </a:gradFill>
+          <a:ln>
+            <a:noFill/>
           </a:ln>
-          <a:effectLst>
-            <a:outerShdw blurRad="50800" dist="38100" algn="l" rotWithShape="0">
-              <a:schemeClr val="bg1">
-                <a:lumMod val="85000"/>
-                <a:alpha val="30000"/>
-              </a:schemeClr>
-            </a:outerShdw>
-          </a:effectLst>
         </p:spPr>
         <p:style>
           <a:lnRef idx="2">
@@ -5587,9 +5562,316 @@
           </a:fontRef>
         </p:style>
         <p:txBody>
-          <a:bodyPr wrap="square" rtlCol="0" anchor="ctr">
-            <a:noAutofit/>
+          <a:bodyPr rtlCol="0" anchor="ctr"/>
+          <a:lstStyle/>
+          <a:p>
+            <a:pPr algn="ctr"/>
+            <a:endParaRPr lang="en-US" dirty="0"/>
+          </a:p>
+        </p:txBody>
+      </p:sp>
+      <p:sp>
+        <p:nvSpPr>
+          <p:cNvPr id="3076" name="Rectangle 4"/>
+          <p:cNvSpPr>
+            <a:spLocks noGrp="1" noChangeArrowheads="1"/>
+          </p:cNvSpPr>
+          <p:nvPr>
+            <p:ph type="ctrTitle"/>
+          </p:nvPr>
+        </p:nvSpPr>
+        <p:spPr>
+          <a:xfrm>
+            <a:off x="358484" y="1122363"/>
+            <a:ext cx="3146715" cy="2404173"/>
+          </a:xfrm>
+        </p:spPr>
+        <p:txBody>
+          <a:bodyPr anchor="b">
+            <a:normAutofit fontScale="90000"/>
           </a:bodyPr>
+          <a:lstStyle/>
+          <a:p>
+            <a:pPr algn="l"/>
+            <a:r>
+              <a:rPr lang="en-US" sz="2800" b="1" dirty="0">
+                <a:solidFill>
+                  <a:schemeClr val="bg1"/>
+                </a:solidFill>
+              </a:rPr>
+              <a:t>CS 5/7320 </a:t>
+            </a:r>
+            <a:br>
+              <a:rPr lang="en-US" sz="2800" b="1" dirty="0">
+                <a:solidFill>
+                  <a:schemeClr val="bg1"/>
+                </a:solidFill>
+              </a:rPr>
+            </a:br>
+            <a:r>
+              <a:rPr lang="en-US" sz="2000" b="1" dirty="0">
+                <a:solidFill>
+                  <a:schemeClr val="bg1"/>
+                </a:solidFill>
+              </a:rPr>
+              <a:t>Artificial Intelligence</a:t>
+            </a:r>
+            <a:br>
+              <a:rPr lang="en-US" sz="2800" dirty="0">
+                <a:solidFill>
+                  <a:schemeClr val="bg1"/>
+                </a:solidFill>
+              </a:rPr>
+            </a:br>
+            <a:br>
+              <a:rPr lang="en-US" sz="2800" dirty="0">
+                <a:solidFill>
+                  <a:schemeClr val="bg1"/>
+                </a:solidFill>
+              </a:rPr>
+            </a:br>
+            <a:r>
+              <a:rPr lang="en-US" sz="2800" b="1" dirty="0">
+                <a:solidFill>
+                  <a:schemeClr val="bg1"/>
+                </a:solidFill>
+              </a:rPr>
+              <a:t>Constraint Satisfaction Problems</a:t>
+            </a:r>
+            <a:br>
+              <a:rPr lang="en-US" sz="2800" dirty="0">
+                <a:solidFill>
+                  <a:schemeClr val="bg1"/>
+                </a:solidFill>
+              </a:rPr>
+            </a:br>
+            <a:r>
+              <a:rPr lang="en-US" sz="2800" dirty="0">
+                <a:solidFill>
+                  <a:schemeClr val="bg1"/>
+                </a:solidFill>
+              </a:rPr>
+              <a:t>AIMA Chapter 6</a:t>
+            </a:r>
+            <a:endParaRPr lang="en-US" sz="2600" dirty="0">
+              <a:solidFill>
+                <a:schemeClr val="bg1"/>
+              </a:solidFill>
+            </a:endParaRPr>
+          </a:p>
+        </p:txBody>
+      </p:sp>
+      <p:sp>
+        <p:nvSpPr>
+          <p:cNvPr id="7" name="Subtitle 4">
+            <a:extLst>
+              <a:ext uri="{FF2B5EF4-FFF2-40B4-BE49-F238E27FC236}">
+                <a16:creationId xmlns:a16="http://schemas.microsoft.com/office/drawing/2014/main" id="{BD9414C1-3F50-4ECE-BD18-21F7EA6A8256}"/>
+              </a:ext>
+            </a:extLst>
+          </p:cNvPr>
+          <p:cNvSpPr>
+            <a:spLocks noGrp="1"/>
+          </p:cNvSpPr>
+          <p:nvPr>
+            <p:ph type="subTitle" idx="1"/>
+          </p:nvPr>
+        </p:nvSpPr>
+        <p:spPr>
+          <a:xfrm>
+            <a:off x="355489" y="4801647"/>
+            <a:ext cx="3146715" cy="1208141"/>
+          </a:xfrm>
+        </p:spPr>
+        <p:txBody>
+          <a:bodyPr>
+            <a:normAutofit/>
+          </a:bodyPr>
+          <a:lstStyle/>
+          <a:p>
+            <a:pPr algn="l"/>
+            <a:r>
+              <a:rPr lang="en-US" sz="1900" dirty="0">
+                <a:solidFill>
+                  <a:schemeClr val="bg1"/>
+                </a:solidFill>
+              </a:rPr>
+              <a:t>Slides by Michael Hahsler</a:t>
+            </a:r>
+            <a:br>
+              <a:rPr lang="en-US" sz="2600" dirty="0">
+                <a:solidFill>
+                  <a:schemeClr val="bg1"/>
+                </a:solidFill>
+              </a:rPr>
+            </a:br>
+            <a:r>
+              <a:rPr lang="en-US" sz="1500" dirty="0">
+                <a:solidFill>
+                  <a:schemeClr val="bg1"/>
+                </a:solidFill>
+              </a:rPr>
+              <a:t>based on Slides by Svetlana </a:t>
+            </a:r>
+            <a:r>
+              <a:rPr lang="en-US" sz="1500" dirty="0" err="1">
+                <a:solidFill>
+                  <a:schemeClr val="bg1"/>
+                </a:solidFill>
+              </a:rPr>
+              <a:t>Lazepnik</a:t>
+            </a:r>
+            <a:br>
+              <a:rPr lang="en-US" sz="1500" dirty="0">
+                <a:solidFill>
+                  <a:schemeClr val="bg1"/>
+                </a:solidFill>
+              </a:rPr>
+            </a:br>
+            <a:r>
+              <a:rPr lang="en-US" sz="1500" dirty="0">
+                <a:solidFill>
+                  <a:schemeClr val="bg1"/>
+                </a:solidFill>
+              </a:rPr>
+              <a:t>with figures from the AIMA textbook</a:t>
+            </a:r>
+          </a:p>
+          <a:p>
+            <a:pPr algn="l"/>
+            <a:endParaRPr lang="en-US" sz="1600" dirty="0">
+              <a:solidFill>
+                <a:schemeClr val="bg1"/>
+              </a:solidFill>
+            </a:endParaRPr>
+          </a:p>
+        </p:txBody>
+      </p:sp>
+      <p:sp>
+        <p:nvSpPr>
+          <p:cNvPr id="3085" name="Rectangle 3084">
+            <a:extLst>
+              <a:ext uri="{FF2B5EF4-FFF2-40B4-BE49-F238E27FC236}">
+                <a16:creationId xmlns:a16="http://schemas.microsoft.com/office/drawing/2014/main" id="{AF2F604E-43BE-4DC3-B983-E071523364F8}"/>
+              </a:ext>
+              <a:ext uri="{C183D7F6-B498-43B3-948B-1728B52AA6E4}">
+                <adec:decorative xmlns:adec="http://schemas.microsoft.com/office/drawing/2017/decorative" val="1"/>
+              </a:ext>
+            </a:extLst>
+          </p:cNvPr>
+          <p:cNvSpPr>
+            <a:spLocks noGrp="1" noRot="1" noChangeAspect="1" noMove="1" noResize="1" noEditPoints="1" noAdjustHandles="1" noChangeArrowheads="1" noChangeShapeType="1" noTextEdit="1"/>
+          </p:cNvSpPr>
+          <p:nvPr>
+            <p:extLst>
+              <p:ext uri="{386F3935-93C4-4BCD-93E2-E3B085C9AB24}">
+                <p16:designElem xmlns:p16="http://schemas.microsoft.com/office/powerpoint/2015/main" val="1"/>
+              </p:ext>
+            </p:extLst>
+          </p:nvPr>
+        </p:nvSpPr>
+        <p:spPr>
+          <a:xfrm rot="5400000">
+            <a:off x="551653" y="434802"/>
+            <a:ext cx="146304" cy="528066"/>
+          </a:xfrm>
+          <a:prstGeom prst="rect">
+            <a:avLst/>
+          </a:prstGeom>
+          <a:solidFill>
+            <a:schemeClr val="accent2"/>
+          </a:solidFill>
+          <a:ln>
+            <a:noFill/>
+          </a:ln>
+        </p:spPr>
+        <p:style>
+          <a:lnRef idx="2">
+            <a:schemeClr val="accent1">
+              <a:shade val="50000"/>
+            </a:schemeClr>
+          </a:lnRef>
+          <a:fillRef idx="1">
+            <a:schemeClr val="accent1"/>
+          </a:fillRef>
+          <a:effectRef idx="0">
+            <a:schemeClr val="accent1"/>
+          </a:effectRef>
+          <a:fontRef idx="minor">
+            <a:schemeClr val="lt1"/>
+          </a:fontRef>
+        </p:style>
+        <p:txBody>
+          <a:bodyPr rtlCol="0" anchor="ctr"/>
+          <a:lstStyle/>
+          <a:p>
+            <a:pPr algn="ctr"/>
+            <a:endParaRPr lang="en-US">
+              <a:solidFill>
+                <a:prstClr val="white"/>
+              </a:solidFill>
+              <a:latin typeface="Calibri" panose="020F0502020204030204"/>
+            </a:endParaRPr>
+          </a:p>
+        </p:txBody>
+      </p:sp>
+      <p:sp>
+        <p:nvSpPr>
+          <p:cNvPr id="3087" name="Rectangle 3086">
+            <a:extLst>
+              <a:ext uri="{FF2B5EF4-FFF2-40B4-BE49-F238E27FC236}">
+                <a16:creationId xmlns:a16="http://schemas.microsoft.com/office/drawing/2014/main" id="{08C9B587-E65E-4B52-B37C-ABEBB6E87928}"/>
+              </a:ext>
+              <a:ext uri="{C183D7F6-B498-43B3-948B-1728B52AA6E4}">
+                <adec:decorative xmlns:adec="http://schemas.microsoft.com/office/drawing/2017/decorative" val="1"/>
+              </a:ext>
+            </a:extLst>
+          </p:cNvPr>
+          <p:cNvSpPr>
+            <a:spLocks noGrp="1" noRot="1" noChangeAspect="1" noMove="1" noResize="1" noEditPoints="1" noAdjustHandles="1" noChangeArrowheads="1" noChangeShapeType="1" noTextEdit="1"/>
+          </p:cNvSpPr>
+          <p:nvPr>
+            <p:extLst>
+              <p:ext uri="{386F3935-93C4-4BCD-93E2-E3B085C9AB24}">
+                <p16:designElem xmlns:p16="http://schemas.microsoft.com/office/powerpoint/2015/main" val="1"/>
+              </p:ext>
+            </p:extLst>
+          </p:nvPr>
+        </p:nvSpPr>
+        <p:spPr>
+          <a:xfrm>
+            <a:off x="360771" y="4546920"/>
+            <a:ext cx="2983230" cy="18288"/>
+          </a:xfrm>
+          <a:prstGeom prst="rect">
+            <a:avLst/>
+          </a:prstGeom>
+          <a:solidFill>
+            <a:schemeClr val="tx1"/>
+          </a:solidFill>
+          <a:ln w="3175">
+            <a:noFill/>
+          </a:ln>
+          <a:effectLst/>
+        </p:spPr>
+        <p:style>
+          <a:lnRef idx="2">
+            <a:schemeClr val="accent1">
+              <a:shade val="50000"/>
+            </a:schemeClr>
+          </a:lnRef>
+          <a:fillRef idx="1">
+            <a:schemeClr val="accent1"/>
+          </a:fillRef>
+          <a:effectRef idx="0">
+            <a:schemeClr val="accent1"/>
+          </a:effectRef>
+          <a:fontRef idx="minor">
+            <a:schemeClr val="lt1"/>
+          </a:fontRef>
+        </p:style>
+        <p:txBody>
+          <a:bodyPr rtlCol="0" anchor="ctr"/>
           <a:lstStyle/>
           <a:p>
             <a:pPr marL="0" marR="0" lvl="0" indent="0" algn="ctr" defTabSz="914400" rtl="0" eaLnBrk="1" fontAlgn="auto" latinLnBrk="0" hangingPunct="1">
@@ -5626,547 +5908,12 @@
           </a:p>
         </p:txBody>
       </p:sp>
-      <p:sp useBgFill="1">
-        <p:nvSpPr>
-          <p:cNvPr id="3118" name="Freeform: Shape 114">
+      <p:pic>
+        <p:nvPicPr>
+          <p:cNvPr id="13" name="Picture 12" descr="Creative Commons License">
             <a:extLst>
               <a:ext uri="{FF2B5EF4-FFF2-40B4-BE49-F238E27FC236}">
-                <a16:creationId xmlns:a16="http://schemas.microsoft.com/office/drawing/2014/main" id="{BCE4FF05-2B0C-4C97-A9B4-E163085A90E1}"/>
-              </a:ext>
-              <a:ext uri="{C183D7F6-B498-43B3-948B-1728B52AA6E4}">
-                <adec:decorative xmlns:adec="http://schemas.microsoft.com/office/drawing/2017/decorative" val="1"/>
-              </a:ext>
-            </a:extLst>
-          </p:cNvPr>
-          <p:cNvSpPr>
-            <a:spLocks noGrp="1" noRot="1" noChangeAspect="1" noMove="1" noResize="1" noEditPoints="1" noAdjustHandles="1" noChangeArrowheads="1" noChangeShapeType="1" noTextEdit="1"/>
-          </p:cNvSpPr>
-          <p:nvPr>
-            <p:extLst>
-              <p:ext uri="{386F3935-93C4-4BCD-93E2-E3B085C9AB24}">
-                <p16:designElem xmlns:p16="http://schemas.microsoft.com/office/powerpoint/2015/main" val="1"/>
-              </p:ext>
-            </p:extLst>
-          </p:nvPr>
-        </p:nvSpPr>
-        <p:spPr>
-          <a:xfrm>
-            <a:off x="0" y="0"/>
-            <a:ext cx="3711665" cy="6858000"/>
-          </a:xfrm>
-          <a:custGeom>
-            <a:avLst/>
-            <a:gdLst>
-              <a:gd name="connsiteX0" fmla="*/ 0 w 4948887"/>
-              <a:gd name="connsiteY0" fmla="*/ 0 h 6858000"/>
-              <a:gd name="connsiteX1" fmla="*/ 4099967 w 4948887"/>
-              <a:gd name="connsiteY1" fmla="*/ 0 h 6858000"/>
-              <a:gd name="connsiteX2" fmla="*/ 4168864 w 4948887"/>
-              <a:gd name="connsiteY2" fmla="*/ 123368 h 6858000"/>
-              <a:gd name="connsiteX3" fmla="*/ 4948887 w 4948887"/>
-              <a:gd name="connsiteY3" fmla="*/ 3429000 h 6858000"/>
-              <a:gd name="connsiteX4" fmla="*/ 4168864 w 4948887"/>
-              <a:gd name="connsiteY4" fmla="*/ 6734633 h 6858000"/>
-              <a:gd name="connsiteX5" fmla="*/ 4099967 w 4948887"/>
-              <a:gd name="connsiteY5" fmla="*/ 6858000 h 6858000"/>
-              <a:gd name="connsiteX6" fmla="*/ 0 w 4948887"/>
-              <a:gd name="connsiteY6" fmla="*/ 6858000 h 6858000"/>
-            </a:gdLst>
-            <a:ahLst/>
-            <a:cxnLst>
-              <a:cxn ang="0">
-                <a:pos x="connsiteX0" y="connsiteY0"/>
-              </a:cxn>
-              <a:cxn ang="0">
-                <a:pos x="connsiteX1" y="connsiteY1"/>
-              </a:cxn>
-              <a:cxn ang="0">
-                <a:pos x="connsiteX2" y="connsiteY2"/>
-              </a:cxn>
-              <a:cxn ang="0">
-                <a:pos x="connsiteX3" y="connsiteY3"/>
-              </a:cxn>
-              <a:cxn ang="0">
-                <a:pos x="connsiteX4" y="connsiteY4"/>
-              </a:cxn>
-              <a:cxn ang="0">
-                <a:pos x="connsiteX5" y="connsiteY5"/>
-              </a:cxn>
-              <a:cxn ang="0">
-                <a:pos x="connsiteX6" y="connsiteY6"/>
-              </a:cxn>
-            </a:cxnLst>
-            <a:rect l="l" t="t" r="r" b="b"/>
-            <a:pathLst>
-              <a:path w="4948887" h="6858000">
-                <a:moveTo>
-                  <a:pt x="0" y="0"/>
-                </a:moveTo>
-                <a:lnTo>
-                  <a:pt x="4099967" y="0"/>
-                </a:lnTo>
-                <a:lnTo>
-                  <a:pt x="4168864" y="123368"/>
-                </a:lnTo>
-                <a:cubicBezTo>
-                  <a:pt x="4658769" y="1045156"/>
-                  <a:pt x="4948887" y="2189404"/>
-                  <a:pt x="4948887" y="3429000"/>
-                </a:cubicBezTo>
-                <a:cubicBezTo>
-                  <a:pt x="4948887" y="4668597"/>
-                  <a:pt x="4658769" y="5812845"/>
-                  <a:pt x="4168864" y="6734633"/>
-                </a:cubicBezTo>
-                <a:lnTo>
-                  <a:pt x="4099967" y="6858000"/>
-                </a:lnTo>
-                <a:lnTo>
-                  <a:pt x="0" y="6858000"/>
-                </a:lnTo>
-                <a:close/>
-              </a:path>
-            </a:pathLst>
-          </a:custGeom>
-          <a:ln w="9525">
-            <a:noFill/>
-          </a:ln>
-          <a:effectLst/>
-        </p:spPr>
-        <p:style>
-          <a:lnRef idx="2">
-            <a:schemeClr val="accent1">
-              <a:shade val="50000"/>
-            </a:schemeClr>
-          </a:lnRef>
-          <a:fillRef idx="1">
-            <a:schemeClr val="accent1"/>
-          </a:fillRef>
-          <a:effectRef idx="0">
-            <a:schemeClr val="accent1"/>
-          </a:effectRef>
-          <a:fontRef idx="minor">
-            <a:schemeClr val="lt1"/>
-          </a:fontRef>
-        </p:style>
-        <p:txBody>
-          <a:bodyPr wrap="square" rtlCol="0" anchor="ctr">
-            <a:noAutofit/>
-          </a:bodyPr>
-          <a:lstStyle/>
-          <a:p>
-            <a:pPr marL="0" marR="0" lvl="0" indent="0" algn="ctr" defTabSz="914400" rtl="0" eaLnBrk="1" fontAlgn="auto" latinLnBrk="0" hangingPunct="1">
-              <a:lnSpc>
-                <a:spcPct val="100000"/>
-              </a:lnSpc>
-              <a:spcBef>
-                <a:spcPts val="0"/>
-              </a:spcBef>
-              <a:spcAft>
-                <a:spcPts val="0"/>
-              </a:spcAft>
-              <a:buClrTx/>
-              <a:buSzTx/>
-              <a:buFontTx/>
-              <a:buNone/>
-              <a:tabLst/>
-              <a:defRPr/>
-            </a:pPr>
-            <a:endParaRPr kumimoji="0" lang="en-US" sz="1800" b="0" i="0" u="none" strike="noStrike" kern="1200" cap="none" spc="0" normalizeH="0" baseline="0" noProof="0">
-              <a:ln>
-                <a:noFill/>
-              </a:ln>
-              <a:solidFill>
-                <a:prstClr val="white"/>
-              </a:solidFill>
-              <a:effectLst/>
-              <a:uLnTx/>
-              <a:uFillTx/>
-              <a:latin typeface="Calibri" panose="020F0502020204030204"/>
-              <a:ea typeface="+mn-ea"/>
-              <a:cs typeface="+mn-cs"/>
-            </a:endParaRPr>
-          </a:p>
-        </p:txBody>
-      </p:sp>
-      <p:sp>
-        <p:nvSpPr>
-          <p:cNvPr id="3076" name="Rectangle 4"/>
-          <p:cNvSpPr>
-            <a:spLocks noGrp="1" noChangeArrowheads="1"/>
-          </p:cNvSpPr>
-          <p:nvPr>
-            <p:ph type="ctrTitle"/>
-          </p:nvPr>
-        </p:nvSpPr>
-        <p:spPr>
-          <a:xfrm>
-            <a:off x="356616" y="1124712"/>
-            <a:ext cx="3017520" cy="3200400"/>
-          </a:xfrm>
-        </p:spPr>
-        <p:txBody>
-          <a:bodyPr>
-            <a:normAutofit/>
-          </a:bodyPr>
-          <a:lstStyle/>
-          <a:p>
-            <a:pPr algn="l"/>
-            <a:r>
-              <a:rPr lang="en-US" sz="2900" b="1" dirty="0"/>
-              <a:t>CS 5/7320 </a:t>
-            </a:r>
-            <a:br>
-              <a:rPr lang="en-US" sz="2900" b="1" dirty="0"/>
-            </a:br>
-            <a:r>
-              <a:rPr lang="en-US" sz="2400" b="1" dirty="0"/>
-              <a:t>Artificial Intelligence</a:t>
-            </a:r>
-            <a:br>
-              <a:rPr lang="en-US" sz="2900" dirty="0"/>
-            </a:br>
-            <a:br>
-              <a:rPr lang="en-US" sz="2900" dirty="0"/>
-            </a:br>
-            <a:r>
-              <a:rPr lang="en-US" sz="2900" b="1" dirty="0"/>
-              <a:t>Constraint Satisfaction Problems</a:t>
-            </a:r>
-            <a:br>
-              <a:rPr lang="en-US" sz="2900" dirty="0"/>
-            </a:br>
-            <a:r>
-              <a:rPr lang="en-US" sz="2900" dirty="0"/>
-              <a:t>AIMA Chapter 6</a:t>
-            </a:r>
-          </a:p>
-        </p:txBody>
-      </p:sp>
-      <p:sp>
-        <p:nvSpPr>
-          <p:cNvPr id="7" name="Subtitle 4">
-            <a:extLst>
-              <a:ext uri="{FF2B5EF4-FFF2-40B4-BE49-F238E27FC236}">
-                <a16:creationId xmlns:a16="http://schemas.microsoft.com/office/drawing/2014/main" id="{BD9414C1-3F50-4ECE-BD18-21F7EA6A8256}"/>
-              </a:ext>
-            </a:extLst>
-          </p:cNvPr>
-          <p:cNvSpPr>
-            <a:spLocks noGrp="1"/>
-          </p:cNvSpPr>
-          <p:nvPr>
-            <p:ph type="subTitle" idx="1"/>
-          </p:nvPr>
-        </p:nvSpPr>
-        <p:spPr>
-          <a:xfrm>
-            <a:off x="356616" y="4873752"/>
-            <a:ext cx="2948940" cy="1207008"/>
-          </a:xfrm>
-        </p:spPr>
-        <p:txBody>
-          <a:bodyPr>
-            <a:normAutofit/>
-          </a:bodyPr>
-          <a:lstStyle/>
-          <a:p>
-            <a:pPr algn="l"/>
-            <a:r>
-              <a:rPr lang="en-US" sz="2100" dirty="0"/>
-              <a:t>Slides by Michael Hahsler</a:t>
-            </a:r>
-            <a:br>
-              <a:rPr lang="en-US" sz="2100" dirty="0"/>
-            </a:br>
-            <a:r>
-              <a:rPr lang="en-US" sz="1400" dirty="0"/>
-              <a:t>based on Slides by Svetlana </a:t>
-            </a:r>
-            <a:r>
-              <a:rPr lang="en-US" sz="1400" dirty="0" err="1"/>
-              <a:t>Lazepnik</a:t>
-            </a:r>
-            <a:br>
-              <a:rPr lang="en-US" sz="1400" dirty="0"/>
-            </a:br>
-            <a:r>
-              <a:rPr lang="en-US" sz="1400" dirty="0"/>
-              <a:t>with figures from the AIMA textbook</a:t>
-            </a:r>
-          </a:p>
-          <a:p>
-            <a:pPr algn="l"/>
-            <a:endParaRPr lang="en-US" sz="2100" dirty="0"/>
-          </a:p>
-        </p:txBody>
-      </p:sp>
-      <p:sp>
-        <p:nvSpPr>
-          <p:cNvPr id="3119" name="Rectangle 116">
-            <a:extLst>
-              <a:ext uri="{FF2B5EF4-FFF2-40B4-BE49-F238E27FC236}">
-                <a16:creationId xmlns:a16="http://schemas.microsoft.com/office/drawing/2014/main" id="{529C2A7A-A6B6-4A56-B11C-8E967D88A60D}"/>
-              </a:ext>
-              <a:ext uri="{C183D7F6-B498-43B3-948B-1728B52AA6E4}">
-                <adec:decorative xmlns:adec="http://schemas.microsoft.com/office/drawing/2017/decorative" val="1"/>
-              </a:ext>
-            </a:extLst>
-          </p:cNvPr>
-          <p:cNvSpPr>
-            <a:spLocks noGrp="1" noRot="1" noChangeAspect="1" noMove="1" noResize="1" noEditPoints="1" noAdjustHandles="1" noChangeArrowheads="1" noChangeShapeType="1" noTextEdit="1"/>
-          </p:cNvSpPr>
-          <p:nvPr>
-            <p:extLst>
-              <p:ext uri="{386F3935-93C4-4BCD-93E2-E3B085C9AB24}">
-                <p16:designElem xmlns:p16="http://schemas.microsoft.com/office/powerpoint/2015/main" val="1"/>
-              </p:ext>
-            </p:extLst>
-          </p:nvPr>
-        </p:nvSpPr>
-        <p:spPr>
-          <a:xfrm rot="5400000">
-            <a:off x="551653" y="434802"/>
-            <a:ext cx="146304" cy="528066"/>
-          </a:xfrm>
-          <a:prstGeom prst="rect">
-            <a:avLst/>
-          </a:prstGeom>
-          <a:solidFill>
-            <a:schemeClr val="accent2"/>
-          </a:solidFill>
-          <a:ln>
-            <a:noFill/>
-          </a:ln>
-        </p:spPr>
-        <p:style>
-          <a:lnRef idx="2">
-            <a:schemeClr val="accent1">
-              <a:shade val="50000"/>
-            </a:schemeClr>
-          </a:lnRef>
-          <a:fillRef idx="1">
-            <a:schemeClr val="accent1"/>
-          </a:fillRef>
-          <a:effectRef idx="0">
-            <a:schemeClr val="accent1"/>
-          </a:effectRef>
-          <a:fontRef idx="minor">
-            <a:schemeClr val="lt1"/>
-          </a:fontRef>
-        </p:style>
-        <p:txBody>
-          <a:bodyPr rtlCol="0" anchor="ctr"/>
-          <a:lstStyle/>
-          <a:p>
-            <a:pPr marL="0" marR="0" lvl="0" indent="0" algn="ctr" defTabSz="914400" rtl="0" eaLnBrk="1" fontAlgn="auto" latinLnBrk="0" hangingPunct="1">
-              <a:lnSpc>
-                <a:spcPct val="100000"/>
-              </a:lnSpc>
-              <a:spcBef>
-                <a:spcPts val="0"/>
-              </a:spcBef>
-              <a:spcAft>
-                <a:spcPts val="0"/>
-              </a:spcAft>
-              <a:buClrTx/>
-              <a:buSzTx/>
-              <a:buFontTx/>
-              <a:buNone/>
-              <a:tabLst/>
-              <a:defRPr/>
-            </a:pPr>
-            <a:endParaRPr kumimoji="0" lang="en-US" sz="1800" b="0" i="0" u="none" strike="noStrike" kern="1200" cap="none" spc="0" normalizeH="0" baseline="0" noProof="0">
-              <a:ln>
-                <a:noFill/>
-              </a:ln>
-              <a:solidFill>
-                <a:prstClr val="white"/>
-              </a:solidFill>
-              <a:effectLst/>
-              <a:uLnTx/>
-              <a:uFillTx/>
-              <a:latin typeface="Calibri" panose="020F0502020204030204"/>
-              <a:ea typeface="+mn-ea"/>
-              <a:cs typeface="+mn-cs"/>
-            </a:endParaRPr>
-          </a:p>
-        </p:txBody>
-      </p:sp>
-      <p:pic>
-        <p:nvPicPr>
-          <p:cNvPr id="3077" name="Picture 5"/>
-          <p:cNvPicPr>
-            <a:picLocks noChangeAspect="1" noChangeArrowheads="1"/>
-          </p:cNvPicPr>
-          <p:nvPr/>
-        </p:nvPicPr>
-        <p:blipFill>
-          <a:blip r:embed="rId3" cstate="print"/>
-          <a:stretch>
-            <a:fillRect/>
-          </a:stretch>
-        </p:blipFill>
-        <p:spPr bwMode="auto">
-          <a:xfrm>
-            <a:off x="4160177" y="687464"/>
-            <a:ext cx="4491994" cy="2818506"/>
-          </a:xfrm>
-          <a:prstGeom prst="rect">
-            <a:avLst/>
-          </a:prstGeom>
-          <a:noFill/>
-        </p:spPr>
-      </p:pic>
-      <p:sp>
-        <p:nvSpPr>
-          <p:cNvPr id="119" name="Rectangle 118">
-            <a:extLst>
-              <a:ext uri="{FF2B5EF4-FFF2-40B4-BE49-F238E27FC236}">
-                <a16:creationId xmlns:a16="http://schemas.microsoft.com/office/drawing/2014/main" id="{FDBD7205-E536-4134-8768-AC3E1A3C5E59}"/>
-              </a:ext>
-              <a:ext uri="{C183D7F6-B498-43B3-948B-1728B52AA6E4}">
-                <adec:decorative xmlns:adec="http://schemas.microsoft.com/office/drawing/2017/decorative" val="1"/>
-              </a:ext>
-            </a:extLst>
-          </p:cNvPr>
-          <p:cNvSpPr>
-            <a:spLocks noGrp="1" noRot="1" noChangeAspect="1" noMove="1" noResize="1" noEditPoints="1" noAdjustHandles="1" noChangeArrowheads="1" noChangeShapeType="1" noTextEdit="1"/>
-          </p:cNvSpPr>
-          <p:nvPr>
-            <p:extLst>
-              <p:ext uri="{386F3935-93C4-4BCD-93E2-E3B085C9AB24}">
-                <p16:designElem xmlns:p16="http://schemas.microsoft.com/office/powerpoint/2015/main" val="1"/>
-              </p:ext>
-            </p:extLst>
-          </p:nvPr>
-        </p:nvSpPr>
-        <p:spPr>
-          <a:xfrm>
-            <a:off x="360771" y="4546920"/>
-            <a:ext cx="3017520" cy="18288"/>
-          </a:xfrm>
-          <a:prstGeom prst="rect">
-            <a:avLst/>
-          </a:prstGeom>
-          <a:solidFill>
-            <a:srgbClr val="D5D5D5"/>
-          </a:solidFill>
-          <a:ln w="3175">
-            <a:noFill/>
-          </a:ln>
-          <a:effectLst/>
-        </p:spPr>
-        <p:style>
-          <a:lnRef idx="2">
-            <a:schemeClr val="accent1">
-              <a:shade val="50000"/>
-            </a:schemeClr>
-          </a:lnRef>
-          <a:fillRef idx="1">
-            <a:schemeClr val="accent1"/>
-          </a:fillRef>
-          <a:effectRef idx="0">
-            <a:schemeClr val="accent1"/>
-          </a:effectRef>
-          <a:fontRef idx="minor">
-            <a:schemeClr val="lt1"/>
-          </a:fontRef>
-        </p:style>
-        <p:txBody>
-          <a:bodyPr rtlCol="0" anchor="ctr"/>
-          <a:lstStyle/>
-          <a:p>
-            <a:pPr marL="0" marR="0" lvl="0" indent="0" algn="ctr" defTabSz="914400" rtl="0" eaLnBrk="1" fontAlgn="auto" latinLnBrk="0" hangingPunct="1">
-              <a:lnSpc>
-                <a:spcPct val="100000"/>
-              </a:lnSpc>
-              <a:spcBef>
-                <a:spcPts val="0"/>
-              </a:spcBef>
-              <a:spcAft>
-                <a:spcPts val="0"/>
-              </a:spcAft>
-              <a:buClrTx/>
-              <a:buSzTx/>
-              <a:buFontTx/>
-              <a:buNone/>
-              <a:tabLst/>
-              <a:defRPr/>
-            </a:pPr>
-            <a:endParaRPr kumimoji="0" lang="en-US" sz="1800" b="0" i="0" u="none" strike="noStrike" kern="1200" cap="none" spc="0" normalizeH="0" baseline="0" noProof="0">
-              <a:ln>
-                <a:noFill/>
-              </a:ln>
-              <a:solidFill>
-                <a:prstClr val="white"/>
-              </a:solidFill>
-              <a:effectLst/>
-              <a:uLnTx/>
-              <a:uFillTx/>
-              <a:latin typeface="Calibri" panose="020F0502020204030204"/>
-              <a:ea typeface="+mn-ea"/>
-              <a:cs typeface="+mn-cs"/>
-            </a:endParaRPr>
-          </a:p>
-        </p:txBody>
-      </p:sp>
-      <p:pic>
-        <p:nvPicPr>
-          <p:cNvPr id="10" name="Picture 2" descr="A close up of text on a white surface&#10;&#10;Description automatically generated"/>
-          <p:cNvPicPr>
-            <a:picLocks noChangeAspect="1" noChangeArrowheads="1"/>
-          </p:cNvPicPr>
-          <p:nvPr/>
-        </p:nvPicPr>
-        <p:blipFill>
-          <a:blip r:embed="rId4" cstate="print"/>
-          <a:stretch>
-            <a:fillRect/>
-          </a:stretch>
-        </p:blipFill>
-        <p:spPr bwMode="auto">
-          <a:xfrm>
-            <a:off x="4162015" y="3911286"/>
-            <a:ext cx="2153412" cy="2173791"/>
-          </a:xfrm>
-          <a:prstGeom prst="rect">
-            <a:avLst/>
-          </a:prstGeom>
-          <a:noFill/>
-        </p:spPr>
-      </p:pic>
-      <p:pic>
-        <p:nvPicPr>
-          <p:cNvPr id="3078" name="Picture 6"/>
-          <p:cNvPicPr>
-            <a:picLocks noChangeAspect="1" noChangeArrowheads="1"/>
-          </p:cNvPicPr>
-          <p:nvPr/>
-        </p:nvPicPr>
-        <p:blipFill>
-          <a:blip r:embed="rId5" cstate="print"/>
-          <a:stretch>
-            <a:fillRect/>
-          </a:stretch>
-        </p:blipFill>
-        <p:spPr bwMode="auto">
-          <a:xfrm>
-            <a:off x="6498759" y="3921476"/>
-            <a:ext cx="2153412" cy="2153412"/>
-          </a:xfrm>
-          <a:prstGeom prst="rect">
-            <a:avLst/>
-          </a:prstGeom>
-          <a:noFill/>
-        </p:spPr>
-      </p:pic>
-      <p:pic>
-        <p:nvPicPr>
-          <p:cNvPr id="12" name="Picture 4" descr="Creative Commons License">
-            <a:extLst>
-              <a:ext uri="{FF2B5EF4-FFF2-40B4-BE49-F238E27FC236}">
-                <a16:creationId xmlns:a16="http://schemas.microsoft.com/office/drawing/2014/main" id="{B9A0D3EB-EE05-400A-A5D0-1007C82D0662}"/>
+                <a16:creationId xmlns:a16="http://schemas.microsoft.com/office/drawing/2014/main" id="{DF666779-2CAA-2E74-7A32-0EACCBC32AA7}"/>
               </a:ext>
             </a:extLst>
           </p:cNvPr>
@@ -6176,7 +5923,7 @@
           <p:nvPr/>
         </p:nvPicPr>
         <p:blipFill>
-          <a:blip r:embed="rId6">
+          <a:blip r:embed="rId4">
             <a:extLst>
               <a:ext uri="{28A0092B-C50C-407E-A947-70E740481C1C}">
                 <a14:useLocalDpi xmlns:a14="http://schemas.microsoft.com/office/drawing/2010/main" val="0"/>
@@ -6210,10 +5957,10 @@
       </p:pic>
       <p:sp>
         <p:nvSpPr>
-          <p:cNvPr id="13" name="TextBox 12">
+          <p:cNvPr id="14" name="TextBox 13">
             <a:extLst>
               <a:ext uri="{FF2B5EF4-FFF2-40B4-BE49-F238E27FC236}">
-                <a16:creationId xmlns:a16="http://schemas.microsoft.com/office/drawing/2014/main" id="{F376C638-044E-4B61-86B2-381C4B1316F4}"/>
+                <a16:creationId xmlns:a16="http://schemas.microsoft.com/office/drawing/2014/main" id="{2CE8DD87-BB28-00C3-340C-6ACCCBB3BF43}"/>
               </a:ext>
             </a:extLst>
           </p:cNvPr>
@@ -6239,9 +5986,7 @@
             <a:r>
               <a:rPr lang="en-US" sz="1100" b="0" i="0" dirty="0">
                 <a:solidFill>
-                  <a:schemeClr val="tx1">
-                    <a:lumMod val="50000"/>
-                  </a:schemeClr>
+                  <a:schemeClr val="bg1"/>
                 </a:solidFill>
                 <a:effectLst/>
                 <a:latin typeface="source sans pro" panose="020B0503030403020204" pitchFamily="34" charset="0"/>
@@ -6251,13 +5996,11 @@
             <a:r>
               <a:rPr lang="en-US" sz="1100" b="0" i="0" strike="noStrike" dirty="0">
                 <a:solidFill>
-                  <a:schemeClr val="tx1">
-                    <a:lumMod val="50000"/>
-                  </a:schemeClr>
+                  <a:schemeClr val="bg1"/>
                 </a:solidFill>
                 <a:effectLst/>
                 <a:latin typeface="source sans pro" panose="020B0503030403020204" pitchFamily="34" charset="0"/>
-                <a:hlinkClick r:id="rId7">
+                <a:hlinkClick r:id="rId5">
                   <a:extLst>
                     <a:ext uri="{A12FA001-AC4F-418D-AE19-62706E023703}">
                       <ahyp:hlinkClr xmlns:ahyp="http://schemas.microsoft.com/office/drawing/2018/hyperlinkcolor" val="tx"/>
@@ -6270,13 +6013,11 @@
             <a:r>
               <a:rPr lang="en-US" sz="1100" b="0" i="0" strike="noStrike" dirty="0" err="1">
                 <a:solidFill>
-                  <a:schemeClr val="tx1">
-                    <a:lumMod val="50000"/>
-                  </a:schemeClr>
+                  <a:schemeClr val="bg1"/>
                 </a:solidFill>
                 <a:effectLst/>
                 <a:latin typeface="source sans pro" panose="020B0503030403020204" pitchFamily="34" charset="0"/>
-                <a:hlinkClick r:id="rId7">
+                <a:hlinkClick r:id="rId5">
                   <a:extLst>
                     <a:ext uri="{A12FA001-AC4F-418D-AE19-62706E023703}">
                       <ahyp:hlinkClr xmlns:ahyp="http://schemas.microsoft.com/office/drawing/2018/hyperlinkcolor" val="tx"/>
@@ -6289,13 +6030,11 @@
             <a:r>
               <a:rPr lang="en-US" sz="1100" b="0" i="0" strike="noStrike" dirty="0">
                 <a:solidFill>
-                  <a:schemeClr val="tx1">
-                    <a:lumMod val="50000"/>
-                  </a:schemeClr>
+                  <a:schemeClr val="bg1"/>
                 </a:solidFill>
                 <a:effectLst/>
                 <a:latin typeface="source sans pro" panose="020B0503030403020204" pitchFamily="34" charset="0"/>
-                <a:hlinkClick r:id="rId7">
+                <a:hlinkClick r:id="rId5">
                   <a:extLst>
                     <a:ext uri="{A12FA001-AC4F-418D-AE19-62706E023703}">
                       <ahyp:hlinkClr xmlns:ahyp="http://schemas.microsoft.com/office/drawing/2018/hyperlinkcolor" val="tx"/>
@@ -6308,9 +6047,7 @@
             <a:r>
               <a:rPr lang="en-US" sz="1100" b="0" i="0" dirty="0">
                 <a:solidFill>
-                  <a:schemeClr val="tx1">
-                    <a:lumMod val="50000"/>
-                  </a:schemeClr>
+                  <a:schemeClr val="bg1"/>
                 </a:solidFill>
                 <a:effectLst/>
                 <a:latin typeface="source sans pro" panose="020B0503030403020204" pitchFamily="34" charset="0"/>
@@ -6319,15 +6056,18 @@
             </a:r>
             <a:endParaRPr lang="en-US" sz="1100" dirty="0">
               <a:solidFill>
-                <a:schemeClr val="tx1">
-                  <a:lumMod val="50000"/>
-                </a:schemeClr>
+                <a:schemeClr val="bg1"/>
               </a:solidFill>
             </a:endParaRPr>
           </a:p>
         </p:txBody>
       </p:sp>
     </p:spTree>
+    <p:extLst>
+      <p:ext uri="{BB962C8B-B14F-4D97-AF65-F5344CB8AC3E}">
+        <p14:creationId xmlns:p14="http://schemas.microsoft.com/office/powerpoint/2010/main" val="2372773952"/>
+      </p:ext>
+    </p:extLst>
   </p:cSld>
   <p:clrMapOvr>
     <a:masterClrMapping/>
@@ -7404,7 +7144,7 @@
           <a:p>
             <a:r>
               <a:rPr lang="en-US" dirty="0"/>
-              <a:t>Backtracking search</a:t>
+              <a:t>Backtracking Search</a:t>
             </a:r>
           </a:p>
         </p:txBody>
@@ -8018,7 +7758,7 @@
           <a:p>
             <a:r>
               <a:rPr lang="en-US" dirty="0"/>
-              <a:t>Example: Backtracking search (DFS)</a:t>
+              <a:t>Example: Backtracking Search (DFS)</a:t>
             </a:r>
           </a:p>
         </p:txBody>
@@ -8672,7 +8412,7 @@
           <a:p>
             <a:r>
               <a:rPr lang="en-US" dirty="0"/>
-              <a:t>Backtracking search algorithm</a:t>
+              <a:t>Backtracking Search Algorithm</a:t>
             </a:r>
           </a:p>
         </p:txBody>
@@ -8866,6 +8606,146 @@
           <a:p>
             <a:pPr algn="ctr"/>
             <a:endParaRPr lang="en-US"/>
+          </a:p>
+        </p:txBody>
+      </p:sp>
+      <p:sp>
+        <p:nvSpPr>
+          <p:cNvPr id="2" name="Right Brace 1">
+            <a:extLst>
+              <a:ext uri="{FF2B5EF4-FFF2-40B4-BE49-F238E27FC236}">
+                <a16:creationId xmlns:a16="http://schemas.microsoft.com/office/drawing/2014/main" id="{62C08CFE-FAD1-4B12-353F-F54D8D71F00E}"/>
+              </a:ext>
+            </a:extLst>
+          </p:cNvPr>
+          <p:cNvSpPr/>
+          <p:nvPr/>
+        </p:nvSpPr>
+        <p:spPr>
+          <a:xfrm>
+            <a:off x="4876800" y="5562600"/>
+            <a:ext cx="152400" cy="537606"/>
+          </a:xfrm>
+          <a:prstGeom prst="rightBrace">
+            <a:avLst/>
+          </a:prstGeom>
+        </p:spPr>
+        <p:style>
+          <a:lnRef idx="1">
+            <a:schemeClr val="accent1"/>
+          </a:lnRef>
+          <a:fillRef idx="0">
+            <a:schemeClr val="accent1"/>
+          </a:fillRef>
+          <a:effectRef idx="0">
+            <a:schemeClr val="accent1"/>
+          </a:effectRef>
+          <a:fontRef idx="minor">
+            <a:schemeClr val="tx1"/>
+          </a:fontRef>
+        </p:style>
+        <p:txBody>
+          <a:bodyPr rtlCol="0" anchor="ctr"/>
+          <a:lstStyle/>
+          <a:p>
+            <a:pPr algn="ctr"/>
+            <a:endParaRPr lang="en-US"/>
+          </a:p>
+        </p:txBody>
+      </p:sp>
+      <p:sp>
+        <p:nvSpPr>
+          <p:cNvPr id="5" name="TextBox 4">
+            <a:extLst>
+              <a:ext uri="{FF2B5EF4-FFF2-40B4-BE49-F238E27FC236}">
+                <a16:creationId xmlns:a16="http://schemas.microsoft.com/office/drawing/2014/main" id="{BC308EEB-D3DA-8F8F-B71C-A4665399A743}"/>
+              </a:ext>
+            </a:extLst>
+          </p:cNvPr>
+          <p:cNvSpPr txBox="1"/>
+          <p:nvPr/>
+        </p:nvSpPr>
+        <p:spPr>
+          <a:xfrm>
+            <a:off x="5181600" y="5646737"/>
+            <a:ext cx="3810000" cy="369332"/>
+          </a:xfrm>
+          <a:prstGeom prst="rect">
+            <a:avLst/>
+          </a:prstGeom>
+        </p:spPr>
+        <p:style>
+          <a:lnRef idx="3">
+            <a:schemeClr val="lt1"/>
+          </a:lnRef>
+          <a:fillRef idx="1">
+            <a:schemeClr val="accent6"/>
+          </a:fillRef>
+          <a:effectRef idx="1">
+            <a:schemeClr val="accent6"/>
+          </a:effectRef>
+          <a:fontRef idx="minor">
+            <a:schemeClr val="lt1"/>
+          </a:fontRef>
+        </p:style>
+        <p:txBody>
+          <a:bodyPr wrap="square" rtlCol="0">
+            <a:spAutoFit/>
+          </a:bodyPr>
+          <a:lstStyle/>
+          <a:p>
+            <a:r>
+              <a:rPr lang="en-US" dirty="0"/>
+              <a:t>Similar to move ordering in games.</a:t>
+            </a:r>
+          </a:p>
+        </p:txBody>
+      </p:sp>
+      <p:sp>
+        <p:nvSpPr>
+          <p:cNvPr id="6" name="TextBox 5">
+            <a:extLst>
+              <a:ext uri="{FF2B5EF4-FFF2-40B4-BE49-F238E27FC236}">
+                <a16:creationId xmlns:a16="http://schemas.microsoft.com/office/drawing/2014/main" id="{1FE27A26-84E8-48B3-8DD4-529B5CD3CEA5}"/>
+              </a:ext>
+            </a:extLst>
+          </p:cNvPr>
+          <p:cNvSpPr txBox="1"/>
+          <p:nvPr/>
+        </p:nvSpPr>
+        <p:spPr>
+          <a:xfrm>
+            <a:off x="5181600" y="6111874"/>
+            <a:ext cx="3810000" cy="369332"/>
+          </a:xfrm>
+          <a:prstGeom prst="rect">
+            <a:avLst/>
+          </a:prstGeom>
+        </p:spPr>
+        <p:style>
+          <a:lnRef idx="3">
+            <a:schemeClr val="lt1"/>
+          </a:lnRef>
+          <a:fillRef idx="1">
+            <a:schemeClr val="accent6"/>
+          </a:fillRef>
+          <a:effectRef idx="1">
+            <a:schemeClr val="accent6"/>
+          </a:effectRef>
+          <a:fontRef idx="minor">
+            <a:schemeClr val="lt1"/>
+          </a:fontRef>
+        </p:style>
+        <p:txBody>
+          <a:bodyPr wrap="square" rtlCol="0">
+            <a:spAutoFit/>
+          </a:bodyPr>
+          <a:lstStyle/>
+          <a:p>
+            <a:r>
+              <a:rPr lang="en-US" dirty="0"/>
+              <a:t>Tree pruning (like in alpha-beta search)</a:t>
+            </a:r>
           </a:p>
         </p:txBody>
       </p:sp>
@@ -9142,14 +9022,7 @@
           <a:p>
             <a:r>
               <a:rPr lang="en-US" dirty="0"/>
-              <a:t>Which variable should be assigned next?</a:t>
-            </a:r>
-            <a:br>
-              <a:rPr lang="en-US" dirty="0"/>
-            </a:br>
-            <a:r>
-              <a:rPr lang="en-US" dirty="0"/>
-              <a:t>In which order should its values be tried?</a:t>
+              <a:t>Variable/Value Ordering</a:t>
             </a:r>
           </a:p>
         </p:txBody>
@@ -9169,6 +9042,15 @@
           <a:bodyPr/>
           <a:lstStyle/>
           <a:p>
+            <a:pPr marL="0" indent="0">
+              <a:buNone/>
+            </a:pPr>
+            <a:r>
+              <a:rPr lang="en-US" dirty="0"/>
+              <a:t>Which variable should be assigned next?</a:t>
+            </a:r>
+          </a:p>
+          <a:p>
             <a:r>
               <a:rPr lang="en-US" b="1" dirty="0"/>
               <a:t>Most constrained variable:</a:t>
@@ -9178,14 +9060,14 @@
             <a:pPr lvl="1"/>
             <a:r>
               <a:rPr lang="en-US" dirty="0"/>
-              <a:t>Keep track of remaining legal values for unassigned variables (using constraints)</a:t>
+              <a:t>Keep track of remaining legal values for unassigned variables (using constraints).</a:t>
             </a:r>
           </a:p>
           <a:p>
             <a:pPr lvl="1"/>
             <a:r>
               <a:rPr lang="en-US" dirty="0"/>
-              <a:t>Choose the variable with the fewest legal values left</a:t>
+              <a:t>Choose the variable with the fewest legal values left.</a:t>
             </a:r>
           </a:p>
           <a:p>
@@ -9200,7 +9082,7 @@
             </a:r>
             <a:r>
               <a:rPr lang="en-US" dirty="0"/>
-              <a:t>(MRV) heuristic</a:t>
+              <a:t>(MRV) heuristic.</a:t>
             </a:r>
           </a:p>
           <a:p>
@@ -9208,6 +9090,15 @@
             <a:endParaRPr lang="en-US" dirty="0"/>
           </a:p>
           <a:p>
+            <a:pPr marL="0" indent="0">
+              <a:buNone/>
+            </a:pPr>
+            <a:r>
+              <a:rPr lang="en-US" dirty="0"/>
+              <a:t>In which order should its values be tried?</a:t>
+            </a:r>
+          </a:p>
+          <a:p>
             <a:r>
               <a:rPr lang="en-US" dirty="0"/>
               <a:t>Choose the </a:t>
@@ -9225,7 +9116,7 @@
             <a:pPr lvl="1"/>
             <a:r>
               <a:rPr lang="en-US" dirty="0"/>
-              <a:t>The value that rules out the fewest values in the remaining variables</a:t>
+              <a:t>The value that rules out the fewest values in the remaining variables.</a:t>
             </a:r>
           </a:p>
         </p:txBody>
@@ -9286,39 +9177,26 @@
                                   </p:childTnLst>
                                 </p:cTn>
                               </p:par>
+                            </p:childTnLst>
+                          </p:cTn>
+                        </p:par>
+                      </p:childTnLst>
+                    </p:cTn>
+                  </p:par>
+                  <p:par>
+                    <p:cTn id="7" fill="hold">
+                      <p:stCondLst>
+                        <p:cond delay="indefinite"/>
+                      </p:stCondLst>
+                      <p:childTnLst>
+                        <p:par>
+                          <p:cTn id="8" fill="hold">
+                            <p:stCondLst>
+                              <p:cond delay="0"/>
+                            </p:stCondLst>
+                            <p:childTnLst>
                               <p:par>
-                                <p:cTn id="7" presetID="1" presetClass="entr" presetSubtype="0" fill="hold" grpId="0" nodeType="withEffect">
-                                  <p:stCondLst>
-                                    <p:cond delay="0"/>
-                                  </p:stCondLst>
-                                  <p:childTnLst>
-                                    <p:set>
-                                      <p:cBhvr>
-                                        <p:cTn id="8" dur="1" fill="hold">
-                                          <p:stCondLst>
-                                            <p:cond delay="0"/>
-                                          </p:stCondLst>
-                                        </p:cTn>
-                                        <p:tgtEl>
-                                          <p:spTgt spid="21507">
-                                            <p:txEl>
-                                              <p:pRg st="1" end="1"/>
-                                            </p:txEl>
-                                          </p:spTgt>
-                                        </p:tgtEl>
-                                        <p:attrNameLst>
-                                          <p:attrName>style.visibility</p:attrName>
-                                        </p:attrNameLst>
-                                      </p:cBhvr>
-                                      <p:to>
-                                        <p:strVal val="visible"/>
-                                      </p:to>
-                                    </p:set>
-                                  </p:childTnLst>
-                                </p:cTn>
-                              </p:par>
-                              <p:par>
-                                <p:cTn id="9" presetID="1" presetClass="entr" presetSubtype="0" fill="hold" grpId="0" nodeType="withEffect">
+                                <p:cTn id="9" presetID="1" presetClass="entr" presetSubtype="0" fill="hold" grpId="0" nodeType="clickEffect">
                                   <p:stCondLst>
                                     <p:cond delay="0"/>
                                   </p:stCondLst>
@@ -9333,7 +9211,7 @@
                                         <p:tgtEl>
                                           <p:spTgt spid="21507">
                                             <p:txEl>
-                                              <p:pRg st="2" end="2"/>
+                                              <p:pRg st="1" end="1"/>
                                             </p:txEl>
                                           </p:spTgt>
                                         </p:tgtEl>
@@ -9364,7 +9242,69 @@
                                         <p:tgtEl>
                                           <p:spTgt spid="21507">
                                             <p:txEl>
+                                              <p:pRg st="2" end="2"/>
+                                            </p:txEl>
+                                          </p:spTgt>
+                                        </p:tgtEl>
+                                        <p:attrNameLst>
+                                          <p:attrName>style.visibility</p:attrName>
+                                        </p:attrNameLst>
+                                      </p:cBhvr>
+                                      <p:to>
+                                        <p:strVal val="visible"/>
+                                      </p:to>
+                                    </p:set>
+                                  </p:childTnLst>
+                                </p:cTn>
+                              </p:par>
+                              <p:par>
+                                <p:cTn id="13" presetID="1" presetClass="entr" presetSubtype="0" fill="hold" grpId="0" nodeType="withEffect">
+                                  <p:stCondLst>
+                                    <p:cond delay="0"/>
+                                  </p:stCondLst>
+                                  <p:childTnLst>
+                                    <p:set>
+                                      <p:cBhvr>
+                                        <p:cTn id="14" dur="1" fill="hold">
+                                          <p:stCondLst>
+                                            <p:cond delay="0"/>
+                                          </p:stCondLst>
+                                        </p:cTn>
+                                        <p:tgtEl>
+                                          <p:spTgt spid="21507">
+                                            <p:txEl>
                                               <p:pRg st="3" end="3"/>
+                                            </p:txEl>
+                                          </p:spTgt>
+                                        </p:tgtEl>
+                                        <p:attrNameLst>
+                                          <p:attrName>style.visibility</p:attrName>
+                                        </p:attrNameLst>
+                                      </p:cBhvr>
+                                      <p:to>
+                                        <p:strVal val="visible"/>
+                                      </p:to>
+                                    </p:set>
+                                  </p:childTnLst>
+                                </p:cTn>
+                              </p:par>
+                              <p:par>
+                                <p:cTn id="15" presetID="1" presetClass="entr" presetSubtype="0" fill="hold" grpId="0" nodeType="withEffect">
+                                  <p:stCondLst>
+                                    <p:cond delay="0"/>
+                                  </p:stCondLst>
+                                  <p:childTnLst>
+                                    <p:set>
+                                      <p:cBhvr>
+                                        <p:cTn id="16" dur="1" fill="hold">
+                                          <p:stCondLst>
+                                            <p:cond delay="0"/>
+                                          </p:stCondLst>
+                                        </p:cTn>
+                                        <p:tgtEl>
+                                          <p:spTgt spid="21507">
+                                            <p:txEl>
+                                              <p:pRg st="4" end="4"/>
                                             </p:txEl>
                                           </p:spTgt>
                                         </p:tgtEl>
@@ -9386,26 +9326,26 @@
                     </p:cTn>
                   </p:par>
                   <p:par>
-                    <p:cTn id="13" fill="hold">
+                    <p:cTn id="17" fill="hold">
                       <p:stCondLst>
                         <p:cond delay="indefinite"/>
                       </p:stCondLst>
                       <p:childTnLst>
                         <p:par>
-                          <p:cTn id="14" fill="hold">
+                          <p:cTn id="18" fill="hold">
                             <p:stCondLst>
                               <p:cond delay="0"/>
                             </p:stCondLst>
                             <p:childTnLst>
                               <p:par>
-                                <p:cTn id="15" presetID="1" presetClass="entr" presetSubtype="0" fill="hold" grpId="0" nodeType="clickEffect">
+                                <p:cTn id="19" presetID="1" presetClass="entr" presetSubtype="0" fill="hold" grpId="0" nodeType="clickEffect">
                                   <p:stCondLst>
                                     <p:cond delay="0"/>
                                   </p:stCondLst>
                                   <p:childTnLst>
                                     <p:set>
                                       <p:cBhvr>
-                                        <p:cTn id="16" dur="1" fill="hold">
+                                        <p:cTn id="20" dur="1" fill="hold">
                                           <p:stCondLst>
                                             <p:cond delay="0"/>
                                           </p:stCondLst>
@@ -9413,7 +9353,56 @@
                                         <p:tgtEl>
                                           <p:spTgt spid="21507">
                                             <p:txEl>
-                                              <p:pRg st="5" end="5"/>
+                                              <p:pRg st="6" end="6"/>
+                                            </p:txEl>
+                                          </p:spTgt>
+                                        </p:tgtEl>
+                                        <p:attrNameLst>
+                                          <p:attrName>style.visibility</p:attrName>
+                                        </p:attrNameLst>
+                                      </p:cBhvr>
+                                      <p:to>
+                                        <p:strVal val="visible"/>
+                                      </p:to>
+                                    </p:set>
+                                  </p:childTnLst>
+                                </p:cTn>
+                              </p:par>
+                            </p:childTnLst>
+                          </p:cTn>
+                        </p:par>
+                      </p:childTnLst>
+                    </p:cTn>
+                  </p:par>
+                  <p:par>
+                    <p:cTn id="21" fill="hold">
+                      <p:stCondLst>
+                        <p:cond delay="indefinite"/>
+                      </p:stCondLst>
+                      <p:childTnLst>
+                        <p:par>
+                          <p:cTn id="22" fill="hold">
+                            <p:stCondLst>
+                              <p:cond delay="0"/>
+                            </p:stCondLst>
+                            <p:childTnLst>
+                              <p:par>
+                                <p:cTn id="23" presetID="1" presetClass="entr" presetSubtype="0" fill="hold" grpId="0" nodeType="clickEffect">
+                                  <p:stCondLst>
+                                    <p:cond delay="0"/>
+                                  </p:stCondLst>
+                                  <p:childTnLst>
+                                    <p:set>
+                                      <p:cBhvr>
+                                        <p:cTn id="24" dur="1" fill="hold">
+                                          <p:stCondLst>
+                                            <p:cond delay="0"/>
+                                          </p:stCondLst>
+                                        </p:cTn>
+                                        <p:tgtEl>
+                                          <p:spTgt spid="21507">
+                                            <p:txEl>
+                                              <p:pRg st="7" end="7"/>
                                             </p:txEl>
                                           </p:spTgt>
                                         </p:tgtEl>
@@ -9429,14 +9418,14 @@
                                 </p:cTn>
                               </p:par>
                               <p:par>
-                                <p:cTn id="17" presetID="1" presetClass="entr" presetSubtype="0" fill="hold" grpId="0" nodeType="withEffect">
+                                <p:cTn id="25" presetID="1" presetClass="entr" presetSubtype="0" fill="hold" grpId="0" nodeType="withEffect">
                                   <p:stCondLst>
                                     <p:cond delay="0"/>
                                   </p:stCondLst>
                                   <p:childTnLst>
                                     <p:set>
                                       <p:cBhvr>
-                                        <p:cTn id="18" dur="1" fill="hold">
+                                        <p:cTn id="26" dur="1" fill="hold">
                                           <p:stCondLst>
                                             <p:cond delay="0"/>
                                           </p:stCondLst>
@@ -9444,7 +9433,7 @@
                                         <p:tgtEl>
                                           <p:spTgt spid="21507">
                                             <p:txEl>
-                                              <p:pRg st="6" end="6"/>
+                                              <p:pRg st="8" end="8"/>
                                             </p:txEl>
                                           </p:spTgt>
                                         </p:tgtEl>
@@ -9561,15 +9550,16 @@
           <a:p>
             <a:r>
               <a:rPr lang="en-US" dirty="0"/>
-              <a:t>Early detection of failure – Forward checking</a:t>
+              <a:t>Early Detection of Failure: </a:t>
             </a:r>
             <a:br>
               <a:rPr lang="en-US" dirty="0"/>
             </a:br>
             <a:r>
-              <a:rPr lang="en-US" dirty="0"/>
-              <a:t>Node consistency</a:t>
-            </a:r>
+              <a:rPr lang="en-US" sz="3200" dirty="0"/>
+              <a:t>Forward Checking Node Consistency</a:t>
+            </a:r>
+            <a:endParaRPr lang="en-US" dirty="0"/>
           </a:p>
         </p:txBody>
       </p:sp>
@@ -9839,19 +9829,21 @@
         </p:nvSpPr>
         <p:spPr/>
         <p:txBody>
-          <a:bodyPr/>
+          <a:bodyPr>
+            <a:normAutofit/>
+          </a:bodyPr>
           <a:lstStyle/>
           <a:p>
             <a:r>
               <a:rPr lang="en-US" dirty="0"/>
-              <a:t>Early detection of failure – Forward checking</a:t>
+              <a:t>Early Detection of Failure:</a:t>
             </a:r>
             <a:br>
               <a:rPr lang="en-US" dirty="0"/>
             </a:br>
             <a:r>
               <a:rPr lang="en-US" dirty="0"/>
-              <a:t>Arc consistency</a:t>
+              <a:t>Forward Checking Arc Consistency</a:t>
             </a:r>
           </a:p>
         </p:txBody>
@@ -10214,14 +10206,28 @@
             <p:ph type="title"/>
           </p:nvPr>
         </p:nvSpPr>
-        <p:spPr/>
-        <p:txBody>
-          <a:bodyPr/>
+        <p:spPr>
+          <a:xfrm>
+            <a:off x="513927" y="152400"/>
+            <a:ext cx="7886700" cy="1325563"/>
+          </a:xfrm>
+        </p:spPr>
+        <p:txBody>
+          <a:bodyPr>
+            <a:normAutofit/>
+          </a:bodyPr>
           <a:lstStyle/>
           <a:p>
             <a:r>
-              <a:rPr lang="en-US" dirty="0"/>
-              <a:t>Backtracking search with inference</a:t>
+              <a:rPr lang="en-US" sz="2800" dirty="0"/>
+              <a:t>Backtracking Search With Ordering and </a:t>
+            </a:r>
+            <a:br>
+              <a:rPr lang="en-US" sz="2800" dirty="0"/>
+            </a:br>
+            <a:r>
+              <a:rPr lang="en-US" sz="2800" dirty="0"/>
+              <a:t>Early Failure Detection</a:t>
             </a:r>
           </a:p>
         </p:txBody>
@@ -10428,29 +10434,23 @@
               </a:path>
             </a:pathLst>
           </a:custGeom>
-          <a:noFill/>
-          <a:ln w="38100">
-            <a:solidFill>
-              <a:srgbClr val="FF0000"/>
-            </a:solidFill>
+          <a:ln w="57150">
             <a:headEnd type="none" w="med" len="med"/>
             <a:tailEnd type="triangle" w="med" len="med"/>
           </a:ln>
         </p:spPr>
         <p:style>
-          <a:lnRef idx="2">
-            <a:schemeClr val="accent1">
-              <a:shade val="50000"/>
-            </a:schemeClr>
+          <a:lnRef idx="3">
+            <a:schemeClr val="accent2"/>
           </a:lnRef>
-          <a:fillRef idx="1">
-            <a:schemeClr val="accent1"/>
+          <a:fillRef idx="0">
+            <a:schemeClr val="accent2"/>
           </a:fillRef>
-          <a:effectRef idx="0">
-            <a:schemeClr val="accent1"/>
+          <a:effectRef idx="2">
+            <a:schemeClr val="accent2"/>
           </a:effectRef>
           <a:fontRef idx="minor">
-            <a:schemeClr val="lt1"/>
+            <a:schemeClr val="tx1"/>
           </a:fontRef>
         </p:style>
         <p:txBody>
@@ -10482,9 +10482,6 @@
           <a:prstGeom prst="rect">
             <a:avLst/>
           </a:prstGeom>
-          <a:solidFill>
-            <a:srgbClr val="FF0000"/>
-          </a:solidFill>
         </p:spPr>
         <p:style>
           <a:lnRef idx="3">
@@ -10547,6 +10544,96 @@
               <a:rPr lang="en-US" dirty="0"/>
               <a:t># Check consistency here (called “inference”) and backtrack if we know that the branch will lead to failure. </a:t>
             </a:r>
+          </a:p>
+        </p:txBody>
+      </p:sp>
+      <p:sp>
+        <p:nvSpPr>
+          <p:cNvPr id="2" name="Rectangle 1">
+            <a:extLst>
+              <a:ext uri="{FF2B5EF4-FFF2-40B4-BE49-F238E27FC236}">
+                <a16:creationId xmlns:a16="http://schemas.microsoft.com/office/drawing/2014/main" id="{26BC4B3F-4E74-EDFC-6F59-D808129F332D}"/>
+              </a:ext>
+            </a:extLst>
+          </p:cNvPr>
+          <p:cNvSpPr/>
+          <p:nvPr/>
+        </p:nvSpPr>
+        <p:spPr>
+          <a:xfrm>
+            <a:off x="1752600" y="1981200"/>
+            <a:ext cx="3581400" cy="304800"/>
+          </a:xfrm>
+          <a:prstGeom prst="rect">
+            <a:avLst/>
+          </a:prstGeom>
+          <a:noFill/>
+        </p:spPr>
+        <p:style>
+          <a:lnRef idx="2">
+            <a:schemeClr val="accent2"/>
+          </a:lnRef>
+          <a:fillRef idx="1">
+            <a:schemeClr val="lt1"/>
+          </a:fillRef>
+          <a:effectRef idx="0">
+            <a:schemeClr val="accent2"/>
+          </a:effectRef>
+          <a:fontRef idx="minor">
+            <a:schemeClr val="dk1"/>
+          </a:fontRef>
+        </p:style>
+        <p:txBody>
+          <a:bodyPr rtlCol="0" anchor="ctr"/>
+          <a:lstStyle/>
+          <a:p>
+            <a:pPr algn="ctr"/>
+            <a:endParaRPr lang="en-US"/>
+          </a:p>
+        </p:txBody>
+      </p:sp>
+      <p:sp>
+        <p:nvSpPr>
+          <p:cNvPr id="5" name="Rectangle 4">
+            <a:extLst>
+              <a:ext uri="{FF2B5EF4-FFF2-40B4-BE49-F238E27FC236}">
+                <a16:creationId xmlns:a16="http://schemas.microsoft.com/office/drawing/2014/main" id="{862A950D-E7C8-011C-6104-4C2F86B1D235}"/>
+              </a:ext>
+            </a:extLst>
+          </p:cNvPr>
+          <p:cNvSpPr/>
+          <p:nvPr/>
+        </p:nvSpPr>
+        <p:spPr>
+          <a:xfrm>
+            <a:off x="2954442" y="2288586"/>
+            <a:ext cx="2912957" cy="304800"/>
+          </a:xfrm>
+          <a:prstGeom prst="rect">
+            <a:avLst/>
+          </a:prstGeom>
+          <a:noFill/>
+        </p:spPr>
+        <p:style>
+          <a:lnRef idx="2">
+            <a:schemeClr val="accent2"/>
+          </a:lnRef>
+          <a:fillRef idx="1">
+            <a:schemeClr val="lt1"/>
+          </a:fillRef>
+          <a:effectRef idx="0">
+            <a:schemeClr val="accent2"/>
+          </a:effectRef>
+          <a:fontRef idx="minor">
+            <a:schemeClr val="dk1"/>
+          </a:fontRef>
+        </p:style>
+        <p:txBody>
+          <a:bodyPr rtlCol="0" anchor="ctr"/>
+          <a:lstStyle/>
+          <a:p>
+            <a:pPr algn="ctr"/>
+            <a:endParaRPr lang="en-US"/>
           </a:p>
         </p:txBody>
       </p:sp>
@@ -10619,8 +10706,8 @@
         </p:nvSpPr>
         <p:spPr>
           <a:xfrm>
-            <a:off x="461211" y="1309036"/>
-            <a:ext cx="8229600" cy="5105400"/>
+            <a:off x="461211" y="2667000"/>
+            <a:ext cx="8229600" cy="3747436"/>
           </a:xfrm>
         </p:spPr>
         <p:txBody>
@@ -10633,71 +10720,11 @@
               <a:buNone/>
             </a:pPr>
             <a:r>
-              <a:rPr lang="en-US" sz="2000" dirty="0"/>
-              <a:t>CSP algorithms allow </a:t>
-            </a:r>
-            <a:r>
-              <a:rPr lang="en-US" sz="2000" b="1" dirty="0"/>
-              <a:t>incomplete states</a:t>
-            </a:r>
-            <a:r>
-              <a:rPr lang="en-US" sz="2000" dirty="0"/>
-              <a:t>, but only if </a:t>
-            </a:r>
-            <a:r>
-              <a:rPr lang="en-US" sz="2000" b="1" dirty="0"/>
-              <a:t>they satisfy all constraints</a:t>
-            </a:r>
-            <a:r>
-              <a:rPr lang="en-US" sz="2000" dirty="0"/>
-              <a:t>.</a:t>
-            </a:r>
-          </a:p>
-          <a:p>
-            <a:pPr marL="0" indent="0">
-              <a:buNone/>
-            </a:pPr>
-            <a:endParaRPr lang="en-US" sz="2000" dirty="0"/>
-          </a:p>
-          <a:p>
-            <a:pPr marL="0" indent="0">
-              <a:buNone/>
-            </a:pPr>
-            <a:r>
-              <a:rPr lang="en-US" sz="2000" dirty="0"/>
-              <a:t>Local Search (e.g., Hill-climbing and simulated annealing) works only with </a:t>
-            </a:r>
-            <a:r>
-              <a:rPr lang="en-US" sz="2000" b="1" dirty="0"/>
-              <a:t>“complete” states</a:t>
-            </a:r>
-            <a:r>
-              <a:rPr lang="en-US" sz="2000" dirty="0"/>
-              <a:t>, i.e., all variables assigned, but we can </a:t>
-            </a:r>
-            <a:r>
-              <a:rPr lang="en-US" sz="2000" b="1" dirty="0"/>
-              <a:t>allow states with unsatisfied constraints</a:t>
-            </a:r>
-            <a:r>
-              <a:rPr lang="en-US" sz="2000" dirty="0"/>
-              <a:t>.</a:t>
-            </a:r>
-          </a:p>
-          <a:p>
-            <a:pPr lvl="1"/>
-            <a:endParaRPr lang="en-US" sz="2000" dirty="0"/>
-          </a:p>
-          <a:p>
-            <a:pPr marL="0" indent="0">
-              <a:buNone/>
-            </a:pPr>
-            <a:r>
-              <a:rPr lang="en-US" sz="2300" dirty="0"/>
-              <a:t>Attempt to improve states by the </a:t>
-            </a:r>
-            <a:r>
-              <a:rPr lang="en-US" sz="2300" b="1" dirty="0">
+              <a:rPr lang="en-US" sz="1900" dirty="0"/>
+              <a:t>Local search can attempt to reduce unsatisfied constraints by the </a:t>
+            </a:r>
+            <a:r>
+              <a:rPr lang="en-US" sz="1900" b="1" dirty="0">
                 <a:solidFill>
                   <a:srgbClr val="FF0000"/>
                 </a:solidFill>
@@ -10705,10 +10732,10 @@
               <a:t>min-conflicts</a:t>
             </a:r>
             <a:r>
-              <a:rPr lang="en-US" sz="2300" dirty="0"/>
+              <a:rPr lang="en-US" sz="1900" dirty="0"/>
               <a:t> heuristic:</a:t>
             </a:r>
-            <a:endParaRPr lang="en-US" sz="2300" dirty="0">
+            <a:endParaRPr lang="en-US" sz="1900" dirty="0">
               <a:solidFill>
                 <a:srgbClr val="FF0000"/>
               </a:solidFill>
@@ -10720,7 +10747,7 @@
               <a:buAutoNum type="arabicPeriod"/>
             </a:pPr>
             <a:r>
-              <a:rPr lang="en-US" sz="1800" dirty="0"/>
+              <a:rPr lang="en-US" sz="1900" dirty="0"/>
               <a:t>Select a conflicted variable and</a:t>
             </a:r>
           </a:p>
@@ -10730,7 +10757,7 @@
               <a:buAutoNum type="arabicPeriod"/>
             </a:pPr>
             <a:r>
-              <a:rPr lang="en-US" sz="1800" dirty="0"/>
+              <a:rPr lang="en-US" sz="1900" dirty="0"/>
               <a:t>Choose a new value that produces violates the fewest constraints (local improvement step)</a:t>
             </a:r>
           </a:p>
@@ -10740,7 +10767,7 @@
               <a:buAutoNum type="arabicPeriod"/>
             </a:pPr>
             <a:r>
-              <a:rPr lang="en-US" sz="1800" dirty="0"/>
+              <a:rPr lang="en-US" sz="1900" dirty="0"/>
               <a:t>Repeat till all constraints are met. </a:t>
             </a:r>
           </a:p>
@@ -10749,63 +10776,63 @@
               <a:buFont typeface="+mj-lt"/>
               <a:buAutoNum type="arabicPeriod"/>
             </a:pPr>
-            <a:endParaRPr lang="en-US" sz="1800" dirty="0"/>
+            <a:endParaRPr lang="en-US" sz="1900" dirty="0"/>
           </a:p>
           <a:p>
             <a:pPr marL="1028700" lvl="2" indent="-342900">
               <a:buFont typeface="+mj-lt"/>
               <a:buAutoNum type="arabicPeriod"/>
             </a:pPr>
-            <a:endParaRPr lang="en-US" sz="1800" dirty="0"/>
+            <a:endParaRPr lang="en-US" sz="1900" dirty="0"/>
           </a:p>
           <a:p>
             <a:pPr marL="1028700" lvl="2" indent="-342900">
               <a:buFont typeface="+mj-lt"/>
               <a:buAutoNum type="arabicPeriod"/>
             </a:pPr>
-            <a:endParaRPr lang="en-US" sz="1800" dirty="0"/>
+            <a:endParaRPr lang="en-US" sz="1900" dirty="0"/>
           </a:p>
           <a:p>
             <a:pPr marL="1028700" lvl="2" indent="-342900">
               <a:buFont typeface="+mj-lt"/>
               <a:buAutoNum type="arabicPeriod"/>
             </a:pPr>
-            <a:endParaRPr lang="en-US" sz="1800" dirty="0"/>
+            <a:endParaRPr lang="en-US" sz="1900" dirty="0"/>
           </a:p>
           <a:p>
             <a:pPr marL="1028700" lvl="2" indent="-342900">
               <a:buFont typeface="+mj-lt"/>
               <a:buAutoNum type="arabicPeriod"/>
             </a:pPr>
-            <a:endParaRPr lang="en-US" sz="1800" dirty="0"/>
+            <a:endParaRPr lang="en-US" sz="1900" dirty="0"/>
           </a:p>
           <a:p>
             <a:pPr marL="1028700" lvl="2" indent="-342900">
               <a:buFont typeface="+mj-lt"/>
               <a:buAutoNum type="arabicPeriod"/>
             </a:pPr>
-            <a:endParaRPr lang="en-US" sz="1800" dirty="0"/>
+            <a:endParaRPr lang="en-US" sz="1900" dirty="0"/>
           </a:p>
           <a:p>
             <a:pPr marL="1028700" lvl="2" indent="-342900">
               <a:buFont typeface="+mj-lt"/>
               <a:buAutoNum type="arabicPeriod"/>
             </a:pPr>
-            <a:endParaRPr lang="en-US" sz="1800" dirty="0"/>
+            <a:endParaRPr lang="en-US" sz="1900" dirty="0"/>
           </a:p>
           <a:p>
             <a:pPr marL="1028700" lvl="2" indent="-342900">
               <a:buFont typeface="+mj-lt"/>
               <a:buAutoNum type="arabicPeriod"/>
             </a:pPr>
-            <a:endParaRPr lang="en-US" sz="1800" dirty="0"/>
+            <a:endParaRPr lang="en-US" sz="1900" dirty="0"/>
           </a:p>
           <a:p>
             <a:pPr marL="342900" lvl="1" indent="0">
               <a:buNone/>
             </a:pPr>
             <a:r>
-              <a:rPr lang="en-US" sz="2400" dirty="0"/>
+              <a:rPr lang="en-US" sz="1900" dirty="0"/>
               <a:t>Local search is often very effective for CSPs. </a:t>
             </a:r>
           </a:p>
@@ -10834,7 +10861,7 @@
         </p:blipFill>
         <p:spPr bwMode="auto">
           <a:xfrm>
-            <a:off x="1828800" y="4114800"/>
+            <a:off x="1690475" y="4161889"/>
             <a:ext cx="5153449" cy="1618179"/>
           </a:xfrm>
           <a:prstGeom prst="rect">
@@ -11064,6 +11091,174 @@
           <a:p>
             <a:pPr algn="ctr"/>
             <a:endParaRPr lang="en-US"/>
+          </a:p>
+        </p:txBody>
+      </p:sp>
+      <p:sp>
+        <p:nvSpPr>
+          <p:cNvPr id="9" name="TextBox 8">
+            <a:extLst>
+              <a:ext uri="{FF2B5EF4-FFF2-40B4-BE49-F238E27FC236}">
+                <a16:creationId xmlns:a16="http://schemas.microsoft.com/office/drawing/2014/main" id="{4675F89E-3A7D-E8B3-4863-2A5E3292308C}"/>
+              </a:ext>
+            </a:extLst>
+          </p:cNvPr>
+          <p:cNvSpPr txBox="1"/>
+          <p:nvPr/>
+        </p:nvSpPr>
+        <p:spPr>
+          <a:xfrm>
+            <a:off x="504611" y="1290264"/>
+            <a:ext cx="3782908" cy="830997"/>
+          </a:xfrm>
+          <a:prstGeom prst="rect">
+            <a:avLst/>
+          </a:prstGeom>
+          <a:noFill/>
+        </p:spPr>
+        <p:txBody>
+          <a:bodyPr wrap="square">
+            <a:spAutoFit/>
+          </a:bodyPr>
+          <a:lstStyle/>
+          <a:p>
+            <a:pPr marL="0" indent="0">
+              <a:buNone/>
+            </a:pPr>
+            <a:r>
+              <a:rPr lang="en-US" sz="1600" dirty="0"/>
+              <a:t>CSP algorithms </a:t>
+            </a:r>
+          </a:p>
+          <a:p>
+            <a:pPr marL="285750" indent="-285750">
+              <a:buFont typeface="Arial" panose="020B0604020202020204" pitchFamily="34" charset="0"/>
+              <a:buChar char="•"/>
+            </a:pPr>
+            <a:r>
+              <a:rPr lang="en-US" sz="1600" b="1" dirty="0"/>
+              <a:t>Allow incomplete states.</a:t>
+            </a:r>
+            <a:endParaRPr lang="en-US" sz="1600" dirty="0"/>
+          </a:p>
+          <a:p>
+            <a:pPr marL="285750" indent="-285750">
+              <a:buFont typeface="Arial" panose="020B0604020202020204" pitchFamily="34" charset="0"/>
+              <a:buChar char="•"/>
+            </a:pPr>
+            <a:r>
+              <a:rPr lang="en-US" sz="1600" b="1" dirty="0"/>
+              <a:t>States must satisfy all constraints</a:t>
+            </a:r>
+            <a:r>
+              <a:rPr lang="en-US" sz="1600" dirty="0"/>
+              <a:t>.</a:t>
+            </a:r>
+          </a:p>
+        </p:txBody>
+      </p:sp>
+      <p:sp>
+        <p:nvSpPr>
+          <p:cNvPr id="11" name="TextBox 10">
+            <a:extLst>
+              <a:ext uri="{FF2B5EF4-FFF2-40B4-BE49-F238E27FC236}">
+                <a16:creationId xmlns:a16="http://schemas.microsoft.com/office/drawing/2014/main" id="{70AFA7C0-72E8-7519-CF89-ED4CE48EFB8D}"/>
+              </a:ext>
+            </a:extLst>
+          </p:cNvPr>
+          <p:cNvSpPr txBox="1"/>
+          <p:nvPr/>
+        </p:nvSpPr>
+        <p:spPr>
+          <a:xfrm>
+            <a:off x="4446692" y="1290265"/>
+            <a:ext cx="4468708" cy="830997"/>
+          </a:xfrm>
+          <a:prstGeom prst="rect">
+            <a:avLst/>
+          </a:prstGeom>
+          <a:noFill/>
+        </p:spPr>
+        <p:txBody>
+          <a:bodyPr wrap="square">
+            <a:spAutoFit/>
+          </a:bodyPr>
+          <a:lstStyle/>
+          <a:p>
+            <a:pPr marL="0" indent="0">
+              <a:buNone/>
+            </a:pPr>
+            <a:r>
+              <a:rPr lang="en-US" sz="1600" dirty="0"/>
+              <a:t>Local Search works only with </a:t>
+            </a:r>
+          </a:p>
+          <a:p>
+            <a:pPr marL="285750" indent="-285750">
+              <a:buFont typeface="Arial" panose="020B0604020202020204" pitchFamily="34" charset="0"/>
+              <a:buChar char="•"/>
+            </a:pPr>
+            <a:r>
+              <a:rPr lang="en-US" sz="1600" b="1" dirty="0"/>
+              <a:t>Only “complete” states </a:t>
+            </a:r>
+            <a:r>
+              <a:rPr lang="en-US" sz="1600" dirty="0"/>
+              <a:t>(all variables assigned)</a:t>
+            </a:r>
+          </a:p>
+          <a:p>
+            <a:pPr marL="285750" indent="-285750">
+              <a:buFont typeface="Arial" panose="020B0604020202020204" pitchFamily="34" charset="0"/>
+              <a:buChar char="•"/>
+            </a:pPr>
+            <a:r>
+              <a:rPr lang="en-US" sz="1600" b="1" dirty="0"/>
+              <a:t>Allows states with unsatisfied constraints</a:t>
+            </a:r>
+            <a:r>
+              <a:rPr lang="en-US" sz="1600" dirty="0"/>
+              <a:t>.</a:t>
+            </a:r>
+          </a:p>
+        </p:txBody>
+      </p:sp>
+      <p:sp>
+        <p:nvSpPr>
+          <p:cNvPr id="13" name="TextBox 12">
+            <a:extLst>
+              <a:ext uri="{FF2B5EF4-FFF2-40B4-BE49-F238E27FC236}">
+                <a16:creationId xmlns:a16="http://schemas.microsoft.com/office/drawing/2014/main" id="{CAB24B99-925F-869A-0C70-F2E6A5D224D2}"/>
+              </a:ext>
+            </a:extLst>
+          </p:cNvPr>
+          <p:cNvSpPr txBox="1"/>
+          <p:nvPr/>
+        </p:nvSpPr>
+        <p:spPr>
+          <a:xfrm>
+            <a:off x="3822120" y="1519534"/>
+            <a:ext cx="534826" cy="461665"/>
+          </a:xfrm>
+          <a:prstGeom prst="rect">
+            <a:avLst/>
+          </a:prstGeom>
+          <a:noFill/>
+        </p:spPr>
+        <p:txBody>
+          <a:bodyPr wrap="none" rtlCol="0">
+            <a:spAutoFit/>
+          </a:bodyPr>
+          <a:lstStyle/>
+          <a:p>
+            <a:r>
+              <a:rPr lang="en-US" sz="2400" b="1" dirty="0">
+                <a:solidFill>
+                  <a:srgbClr val="FF0000"/>
+                </a:solidFill>
+              </a:rPr>
+              <a:t>vs.</a:t>
+            </a:r>
           </a:p>
         </p:txBody>
       </p:sp>
@@ -11187,20 +11382,20 @@
           <a:p>
             <a:r>
               <a:rPr lang="en-US" sz="3200" dirty="0"/>
-              <a:t>Constraint satisfaction </a:t>
+              <a:t>Constraint Satisfaction </a:t>
             </a:r>
             <a:br>
               <a:rPr lang="en-US" sz="3200" dirty="0"/>
             </a:br>
             <a:r>
               <a:rPr lang="en-US" sz="3200" dirty="0"/>
-              <a:t>problems (CSPs)</a:t>
-            </a:r>
-          </a:p>
-        </p:txBody>
-      </p:sp>
-      <mc:AlternateContent xmlns:mc="http://schemas.openxmlformats.org/markup-compatibility/2006">
-        <mc:Choice xmlns:a14="http://schemas.microsoft.com/office/drawing/2010/main" Requires="a14">
+              <a:t>Problems (CSPs)</a:t>
+            </a:r>
+          </a:p>
+        </p:txBody>
+      </p:sp>
+      <mc:AlternateContent xmlns:mc="http://schemas.openxmlformats.org/markup-compatibility/2006" xmlns:a14="http://schemas.microsoft.com/office/drawing/2010/main">
+        <mc:Choice Requires="a14">
           <p:sp>
             <p:nvSpPr>
               <p:cNvPr id="5123" name="Rectangle 3"/>
@@ -11585,7 +11780,7 @@
             </p:txBody>
           </p:sp>
         </mc:Choice>
-        <mc:Fallback>
+        <mc:Fallback xmlns="">
           <p:sp>
             <p:nvSpPr>
               <p:cNvPr id="5123" name="Rectangle 3"/>
@@ -12557,13 +12752,13 @@
         </p:nvSpPr>
         <p:spPr>
           <a:xfrm>
-            <a:off x="457200" y="1600200"/>
-            <a:ext cx="8229600" cy="4800600"/>
+            <a:off x="762000" y="1600200"/>
+            <a:ext cx="7620000" cy="4495800"/>
           </a:xfrm>
         </p:spPr>
         <p:txBody>
           <a:bodyPr>
-            <a:normAutofit fontScale="92500" lnSpcReduction="20000"/>
+            <a:normAutofit fontScale="85000" lnSpcReduction="20000"/>
           </a:bodyPr>
           <a:lstStyle/>
           <a:p>
@@ -15527,7 +15722,7 @@
           <a:p>
             <a:r>
               <a:rPr lang="en-US" dirty="0"/>
-              <a:t>N-Queens: Alternative formulation</a:t>
+              <a:t>N-Queens: Alternative Formulation</a:t>
             </a:r>
           </a:p>
         </p:txBody>

--- a/slides/06_CSP.pptx
+++ b/slides/06_CSP.pptx
@@ -5,29 +5,30 @@
     <p:sldMasterId id="2147483673" r:id="rId1"/>
   </p:sldMasterIdLst>
   <p:notesMasterIdLst>
-    <p:notesMasterId r:id="rId22"/>
+    <p:notesMasterId r:id="rId23"/>
   </p:notesMasterIdLst>
   <p:sldIdLst>
     <p:sldId id="330" r:id="rId2"/>
     <p:sldId id="259" r:id="rId3"/>
-    <p:sldId id="260" r:id="rId4"/>
-    <p:sldId id="261" r:id="rId5"/>
-    <p:sldId id="301" r:id="rId6"/>
-    <p:sldId id="302" r:id="rId7"/>
-    <p:sldId id="303" r:id="rId8"/>
-    <p:sldId id="305" r:id="rId9"/>
-    <p:sldId id="328" r:id="rId10"/>
-    <p:sldId id="266" r:id="rId11"/>
-    <p:sldId id="267" r:id="rId12"/>
-    <p:sldId id="268" r:id="rId13"/>
-    <p:sldId id="273" r:id="rId14"/>
-    <p:sldId id="269" r:id="rId15"/>
-    <p:sldId id="307" r:id="rId16"/>
-    <p:sldId id="317" r:id="rId17"/>
-    <p:sldId id="322" r:id="rId18"/>
-    <p:sldId id="329" r:id="rId19"/>
-    <p:sldId id="326" r:id="rId20"/>
-    <p:sldId id="327" r:id="rId21"/>
+    <p:sldId id="331" r:id="rId4"/>
+    <p:sldId id="260" r:id="rId5"/>
+    <p:sldId id="261" r:id="rId6"/>
+    <p:sldId id="301" r:id="rId7"/>
+    <p:sldId id="302" r:id="rId8"/>
+    <p:sldId id="303" r:id="rId9"/>
+    <p:sldId id="305" r:id="rId10"/>
+    <p:sldId id="328" r:id="rId11"/>
+    <p:sldId id="266" r:id="rId12"/>
+    <p:sldId id="267" r:id="rId13"/>
+    <p:sldId id="268" r:id="rId14"/>
+    <p:sldId id="273" r:id="rId15"/>
+    <p:sldId id="269" r:id="rId16"/>
+    <p:sldId id="307" r:id="rId17"/>
+    <p:sldId id="317" r:id="rId18"/>
+    <p:sldId id="322" r:id="rId19"/>
+    <p:sldId id="329" r:id="rId20"/>
+    <p:sldId id="326" r:id="rId21"/>
+    <p:sldId id="327" r:id="rId22"/>
   </p:sldIdLst>
   <p:sldSz cx="9144000" cy="6858000" type="screen4x3"/>
   <p:notesSz cx="7315200" cy="9601200"/>
@@ -1320,11 +1321,6 @@
         </p:txBody>
       </p:sp>
     </p:spTree>
-    <p:extLst>
-      <p:ext uri="{BB962C8B-B14F-4D97-AF65-F5344CB8AC3E}">
-        <p14:creationId xmlns:p14="http://schemas.microsoft.com/office/powerpoint/2010/main" val="1853604105"/>
-      </p:ext>
-    </p:extLst>
   </p:cSld>
   <p:clrMapOvr>
     <a:masterClrMapping/>
@@ -1407,6 +1403,11 @@
         </p:txBody>
       </p:sp>
     </p:spTree>
+    <p:extLst>
+      <p:ext uri="{BB962C8B-B14F-4D97-AF65-F5344CB8AC3E}">
+        <p14:creationId xmlns:p14="http://schemas.microsoft.com/office/powerpoint/2010/main" val="1853604105"/>
+      </p:ext>
+    </p:extLst>
   </p:cSld>
   <p:clrMapOvr>
     <a:masterClrMapping/>
@@ -1578,7 +1579,7 @@
 </p:notes>
 </file>
 
-<file path=ppt/notesSlides/notesSlide3.xml><?xml version="1.0" encoding="utf-8"?>
+<file path=ppt/notesSlides/notesSlide20.xml><?xml version="1.0" encoding="utf-8"?>
 <p:notes xmlns:a="http://schemas.openxmlformats.org/drawingml/2006/main" xmlns:r="http://schemas.openxmlformats.org/officeDocument/2006/relationships" xmlns:p="http://schemas.openxmlformats.org/presentationml/2006/main">
   <p:cSld>
     <p:spTree>
@@ -1646,6 +1647,112 @@
             <a:fld id="{D21C7BEE-7BA7-4369-9E3D-FA3E2F4A54A1}" type="slidenum">
               <a:rPr lang="en-US" smtClean="0"/>
               <a:pPr/>
+              <a:t>21</a:t>
+            </a:fld>
+            <a:endParaRPr lang="en-US"/>
+          </a:p>
+        </p:txBody>
+      </p:sp>
+    </p:spTree>
+  </p:cSld>
+  <p:clrMapOvr>
+    <a:masterClrMapping/>
+  </p:clrMapOvr>
+</p:notes>
+</file>
+
+<file path=ppt/notesSlides/notesSlide3.xml><?xml version="1.0" encoding="utf-8"?>
+<p:notes xmlns:a="http://schemas.openxmlformats.org/drawingml/2006/main" xmlns:r="http://schemas.openxmlformats.org/officeDocument/2006/relationships" xmlns:p="http://schemas.openxmlformats.org/presentationml/2006/main">
+  <p:cSld>
+    <p:spTree>
+      <p:nvGrpSpPr>
+        <p:cNvPr id="1" name="">
+          <a:extLst>
+            <a:ext uri="{FF2B5EF4-FFF2-40B4-BE49-F238E27FC236}">
+              <a16:creationId xmlns:a16="http://schemas.microsoft.com/office/drawing/2014/main" id="{C96C7D5F-9F27-8B4A-21D8-94E8A4D43655}"/>
+            </a:ext>
+          </a:extLst>
+        </p:cNvPr>
+        <p:cNvGrpSpPr/>
+        <p:nvPr/>
+      </p:nvGrpSpPr>
+      <p:grpSpPr>
+        <a:xfrm>
+          <a:off x="0" y="0"/>
+          <a:ext cx="0" cy="0"/>
+          <a:chOff x="0" y="0"/>
+          <a:chExt cx="0" cy="0"/>
+        </a:xfrm>
+      </p:grpSpPr>
+      <p:sp>
+        <p:nvSpPr>
+          <p:cNvPr id="2" name="Slide Image Placeholder 1">
+            <a:extLst>
+              <a:ext uri="{FF2B5EF4-FFF2-40B4-BE49-F238E27FC236}">
+                <a16:creationId xmlns:a16="http://schemas.microsoft.com/office/drawing/2014/main" id="{F682A2F0-84F1-7F62-4B50-60B7B3376E28}"/>
+              </a:ext>
+            </a:extLst>
+          </p:cNvPr>
+          <p:cNvSpPr>
+            <a:spLocks noGrp="1" noRot="1" noChangeAspect="1"/>
+          </p:cNvSpPr>
+          <p:nvPr>
+            <p:ph type="sldImg"/>
+          </p:nvPr>
+        </p:nvSpPr>
+        <p:spPr/>
+      </p:sp>
+      <p:sp>
+        <p:nvSpPr>
+          <p:cNvPr id="3" name="Notes Placeholder 2">
+            <a:extLst>
+              <a:ext uri="{FF2B5EF4-FFF2-40B4-BE49-F238E27FC236}">
+                <a16:creationId xmlns:a16="http://schemas.microsoft.com/office/drawing/2014/main" id="{C1A62AA2-2768-7A96-D645-48704963275C}"/>
+              </a:ext>
+            </a:extLst>
+          </p:cNvPr>
+          <p:cNvSpPr>
+            <a:spLocks noGrp="1"/>
+          </p:cNvSpPr>
+          <p:nvPr>
+            <p:ph type="body" idx="1"/>
+          </p:nvPr>
+        </p:nvSpPr>
+        <p:spPr/>
+        <p:txBody>
+          <a:bodyPr>
+            <a:normAutofit/>
+          </a:bodyPr>
+          <a:lstStyle/>
+          <a:p>
+            <a:endParaRPr lang="en-US"/>
+          </a:p>
+        </p:txBody>
+      </p:sp>
+      <p:sp>
+        <p:nvSpPr>
+          <p:cNvPr id="4" name="Slide Number Placeholder 3">
+            <a:extLst>
+              <a:ext uri="{FF2B5EF4-FFF2-40B4-BE49-F238E27FC236}">
+                <a16:creationId xmlns:a16="http://schemas.microsoft.com/office/drawing/2014/main" id="{E7FC92B8-EA52-2057-D68E-5D7260B9AC24}"/>
+              </a:ext>
+            </a:extLst>
+          </p:cNvPr>
+          <p:cNvSpPr>
+            <a:spLocks noGrp="1"/>
+          </p:cNvSpPr>
+          <p:nvPr>
+            <p:ph type="sldNum" sz="quarter" idx="10"/>
+          </p:nvPr>
+        </p:nvSpPr>
+        <p:spPr/>
+        <p:txBody>
+          <a:bodyPr/>
+          <a:lstStyle/>
+          <a:p>
+            <a:fld id="{D21C7BEE-7BA7-4369-9E3D-FA3E2F4A54A1}" type="slidenum">
+              <a:rPr lang="en-US" smtClean="0"/>
+              <a:pPr/>
               <a:t>3</a:t>
             </a:fld>
             <a:endParaRPr lang="en-US"/>
@@ -1653,6 +1760,11 @@
         </p:txBody>
       </p:sp>
     </p:spTree>
+    <p:extLst>
+      <p:ext uri="{BB962C8B-B14F-4D97-AF65-F5344CB8AC3E}">
+        <p14:creationId xmlns:p14="http://schemas.microsoft.com/office/powerpoint/2010/main" val="1105130093"/>
+      </p:ext>
+    </p:extLst>
   </p:cSld>
   <p:clrMapOvr>
     <a:masterClrMapping/>
@@ -2138,7 +2250,7 @@
             <a:fld id="{D21C7BEE-7BA7-4369-9E3D-FA3E2F4A54A1}" type="slidenum">
               <a:rPr lang="en-US" smtClean="0"/>
               <a:pPr/>
-              <a:t>10</a:t>
+              <a:t>9</a:t>
             </a:fld>
             <a:endParaRPr lang="en-US"/>
           </a:p>
@@ -2299,7 +2411,7 @@
           <a:p>
             <a:fld id="{FDB68C03-DCF9-4B87-BBF6-8F2088376604}" type="datetimeFigureOut">
               <a:rPr lang="en-US" smtClean="0"/>
-              <a:t>5/1/2024</a:t>
+              <a:t>10/29/2024</a:t>
             </a:fld>
             <a:endParaRPr lang="en-US"/>
           </a:p>
@@ -2909,7 +3021,7 @@
           <a:p>
             <a:fld id="{FDB68C03-DCF9-4B87-BBF6-8F2088376604}" type="datetimeFigureOut">
               <a:rPr lang="en-US" smtClean="0"/>
-              <a:t>5/1/2024</a:t>
+              <a:t>10/29/2024</a:t>
             </a:fld>
             <a:endParaRPr lang="en-US"/>
           </a:p>
@@ -3184,7 +3296,7 @@
           <a:p>
             <a:fld id="{FDB68C03-DCF9-4B87-BBF6-8F2088376604}" type="datetimeFigureOut">
               <a:rPr lang="en-US" smtClean="0"/>
-              <a:t>5/1/2024</a:t>
+              <a:t>10/29/2024</a:t>
             </a:fld>
             <a:endParaRPr lang="en-US"/>
           </a:p>
@@ -4973,7 +5085,7 @@
           <a:p>
             <a:fld id="{FDB68C03-DCF9-4B87-BBF6-8F2088376604}" type="datetimeFigureOut">
               <a:rPr lang="en-US" smtClean="0"/>
-              <a:t>5/1/2024</a:t>
+              <a:t>10/29/2024</a:t>
             </a:fld>
             <a:endParaRPr lang="en-US"/>
           </a:p>
@@ -5474,7 +5586,19 @@
           <p:nvPr/>
         </p:nvPicPr>
         <p:blipFill rotWithShape="1">
-          <a:blip r:embed="rId3" cstate="print"/>
+          <a:blip r:embed="rId3" cstate="print">
+            <a:extLst>
+              <a:ext uri="{BEBA8EAE-BF5A-486C-A8C5-ECC9F3942E4B}">
+                <a14:imgProps xmlns:a14="http://schemas.microsoft.com/office/drawing/2010/main">
+                  <a14:imgLayer r:embed="rId4">
+                    <a14:imgEffect>
+                      <a14:brightnessContrast bright="-20000" contrast="-20000"/>
+                    </a14:imgEffect>
+                  </a14:imgLayer>
+                </a14:imgProps>
+              </a:ext>
+            </a:extLst>
+          </a:blip>
           <a:srcRect l="9147" r="35088" b="6250"/>
           <a:stretch/>
         </p:blipFill>
@@ -5923,7 +6047,7 @@
           <p:nvPr/>
         </p:nvPicPr>
         <p:blipFill>
-          <a:blip r:embed="rId4">
+          <a:blip r:embed="rId5">
             <a:extLst>
               <a:ext uri="{28A0092B-C50C-407E-A947-70E740481C1C}">
                 <a14:useLocalDpi xmlns:a14="http://schemas.microsoft.com/office/drawing/2010/main" val="0"/>
@@ -6000,7 +6124,7 @@
                 </a:solidFill>
                 <a:effectLst/>
                 <a:latin typeface="source sans pro" panose="020B0503030403020204" pitchFamily="34" charset="0"/>
-                <a:hlinkClick r:id="rId5">
+                <a:hlinkClick r:id="rId6">
                   <a:extLst>
                     <a:ext uri="{A12FA001-AC4F-418D-AE19-62706E023703}">
                       <ahyp:hlinkClr xmlns:ahyp="http://schemas.microsoft.com/office/drawing/2018/hyperlinkcolor" val="tx"/>
@@ -6017,7 +6141,7 @@
                 </a:solidFill>
                 <a:effectLst/>
                 <a:latin typeface="source sans pro" panose="020B0503030403020204" pitchFamily="34" charset="0"/>
-                <a:hlinkClick r:id="rId5">
+                <a:hlinkClick r:id="rId6">
                   <a:extLst>
                     <a:ext uri="{A12FA001-AC4F-418D-AE19-62706E023703}">
                       <ahyp:hlinkClr xmlns:ahyp="http://schemas.microsoft.com/office/drawing/2018/hyperlinkcolor" val="tx"/>
@@ -6034,7 +6158,7 @@
                 </a:solidFill>
                 <a:effectLst/>
                 <a:latin typeface="source sans pro" panose="020B0503030403020204" pitchFamily="34" charset="0"/>
-                <a:hlinkClick r:id="rId5">
+                <a:hlinkClick r:id="rId6">
                   <a:extLst>
                     <a:ext uri="{A12FA001-AC4F-418D-AE19-62706E023703}">
                       <ahyp:hlinkClr xmlns:ahyp="http://schemas.microsoft.com/office/drawing/2018/hyperlinkcolor" val="tx"/>
@@ -6094,9 +6218,15 @@
       </p:grpSpPr>
       <p:sp>
         <p:nvSpPr>
-          <p:cNvPr id="12290" name="Rectangle 2"/>
+          <p:cNvPr id="2" name="Title 1">
+            <a:extLst>
+              <a:ext uri="{FF2B5EF4-FFF2-40B4-BE49-F238E27FC236}">
+                <a16:creationId xmlns:a16="http://schemas.microsoft.com/office/drawing/2014/main" id="{3C43BAFD-D740-4BBD-A52D-41EC588AC49C}"/>
+              </a:ext>
+            </a:extLst>
+          </p:cNvPr>
           <p:cNvSpPr>
-            <a:spLocks noGrp="1" noChangeArrowheads="1"/>
+            <a:spLocks noGrp="1"/>
           </p:cNvSpPr>
           <p:nvPr>
             <p:ph type="title"/>
@@ -6109,22 +6239,33 @@
           <a:p>
             <a:r>
               <a:rPr lang="en-US" dirty="0"/>
-              <a:t>Real-world CSPs</a:t>
-            </a:r>
-          </a:p>
-        </p:txBody>
-      </p:sp>
-      <p:sp>
-        <p:nvSpPr>
-          <p:cNvPr id="12291" name="Rectangle 3"/>
+              <a:t>Some Popular Types of CSPs</a:t>
+            </a:r>
+          </a:p>
+        </p:txBody>
+      </p:sp>
+      <p:sp>
+        <p:nvSpPr>
+          <p:cNvPr id="3" name="Content Placeholder 2">
+            <a:extLst>
+              <a:ext uri="{FF2B5EF4-FFF2-40B4-BE49-F238E27FC236}">
+                <a16:creationId xmlns:a16="http://schemas.microsoft.com/office/drawing/2014/main" id="{EDA22658-0CBA-468F-B6EF-76D87E7C9DBD}"/>
+              </a:ext>
+            </a:extLst>
+          </p:cNvPr>
           <p:cNvSpPr>
-            <a:spLocks noGrp="1" noChangeArrowheads="1"/>
+            <a:spLocks noGrp="1"/>
           </p:cNvSpPr>
           <p:nvPr>
             <p:ph idx="1"/>
           </p:nvPr>
         </p:nvSpPr>
-        <p:spPr/>
+        <p:spPr>
+          <a:xfrm>
+            <a:off x="628650" y="1825625"/>
+            <a:ext cx="6762750" cy="4351338"/>
+          </a:xfrm>
+        </p:spPr>
         <p:txBody>
           <a:bodyPr>
             <a:normAutofit fontScale="92500" lnSpcReduction="10000"/>
@@ -6132,70 +6273,418 @@
           <a:lstStyle/>
           <a:p>
             <a:r>
-              <a:rPr lang="en-US" sz="2800" dirty="0"/>
-              <a:t>Assignment problems</a:t>
-            </a:r>
-          </a:p>
-          <a:p>
-            <a:pPr marL="342900" lvl="1" indent="0">
+              <a:rPr lang="en-US" b="1" dirty="0"/>
+              <a:t>Boolean Satisfiability Problem (SAT)</a:t>
+            </a:r>
+            <a:br>
+              <a:rPr lang="en-US" dirty="0"/>
+            </a:br>
+            <a:r>
+              <a:rPr lang="en-US" dirty="0"/>
+              <a:t>Find variable assignments that makes a Boolean expression (often expressed in conjunctive normal form) evaluate as true.</a:t>
+            </a:r>
+          </a:p>
+          <a:p>
+            <a:endParaRPr lang="en-US" dirty="0"/>
+          </a:p>
+          <a:p>
+            <a:endParaRPr lang="en-US" dirty="0"/>
+          </a:p>
+          <a:p>
+            <a:r>
+              <a:rPr lang="en-US" b="1" dirty="0"/>
+              <a:t>Integer Programming</a:t>
+            </a:r>
+            <a:br>
+              <a:rPr lang="en-US" dirty="0"/>
+            </a:br>
+            <a:r>
+              <a:rPr lang="en-US" dirty="0"/>
+              <a:t>Variables are restricted to integers. Find a feasible solution that satisfies all constraints. The traveling salesman problem can be expressed as an integer program. </a:t>
+            </a:r>
+          </a:p>
+          <a:p>
+            <a:pPr marL="0" indent="0">
               <a:buNone/>
             </a:pPr>
-            <a:r>
-              <a:rPr lang="en-US" sz="2400" dirty="0"/>
-              <a:t>e.g., who teaches what class for a fixed schedule. Teacher cannot be in two classes at the same time!</a:t>
-            </a:r>
-          </a:p>
-          <a:p>
-            <a:r>
-              <a:rPr lang="en-US" sz="2800" dirty="0"/>
-              <a:t>Timetable problems</a:t>
-            </a:r>
-          </a:p>
-          <a:p>
-            <a:pPr marL="342900" lvl="1" indent="0">
-              <a:buNone/>
-            </a:pPr>
-            <a:r>
-              <a:rPr lang="en-US" sz="2400" dirty="0"/>
-              <a:t>e.g., which class is offered when and where? No two classes in the same room at the same problem.</a:t>
-            </a:r>
-          </a:p>
-          <a:p>
-            <a:r>
-              <a:rPr lang="en-US" sz="2800" dirty="0"/>
-              <a:t>Scheduling in transportation and production (e.g., order of production steps).</a:t>
-            </a:r>
-          </a:p>
-          <a:p>
-            <a:r>
-              <a:rPr lang="en-US" sz="2800" dirty="0"/>
-              <a:t>Many problems can naturally also be formulated as CSPs.</a:t>
-            </a:r>
-          </a:p>
-          <a:p>
-            <a:endParaRPr lang="en-US" sz="2800" dirty="0"/>
-          </a:p>
-          <a:p>
-            <a:r>
-              <a:rPr lang="en-US" sz="2800" dirty="0"/>
-              <a:t>More examples of CSPs: </a:t>
-            </a:r>
-            <a:r>
-              <a:rPr lang="en-US" sz="2800" dirty="0">
-                <a:hlinkClick r:id="rId3"/>
-              </a:rPr>
-              <a:t>http://www.csplib.org/</a:t>
-            </a:r>
-            <a:endParaRPr lang="en-US" sz="2800" dirty="0"/>
-          </a:p>
-        </p:txBody>
-      </p:sp>
-      <p:sp>
-        <p:nvSpPr>
-          <p:cNvPr id="2" name="Star: 5 Points 1">
+            <a:endParaRPr lang="en-US" dirty="0"/>
+          </a:p>
+          <a:p>
+            <a:r>
+              <a:rPr lang="en-US" b="1" dirty="0"/>
+              <a:t>Linear Programming</a:t>
+            </a:r>
+            <a:br>
+              <a:rPr lang="en-US" dirty="0"/>
+            </a:br>
+            <a:r>
+              <a:rPr lang="en-US" dirty="0"/>
+              <a:t>Variables are continuous and constraints </a:t>
+            </a:r>
+            <a:br>
+              <a:rPr lang="en-US" dirty="0"/>
+            </a:br>
+            <a:r>
+              <a:rPr lang="en-US" dirty="0"/>
+              <a:t>are linear (in)equalities. </a:t>
+            </a:r>
+            <a:br>
+              <a:rPr lang="en-US" dirty="0"/>
+            </a:br>
+            <a:r>
+              <a:rPr lang="en-US" dirty="0"/>
+              <a:t>Find a feasible solution using, e.g., </a:t>
+            </a:r>
+            <a:br>
+              <a:rPr lang="en-US" dirty="0"/>
+            </a:br>
+            <a:r>
+              <a:rPr lang="en-US" dirty="0"/>
+              <a:t>the simplex algorithm.</a:t>
+            </a:r>
+          </a:p>
+          <a:p>
+            <a:endParaRPr lang="en-US" dirty="0"/>
+          </a:p>
+          <a:p>
+            <a:endParaRPr lang="en-US" dirty="0"/>
+          </a:p>
+          <a:p>
+            <a:endParaRPr lang="en-US" dirty="0"/>
+          </a:p>
+          <a:p>
+            <a:endParaRPr lang="en-US" dirty="0"/>
+          </a:p>
+        </p:txBody>
+      </p:sp>
+      <p:sp>
+        <p:nvSpPr>
+          <p:cNvPr id="7" name="Rectangle 6">
             <a:extLst>
               <a:ext uri="{FF2B5EF4-FFF2-40B4-BE49-F238E27FC236}">
-                <a16:creationId xmlns:a16="http://schemas.microsoft.com/office/drawing/2014/main" id="{935DF966-C2A1-7C21-4E4C-5D04E963651F}"/>
+                <a16:creationId xmlns:a16="http://schemas.microsoft.com/office/drawing/2014/main" id="{3F3560BE-A16D-4141-949D-AE1AB20774B8}"/>
+              </a:ext>
+            </a:extLst>
+          </p:cNvPr>
+          <p:cNvSpPr/>
+          <p:nvPr/>
+        </p:nvSpPr>
+        <p:spPr>
+          <a:xfrm>
+            <a:off x="2590800" y="2831068"/>
+            <a:ext cx="3709798" cy="369332"/>
+          </a:xfrm>
+          <a:prstGeom prst="rect">
+            <a:avLst/>
+          </a:prstGeom>
+        </p:spPr>
+        <p:txBody>
+          <a:bodyPr wrap="none">
+            <a:spAutoFit/>
+          </a:bodyPr>
+          <a:lstStyle/>
+          <a:p>
+            <a:r>
+              <a:rPr lang="en-US" dirty="0">
+                <a:solidFill>
+                  <a:srgbClr val="202122"/>
+                </a:solidFill>
+                <a:latin typeface="Nimbus Roman No9 L"/>
+              </a:rPr>
+              <a:t>(</a:t>
+            </a:r>
+            <a:r>
+              <a:rPr lang="en-US" i="1" dirty="0">
+                <a:solidFill>
+                  <a:srgbClr val="202122"/>
+                </a:solidFill>
+                <a:latin typeface="Nimbus Roman No9 L"/>
+              </a:rPr>
+              <a:t>x</a:t>
+            </a:r>
+            <a:r>
+              <a:rPr lang="en-US" baseline="-25000" dirty="0">
+                <a:solidFill>
+                  <a:srgbClr val="202122"/>
+                </a:solidFill>
+                <a:latin typeface="Nimbus Roman No9 L"/>
+              </a:rPr>
+              <a:t>1</a:t>
+            </a:r>
+            <a:r>
+              <a:rPr lang="en-US" dirty="0">
+                <a:solidFill>
+                  <a:srgbClr val="202122"/>
+                </a:solidFill>
+                <a:latin typeface="Nimbus Roman No9 L"/>
+              </a:rPr>
+              <a:t> ∨ ¬</a:t>
+            </a:r>
+            <a:r>
+              <a:rPr lang="en-US" i="1" dirty="0">
+                <a:solidFill>
+                  <a:srgbClr val="202122"/>
+                </a:solidFill>
+                <a:latin typeface="Nimbus Roman No9 L"/>
+              </a:rPr>
+              <a:t>x</a:t>
+            </a:r>
+            <a:r>
+              <a:rPr lang="en-US" baseline="-25000" dirty="0">
+                <a:solidFill>
+                  <a:srgbClr val="202122"/>
+                </a:solidFill>
+                <a:latin typeface="Nimbus Roman No9 L"/>
+              </a:rPr>
+              <a:t>2</a:t>
+            </a:r>
+            <a:r>
+              <a:rPr lang="en-US" dirty="0">
+                <a:solidFill>
+                  <a:srgbClr val="202122"/>
+                </a:solidFill>
+                <a:latin typeface="Nimbus Roman No9 L"/>
+              </a:rPr>
+              <a:t>) ∧ (¬</a:t>
+            </a:r>
+            <a:r>
+              <a:rPr lang="en-US" i="1" dirty="0">
+                <a:solidFill>
+                  <a:srgbClr val="202122"/>
+                </a:solidFill>
+                <a:latin typeface="Nimbus Roman No9 L"/>
+              </a:rPr>
+              <a:t>x</a:t>
+            </a:r>
+            <a:r>
+              <a:rPr lang="en-US" baseline="-25000" dirty="0">
+                <a:solidFill>
+                  <a:srgbClr val="202122"/>
+                </a:solidFill>
+                <a:latin typeface="Nimbus Roman No9 L"/>
+              </a:rPr>
+              <a:t>1</a:t>
+            </a:r>
+            <a:r>
+              <a:rPr lang="en-US" dirty="0">
+                <a:solidFill>
+                  <a:srgbClr val="202122"/>
+                </a:solidFill>
+                <a:latin typeface="Nimbus Roman No9 L"/>
+              </a:rPr>
+              <a:t> ∨ </a:t>
+            </a:r>
+            <a:r>
+              <a:rPr lang="en-US" i="1" dirty="0">
+                <a:solidFill>
+                  <a:srgbClr val="202122"/>
+                </a:solidFill>
+                <a:latin typeface="Nimbus Roman No9 L"/>
+              </a:rPr>
+              <a:t>x</a:t>
+            </a:r>
+            <a:r>
+              <a:rPr lang="en-US" baseline="-25000" dirty="0">
+                <a:solidFill>
+                  <a:srgbClr val="202122"/>
+                </a:solidFill>
+                <a:latin typeface="Nimbus Roman No9 L"/>
+              </a:rPr>
+              <a:t>2</a:t>
+            </a:r>
+            <a:r>
+              <a:rPr lang="en-US" dirty="0">
+                <a:solidFill>
+                  <a:srgbClr val="202122"/>
+                </a:solidFill>
+                <a:latin typeface="Nimbus Roman No9 L"/>
+              </a:rPr>
+              <a:t> ∨ </a:t>
+            </a:r>
+            <a:r>
+              <a:rPr lang="en-US" i="1" dirty="0">
+                <a:solidFill>
+                  <a:srgbClr val="202122"/>
+                </a:solidFill>
+                <a:latin typeface="Nimbus Roman No9 L"/>
+              </a:rPr>
+              <a:t>x</a:t>
+            </a:r>
+            <a:r>
+              <a:rPr lang="en-US" baseline="-25000" dirty="0">
+                <a:solidFill>
+                  <a:srgbClr val="202122"/>
+                </a:solidFill>
+                <a:latin typeface="Nimbus Roman No9 L"/>
+              </a:rPr>
+              <a:t>3</a:t>
+            </a:r>
+            <a:r>
+              <a:rPr lang="en-US" dirty="0">
+                <a:solidFill>
+                  <a:srgbClr val="202122"/>
+                </a:solidFill>
+                <a:latin typeface="Nimbus Roman No9 L"/>
+              </a:rPr>
+              <a:t>) ∧ ¬</a:t>
+            </a:r>
+            <a:r>
+              <a:rPr lang="en-US" i="1" dirty="0">
+                <a:solidFill>
+                  <a:srgbClr val="202122"/>
+                </a:solidFill>
+                <a:latin typeface="Nimbus Roman No9 L"/>
+              </a:rPr>
+              <a:t>x</a:t>
+            </a:r>
+            <a:r>
+              <a:rPr lang="en-US" baseline="-25000" dirty="0">
+                <a:solidFill>
+                  <a:srgbClr val="202122"/>
+                </a:solidFill>
+                <a:latin typeface="Nimbus Roman No9 L"/>
+              </a:rPr>
+              <a:t>1 </a:t>
+            </a:r>
+            <a:r>
+              <a:rPr lang="en-US" dirty="0"/>
+              <a:t>= True</a:t>
+            </a:r>
+          </a:p>
+        </p:txBody>
+      </p:sp>
+      <p:pic>
+        <p:nvPicPr>
+          <p:cNvPr id="1026" name="Picture 2" descr="Linear programming - Simple English Wikipedia, the free encyclopedia">
+            <a:extLst>
+              <a:ext uri="{FF2B5EF4-FFF2-40B4-BE49-F238E27FC236}">
+                <a16:creationId xmlns:a16="http://schemas.microsoft.com/office/drawing/2014/main" id="{6F866652-89FC-432C-A3C0-F89048A6D7F6}"/>
+              </a:ext>
+            </a:extLst>
+          </p:cNvPr>
+          <p:cNvPicPr>
+            <a:picLocks noChangeAspect="1" noChangeArrowheads="1"/>
+          </p:cNvPicPr>
+          <p:nvPr/>
+        </p:nvPicPr>
+        <p:blipFill>
+          <a:blip r:embed="rId2" cstate="print">
+            <a:extLst>
+              <a:ext uri="{28A0092B-C50C-407E-A947-70E740481C1C}">
+                <a14:useLocalDpi xmlns:a14="http://schemas.microsoft.com/office/drawing/2010/main" val="0"/>
+              </a:ext>
+            </a:extLst>
+          </a:blip>
+          <a:srcRect/>
+          <a:stretch>
+            <a:fillRect/>
+          </a:stretch>
+        </p:blipFill>
+        <p:spPr bwMode="auto">
+          <a:xfrm>
+            <a:off x="5933519" y="4409519"/>
+            <a:ext cx="2296081" cy="2296081"/>
+          </a:xfrm>
+          <a:prstGeom prst="rect">
+            <a:avLst/>
+          </a:prstGeom>
+          <a:noFill/>
+          <a:extLst>
+            <a:ext uri="{909E8E84-426E-40DD-AFC4-6F175D3DCCD1}">
+              <a14:hiddenFill xmlns:a14="http://schemas.microsoft.com/office/drawing/2010/main">
+                <a:solidFill>
+                  <a:srgbClr val="FFFFFF"/>
+                </a:solidFill>
+              </a14:hiddenFill>
+            </a:ext>
+          </a:extLst>
+        </p:spPr>
+      </p:pic>
+      <p:sp>
+        <p:nvSpPr>
+          <p:cNvPr id="4" name="Right Brace 3">
+            <a:extLst>
+              <a:ext uri="{FF2B5EF4-FFF2-40B4-BE49-F238E27FC236}">
+                <a16:creationId xmlns:a16="http://schemas.microsoft.com/office/drawing/2014/main" id="{D6B4F95F-71FD-4E58-99F6-1BE4DDF3BDB9}"/>
+              </a:ext>
+            </a:extLst>
+          </p:cNvPr>
+          <p:cNvSpPr/>
+          <p:nvPr/>
+        </p:nvSpPr>
+        <p:spPr>
+          <a:xfrm>
+            <a:off x="7391400" y="1825625"/>
+            <a:ext cx="304800" cy="2583894"/>
+          </a:xfrm>
+          <a:prstGeom prst="rightBrace">
+            <a:avLst/>
+          </a:prstGeom>
+        </p:spPr>
+        <p:style>
+          <a:lnRef idx="1">
+            <a:schemeClr val="accent1"/>
+          </a:lnRef>
+          <a:fillRef idx="0">
+            <a:schemeClr val="accent1"/>
+          </a:fillRef>
+          <a:effectRef idx="0">
+            <a:schemeClr val="accent1"/>
+          </a:effectRef>
+          <a:fontRef idx="minor">
+            <a:schemeClr val="tx1"/>
+          </a:fontRef>
+        </p:style>
+        <p:txBody>
+          <a:bodyPr rtlCol="0" anchor="ctr"/>
+          <a:lstStyle/>
+          <a:p>
+            <a:pPr algn="ctr"/>
+            <a:endParaRPr lang="en-US"/>
+          </a:p>
+        </p:txBody>
+      </p:sp>
+      <p:sp>
+        <p:nvSpPr>
+          <p:cNvPr id="5" name="TextBox 4">
+            <a:extLst>
+              <a:ext uri="{FF2B5EF4-FFF2-40B4-BE49-F238E27FC236}">
+                <a16:creationId xmlns:a16="http://schemas.microsoft.com/office/drawing/2014/main" id="{1D896929-379C-4B9F-BE37-2F6C0043FCE0}"/>
+              </a:ext>
+            </a:extLst>
+          </p:cNvPr>
+          <p:cNvSpPr txBox="1"/>
+          <p:nvPr/>
+        </p:nvSpPr>
+        <p:spPr>
+          <a:xfrm rot="16200000">
+            <a:off x="7119419" y="2787687"/>
+            <a:ext cx="1675294" cy="369332"/>
+          </a:xfrm>
+          <a:prstGeom prst="rect">
+            <a:avLst/>
+          </a:prstGeom>
+          <a:noFill/>
+        </p:spPr>
+        <p:txBody>
+          <a:bodyPr wrap="square" rtlCol="0">
+            <a:spAutoFit/>
+          </a:bodyPr>
+          <a:lstStyle/>
+          <a:p>
+            <a:r>
+              <a:rPr lang="en-US" dirty="0"/>
+              <a:t>NP-complete </a:t>
+            </a:r>
+          </a:p>
+        </p:txBody>
+      </p:sp>
+      <p:sp>
+        <p:nvSpPr>
+          <p:cNvPr id="6" name="Star: 5 Points 5">
+            <a:extLst>
+              <a:ext uri="{FF2B5EF4-FFF2-40B4-BE49-F238E27FC236}">
+                <a16:creationId xmlns:a16="http://schemas.microsoft.com/office/drawing/2014/main" id="{A5267430-1038-3CAC-693B-FC5202383851}"/>
               </a:ext>
             </a:extLst>
           </p:cNvPr>
@@ -6331,6 +6820,11 @@
         </p:txBody>
       </p:sp>
     </p:spTree>
+    <p:extLst>
+      <p:ext uri="{BB962C8B-B14F-4D97-AF65-F5344CB8AC3E}">
+        <p14:creationId xmlns:p14="http://schemas.microsoft.com/office/powerpoint/2010/main" val="947765826"/>
+      </p:ext>
+    </p:extLst>
   </p:cSld>
   <p:clrMapOvr>
     <a:masterClrMapping/>
@@ -6357,7 +6851,7 @@
       </p:grpSpPr>
       <p:sp>
         <p:nvSpPr>
-          <p:cNvPr id="13314" name="Rectangle 2"/>
+          <p:cNvPr id="12290" name="Rectangle 2"/>
           <p:cNvSpPr>
             <a:spLocks noGrp="1" noChangeArrowheads="1"/>
           </p:cNvSpPr>
@@ -6367,21 +6861,19 @@
         </p:nvSpPr>
         <p:spPr/>
         <p:txBody>
-          <a:bodyPr>
-            <a:noAutofit/>
-          </a:bodyPr>
+          <a:bodyPr/>
           <a:lstStyle/>
           <a:p>
             <a:r>
               <a:rPr lang="en-US" dirty="0"/>
-              <a:t>CSP as a Standard Search Formulation</a:t>
-            </a:r>
-          </a:p>
-        </p:txBody>
-      </p:sp>
-      <p:sp>
-        <p:nvSpPr>
-          <p:cNvPr id="13315" name="Rectangle 3"/>
+              <a:t>Real-world CSPs</a:t>
+            </a:r>
+          </a:p>
+        </p:txBody>
+      </p:sp>
+      <p:sp>
+        <p:nvSpPr>
+          <p:cNvPr id="12291" name="Rectangle 3"/>
           <p:cNvSpPr>
             <a:spLocks noGrp="1" noChangeArrowheads="1"/>
           </p:cNvSpPr>
@@ -6389,102 +6881,69 @@
             <p:ph idx="1"/>
           </p:nvPr>
         </p:nvSpPr>
-        <p:spPr>
-          <a:xfrm>
-            <a:off x="628650" y="1676400"/>
-            <a:ext cx="7372350" cy="4351338"/>
-          </a:xfrm>
-        </p:spPr>
+        <p:spPr/>
         <p:txBody>
           <a:bodyPr>
-            <a:normAutofit/>
+            <a:normAutofit fontScale="92500" lnSpcReduction="10000"/>
           </a:bodyPr>
           <a:lstStyle/>
           <a:p>
-            <a:pPr marL="0" indent="0">
+            <a:r>
+              <a:rPr lang="en-US" sz="2800" dirty="0"/>
+              <a:t>Assignment problems</a:t>
+            </a:r>
+          </a:p>
+          <a:p>
+            <a:pPr marL="342900" lvl="1" indent="0">
               <a:buNone/>
             </a:pPr>
             <a:r>
-              <a:rPr lang="en-US" sz="2400" b="1" dirty="0"/>
-              <a:t>State</a:t>
-            </a:r>
-            <a:r>
               <a:rPr lang="en-US" sz="2400" dirty="0"/>
-              <a:t>: </a:t>
-            </a:r>
-          </a:p>
-          <a:p>
-            <a:pPr marL="781050" lvl="1" indent="-381000"/>
-            <a:r>
-              <a:rPr lang="en-US" sz="2400" dirty="0"/>
-              <a:t>Values assigned so far</a:t>
-            </a:r>
-          </a:p>
-          <a:p>
-            <a:pPr marL="0" indent="0">
+              <a:t>e.g., who teaches what class for a fixed schedule. Teacher cannot be in two classes at the same time!</a:t>
+            </a:r>
+          </a:p>
+          <a:p>
+            <a:r>
+              <a:rPr lang="en-US" sz="2800" dirty="0"/>
+              <a:t>Timetable problems</a:t>
+            </a:r>
+          </a:p>
+          <a:p>
+            <a:pPr marL="342900" lvl="1" indent="0">
               <a:buNone/>
             </a:pPr>
             <a:r>
-              <a:rPr lang="en-US" sz="2400" b="1" dirty="0"/>
-              <a:t>Initial state:</a:t>
-            </a:r>
-          </a:p>
-          <a:p>
-            <a:pPr marL="781050" lvl="1" indent="-381000"/>
-            <a:r>
               <a:rPr lang="en-US" sz="2400" dirty="0"/>
-              <a:t>The empty assignment { } </a:t>
-            </a:r>
-            <a:r>
-              <a:rPr lang="en-US" sz="2400" dirty="0">
-                <a:sym typeface="Wingdings" panose="05000000000000000000" pitchFamily="2" charset="2"/>
+              <a:t>e.g., which class is offered when and where? No two classes in the same room at the same problem.</a:t>
+            </a:r>
+          </a:p>
+          <a:p>
+            <a:r>
+              <a:rPr lang="en-US" sz="2800" dirty="0"/>
+              <a:t>Scheduling in transportation and production (e.g., order of production steps).</a:t>
+            </a:r>
+          </a:p>
+          <a:p>
+            <a:r>
+              <a:rPr lang="en-US" sz="2800" dirty="0"/>
+              <a:t>Many problems can naturally also be formulated as CSPs.</a:t>
+            </a:r>
+          </a:p>
+          <a:p>
+            <a:endParaRPr lang="en-US" sz="2800" dirty="0"/>
+          </a:p>
+          <a:p>
+            <a:r>
+              <a:rPr lang="en-US" sz="2800" dirty="0"/>
+              <a:t>More examples of CSPs: </a:t>
+            </a:r>
+            <a:r>
+              <a:rPr lang="en-US" sz="2800" dirty="0">
+                <a:hlinkClick r:id="rId3"/>
               </a:rPr>
-              <a:t> (all variables are unassigned)</a:t>
-            </a:r>
-            <a:endParaRPr lang="en-US" sz="2400" dirty="0"/>
-          </a:p>
-          <a:p>
-            <a:pPr marL="0" indent="0">
-              <a:buNone/>
-            </a:pPr>
-            <a:r>
-              <a:rPr lang="en-US" sz="2400" b="1" dirty="0"/>
-              <a:t>Successor function:</a:t>
-            </a:r>
-          </a:p>
-          <a:p>
-            <a:pPr marL="781050" lvl="1" indent="-381000"/>
-            <a:r>
-              <a:rPr lang="en-US" sz="2400" dirty="0"/>
-              <a:t>Choose an unassigned variable and assign it a value that does not violate any constraints</a:t>
-            </a:r>
-          </a:p>
-          <a:p>
-            <a:pPr marL="781050" lvl="1" indent="-381000"/>
-            <a:r>
-              <a:rPr lang="en-US" sz="2400" dirty="0"/>
-              <a:t>Fail if no legal assignment is found</a:t>
-            </a:r>
-          </a:p>
-          <a:p>
-            <a:pPr marL="0" indent="0">
-              <a:buNone/>
-            </a:pPr>
-            <a:r>
-              <a:rPr lang="en-US" sz="2400" b="1" dirty="0"/>
-              <a:t>Goal state:</a:t>
-            </a:r>
-            <a:r>
-              <a:rPr lang="en-US" sz="2400" dirty="0"/>
-              <a:t> </a:t>
-            </a:r>
-          </a:p>
-          <a:p>
-            <a:pPr marL="781050" lvl="1" indent="-381000"/>
-            <a:r>
-              <a:rPr lang="en-US" sz="2400" dirty="0"/>
-              <a:t>Any complete and consistent assignment.</a:t>
-            </a:r>
+              <a:t>http://www.csplib.org/</a:t>
+            </a:r>
+            <a:endParaRPr lang="en-US" sz="2800" dirty="0"/>
           </a:p>
         </p:txBody>
       </p:sp>
@@ -6493,7 +6952,7 @@
           <p:cNvPr id="2" name="Star: 5 Points 1">
             <a:extLst>
               <a:ext uri="{FF2B5EF4-FFF2-40B4-BE49-F238E27FC236}">
-                <a16:creationId xmlns:a16="http://schemas.microsoft.com/office/drawing/2014/main" id="{6B71A7AB-D489-B60F-A6EA-D0B687D3175B}"/>
+                <a16:creationId xmlns:a16="http://schemas.microsoft.com/office/drawing/2014/main" id="{935DF966-C2A1-7C21-4E4C-5D04E963651F}"/>
               </a:ext>
             </a:extLst>
           </p:cNvPr>
@@ -6633,480 +7092,6 @@
   <p:clrMapOvr>
     <a:masterClrMapping/>
   </p:clrMapOvr>
-  <p:timing>
-    <p:tnLst>
-      <p:par>
-        <p:cTn id="1" dur="indefinite" restart="never" nodeType="tmRoot">
-          <p:childTnLst>
-            <p:seq concurrent="1" nextAc="seek">
-              <p:cTn id="2" dur="indefinite" nodeType="mainSeq">
-                <p:childTnLst>
-                  <p:par>
-                    <p:cTn id="3" fill="hold">
-                      <p:stCondLst>
-                        <p:cond delay="indefinite"/>
-                      </p:stCondLst>
-                      <p:childTnLst>
-                        <p:par>
-                          <p:cTn id="4" fill="hold">
-                            <p:stCondLst>
-                              <p:cond delay="0"/>
-                            </p:stCondLst>
-                            <p:childTnLst>
-                              <p:par>
-                                <p:cTn id="5" presetID="1" presetClass="entr" presetSubtype="0" fill="hold" grpId="0" nodeType="clickEffect">
-                                  <p:stCondLst>
-                                    <p:cond delay="0"/>
-                                  </p:stCondLst>
-                                  <p:childTnLst>
-                                    <p:set>
-                                      <p:cBhvr>
-                                        <p:cTn id="6" dur="1" fill="hold">
-                                          <p:stCondLst>
-                                            <p:cond delay="0"/>
-                                          </p:stCondLst>
-                                        </p:cTn>
-                                        <p:tgtEl>
-                                          <p:spTgt spid="13315">
-                                            <p:txEl>
-                                              <p:pRg st="0" end="0"/>
-                                            </p:txEl>
-                                          </p:spTgt>
-                                        </p:tgtEl>
-                                        <p:attrNameLst>
-                                          <p:attrName>style.visibility</p:attrName>
-                                        </p:attrNameLst>
-                                      </p:cBhvr>
-                                      <p:to>
-                                        <p:strVal val="visible"/>
-                                      </p:to>
-                                    </p:set>
-                                  </p:childTnLst>
-                                </p:cTn>
-                              </p:par>
-                            </p:childTnLst>
-                          </p:cTn>
-                        </p:par>
-                      </p:childTnLst>
-                    </p:cTn>
-                  </p:par>
-                  <p:par>
-                    <p:cTn id="7" fill="hold">
-                      <p:stCondLst>
-                        <p:cond delay="indefinite"/>
-                      </p:stCondLst>
-                      <p:childTnLst>
-                        <p:par>
-                          <p:cTn id="8" fill="hold">
-                            <p:stCondLst>
-                              <p:cond delay="0"/>
-                            </p:stCondLst>
-                            <p:childTnLst>
-                              <p:par>
-                                <p:cTn id="9" presetID="1" presetClass="entr" presetSubtype="0" fill="hold" grpId="0" nodeType="clickEffect">
-                                  <p:stCondLst>
-                                    <p:cond delay="0"/>
-                                  </p:stCondLst>
-                                  <p:childTnLst>
-                                    <p:set>
-                                      <p:cBhvr>
-                                        <p:cTn id="10" dur="1" fill="hold">
-                                          <p:stCondLst>
-                                            <p:cond delay="0"/>
-                                          </p:stCondLst>
-                                        </p:cTn>
-                                        <p:tgtEl>
-                                          <p:spTgt spid="13315">
-                                            <p:txEl>
-                                              <p:pRg st="1" end="1"/>
-                                            </p:txEl>
-                                          </p:spTgt>
-                                        </p:tgtEl>
-                                        <p:attrNameLst>
-                                          <p:attrName>style.visibility</p:attrName>
-                                        </p:attrNameLst>
-                                      </p:cBhvr>
-                                      <p:to>
-                                        <p:strVal val="visible"/>
-                                      </p:to>
-                                    </p:set>
-                                  </p:childTnLst>
-                                </p:cTn>
-                              </p:par>
-                            </p:childTnLst>
-                          </p:cTn>
-                        </p:par>
-                      </p:childTnLst>
-                    </p:cTn>
-                  </p:par>
-                  <p:par>
-                    <p:cTn id="11" fill="hold">
-                      <p:stCondLst>
-                        <p:cond delay="indefinite"/>
-                      </p:stCondLst>
-                      <p:childTnLst>
-                        <p:par>
-                          <p:cTn id="12" fill="hold">
-                            <p:stCondLst>
-                              <p:cond delay="0"/>
-                            </p:stCondLst>
-                            <p:childTnLst>
-                              <p:par>
-                                <p:cTn id="13" presetID="1" presetClass="entr" presetSubtype="0" fill="hold" grpId="0" nodeType="clickEffect">
-                                  <p:stCondLst>
-                                    <p:cond delay="0"/>
-                                  </p:stCondLst>
-                                  <p:childTnLst>
-                                    <p:set>
-                                      <p:cBhvr>
-                                        <p:cTn id="14" dur="1" fill="hold">
-                                          <p:stCondLst>
-                                            <p:cond delay="0"/>
-                                          </p:stCondLst>
-                                        </p:cTn>
-                                        <p:tgtEl>
-                                          <p:spTgt spid="13315">
-                                            <p:txEl>
-                                              <p:pRg st="2" end="2"/>
-                                            </p:txEl>
-                                          </p:spTgt>
-                                        </p:tgtEl>
-                                        <p:attrNameLst>
-                                          <p:attrName>style.visibility</p:attrName>
-                                        </p:attrNameLst>
-                                      </p:cBhvr>
-                                      <p:to>
-                                        <p:strVal val="visible"/>
-                                      </p:to>
-                                    </p:set>
-                                  </p:childTnLst>
-                                </p:cTn>
-                              </p:par>
-                            </p:childTnLst>
-                          </p:cTn>
-                        </p:par>
-                      </p:childTnLst>
-                    </p:cTn>
-                  </p:par>
-                  <p:par>
-                    <p:cTn id="15" fill="hold">
-                      <p:stCondLst>
-                        <p:cond delay="indefinite"/>
-                      </p:stCondLst>
-                      <p:childTnLst>
-                        <p:par>
-                          <p:cTn id="16" fill="hold">
-                            <p:stCondLst>
-                              <p:cond delay="0"/>
-                            </p:stCondLst>
-                            <p:childTnLst>
-                              <p:par>
-                                <p:cTn id="17" presetID="1" presetClass="entr" presetSubtype="0" fill="hold" grpId="0" nodeType="clickEffect">
-                                  <p:stCondLst>
-                                    <p:cond delay="0"/>
-                                  </p:stCondLst>
-                                  <p:childTnLst>
-                                    <p:set>
-                                      <p:cBhvr>
-                                        <p:cTn id="18" dur="1" fill="hold">
-                                          <p:stCondLst>
-                                            <p:cond delay="0"/>
-                                          </p:stCondLst>
-                                        </p:cTn>
-                                        <p:tgtEl>
-                                          <p:spTgt spid="13315">
-                                            <p:txEl>
-                                              <p:pRg st="3" end="3"/>
-                                            </p:txEl>
-                                          </p:spTgt>
-                                        </p:tgtEl>
-                                        <p:attrNameLst>
-                                          <p:attrName>style.visibility</p:attrName>
-                                        </p:attrNameLst>
-                                      </p:cBhvr>
-                                      <p:to>
-                                        <p:strVal val="visible"/>
-                                      </p:to>
-                                    </p:set>
-                                  </p:childTnLst>
-                                </p:cTn>
-                              </p:par>
-                            </p:childTnLst>
-                          </p:cTn>
-                        </p:par>
-                      </p:childTnLst>
-                    </p:cTn>
-                  </p:par>
-                  <p:par>
-                    <p:cTn id="19" fill="hold">
-                      <p:stCondLst>
-                        <p:cond delay="indefinite"/>
-                      </p:stCondLst>
-                      <p:childTnLst>
-                        <p:par>
-                          <p:cTn id="20" fill="hold">
-                            <p:stCondLst>
-                              <p:cond delay="0"/>
-                            </p:stCondLst>
-                            <p:childTnLst>
-                              <p:par>
-                                <p:cTn id="21" presetID="1" presetClass="entr" presetSubtype="0" fill="hold" grpId="0" nodeType="clickEffect">
-                                  <p:stCondLst>
-                                    <p:cond delay="0"/>
-                                  </p:stCondLst>
-                                  <p:childTnLst>
-                                    <p:set>
-                                      <p:cBhvr>
-                                        <p:cTn id="22" dur="1" fill="hold">
-                                          <p:stCondLst>
-                                            <p:cond delay="0"/>
-                                          </p:stCondLst>
-                                        </p:cTn>
-                                        <p:tgtEl>
-                                          <p:spTgt spid="13315">
-                                            <p:txEl>
-                                              <p:pRg st="4" end="4"/>
-                                            </p:txEl>
-                                          </p:spTgt>
-                                        </p:tgtEl>
-                                        <p:attrNameLst>
-                                          <p:attrName>style.visibility</p:attrName>
-                                        </p:attrNameLst>
-                                      </p:cBhvr>
-                                      <p:to>
-                                        <p:strVal val="visible"/>
-                                      </p:to>
-                                    </p:set>
-                                  </p:childTnLst>
-                                </p:cTn>
-                              </p:par>
-                            </p:childTnLst>
-                          </p:cTn>
-                        </p:par>
-                      </p:childTnLst>
-                    </p:cTn>
-                  </p:par>
-                  <p:par>
-                    <p:cTn id="23" fill="hold">
-                      <p:stCondLst>
-                        <p:cond delay="indefinite"/>
-                      </p:stCondLst>
-                      <p:childTnLst>
-                        <p:par>
-                          <p:cTn id="24" fill="hold">
-                            <p:stCondLst>
-                              <p:cond delay="0"/>
-                            </p:stCondLst>
-                            <p:childTnLst>
-                              <p:par>
-                                <p:cTn id="25" presetID="1" presetClass="entr" presetSubtype="0" fill="hold" grpId="0" nodeType="clickEffect">
-                                  <p:stCondLst>
-                                    <p:cond delay="0"/>
-                                  </p:stCondLst>
-                                  <p:childTnLst>
-                                    <p:set>
-                                      <p:cBhvr>
-                                        <p:cTn id="26" dur="1" fill="hold">
-                                          <p:stCondLst>
-                                            <p:cond delay="0"/>
-                                          </p:stCondLst>
-                                        </p:cTn>
-                                        <p:tgtEl>
-                                          <p:spTgt spid="13315">
-                                            <p:txEl>
-                                              <p:pRg st="5" end="5"/>
-                                            </p:txEl>
-                                          </p:spTgt>
-                                        </p:tgtEl>
-                                        <p:attrNameLst>
-                                          <p:attrName>style.visibility</p:attrName>
-                                        </p:attrNameLst>
-                                      </p:cBhvr>
-                                      <p:to>
-                                        <p:strVal val="visible"/>
-                                      </p:to>
-                                    </p:set>
-                                  </p:childTnLst>
-                                </p:cTn>
-                              </p:par>
-                            </p:childTnLst>
-                          </p:cTn>
-                        </p:par>
-                      </p:childTnLst>
-                    </p:cTn>
-                  </p:par>
-                  <p:par>
-                    <p:cTn id="27" fill="hold">
-                      <p:stCondLst>
-                        <p:cond delay="indefinite"/>
-                      </p:stCondLst>
-                      <p:childTnLst>
-                        <p:par>
-                          <p:cTn id="28" fill="hold">
-                            <p:stCondLst>
-                              <p:cond delay="0"/>
-                            </p:stCondLst>
-                            <p:childTnLst>
-                              <p:par>
-                                <p:cTn id="29" presetID="1" presetClass="entr" presetSubtype="0" fill="hold" grpId="0" nodeType="clickEffect">
-                                  <p:stCondLst>
-                                    <p:cond delay="0"/>
-                                  </p:stCondLst>
-                                  <p:childTnLst>
-                                    <p:set>
-                                      <p:cBhvr>
-                                        <p:cTn id="30" dur="1" fill="hold">
-                                          <p:stCondLst>
-                                            <p:cond delay="0"/>
-                                          </p:stCondLst>
-                                        </p:cTn>
-                                        <p:tgtEl>
-                                          <p:spTgt spid="13315">
-                                            <p:txEl>
-                                              <p:pRg st="6" end="6"/>
-                                            </p:txEl>
-                                          </p:spTgt>
-                                        </p:tgtEl>
-                                        <p:attrNameLst>
-                                          <p:attrName>style.visibility</p:attrName>
-                                        </p:attrNameLst>
-                                      </p:cBhvr>
-                                      <p:to>
-                                        <p:strVal val="visible"/>
-                                      </p:to>
-                                    </p:set>
-                                  </p:childTnLst>
-                                </p:cTn>
-                              </p:par>
-                            </p:childTnLst>
-                          </p:cTn>
-                        </p:par>
-                      </p:childTnLst>
-                    </p:cTn>
-                  </p:par>
-                  <p:par>
-                    <p:cTn id="31" fill="hold">
-                      <p:stCondLst>
-                        <p:cond delay="indefinite"/>
-                      </p:stCondLst>
-                      <p:childTnLst>
-                        <p:par>
-                          <p:cTn id="32" fill="hold">
-                            <p:stCondLst>
-                              <p:cond delay="0"/>
-                            </p:stCondLst>
-                            <p:childTnLst>
-                              <p:par>
-                                <p:cTn id="33" presetID="1" presetClass="entr" presetSubtype="0" fill="hold" grpId="0" nodeType="clickEffect">
-                                  <p:stCondLst>
-                                    <p:cond delay="0"/>
-                                  </p:stCondLst>
-                                  <p:childTnLst>
-                                    <p:set>
-                                      <p:cBhvr>
-                                        <p:cTn id="34" dur="1" fill="hold">
-                                          <p:stCondLst>
-                                            <p:cond delay="0"/>
-                                          </p:stCondLst>
-                                        </p:cTn>
-                                        <p:tgtEl>
-                                          <p:spTgt spid="13315">
-                                            <p:txEl>
-                                              <p:pRg st="7" end="7"/>
-                                            </p:txEl>
-                                          </p:spTgt>
-                                        </p:tgtEl>
-                                        <p:attrNameLst>
-                                          <p:attrName>style.visibility</p:attrName>
-                                        </p:attrNameLst>
-                                      </p:cBhvr>
-                                      <p:to>
-                                        <p:strVal val="visible"/>
-                                      </p:to>
-                                    </p:set>
-                                  </p:childTnLst>
-                                </p:cTn>
-                              </p:par>
-                            </p:childTnLst>
-                          </p:cTn>
-                        </p:par>
-                      </p:childTnLst>
-                    </p:cTn>
-                  </p:par>
-                  <p:par>
-                    <p:cTn id="35" fill="hold">
-                      <p:stCondLst>
-                        <p:cond delay="indefinite"/>
-                      </p:stCondLst>
-                      <p:childTnLst>
-                        <p:par>
-                          <p:cTn id="36" fill="hold">
-                            <p:stCondLst>
-                              <p:cond delay="0"/>
-                            </p:stCondLst>
-                            <p:childTnLst>
-                              <p:par>
-                                <p:cTn id="37" presetID="1" presetClass="entr" presetSubtype="0" fill="hold" grpId="0" nodeType="clickEffect">
-                                  <p:stCondLst>
-                                    <p:cond delay="0"/>
-                                  </p:stCondLst>
-                                  <p:childTnLst>
-                                    <p:set>
-                                      <p:cBhvr>
-                                        <p:cTn id="38" dur="1" fill="hold">
-                                          <p:stCondLst>
-                                            <p:cond delay="0"/>
-                                          </p:stCondLst>
-                                        </p:cTn>
-                                        <p:tgtEl>
-                                          <p:spTgt spid="13315">
-                                            <p:txEl>
-                                              <p:pRg st="8" end="8"/>
-                                            </p:txEl>
-                                          </p:spTgt>
-                                        </p:tgtEl>
-                                        <p:attrNameLst>
-                                          <p:attrName>style.visibility</p:attrName>
-                                        </p:attrNameLst>
-                                      </p:cBhvr>
-                                      <p:to>
-                                        <p:strVal val="visible"/>
-                                      </p:to>
-                                    </p:set>
-                                  </p:childTnLst>
-                                </p:cTn>
-                              </p:par>
-                            </p:childTnLst>
-                          </p:cTn>
-                        </p:par>
-                      </p:childTnLst>
-                    </p:cTn>
-                  </p:par>
-                </p:childTnLst>
-              </p:cTn>
-              <p:prevCondLst>
-                <p:cond evt="onPrev" delay="0">
-                  <p:tgtEl>
-                    <p:sldTgt/>
-                  </p:tgtEl>
-                </p:cond>
-              </p:prevCondLst>
-              <p:nextCondLst>
-                <p:cond evt="onNext" delay="0">
-                  <p:tgtEl>
-                    <p:sldTgt/>
-                  </p:tgtEl>
-                </p:cond>
-              </p:nextCondLst>
-            </p:seq>
-          </p:childTnLst>
-        </p:cTn>
-      </p:par>
-    </p:tnLst>
-    <p:bldLst>
-      <p:bldP spid="13315" grpId="0" build="p"/>
-    </p:bldLst>
-  </p:timing>
 </p:sld>
 </file>
 
@@ -7129,7 +7114,7 @@
       </p:grpSpPr>
       <p:sp>
         <p:nvSpPr>
-          <p:cNvPr id="14338" name="Rectangle 2"/>
+          <p:cNvPr id="13314" name="Rectangle 2"/>
           <p:cNvSpPr>
             <a:spLocks noGrp="1" noChangeArrowheads="1"/>
           </p:cNvSpPr>
@@ -7139,19 +7124,21 @@
         </p:nvSpPr>
         <p:spPr/>
         <p:txBody>
-          <a:bodyPr/>
+          <a:bodyPr>
+            <a:noAutofit/>
+          </a:bodyPr>
           <a:lstStyle/>
           <a:p>
             <a:r>
               <a:rPr lang="en-US" dirty="0"/>
-              <a:t>Backtracking Search</a:t>
-            </a:r>
-          </a:p>
-        </p:txBody>
-      </p:sp>
-      <p:sp>
-        <p:nvSpPr>
-          <p:cNvPr id="14339" name="Rectangle 3"/>
+              <a:t>Formulation of a CSP as a Search Problem</a:t>
+            </a:r>
+          </a:p>
+        </p:txBody>
+      </p:sp>
+      <p:sp>
+        <p:nvSpPr>
+          <p:cNvPr id="13315" name="Rectangle 3"/>
           <p:cNvSpPr>
             <a:spLocks noGrp="1" noChangeArrowheads="1"/>
           </p:cNvSpPr>
@@ -7159,175 +7146,102 @@
             <p:ph idx="1"/>
           </p:nvPr>
         </p:nvSpPr>
-        <p:spPr/>
+        <p:spPr>
+          <a:xfrm>
+            <a:off x="628650" y="1676400"/>
+            <a:ext cx="7372350" cy="4351338"/>
+          </a:xfrm>
+        </p:spPr>
         <p:txBody>
           <a:bodyPr>
-            <a:noAutofit/>
+            <a:normAutofit/>
           </a:bodyPr>
           <a:lstStyle/>
           <a:p>
+            <a:pPr marL="0" indent="0">
+              <a:buNone/>
+            </a:pPr>
+            <a:r>
+              <a:rPr lang="en-US" sz="2400" b="1" dirty="0"/>
+              <a:t>State</a:t>
+            </a:r>
             <a:r>
               <a:rPr lang="en-US" sz="2400" dirty="0"/>
-              <a:t>In CSP’s, variable assignments are </a:t>
-            </a:r>
+              <a:t>: </a:t>
+            </a:r>
+          </a:p>
+          <a:p>
+            <a:pPr marL="781050" lvl="1" indent="-381000"/>
+            <a:r>
+              <a:rPr lang="en-US" sz="2400" dirty="0"/>
+              <a:t>Values assigned so far</a:t>
+            </a:r>
+          </a:p>
+          <a:p>
+            <a:pPr marL="0" indent="0">
+              <a:buNone/>
+            </a:pPr>
             <a:r>
               <a:rPr lang="en-US" sz="2400" b="1" dirty="0"/>
-              <a:t>commutative</a:t>
-            </a:r>
-            <a:br>
-              <a:rPr lang="en-US" sz="2400" b="1" dirty="0"/>
-            </a:br>
+              <a:t>Initial state:</a:t>
+            </a:r>
+          </a:p>
+          <a:p>
+            <a:pPr marL="781050" lvl="1" indent="-381000"/>
             <a:r>
               <a:rPr lang="en-US" sz="2400" dirty="0"/>
-              <a:t>For example, </a:t>
-            </a:r>
-            <a:br>
-              <a:rPr lang="en-US" sz="2400" dirty="0"/>
-            </a:br>
-            <a:r>
-              <a:rPr lang="en-US" sz="2400" i="1" dirty="0"/>
-              <a:t>[WA = </a:t>
-            </a:r>
-            <a:r>
-              <a:rPr lang="en-US" sz="2400" i="1" dirty="0">
-                <a:solidFill>
-                  <a:srgbClr val="FF0000"/>
-                </a:solidFill>
-              </a:rPr>
-              <a:t>red</a:t>
-            </a:r>
-            <a:r>
-              <a:rPr lang="en-US" sz="2400" i="1" dirty="0"/>
-              <a:t> then NT = </a:t>
-            </a:r>
-            <a:r>
-              <a:rPr lang="en-US" sz="2400" i="1" dirty="0">
-                <a:solidFill>
-                  <a:srgbClr val="008000"/>
-                </a:solidFill>
-              </a:rPr>
-              <a:t>green</a:t>
-            </a:r>
-            <a:r>
-              <a:rPr lang="en-US" sz="2400" i="1" dirty="0"/>
-              <a:t>] </a:t>
-            </a:r>
-            <a:r>
-              <a:rPr lang="en-US" sz="2400" dirty="0"/>
-              <a:t>is the same as </a:t>
-            </a:r>
-            <a:br>
-              <a:rPr lang="en-US" sz="2400" dirty="0"/>
-            </a:br>
-            <a:r>
-              <a:rPr lang="en-US" sz="2400" i="1" dirty="0"/>
-              <a:t>[NT = </a:t>
-            </a:r>
-            <a:r>
-              <a:rPr lang="en-US" sz="2400" i="1" dirty="0">
-                <a:solidFill>
-                  <a:srgbClr val="008000"/>
-                </a:solidFill>
-              </a:rPr>
-              <a:t>green</a:t>
-            </a:r>
-            <a:r>
-              <a:rPr lang="en-US" sz="2400" i="1" dirty="0"/>
-              <a:t> then WA = </a:t>
-            </a:r>
-            <a:r>
-              <a:rPr lang="en-US" sz="2400" i="1" dirty="0">
-                <a:solidFill>
-                  <a:srgbClr val="FF0000"/>
-                </a:solidFill>
-              </a:rPr>
-              <a:t>red</a:t>
-            </a:r>
-            <a:r>
-              <a:rPr lang="en-US" sz="2400" i="1" dirty="0"/>
-              <a:t>]. </a:t>
+              <a:t>The empty assignment { } </a:t>
             </a:r>
             <a:r>
               <a:rPr lang="en-US" sz="2400" dirty="0">
                 <a:sym typeface="Wingdings" panose="05000000000000000000" pitchFamily="2" charset="2"/>
               </a:rPr>
-              <a:t> Order is not important</a:t>
+              <a:t> (all variables are unassigned)</a:t>
             </a:r>
             <a:endParaRPr lang="en-US" sz="2400" dirty="0"/>
           </a:p>
           <a:p>
-            <a:endParaRPr lang="en-US" sz="2400" dirty="0"/>
-          </a:p>
-          <a:p>
+            <a:pPr marL="0" indent="0">
+              <a:buNone/>
+            </a:pPr>
+            <a:r>
+              <a:rPr lang="en-US" sz="2400" b="1" dirty="0"/>
+              <a:t>Successor function:</a:t>
+            </a:r>
+          </a:p>
+          <a:p>
+            <a:pPr marL="781050" lvl="1" indent="-381000"/>
             <a:r>
               <a:rPr lang="en-US" sz="2400" dirty="0"/>
-              <a:t>We can build  a search tree that assigns the value to one variable per level. </a:t>
-            </a:r>
-          </a:p>
-          <a:p>
-            <a:pPr lvl="1"/>
-            <a:r>
-              <a:rPr lang="en-US" sz="2100" dirty="0"/>
-              <a:t>Tree depth </a:t>
-            </a:r>
-            <a:r>
-              <a:rPr lang="en-US" sz="2000" b="1" i="1" dirty="0">
-                <a:solidFill>
-                  <a:srgbClr val="C00000"/>
-                </a:solidFill>
-              </a:rPr>
-              <a:t>n </a:t>
-            </a:r>
-            <a:r>
-              <a:rPr lang="en-US" sz="2000" dirty="0"/>
-              <a:t>(number of variables)</a:t>
-            </a:r>
-            <a:endParaRPr lang="en-US" sz="2100" dirty="0"/>
-          </a:p>
-          <a:p>
-            <a:pPr lvl="1"/>
-            <a:r>
-              <a:rPr lang="en-US" sz="2100" dirty="0"/>
-              <a:t>Number of leaves: </a:t>
-            </a:r>
-            <a:r>
-              <a:rPr lang="en-US" sz="2100" b="1" i="1" dirty="0" err="1">
-                <a:solidFill>
-                  <a:srgbClr val="C00000"/>
-                </a:solidFill>
-              </a:rPr>
-              <a:t>d</a:t>
-            </a:r>
-            <a:r>
-              <a:rPr lang="en-US" sz="2100" b="1" i="1" baseline="30000" dirty="0" err="1">
-                <a:solidFill>
-                  <a:srgbClr val="C00000"/>
-                </a:solidFill>
-              </a:rPr>
-              <a:t>n</a:t>
-            </a:r>
-            <a:r>
-              <a:rPr lang="en-US" sz="2100" i="1" baseline="30000" dirty="0"/>
-              <a:t>  </a:t>
-            </a:r>
-            <a:r>
-              <a:rPr lang="en-US" sz="2100" dirty="0"/>
-              <a:t> (d is the number of values per variable)</a:t>
-            </a:r>
-          </a:p>
-          <a:p>
-            <a:endParaRPr lang="en-US" sz="2400" dirty="0"/>
-          </a:p>
-          <a:p>
+              <a:t>Choose an unassigned variable and assign it a value that does not violate any constraints</a:t>
+            </a:r>
+          </a:p>
+          <a:p>
+            <a:pPr marL="781050" lvl="1" indent="-381000"/>
             <a:r>
               <a:rPr lang="en-US" sz="2400" dirty="0"/>
-              <a:t>Depth-first search for CSPs with single-variable assignments is called </a:t>
-            </a:r>
+              <a:t>Fail if no legal assignment is found</a:t>
+            </a:r>
+          </a:p>
+          <a:p>
+            <a:pPr marL="0" indent="0">
+              <a:buNone/>
+            </a:pPr>
             <a:r>
               <a:rPr lang="en-US" sz="2400" b="1" dirty="0"/>
-              <a:t>backtracking search.</a:t>
-            </a:r>
-            <a:endParaRPr lang="en-US" sz="2400" dirty="0"/>
+              <a:t>Goal state:</a:t>
+            </a:r>
+            <a:r>
+              <a:rPr lang="en-US" sz="2400" dirty="0"/>
+              <a:t> </a:t>
+            </a:r>
+          </a:p>
+          <a:p>
+            <a:pPr marL="781050" lvl="1" indent="-381000"/>
+            <a:r>
+              <a:rPr lang="en-US" sz="2400" dirty="0"/>
+              <a:t>Any complete and consistent assignment.</a:t>
+            </a:r>
           </a:p>
         </p:txBody>
       </p:sp>
@@ -7336,7 +7250,7 @@
           <p:cNvPr id="2" name="Star: 5 Points 1">
             <a:extLst>
               <a:ext uri="{FF2B5EF4-FFF2-40B4-BE49-F238E27FC236}">
-                <a16:creationId xmlns:a16="http://schemas.microsoft.com/office/drawing/2014/main" id="{95D84DF1-5896-6569-D9E0-C1381A5C4546}"/>
+                <a16:creationId xmlns:a16="http://schemas.microsoft.com/office/drawing/2014/main" id="{6B71A7AB-D489-B60F-A6EA-D0B687D3175B}"/>
               </a:ext>
             </a:extLst>
           </p:cNvPr>
@@ -7468,6 +7382,235 @@
           <a:p>
             <a:pPr algn="ctr"/>
             <a:endParaRPr lang="en-US"/>
+          </a:p>
+        </p:txBody>
+      </p:sp>
+    </p:spTree>
+  </p:cSld>
+  <p:clrMapOvr>
+    <a:masterClrMapping/>
+  </p:clrMapOvr>
+</p:sld>
+</file>
+
+<file path=ppt/slides/slide13.xml><?xml version="1.0" encoding="utf-8"?>
+<p:sld xmlns:a="http://schemas.openxmlformats.org/drawingml/2006/main" xmlns:r="http://schemas.openxmlformats.org/officeDocument/2006/relationships" xmlns:p="http://schemas.openxmlformats.org/presentationml/2006/main">
+  <p:cSld>
+    <p:spTree>
+      <p:nvGrpSpPr>
+        <p:cNvPr id="1" name=""/>
+        <p:cNvGrpSpPr/>
+        <p:nvPr/>
+      </p:nvGrpSpPr>
+      <p:grpSpPr>
+        <a:xfrm>
+          <a:off x="0" y="0"/>
+          <a:ext cx="0" cy="0"/>
+          <a:chOff x="0" y="0"/>
+          <a:chExt cx="0" cy="0"/>
+        </a:xfrm>
+      </p:grpSpPr>
+      <p:sp>
+        <p:nvSpPr>
+          <p:cNvPr id="14338" name="Rectangle 2"/>
+          <p:cNvSpPr>
+            <a:spLocks noGrp="1" noChangeArrowheads="1"/>
+          </p:cNvSpPr>
+          <p:nvPr>
+            <p:ph type="title"/>
+          </p:nvPr>
+        </p:nvSpPr>
+        <p:spPr/>
+        <p:txBody>
+          <a:bodyPr/>
+          <a:lstStyle/>
+          <a:p>
+            <a:r>
+              <a:rPr lang="en-US" dirty="0"/>
+              <a:t>Backtracking Search</a:t>
+            </a:r>
+          </a:p>
+        </p:txBody>
+      </p:sp>
+      <p:sp>
+        <p:nvSpPr>
+          <p:cNvPr id="14339" name="Rectangle 3"/>
+          <p:cNvSpPr>
+            <a:spLocks noGrp="1" noChangeArrowheads="1"/>
+          </p:cNvSpPr>
+          <p:nvPr>
+            <p:ph idx="1"/>
+          </p:nvPr>
+        </p:nvSpPr>
+        <p:spPr/>
+        <p:txBody>
+          <a:bodyPr>
+            <a:noAutofit/>
+          </a:bodyPr>
+          <a:lstStyle/>
+          <a:p>
+            <a:r>
+              <a:rPr lang="en-US" sz="2400" dirty="0"/>
+              <a:t>In CSP’s, variable assignments are </a:t>
+            </a:r>
+            <a:r>
+              <a:rPr lang="en-US" sz="2400" b="1" dirty="0"/>
+              <a:t>commutative</a:t>
+            </a:r>
+            <a:br>
+              <a:rPr lang="en-US" sz="2400" b="1" dirty="0"/>
+            </a:br>
+            <a:r>
+              <a:rPr lang="en-US" sz="2400" dirty="0"/>
+              <a:t>For example, </a:t>
+            </a:r>
+            <a:br>
+              <a:rPr lang="en-US" sz="2400" dirty="0"/>
+            </a:br>
+            <a:r>
+              <a:rPr lang="en-US" sz="2400" i="1" dirty="0"/>
+              <a:t>[WA = </a:t>
+            </a:r>
+            <a:r>
+              <a:rPr lang="en-US" sz="2400" i="1" dirty="0">
+                <a:solidFill>
+                  <a:srgbClr val="FF0000"/>
+                </a:solidFill>
+              </a:rPr>
+              <a:t>red</a:t>
+            </a:r>
+            <a:r>
+              <a:rPr lang="en-US" sz="2400" i="1" dirty="0"/>
+              <a:t> then NT = </a:t>
+            </a:r>
+            <a:r>
+              <a:rPr lang="en-US" sz="2400" i="1" dirty="0">
+                <a:solidFill>
+                  <a:srgbClr val="008000"/>
+                </a:solidFill>
+              </a:rPr>
+              <a:t>green</a:t>
+            </a:r>
+            <a:r>
+              <a:rPr lang="en-US" sz="2400" i="1" dirty="0"/>
+              <a:t>] </a:t>
+            </a:r>
+            <a:r>
+              <a:rPr lang="en-US" sz="2400" dirty="0"/>
+              <a:t>is the same as </a:t>
+            </a:r>
+            <a:br>
+              <a:rPr lang="en-US" sz="2400" dirty="0"/>
+            </a:br>
+            <a:r>
+              <a:rPr lang="en-US" sz="2400" i="1" dirty="0"/>
+              <a:t>[NT = </a:t>
+            </a:r>
+            <a:r>
+              <a:rPr lang="en-US" sz="2400" i="1" dirty="0">
+                <a:solidFill>
+                  <a:srgbClr val="008000"/>
+                </a:solidFill>
+              </a:rPr>
+              <a:t>green</a:t>
+            </a:r>
+            <a:r>
+              <a:rPr lang="en-US" sz="2400" i="1" dirty="0"/>
+              <a:t> then WA = </a:t>
+            </a:r>
+            <a:r>
+              <a:rPr lang="en-US" sz="2400" i="1" dirty="0">
+                <a:solidFill>
+                  <a:srgbClr val="FF0000"/>
+                </a:solidFill>
+              </a:rPr>
+              <a:t>red</a:t>
+            </a:r>
+            <a:r>
+              <a:rPr lang="en-US" sz="2400" i="1" dirty="0"/>
+              <a:t>]. </a:t>
+            </a:r>
+            <a:r>
+              <a:rPr lang="en-US" sz="2400" dirty="0">
+                <a:sym typeface="Wingdings" panose="05000000000000000000" pitchFamily="2" charset="2"/>
+              </a:rPr>
+              <a:t> Order is not important</a:t>
+            </a:r>
+            <a:endParaRPr lang="en-US" sz="2400" dirty="0"/>
+          </a:p>
+          <a:p>
+            <a:endParaRPr lang="en-US" sz="2400" dirty="0"/>
+          </a:p>
+          <a:p>
+            <a:r>
+              <a:rPr lang="en-US" sz="2400" dirty="0"/>
+              <a:t>We can build  a search tree that assigns the value to one variable per level. </a:t>
+            </a:r>
+          </a:p>
+          <a:p>
+            <a:pPr lvl="1"/>
+            <a:r>
+              <a:rPr lang="en-US" sz="2100" dirty="0"/>
+              <a:t>Tree depth </a:t>
+            </a:r>
+            <a:r>
+              <a:rPr lang="en-US" sz="2000" b="1" i="1" dirty="0">
+                <a:solidFill>
+                  <a:srgbClr val="C00000"/>
+                </a:solidFill>
+              </a:rPr>
+              <a:t>n </a:t>
+            </a:r>
+            <a:r>
+              <a:rPr lang="en-US" sz="2000" dirty="0"/>
+              <a:t>(number of variables)</a:t>
+            </a:r>
+            <a:endParaRPr lang="en-US" sz="2100" dirty="0"/>
+          </a:p>
+          <a:p>
+            <a:pPr lvl="1"/>
+            <a:r>
+              <a:rPr lang="en-US" sz="2100" dirty="0"/>
+              <a:t>Number of leaves: </a:t>
+            </a:r>
+            <a:r>
+              <a:rPr lang="en-US" sz="2100" b="1" i="1" dirty="0" err="1">
+                <a:solidFill>
+                  <a:srgbClr val="C00000"/>
+                </a:solidFill>
+              </a:rPr>
+              <a:t>d</a:t>
+            </a:r>
+            <a:r>
+              <a:rPr lang="en-US" sz="2100" b="1" i="1" baseline="30000" dirty="0" err="1">
+                <a:solidFill>
+                  <a:srgbClr val="C00000"/>
+                </a:solidFill>
+              </a:rPr>
+              <a:t>n</a:t>
+            </a:r>
+            <a:r>
+              <a:rPr lang="en-US" sz="2100" i="1" baseline="30000" dirty="0"/>
+              <a:t>  </a:t>
+            </a:r>
+            <a:r>
+              <a:rPr lang="en-US" sz="2100" dirty="0"/>
+              <a:t> (d is the number of values per variable)</a:t>
+            </a:r>
+          </a:p>
+          <a:p>
+            <a:endParaRPr lang="en-US" sz="2400" dirty="0"/>
+          </a:p>
+          <a:p>
+            <a:r>
+              <a:rPr lang="en-US" sz="2400" dirty="0"/>
+              <a:t>Depth-first search for CSPs with single-variable assignments is called </a:t>
+            </a:r>
+            <a:r>
+              <a:rPr lang="en-US" sz="2400" b="1" dirty="0"/>
+              <a:t>backtracking search.</a:t>
+            </a:r>
+            <a:endParaRPr lang="en-US" sz="2400" dirty="0"/>
           </a:p>
         </p:txBody>
       </p:sp>
@@ -7724,7 +7867,7 @@
 </p:sld>
 </file>
 
-<file path=ppt/slides/slide13.xml><?xml version="1.0" encoding="utf-8"?>
+<file path=ppt/slides/slide14.xml><?xml version="1.0" encoding="utf-8"?>
 <p:sld xmlns:a="http://schemas.openxmlformats.org/drawingml/2006/main" xmlns:r="http://schemas.openxmlformats.org/officeDocument/2006/relationships" xmlns:p="http://schemas.openxmlformats.org/presentationml/2006/main">
   <p:cSld>
     <p:spTree>
@@ -8230,146 +8373,6 @@
           </a:fontRef>
         </p:style>
       </p:cxnSp>
-      <p:sp>
-        <p:nvSpPr>
-          <p:cNvPr id="2" name="Star: 5 Points 1">
-            <a:extLst>
-              <a:ext uri="{FF2B5EF4-FFF2-40B4-BE49-F238E27FC236}">
-                <a16:creationId xmlns:a16="http://schemas.microsoft.com/office/drawing/2014/main" id="{CA497226-A8BC-6C7E-D599-C0BB97D40F82}"/>
-              </a:ext>
-            </a:extLst>
-          </p:cNvPr>
-          <p:cNvSpPr/>
-          <p:nvPr/>
-        </p:nvSpPr>
-        <p:spPr>
-          <a:xfrm>
-            <a:off x="8763000" y="129075"/>
-            <a:ext cx="247650" cy="244474"/>
-          </a:xfrm>
-          <a:prstGeom prst="star5">
-            <a:avLst/>
-          </a:prstGeom>
-        </p:spPr>
-        <p:style>
-          <a:lnRef idx="2">
-            <a:schemeClr val="accent2">
-              <a:shade val="50000"/>
-            </a:schemeClr>
-          </a:lnRef>
-          <a:fillRef idx="1">
-            <a:schemeClr val="accent2"/>
-          </a:fillRef>
-          <a:effectRef idx="0">
-            <a:schemeClr val="accent2"/>
-          </a:effectRef>
-          <a:fontRef idx="minor">
-            <a:schemeClr val="lt1"/>
-          </a:fontRef>
-        </p:style>
-        <p:txBody>
-          <a:bodyPr rtlCol="0" anchor="ctr"/>
-          <a:lstStyle>
-            <a:defPPr>
-              <a:defRPr lang="en-US"/>
-            </a:defPPr>
-            <a:lvl1pPr marL="0" algn="l" defTabSz="914400" rtl="0" eaLnBrk="1" latinLnBrk="0" hangingPunct="1">
-              <a:defRPr sz="1800" kern="1200">
-                <a:solidFill>
-                  <a:schemeClr val="lt1"/>
-                </a:solidFill>
-                <a:latin typeface="+mn-lt"/>
-                <a:ea typeface="+mn-ea"/>
-                <a:cs typeface="+mn-cs"/>
-              </a:defRPr>
-            </a:lvl1pPr>
-            <a:lvl2pPr marL="457200" algn="l" defTabSz="914400" rtl="0" eaLnBrk="1" latinLnBrk="0" hangingPunct="1">
-              <a:defRPr sz="1800" kern="1200">
-                <a:solidFill>
-                  <a:schemeClr val="lt1"/>
-                </a:solidFill>
-                <a:latin typeface="+mn-lt"/>
-                <a:ea typeface="+mn-ea"/>
-                <a:cs typeface="+mn-cs"/>
-              </a:defRPr>
-            </a:lvl2pPr>
-            <a:lvl3pPr marL="914400" algn="l" defTabSz="914400" rtl="0" eaLnBrk="1" latinLnBrk="0" hangingPunct="1">
-              <a:defRPr sz="1800" kern="1200">
-                <a:solidFill>
-                  <a:schemeClr val="lt1"/>
-                </a:solidFill>
-                <a:latin typeface="+mn-lt"/>
-                <a:ea typeface="+mn-ea"/>
-                <a:cs typeface="+mn-cs"/>
-              </a:defRPr>
-            </a:lvl3pPr>
-            <a:lvl4pPr marL="1371600" algn="l" defTabSz="914400" rtl="0" eaLnBrk="1" latinLnBrk="0" hangingPunct="1">
-              <a:defRPr sz="1800" kern="1200">
-                <a:solidFill>
-                  <a:schemeClr val="lt1"/>
-                </a:solidFill>
-                <a:latin typeface="+mn-lt"/>
-                <a:ea typeface="+mn-ea"/>
-                <a:cs typeface="+mn-cs"/>
-              </a:defRPr>
-            </a:lvl4pPr>
-            <a:lvl5pPr marL="1828800" algn="l" defTabSz="914400" rtl="0" eaLnBrk="1" latinLnBrk="0" hangingPunct="1">
-              <a:defRPr sz="1800" kern="1200">
-                <a:solidFill>
-                  <a:schemeClr val="lt1"/>
-                </a:solidFill>
-                <a:latin typeface="+mn-lt"/>
-                <a:ea typeface="+mn-ea"/>
-                <a:cs typeface="+mn-cs"/>
-              </a:defRPr>
-            </a:lvl5pPr>
-            <a:lvl6pPr marL="2286000" algn="l" defTabSz="914400" rtl="0" eaLnBrk="1" latinLnBrk="0" hangingPunct="1">
-              <a:defRPr sz="1800" kern="1200">
-                <a:solidFill>
-                  <a:schemeClr val="lt1"/>
-                </a:solidFill>
-                <a:latin typeface="+mn-lt"/>
-                <a:ea typeface="+mn-ea"/>
-                <a:cs typeface="+mn-cs"/>
-              </a:defRPr>
-            </a:lvl6pPr>
-            <a:lvl7pPr marL="2743200" algn="l" defTabSz="914400" rtl="0" eaLnBrk="1" latinLnBrk="0" hangingPunct="1">
-              <a:defRPr sz="1800" kern="1200">
-                <a:solidFill>
-                  <a:schemeClr val="lt1"/>
-                </a:solidFill>
-                <a:latin typeface="+mn-lt"/>
-                <a:ea typeface="+mn-ea"/>
-                <a:cs typeface="+mn-cs"/>
-              </a:defRPr>
-            </a:lvl7pPr>
-            <a:lvl8pPr marL="3200400" algn="l" defTabSz="914400" rtl="0" eaLnBrk="1" latinLnBrk="0" hangingPunct="1">
-              <a:defRPr sz="1800" kern="1200">
-                <a:solidFill>
-                  <a:schemeClr val="lt1"/>
-                </a:solidFill>
-                <a:latin typeface="+mn-lt"/>
-                <a:ea typeface="+mn-ea"/>
-                <a:cs typeface="+mn-cs"/>
-              </a:defRPr>
-            </a:lvl8pPr>
-            <a:lvl9pPr marL="3657600" algn="l" defTabSz="914400" rtl="0" eaLnBrk="1" latinLnBrk="0" hangingPunct="1">
-              <a:defRPr sz="1800" kern="1200">
-                <a:solidFill>
-                  <a:schemeClr val="lt1"/>
-                </a:solidFill>
-                <a:latin typeface="+mn-lt"/>
-                <a:ea typeface="+mn-ea"/>
-                <a:cs typeface="+mn-cs"/>
-              </a:defRPr>
-            </a:lvl9pPr>
-          </a:lstStyle>
-          <a:p>
-            <a:pPr algn="ctr"/>
-            <a:endParaRPr lang="en-US"/>
-          </a:p>
-        </p:txBody>
-      </p:sp>
     </p:spTree>
   </p:cSld>
   <p:clrMapOvr>
@@ -8378,7 +8381,7 @@
 </p:sld>
 </file>
 
-<file path=ppt/slides/slide14.xml><?xml version="1.0" encoding="utf-8"?>
+<file path=ppt/slides/slide15.xml><?xml version="1.0" encoding="utf-8"?>
 <p:sld xmlns:a="http://schemas.openxmlformats.org/drawingml/2006/main" xmlns:r="http://schemas.openxmlformats.org/officeDocument/2006/relationships" xmlns:p="http://schemas.openxmlformats.org/presentationml/2006/main">
   <p:cSld>
     <p:spTree>
@@ -8986,7 +8989,7 @@
 </p:sld>
 </file>
 
-<file path=ppt/slides/slide15.xml><?xml version="1.0" encoding="utf-8"?>
+<file path=ppt/slides/slide16.xml><?xml version="1.0" encoding="utf-8"?>
 <p:sld xmlns:a="http://schemas.openxmlformats.org/drawingml/2006/main" xmlns:r="http://schemas.openxmlformats.org/officeDocument/2006/relationships" xmlns:p="http://schemas.openxmlformats.org/presentationml/2006/main">
   <p:cSld>
     <p:spTree>
@@ -9482,7 +9485,7 @@
 </p:sld>
 </file>
 
-<file path=ppt/slides/slide16.xml><?xml version="1.0" encoding="utf-8"?>
+<file path=ppt/slides/slide17.xml><?xml version="1.0" encoding="utf-8"?>
 <p:sld xmlns:a="http://schemas.openxmlformats.org/drawingml/2006/main" xmlns:r="http://schemas.openxmlformats.org/officeDocument/2006/relationships" xmlns:p="http://schemas.openxmlformats.org/presentationml/2006/main">
   <p:cSld>
     <p:spTree>
@@ -9800,7 +9803,7 @@
 </p:sld>
 </file>
 
-<file path=ppt/slides/slide17.xml><?xml version="1.0" encoding="utf-8"?>
+<file path=ppt/slides/slide18.xml><?xml version="1.0" encoding="utf-8"?>
 <p:sld xmlns:a="http://schemas.openxmlformats.org/drawingml/2006/main" xmlns:r="http://schemas.openxmlformats.org/officeDocument/2006/relationships" xmlns:p="http://schemas.openxmlformats.org/presentationml/2006/main">
   <p:cSld>
     <p:spTree>
@@ -10179,7 +10182,7 @@
 </p:sld>
 </file>
 
-<file path=ppt/slides/slide18.xml><?xml version="1.0" encoding="utf-8"?>
+<file path=ppt/slides/slide19.xml><?xml version="1.0" encoding="utf-8"?>
 <p:sld xmlns:a="http://schemas.openxmlformats.org/drawingml/2006/main" xmlns:r="http://schemas.openxmlformats.org/officeDocument/2006/relationships" xmlns:p="http://schemas.openxmlformats.org/presentationml/2006/main">
   <p:cSld>
     <p:spTree>
@@ -10650,7 +10653,7 @@
 </p:sld>
 </file>
 
-<file path=ppt/slides/slide19.xml><?xml version="1.0" encoding="utf-8"?>
+<file path=ppt/slides/slide2.xml><?xml version="1.0" encoding="utf-8"?>
 <p:sld xmlns:a="http://schemas.openxmlformats.org/drawingml/2006/main" xmlns:r="http://schemas.openxmlformats.org/officeDocument/2006/relationships" xmlns:p="http://schemas.openxmlformats.org/presentationml/2006/main">
   <p:cSld>
     <p:spTree>
@@ -10669,6 +10672,1117 @@
       </p:grpSpPr>
       <p:sp>
         <p:nvSpPr>
+          <p:cNvPr id="5122" name="Rectangle 2"/>
+          <p:cNvSpPr>
+            <a:spLocks noGrp="1" noChangeArrowheads="1"/>
+          </p:cNvSpPr>
+          <p:nvPr>
+            <p:ph type="title"/>
+          </p:nvPr>
+        </p:nvSpPr>
+        <p:spPr/>
+        <p:txBody>
+          <a:bodyPr/>
+          <a:lstStyle/>
+          <a:p>
+            <a:r>
+              <a:rPr lang="en-US" sz="3200" dirty="0"/>
+              <a:t>Constraint Satisfaction Problems (CSPs)</a:t>
+            </a:r>
+          </a:p>
+        </p:txBody>
+      </p:sp>
+      <mc:AlternateContent xmlns:mc="http://schemas.openxmlformats.org/markup-compatibility/2006">
+        <mc:Choice xmlns:a14="http://schemas.microsoft.com/office/drawing/2010/main" Requires="a14">
+          <p:sp>
+            <p:nvSpPr>
+              <p:cNvPr id="5123" name="Rectangle 3"/>
+              <p:cNvSpPr>
+                <a:spLocks noGrp="1" noChangeArrowheads="1"/>
+              </p:cNvSpPr>
+              <p:nvPr>
+                <p:ph idx="1"/>
+              </p:nvPr>
+            </p:nvSpPr>
+            <p:spPr>
+              <a:xfrm>
+                <a:off x="628650" y="3048000"/>
+                <a:ext cx="8058150" cy="3444874"/>
+              </a:xfrm>
+            </p:spPr>
+            <p:txBody>
+              <a:bodyPr>
+                <a:normAutofit fontScale="92500" lnSpcReduction="10000"/>
+              </a:bodyPr>
+              <a:lstStyle/>
+              <a:p>
+                <a:pPr marL="0" indent="0">
+                  <a:buNone/>
+                </a:pPr>
+                <a:r>
+                  <a:rPr lang="en-US" sz="2000" dirty="0"/>
+                  <a:t>Definition:</a:t>
+                </a:r>
+              </a:p>
+              <a:p>
+                <a:pPr lvl="1"/>
+                <a:r>
+                  <a:rPr lang="en-US" sz="2000" b="1" dirty="0">
+                    <a:solidFill>
+                      <a:srgbClr val="CC0000"/>
+                    </a:solidFill>
+                  </a:rPr>
+                  <a:t>State</a:t>
+                </a:r>
+                <a:r>
+                  <a:rPr lang="en-US" sz="2000" dirty="0"/>
+                  <a:t> is defined by a factored state representation:</a:t>
+                </a:r>
+              </a:p>
+              <a:p>
+                <a:pPr lvl="2"/>
+                <a:r>
+                  <a:rPr lang="en-US" sz="1700" dirty="0"/>
+                  <a:t>A set of variables </a:t>
+                </a:r>
+                <a:r>
+                  <a:rPr lang="en-US" sz="1700" i="1" dirty="0"/>
+                  <a:t>X</a:t>
+                </a:r>
+                <a:r>
+                  <a:rPr lang="en-US" sz="1700" i="1" baseline="-25000" dirty="0"/>
+                  <a:t>i  </a:t>
+                </a:r>
+                <a:r>
+                  <a:rPr lang="en-US" sz="1700" dirty="0"/>
+                  <a:t>called  </a:t>
+                </a:r>
+                <a:r>
+                  <a:rPr lang="en-US" sz="1700" dirty="0" err="1"/>
+                  <a:t>fluents</a:t>
+                </a:r>
+                <a:r>
+                  <a:rPr lang="en-US" sz="1700" dirty="0"/>
+                  <a:t>.</a:t>
+                </a:r>
+              </a:p>
+              <a:p>
+                <a:pPr lvl="2"/>
+                <a:r>
+                  <a:rPr lang="en-US" sz="1700" dirty="0"/>
+                  <a:t>Each variable can have a value from domain </a:t>
+                </a:r>
+                <a:r>
+                  <a:rPr lang="en-US" sz="1700" i="1" dirty="0"/>
+                  <a:t>D</a:t>
+                </a:r>
+                <a:r>
+                  <a:rPr lang="en-US" sz="1700" i="1" baseline="-25000" dirty="0"/>
+                  <a:t>i  </a:t>
+                </a:r>
+                <a:r>
+                  <a:rPr lang="en-US" sz="1700" dirty="0"/>
+                  <a:t>or be </a:t>
+                </a:r>
+                <a:r>
+                  <a:rPr lang="en-US" sz="1800" b="1" dirty="0"/>
+                  <a:t>unassigned</a:t>
+                </a:r>
+                <a:r>
+                  <a:rPr lang="en-US" sz="1700" dirty="0"/>
+                  <a:t> (partial solution).</a:t>
+                </a:r>
+                <a:endParaRPr lang="en-US" sz="2000" b="1" dirty="0">
+                  <a:solidFill>
+                    <a:srgbClr val="CC0000"/>
+                  </a:solidFill>
+                </a:endParaRPr>
+              </a:p>
+              <a:p>
+                <a:pPr lvl="1"/>
+                <a:endParaRPr lang="en-US" sz="2000" b="1" dirty="0">
+                  <a:solidFill>
+                    <a:srgbClr val="CC0000"/>
+                  </a:solidFill>
+                </a:endParaRPr>
+              </a:p>
+              <a:p>
+                <a:pPr lvl="1"/>
+                <a:r>
+                  <a:rPr lang="en-US" sz="2000" b="1" dirty="0">
+                    <a:solidFill>
+                      <a:srgbClr val="CC0000"/>
+                    </a:solidFill>
+                  </a:rPr>
+                  <a:t>Constraints </a:t>
+                </a:r>
+                <a:r>
+                  <a:rPr lang="en-US" sz="2000" dirty="0"/>
+                  <a:t>are a set of rules specifying allowable combinations of values for subsets of the variables.</a:t>
+                </a:r>
+                <a:br>
+                  <a:rPr lang="en-US" sz="2000" dirty="0"/>
+                </a:br>
+                <a:r>
+                  <a:rPr lang="en-US" sz="2000" dirty="0"/>
+                  <a:t>		E.g., </a:t>
+                </a:r>
+                <a14:m>
+                  <m:oMath xmlns:m="http://schemas.openxmlformats.org/officeDocument/2006/math">
+                    <m:r>
+                      <a:rPr lang="en-US" sz="2000" i="1" dirty="0" smtClean="0">
+                        <a:latin typeface="Cambria Math" panose="02040503050406030204" pitchFamily="18" charset="0"/>
+                      </a:rPr>
+                      <m:t>𝑋</m:t>
+                    </m:r>
+                    <m:r>
+                      <a:rPr lang="en-US" sz="2000" i="1" baseline="-25000" dirty="0">
+                        <a:latin typeface="Cambria Math" panose="02040503050406030204" pitchFamily="18" charset="0"/>
+                      </a:rPr>
+                      <m:t>1 </m:t>
+                    </m:r>
+                    <m:r>
+                      <a:rPr lang="en-US" sz="2000" i="1" dirty="0" smtClean="0">
+                        <a:latin typeface="Cambria Math" panose="02040503050406030204" pitchFamily="18" charset="0"/>
+                        <a:ea typeface="Cambria Math" panose="02040503050406030204" pitchFamily="18" charset="0"/>
+                      </a:rPr>
+                      <m:t>≠</m:t>
+                    </m:r>
+                    <m:r>
+                      <a:rPr lang="en-US" sz="2000" i="1" dirty="0">
+                        <a:latin typeface="Cambria Math" panose="02040503050406030204" pitchFamily="18" charset="0"/>
+                      </a:rPr>
+                      <m:t> </m:t>
+                    </m:r>
+                    <m:r>
+                      <a:rPr lang="en-US" sz="2000" i="1" dirty="0">
+                        <a:latin typeface="Cambria Math" panose="02040503050406030204" pitchFamily="18" charset="0"/>
+                      </a:rPr>
+                      <m:t>𝑋</m:t>
+                    </m:r>
+                    <m:r>
+                      <a:rPr lang="en-US" sz="2000" i="1" baseline="-25000" dirty="0">
+                        <a:latin typeface="Cambria Math" panose="02040503050406030204" pitchFamily="18" charset="0"/>
+                      </a:rPr>
+                      <m:t>7</m:t>
+                    </m:r>
+                    <m:r>
+                      <a:rPr lang="en-US" sz="2000" i="1" dirty="0">
+                        <a:latin typeface="Cambria Math" panose="02040503050406030204" pitchFamily="18" charset="0"/>
+                      </a:rPr>
+                      <m:t> </m:t>
+                    </m:r>
+                  </m:oMath>
+                </a14:m>
+                <a:r>
+                  <a:rPr lang="en-US" sz="2000" dirty="0"/>
+                  <a:t>or </a:t>
+                </a:r>
+                <a14:m>
+                  <m:oMath xmlns:m="http://schemas.openxmlformats.org/officeDocument/2006/math">
+                    <m:r>
+                      <a:rPr lang="en-US" sz="2000" i="1" dirty="0" smtClean="0">
+                        <a:latin typeface="Cambria Math" panose="02040503050406030204" pitchFamily="18" charset="0"/>
+                      </a:rPr>
+                      <m:t>𝑋</m:t>
+                    </m:r>
+                    <m:r>
+                      <a:rPr lang="en-US" sz="2000" i="1" baseline="-25000" dirty="0">
+                        <a:latin typeface="Cambria Math" panose="02040503050406030204" pitchFamily="18" charset="0"/>
+                      </a:rPr>
+                      <m:t>2 </m:t>
+                    </m:r>
+                    <m:r>
+                      <a:rPr lang="en-US" sz="2000" i="1" dirty="0">
+                        <a:latin typeface="Cambria Math" panose="02040503050406030204" pitchFamily="18" charset="0"/>
+                      </a:rPr>
+                      <m:t>&gt; </m:t>
+                    </m:r>
+                    <m:r>
+                      <a:rPr lang="en-US" sz="2000" i="1" dirty="0">
+                        <a:latin typeface="Cambria Math" panose="02040503050406030204" pitchFamily="18" charset="0"/>
+                      </a:rPr>
+                      <m:t>𝑋</m:t>
+                    </m:r>
+                    <m:r>
+                      <a:rPr lang="en-US" sz="2000" i="1" baseline="-25000" dirty="0">
+                        <a:latin typeface="Cambria Math" panose="02040503050406030204" pitchFamily="18" charset="0"/>
+                      </a:rPr>
+                      <m:t>9 </m:t>
+                    </m:r>
+                    <m:r>
+                      <a:rPr lang="en-US" sz="2000" i="1" dirty="0">
+                        <a:latin typeface="Cambria Math" panose="02040503050406030204" pitchFamily="18" charset="0"/>
+                      </a:rPr>
+                      <m:t>+ 3</m:t>
+                    </m:r>
+                  </m:oMath>
+                </a14:m>
+                <a:endParaRPr lang="en-US" sz="2000" dirty="0"/>
+              </a:p>
+              <a:p>
+                <a:pPr lvl="1"/>
+                <a:endParaRPr lang="en-US" sz="2000" b="1" dirty="0">
+                  <a:solidFill>
+                    <a:srgbClr val="CC0000"/>
+                  </a:solidFill>
+                </a:endParaRPr>
+              </a:p>
+              <a:p>
+                <a:pPr lvl="1"/>
+                <a:r>
+                  <a:rPr lang="en-US" sz="2000" b="1" dirty="0">
+                    <a:solidFill>
+                      <a:srgbClr val="CC0000"/>
+                    </a:solidFill>
+                  </a:rPr>
+                  <a:t>Solution</a:t>
+                </a:r>
+                <a:r>
+                  <a:rPr lang="en-US" sz="2000" dirty="0"/>
+                  <a:t>: a state that is a</a:t>
+                </a:r>
+              </a:p>
+              <a:p>
+                <a:pPr marL="1028700" lvl="2" indent="-342900">
+                  <a:buFont typeface="+mj-lt"/>
+                  <a:buAutoNum type="alphaLcParenR"/>
+                </a:pPr>
+                <a:r>
+                  <a:rPr lang="en-US" sz="1800" b="1" dirty="0">
+                    <a:solidFill>
+                      <a:srgbClr val="C00000"/>
+                    </a:solidFill>
+                  </a:rPr>
+                  <a:t>Consistent assignment</a:t>
+                </a:r>
+                <a:r>
+                  <a:rPr lang="en-US" sz="1800" dirty="0"/>
+                  <a:t>: satisfies all constraints.</a:t>
+                </a:r>
+                <a:endParaRPr lang="en-US" sz="1800" dirty="0">
+                  <a:solidFill>
+                    <a:srgbClr val="FF0000"/>
+                  </a:solidFill>
+                </a:endParaRPr>
+              </a:p>
+              <a:p>
+                <a:pPr marL="1028700" lvl="2" indent="-342900">
+                  <a:buFont typeface="+mj-lt"/>
+                  <a:buAutoNum type="alphaLcParenR"/>
+                </a:pPr>
+                <a:r>
+                  <a:rPr lang="en-US" sz="1800" b="1" dirty="0">
+                    <a:solidFill>
+                      <a:srgbClr val="C00000"/>
+                    </a:solidFill>
+                  </a:rPr>
+                  <a:t>Complete assignment:</a:t>
+                </a:r>
+                <a:r>
+                  <a:rPr lang="en-US" sz="1800" dirty="0">
+                    <a:solidFill>
+                      <a:srgbClr val="FF0000"/>
+                    </a:solidFill>
+                  </a:rPr>
+                  <a:t> </a:t>
+                </a:r>
+                <a:r>
+                  <a:rPr lang="en-US" sz="1800" dirty="0"/>
+                  <a:t>assigns value to each variable.</a:t>
+                </a:r>
+              </a:p>
+            </p:txBody>
+          </p:sp>
+        </mc:Choice>
+        <mc:Fallback>
+          <p:sp>
+            <p:nvSpPr>
+              <p:cNvPr id="5123" name="Rectangle 3"/>
+              <p:cNvSpPr>
+                <a:spLocks noGrp="1" noRot="1" noChangeAspect="1" noMove="1" noResize="1" noEditPoints="1" noAdjustHandles="1" noChangeArrowheads="1" noChangeShapeType="1" noTextEdit="1"/>
+              </p:cNvSpPr>
+              <p:nvPr>
+                <p:ph idx="1"/>
+              </p:nvPr>
+            </p:nvSpPr>
+            <p:spPr>
+              <a:xfrm>
+                <a:off x="628650" y="3048000"/>
+                <a:ext cx="8058150" cy="3444874"/>
+              </a:xfrm>
+              <a:blipFill>
+                <a:blip r:embed="rId3"/>
+                <a:stretch>
+                  <a:fillRect l="-681" t="-2301"/>
+                </a:stretch>
+              </a:blipFill>
+            </p:spPr>
+            <p:txBody>
+              <a:bodyPr/>
+              <a:lstStyle/>
+              <a:p>
+                <a:r>
+                  <a:rPr lang="en-US">
+                    <a:noFill/>
+                  </a:rPr>
+                  <a:t> </a:t>
+                </a:r>
+              </a:p>
+            </p:txBody>
+          </p:sp>
+        </mc:Fallback>
+      </mc:AlternateContent>
+      <p:pic>
+        <p:nvPicPr>
+          <p:cNvPr id="2" name="Picture 1">
+            <a:extLst>
+              <a:ext uri="{FF2B5EF4-FFF2-40B4-BE49-F238E27FC236}">
+                <a16:creationId xmlns:a16="http://schemas.microsoft.com/office/drawing/2014/main" id="{77D56882-B39D-47D5-AACD-0ABF7ECE3E67}"/>
+              </a:ext>
+            </a:extLst>
+          </p:cNvPr>
+          <p:cNvPicPr>
+            <a:picLocks noChangeAspect="1"/>
+          </p:cNvPicPr>
+          <p:nvPr/>
+        </p:nvPicPr>
+        <p:blipFill rotWithShape="1">
+          <a:blip r:embed="rId4"/>
+          <a:srcRect r="39163"/>
+          <a:stretch/>
+        </p:blipFill>
+        <p:spPr>
+          <a:xfrm>
+            <a:off x="3886200" y="1447800"/>
+            <a:ext cx="2827817" cy="1612641"/>
+          </a:xfrm>
+          <a:prstGeom prst="rect">
+            <a:avLst/>
+          </a:prstGeom>
+        </p:spPr>
+      </p:pic>
+      <p:sp>
+        <p:nvSpPr>
+          <p:cNvPr id="3" name="Rectangle: Rounded Corners 2">
+            <a:extLst>
+              <a:ext uri="{FF2B5EF4-FFF2-40B4-BE49-F238E27FC236}">
+                <a16:creationId xmlns:a16="http://schemas.microsoft.com/office/drawing/2014/main" id="{FE59D927-EDFE-4724-B097-B4603043B15F}"/>
+              </a:ext>
+            </a:extLst>
+          </p:cNvPr>
+          <p:cNvSpPr/>
+          <p:nvPr/>
+        </p:nvSpPr>
+        <p:spPr>
+          <a:xfrm>
+            <a:off x="4961417" y="1447800"/>
+            <a:ext cx="1752600" cy="1598464"/>
+          </a:xfrm>
+          <a:prstGeom prst="roundRect">
+            <a:avLst/>
+          </a:prstGeom>
+          <a:noFill/>
+          <a:ln w="38100" cap="flat" cmpd="sng" algn="ctr">
+            <a:solidFill>
+              <a:srgbClr val="FF0000"/>
+            </a:solidFill>
+            <a:prstDash val="solid"/>
+            <a:round/>
+            <a:headEnd type="none" w="med" len="med"/>
+            <a:tailEnd type="none" w="med" len="med"/>
+          </a:ln>
+        </p:spPr>
+        <p:style>
+          <a:lnRef idx="0">
+            <a:scrgbClr r="0" g="0" b="0"/>
+          </a:lnRef>
+          <a:fillRef idx="0">
+            <a:scrgbClr r="0" g="0" b="0"/>
+          </a:fillRef>
+          <a:effectRef idx="0">
+            <a:scrgbClr r="0" g="0" b="0"/>
+          </a:effectRef>
+          <a:fontRef idx="minor">
+            <a:schemeClr val="accent2"/>
+          </a:fontRef>
+        </p:style>
+        <p:txBody>
+          <a:bodyPr rtlCol="0" anchor="ctr"/>
+          <a:lstStyle/>
+          <a:p>
+            <a:pPr algn="ctr"/>
+            <a:endParaRPr lang="en-US"/>
+          </a:p>
+        </p:txBody>
+      </p:sp>
+      <p:sp>
+        <p:nvSpPr>
+          <p:cNvPr id="4" name="Speech Bubble: Rectangle with Corners Rounded 3">
+            <a:extLst>
+              <a:ext uri="{FF2B5EF4-FFF2-40B4-BE49-F238E27FC236}">
+                <a16:creationId xmlns:a16="http://schemas.microsoft.com/office/drawing/2014/main" id="{D10843E1-985B-4A9F-A87D-3ABA26727E55}"/>
+              </a:ext>
+            </a:extLst>
+          </p:cNvPr>
+          <p:cNvSpPr/>
+          <p:nvPr/>
+        </p:nvSpPr>
+        <p:spPr>
+          <a:xfrm>
+            <a:off x="6941004" y="2286513"/>
+            <a:ext cx="1581150" cy="279625"/>
+          </a:xfrm>
+          <a:prstGeom prst="wedgeRoundRectCallout">
+            <a:avLst>
+              <a:gd name="adj1" fmla="val -82617"/>
+              <a:gd name="adj2" fmla="val -71138"/>
+              <a:gd name="adj3" fmla="val 16667"/>
+            </a:avLst>
+          </a:prstGeom>
+        </p:spPr>
+        <p:style>
+          <a:lnRef idx="2">
+            <a:schemeClr val="accent6">
+              <a:shade val="15000"/>
+            </a:schemeClr>
+          </a:lnRef>
+          <a:fillRef idx="1">
+            <a:schemeClr val="accent6"/>
+          </a:fillRef>
+          <a:effectRef idx="0">
+            <a:schemeClr val="accent6"/>
+          </a:effectRef>
+          <a:fontRef idx="minor">
+            <a:schemeClr val="lt1"/>
+          </a:fontRef>
+        </p:style>
+        <p:txBody>
+          <a:bodyPr rtlCol="0" anchor="ctr"/>
+          <a:lstStyle/>
+          <a:p>
+            <a:pPr algn="ctr"/>
+            <a:r>
+              <a:rPr lang="en-US" sz="1400" b="1" dirty="0"/>
+              <a:t>Add constraints </a:t>
+            </a:r>
+          </a:p>
+        </p:txBody>
+      </p:sp>
+      <p:sp>
+        <p:nvSpPr>
+          <p:cNvPr id="5" name="Star: 5 Points 4">
+            <a:extLst>
+              <a:ext uri="{FF2B5EF4-FFF2-40B4-BE49-F238E27FC236}">
+                <a16:creationId xmlns:a16="http://schemas.microsoft.com/office/drawing/2014/main" id="{C991C4F9-0A76-FF1E-E481-8912EE1EE828}"/>
+              </a:ext>
+            </a:extLst>
+          </p:cNvPr>
+          <p:cNvSpPr/>
+          <p:nvPr/>
+        </p:nvSpPr>
+        <p:spPr>
+          <a:xfrm>
+            <a:off x="8763000" y="129075"/>
+            <a:ext cx="247650" cy="244474"/>
+          </a:xfrm>
+          <a:prstGeom prst="star5">
+            <a:avLst/>
+          </a:prstGeom>
+        </p:spPr>
+        <p:style>
+          <a:lnRef idx="2">
+            <a:schemeClr val="accent2">
+              <a:shade val="50000"/>
+            </a:schemeClr>
+          </a:lnRef>
+          <a:fillRef idx="1">
+            <a:schemeClr val="accent2"/>
+          </a:fillRef>
+          <a:effectRef idx="0">
+            <a:schemeClr val="accent2"/>
+          </a:effectRef>
+          <a:fontRef idx="minor">
+            <a:schemeClr val="lt1"/>
+          </a:fontRef>
+        </p:style>
+        <p:txBody>
+          <a:bodyPr rtlCol="0" anchor="ctr"/>
+          <a:lstStyle>
+            <a:defPPr>
+              <a:defRPr lang="en-US"/>
+            </a:defPPr>
+            <a:lvl1pPr marL="0" algn="l" defTabSz="914400" rtl="0" eaLnBrk="1" latinLnBrk="0" hangingPunct="1">
+              <a:defRPr sz="1800" kern="1200">
+                <a:solidFill>
+                  <a:schemeClr val="lt1"/>
+                </a:solidFill>
+                <a:latin typeface="+mn-lt"/>
+                <a:ea typeface="+mn-ea"/>
+                <a:cs typeface="+mn-cs"/>
+              </a:defRPr>
+            </a:lvl1pPr>
+            <a:lvl2pPr marL="457200" algn="l" defTabSz="914400" rtl="0" eaLnBrk="1" latinLnBrk="0" hangingPunct="1">
+              <a:defRPr sz="1800" kern="1200">
+                <a:solidFill>
+                  <a:schemeClr val="lt1"/>
+                </a:solidFill>
+                <a:latin typeface="+mn-lt"/>
+                <a:ea typeface="+mn-ea"/>
+                <a:cs typeface="+mn-cs"/>
+              </a:defRPr>
+            </a:lvl2pPr>
+            <a:lvl3pPr marL="914400" algn="l" defTabSz="914400" rtl="0" eaLnBrk="1" latinLnBrk="0" hangingPunct="1">
+              <a:defRPr sz="1800" kern="1200">
+                <a:solidFill>
+                  <a:schemeClr val="lt1"/>
+                </a:solidFill>
+                <a:latin typeface="+mn-lt"/>
+                <a:ea typeface="+mn-ea"/>
+                <a:cs typeface="+mn-cs"/>
+              </a:defRPr>
+            </a:lvl3pPr>
+            <a:lvl4pPr marL="1371600" algn="l" defTabSz="914400" rtl="0" eaLnBrk="1" latinLnBrk="0" hangingPunct="1">
+              <a:defRPr sz="1800" kern="1200">
+                <a:solidFill>
+                  <a:schemeClr val="lt1"/>
+                </a:solidFill>
+                <a:latin typeface="+mn-lt"/>
+                <a:ea typeface="+mn-ea"/>
+                <a:cs typeface="+mn-cs"/>
+              </a:defRPr>
+            </a:lvl4pPr>
+            <a:lvl5pPr marL="1828800" algn="l" defTabSz="914400" rtl="0" eaLnBrk="1" latinLnBrk="0" hangingPunct="1">
+              <a:defRPr sz="1800" kern="1200">
+                <a:solidFill>
+                  <a:schemeClr val="lt1"/>
+                </a:solidFill>
+                <a:latin typeface="+mn-lt"/>
+                <a:ea typeface="+mn-ea"/>
+                <a:cs typeface="+mn-cs"/>
+              </a:defRPr>
+            </a:lvl5pPr>
+            <a:lvl6pPr marL="2286000" algn="l" defTabSz="914400" rtl="0" eaLnBrk="1" latinLnBrk="0" hangingPunct="1">
+              <a:defRPr sz="1800" kern="1200">
+                <a:solidFill>
+                  <a:schemeClr val="lt1"/>
+                </a:solidFill>
+                <a:latin typeface="+mn-lt"/>
+                <a:ea typeface="+mn-ea"/>
+                <a:cs typeface="+mn-cs"/>
+              </a:defRPr>
+            </a:lvl6pPr>
+            <a:lvl7pPr marL="2743200" algn="l" defTabSz="914400" rtl="0" eaLnBrk="1" latinLnBrk="0" hangingPunct="1">
+              <a:defRPr sz="1800" kern="1200">
+                <a:solidFill>
+                  <a:schemeClr val="lt1"/>
+                </a:solidFill>
+                <a:latin typeface="+mn-lt"/>
+                <a:ea typeface="+mn-ea"/>
+                <a:cs typeface="+mn-cs"/>
+              </a:defRPr>
+            </a:lvl7pPr>
+            <a:lvl8pPr marL="3200400" algn="l" defTabSz="914400" rtl="0" eaLnBrk="1" latinLnBrk="0" hangingPunct="1">
+              <a:defRPr sz="1800" kern="1200">
+                <a:solidFill>
+                  <a:schemeClr val="lt1"/>
+                </a:solidFill>
+                <a:latin typeface="+mn-lt"/>
+                <a:ea typeface="+mn-ea"/>
+                <a:cs typeface="+mn-cs"/>
+              </a:defRPr>
+            </a:lvl8pPr>
+            <a:lvl9pPr marL="3657600" algn="l" defTabSz="914400" rtl="0" eaLnBrk="1" latinLnBrk="0" hangingPunct="1">
+              <a:defRPr sz="1800" kern="1200">
+                <a:solidFill>
+                  <a:schemeClr val="lt1"/>
+                </a:solidFill>
+                <a:latin typeface="+mn-lt"/>
+                <a:ea typeface="+mn-ea"/>
+                <a:cs typeface="+mn-cs"/>
+              </a:defRPr>
+            </a:lvl9pPr>
+          </a:lstStyle>
+          <a:p>
+            <a:pPr algn="ctr"/>
+            <a:endParaRPr lang="en-US"/>
+          </a:p>
+        </p:txBody>
+      </p:sp>
+      <p:sp>
+        <p:nvSpPr>
+          <p:cNvPr id="8" name="Speech Bubble: Rectangle with Corners Rounded 7">
+            <a:extLst>
+              <a:ext uri="{FF2B5EF4-FFF2-40B4-BE49-F238E27FC236}">
+                <a16:creationId xmlns:a16="http://schemas.microsoft.com/office/drawing/2014/main" id="{250CFE54-A276-B0DE-6173-CFCFE03D114A}"/>
+              </a:ext>
+            </a:extLst>
+          </p:cNvPr>
+          <p:cNvSpPr/>
+          <p:nvPr/>
+        </p:nvSpPr>
+        <p:spPr>
+          <a:xfrm>
+            <a:off x="6941004" y="1524001"/>
+            <a:ext cx="1581150" cy="560276"/>
+          </a:xfrm>
+          <a:prstGeom prst="wedgeRoundRectCallout">
+            <a:avLst>
+              <a:gd name="adj1" fmla="val -86747"/>
+              <a:gd name="adj2" fmla="val 14507"/>
+              <a:gd name="adj3" fmla="val 16667"/>
+            </a:avLst>
+          </a:prstGeom>
+        </p:spPr>
+        <p:style>
+          <a:lnRef idx="2">
+            <a:schemeClr val="accent6">
+              <a:shade val="15000"/>
+            </a:schemeClr>
+          </a:lnRef>
+          <a:fillRef idx="1">
+            <a:schemeClr val="accent6"/>
+          </a:fillRef>
+          <a:effectRef idx="0">
+            <a:schemeClr val="accent6"/>
+          </a:effectRef>
+          <a:fontRef idx="minor">
+            <a:schemeClr val="lt1"/>
+          </a:fontRef>
+        </p:style>
+        <p:txBody>
+          <a:bodyPr rtlCol="0" anchor="ctr"/>
+          <a:lstStyle/>
+          <a:p>
+            <a:pPr algn="ctr"/>
+            <a:r>
+              <a:rPr lang="en-US" sz="1400" b="1" dirty="0"/>
+              <a:t>Work with partial solutions</a:t>
+            </a:r>
+          </a:p>
+        </p:txBody>
+      </p:sp>
+    </p:spTree>
+  </p:cSld>
+  <p:clrMapOvr>
+    <a:masterClrMapping/>
+  </p:clrMapOvr>
+  <p:timing>
+    <p:tnLst>
+      <p:par>
+        <p:cTn id="1" dur="indefinite" restart="never" nodeType="tmRoot">
+          <p:childTnLst>
+            <p:seq concurrent="1" nextAc="seek">
+              <p:cTn id="2" dur="indefinite" nodeType="mainSeq">
+                <p:childTnLst>
+                  <p:par>
+                    <p:cTn id="3" fill="hold">
+                      <p:stCondLst>
+                        <p:cond delay="indefinite"/>
+                        <p:cond evt="onBegin" delay="0">
+                          <p:tn val="2"/>
+                        </p:cond>
+                      </p:stCondLst>
+                      <p:childTnLst>
+                        <p:par>
+                          <p:cTn id="4" fill="hold">
+                            <p:stCondLst>
+                              <p:cond delay="0"/>
+                            </p:stCondLst>
+                            <p:childTnLst>
+                              <p:par>
+                                <p:cTn id="5" presetID="1" presetClass="entr" presetSubtype="0" fill="hold" grpId="0" nodeType="withEffect">
+                                  <p:stCondLst>
+                                    <p:cond delay="0"/>
+                                  </p:stCondLst>
+                                  <p:childTnLst>
+                                    <p:set>
+                                      <p:cBhvr>
+                                        <p:cTn id="6" dur="1" fill="hold">
+                                          <p:stCondLst>
+                                            <p:cond delay="0"/>
+                                          </p:stCondLst>
+                                        </p:cTn>
+                                        <p:tgtEl>
+                                          <p:spTgt spid="5123">
+                                            <p:txEl>
+                                              <p:pRg st="0" end="0"/>
+                                            </p:txEl>
+                                          </p:spTgt>
+                                        </p:tgtEl>
+                                        <p:attrNameLst>
+                                          <p:attrName>style.visibility</p:attrName>
+                                        </p:attrNameLst>
+                                      </p:cBhvr>
+                                      <p:to>
+                                        <p:strVal val="visible"/>
+                                      </p:to>
+                                    </p:set>
+                                  </p:childTnLst>
+                                </p:cTn>
+                              </p:par>
+                              <p:par>
+                                <p:cTn id="7" presetID="1" presetClass="entr" presetSubtype="0" fill="hold" grpId="0" nodeType="withEffect">
+                                  <p:stCondLst>
+                                    <p:cond delay="0"/>
+                                  </p:stCondLst>
+                                  <p:childTnLst>
+                                    <p:set>
+                                      <p:cBhvr>
+                                        <p:cTn id="8" dur="1" fill="hold">
+                                          <p:stCondLst>
+                                            <p:cond delay="0"/>
+                                          </p:stCondLst>
+                                        </p:cTn>
+                                        <p:tgtEl>
+                                          <p:spTgt spid="5123">
+                                            <p:txEl>
+                                              <p:pRg st="1" end="1"/>
+                                            </p:txEl>
+                                          </p:spTgt>
+                                        </p:tgtEl>
+                                        <p:attrNameLst>
+                                          <p:attrName>style.visibility</p:attrName>
+                                        </p:attrNameLst>
+                                      </p:cBhvr>
+                                      <p:to>
+                                        <p:strVal val="visible"/>
+                                      </p:to>
+                                    </p:set>
+                                  </p:childTnLst>
+                                </p:cTn>
+                              </p:par>
+                              <p:par>
+                                <p:cTn id="9" presetID="1" presetClass="entr" presetSubtype="0" fill="hold" grpId="0" nodeType="withEffect">
+                                  <p:stCondLst>
+                                    <p:cond delay="0"/>
+                                  </p:stCondLst>
+                                  <p:childTnLst>
+                                    <p:set>
+                                      <p:cBhvr>
+                                        <p:cTn id="10" dur="1" fill="hold">
+                                          <p:stCondLst>
+                                            <p:cond delay="0"/>
+                                          </p:stCondLst>
+                                        </p:cTn>
+                                        <p:tgtEl>
+                                          <p:spTgt spid="5123">
+                                            <p:txEl>
+                                              <p:pRg st="2" end="2"/>
+                                            </p:txEl>
+                                          </p:spTgt>
+                                        </p:tgtEl>
+                                        <p:attrNameLst>
+                                          <p:attrName>style.visibility</p:attrName>
+                                        </p:attrNameLst>
+                                      </p:cBhvr>
+                                      <p:to>
+                                        <p:strVal val="visible"/>
+                                      </p:to>
+                                    </p:set>
+                                  </p:childTnLst>
+                                </p:cTn>
+                              </p:par>
+                              <p:par>
+                                <p:cTn id="11" presetID="1" presetClass="entr" presetSubtype="0" fill="hold" grpId="0" nodeType="withEffect">
+                                  <p:stCondLst>
+                                    <p:cond delay="0"/>
+                                  </p:stCondLst>
+                                  <p:childTnLst>
+                                    <p:set>
+                                      <p:cBhvr>
+                                        <p:cTn id="12" dur="1" fill="hold">
+                                          <p:stCondLst>
+                                            <p:cond delay="0"/>
+                                          </p:stCondLst>
+                                        </p:cTn>
+                                        <p:tgtEl>
+                                          <p:spTgt spid="5123">
+                                            <p:txEl>
+                                              <p:pRg st="3" end="3"/>
+                                            </p:txEl>
+                                          </p:spTgt>
+                                        </p:tgtEl>
+                                        <p:attrNameLst>
+                                          <p:attrName>style.visibility</p:attrName>
+                                        </p:attrNameLst>
+                                      </p:cBhvr>
+                                      <p:to>
+                                        <p:strVal val="visible"/>
+                                      </p:to>
+                                    </p:set>
+                                  </p:childTnLst>
+                                </p:cTn>
+                              </p:par>
+                              <p:par>
+                                <p:cTn id="13" presetID="1" presetClass="entr" presetSubtype="0" fill="hold" grpId="0" nodeType="withEffect">
+                                  <p:stCondLst>
+                                    <p:cond delay="0"/>
+                                  </p:stCondLst>
+                                  <p:childTnLst>
+                                    <p:set>
+                                      <p:cBhvr>
+                                        <p:cTn id="14" dur="1" fill="hold">
+                                          <p:stCondLst>
+                                            <p:cond delay="0"/>
+                                          </p:stCondLst>
+                                        </p:cTn>
+                                        <p:tgtEl>
+                                          <p:spTgt spid="8"/>
+                                        </p:tgtEl>
+                                        <p:attrNameLst>
+                                          <p:attrName>style.visibility</p:attrName>
+                                        </p:attrNameLst>
+                                      </p:cBhvr>
+                                      <p:to>
+                                        <p:strVal val="visible"/>
+                                      </p:to>
+                                    </p:set>
+                                  </p:childTnLst>
+                                </p:cTn>
+                              </p:par>
+                            </p:childTnLst>
+                          </p:cTn>
+                        </p:par>
+                      </p:childTnLst>
+                    </p:cTn>
+                  </p:par>
+                  <p:par>
+                    <p:cTn id="15" fill="hold">
+                      <p:stCondLst>
+                        <p:cond delay="indefinite"/>
+                      </p:stCondLst>
+                      <p:childTnLst>
+                        <p:par>
+                          <p:cTn id="16" fill="hold">
+                            <p:stCondLst>
+                              <p:cond delay="0"/>
+                            </p:stCondLst>
+                            <p:childTnLst>
+                              <p:par>
+                                <p:cTn id="17" presetID="1" presetClass="entr" presetSubtype="0" fill="hold" grpId="0" nodeType="clickEffect">
+                                  <p:stCondLst>
+                                    <p:cond delay="0"/>
+                                  </p:stCondLst>
+                                  <p:childTnLst>
+                                    <p:set>
+                                      <p:cBhvr>
+                                        <p:cTn id="18" dur="1" fill="hold">
+                                          <p:stCondLst>
+                                            <p:cond delay="0"/>
+                                          </p:stCondLst>
+                                        </p:cTn>
+                                        <p:tgtEl>
+                                          <p:spTgt spid="5123">
+                                            <p:txEl>
+                                              <p:pRg st="5" end="5"/>
+                                            </p:txEl>
+                                          </p:spTgt>
+                                        </p:tgtEl>
+                                        <p:attrNameLst>
+                                          <p:attrName>style.visibility</p:attrName>
+                                        </p:attrNameLst>
+                                      </p:cBhvr>
+                                      <p:to>
+                                        <p:strVal val="visible"/>
+                                      </p:to>
+                                    </p:set>
+                                  </p:childTnLst>
+                                </p:cTn>
+                              </p:par>
+                              <p:par>
+                                <p:cTn id="19" presetID="1" presetClass="entr" presetSubtype="0" fill="hold" grpId="0" nodeType="withEffect">
+                                  <p:stCondLst>
+                                    <p:cond delay="0"/>
+                                  </p:stCondLst>
+                                  <p:childTnLst>
+                                    <p:set>
+                                      <p:cBhvr>
+                                        <p:cTn id="20" dur="1" fill="hold">
+                                          <p:stCondLst>
+                                            <p:cond delay="0"/>
+                                          </p:stCondLst>
+                                        </p:cTn>
+                                        <p:tgtEl>
+                                          <p:spTgt spid="4"/>
+                                        </p:tgtEl>
+                                        <p:attrNameLst>
+                                          <p:attrName>style.visibility</p:attrName>
+                                        </p:attrNameLst>
+                                      </p:cBhvr>
+                                      <p:to>
+                                        <p:strVal val="visible"/>
+                                      </p:to>
+                                    </p:set>
+                                  </p:childTnLst>
+                                </p:cTn>
+                              </p:par>
+                            </p:childTnLst>
+                          </p:cTn>
+                        </p:par>
+                      </p:childTnLst>
+                    </p:cTn>
+                  </p:par>
+                  <p:par>
+                    <p:cTn id="21" fill="hold">
+                      <p:stCondLst>
+                        <p:cond delay="indefinite"/>
+                      </p:stCondLst>
+                      <p:childTnLst>
+                        <p:par>
+                          <p:cTn id="22" fill="hold">
+                            <p:stCondLst>
+                              <p:cond delay="0"/>
+                            </p:stCondLst>
+                            <p:childTnLst>
+                              <p:par>
+                                <p:cTn id="23" presetID="1" presetClass="entr" presetSubtype="0" fill="hold" grpId="0" nodeType="clickEffect">
+                                  <p:stCondLst>
+                                    <p:cond delay="0"/>
+                                  </p:stCondLst>
+                                  <p:childTnLst>
+                                    <p:set>
+                                      <p:cBhvr>
+                                        <p:cTn id="24" dur="1" fill="hold">
+                                          <p:stCondLst>
+                                            <p:cond delay="0"/>
+                                          </p:stCondLst>
+                                        </p:cTn>
+                                        <p:tgtEl>
+                                          <p:spTgt spid="5123">
+                                            <p:txEl>
+                                              <p:pRg st="7" end="7"/>
+                                            </p:txEl>
+                                          </p:spTgt>
+                                        </p:tgtEl>
+                                        <p:attrNameLst>
+                                          <p:attrName>style.visibility</p:attrName>
+                                        </p:attrNameLst>
+                                      </p:cBhvr>
+                                      <p:to>
+                                        <p:strVal val="visible"/>
+                                      </p:to>
+                                    </p:set>
+                                  </p:childTnLst>
+                                </p:cTn>
+                              </p:par>
+                              <p:par>
+                                <p:cTn id="25" presetID="1" presetClass="entr" presetSubtype="0" fill="hold" grpId="0" nodeType="withEffect">
+                                  <p:stCondLst>
+                                    <p:cond delay="0"/>
+                                  </p:stCondLst>
+                                  <p:childTnLst>
+                                    <p:set>
+                                      <p:cBhvr>
+                                        <p:cTn id="26" dur="1" fill="hold">
+                                          <p:stCondLst>
+                                            <p:cond delay="0"/>
+                                          </p:stCondLst>
+                                        </p:cTn>
+                                        <p:tgtEl>
+                                          <p:spTgt spid="5123">
+                                            <p:txEl>
+                                              <p:pRg st="8" end="8"/>
+                                            </p:txEl>
+                                          </p:spTgt>
+                                        </p:tgtEl>
+                                        <p:attrNameLst>
+                                          <p:attrName>style.visibility</p:attrName>
+                                        </p:attrNameLst>
+                                      </p:cBhvr>
+                                      <p:to>
+                                        <p:strVal val="visible"/>
+                                      </p:to>
+                                    </p:set>
+                                  </p:childTnLst>
+                                </p:cTn>
+                              </p:par>
+                              <p:par>
+                                <p:cTn id="27" presetID="1" presetClass="entr" presetSubtype="0" fill="hold" grpId="0" nodeType="withEffect">
+                                  <p:stCondLst>
+                                    <p:cond delay="0"/>
+                                  </p:stCondLst>
+                                  <p:childTnLst>
+                                    <p:set>
+                                      <p:cBhvr>
+                                        <p:cTn id="28" dur="1" fill="hold">
+                                          <p:stCondLst>
+                                            <p:cond delay="0"/>
+                                          </p:stCondLst>
+                                        </p:cTn>
+                                        <p:tgtEl>
+                                          <p:spTgt spid="5123">
+                                            <p:txEl>
+                                              <p:pRg st="9" end="9"/>
+                                            </p:txEl>
+                                          </p:spTgt>
+                                        </p:tgtEl>
+                                        <p:attrNameLst>
+                                          <p:attrName>style.visibility</p:attrName>
+                                        </p:attrNameLst>
+                                      </p:cBhvr>
+                                      <p:to>
+                                        <p:strVal val="visible"/>
+                                      </p:to>
+                                    </p:set>
+                                  </p:childTnLst>
+                                </p:cTn>
+                              </p:par>
+                            </p:childTnLst>
+                          </p:cTn>
+                        </p:par>
+                      </p:childTnLst>
+                    </p:cTn>
+                  </p:par>
+                </p:childTnLst>
+              </p:cTn>
+              <p:prevCondLst>
+                <p:cond evt="onPrev" delay="0">
+                  <p:tgtEl>
+                    <p:sldTgt/>
+                  </p:tgtEl>
+                </p:cond>
+              </p:prevCondLst>
+              <p:nextCondLst>
+                <p:cond evt="onNext" delay="0">
+                  <p:tgtEl>
+                    <p:sldTgt/>
+                  </p:tgtEl>
+                </p:cond>
+              </p:nextCondLst>
+            </p:seq>
+          </p:childTnLst>
+        </p:cTn>
+      </p:par>
+    </p:tnLst>
+    <p:bldLst>
+      <p:bldP spid="5123" grpId="0" uiExpand="1" build="p"/>
+      <p:bldP spid="4" grpId="0" animBg="1"/>
+      <p:bldP spid="8" grpId="0" animBg="1"/>
+    </p:bldLst>
+  </p:timing>
+</p:sld>
+</file>
+
+<file path=ppt/slides/slide20.xml><?xml version="1.0" encoding="utf-8"?>
+<p:sld xmlns:a="http://schemas.openxmlformats.org/drawingml/2006/main" xmlns:r="http://schemas.openxmlformats.org/officeDocument/2006/relationships" xmlns:p="http://schemas.openxmlformats.org/presentationml/2006/main">
+  <p:cSld>
+    <p:spTree>
+      <p:nvGrpSpPr>
+        <p:cNvPr id="1" name=""/>
+        <p:cNvGrpSpPr/>
+        <p:nvPr/>
+      </p:nvGrpSpPr>
+      <p:grpSpPr>
+        <a:xfrm>
+          <a:off x="0" y="0"/>
+          <a:ext cx="0" cy="0"/>
+          <a:chOff x="0" y="0"/>
+          <a:chExt cx="0" cy="0"/>
+        </a:xfrm>
+      </p:grpSpPr>
+      <p:sp>
+        <p:nvSpPr>
           <p:cNvPr id="34818" name="Rectangle 2"/>
           <p:cNvSpPr>
             <a:spLocks noGrp="1" noChangeArrowheads="1"/>
@@ -10689,7 +11803,7 @@
           <a:p>
             <a:r>
               <a:rPr lang="en-US" dirty="0"/>
-              <a:t>Local search for CSPs</a:t>
+              <a:t>Local Search for CSPs</a:t>
             </a:r>
           </a:p>
         </p:txBody>
@@ -10748,7 +11862,7 @@
             </a:pPr>
             <a:r>
               <a:rPr lang="en-US" sz="1900" dirty="0"/>
-              <a:t>Select a conflicted variable and</a:t>
+              <a:t>Select a variable that violates a constraint (produces a conflict).</a:t>
             </a:r>
           </a:p>
           <a:p>
@@ -10758,7 +11872,7 @@
             </a:pPr>
             <a:r>
               <a:rPr lang="en-US" sz="1900" dirty="0"/>
-              <a:t>Choose a new value that produces violates the fewest constraints (local improvement step)</a:t>
+              <a:t>Choose a new value that violates fewer constraints.</a:t>
             </a:r>
           </a:p>
           <a:p>
@@ -10768,7 +11882,7 @@
             </a:pPr>
             <a:r>
               <a:rPr lang="en-US" sz="1900" dirty="0"/>
-              <a:t>Repeat till all constraints are met. </a:t>
+              <a:t>Repeat till all constraints are met (or a local optimum is reached). </a:t>
             </a:r>
           </a:p>
           <a:p>
@@ -10831,16 +11945,16 @@
             <a:pPr marL="342900" lvl="1" indent="0">
               <a:buNone/>
             </a:pPr>
-            <a:r>
-              <a:rPr lang="en-US" sz="1900" dirty="0"/>
-              <a:t>Local search is often very effective for CSPs. </a:t>
-            </a:r>
+            <a:endParaRPr lang="en-US" sz="1900" dirty="0"/>
           </a:p>
           <a:p>
             <a:pPr marL="342900" lvl="1" indent="0">
               <a:buNone/>
             </a:pPr>
-            <a:endParaRPr lang="en-US" sz="2100" dirty="0"/>
+            <a:r>
+              <a:rPr lang="en-US" sz="1900" dirty="0"/>
+              <a:t>Local search is often very effective heuristic for CSPs. </a:t>
+            </a:r>
           </a:p>
         </p:txBody>
       </p:sp>
@@ -11171,8 +12285,8 @@
         </p:nvSpPr>
         <p:spPr>
           <a:xfrm>
-            <a:off x="4446692" y="1290265"/>
-            <a:ext cx="4468708" cy="830997"/>
+            <a:off x="4267200" y="1290265"/>
+            <a:ext cx="4648200" cy="830997"/>
           </a:xfrm>
           <a:prstGeom prst="rect">
             <a:avLst/>
@@ -11204,7 +12318,7 @@
             </a:r>
             <a:r>
               <a:rPr lang="en-US" sz="1600" dirty="0"/>
-              <a:t>(all variables assigned)</a:t>
+              <a:t>(all variables are assigned)</a:t>
             </a:r>
           </a:p>
           <a:p>
@@ -11237,7 +12351,7 @@
         </p:nvSpPr>
         <p:spPr>
           <a:xfrm>
-            <a:off x="3822120" y="1519534"/>
+            <a:off x="3743259" y="1519534"/>
             <a:ext cx="534826" cy="461665"/>
           </a:xfrm>
           <a:prstGeom prst="rect">
@@ -11262,95 +12376,78 @@
           </a:p>
         </p:txBody>
       </p:sp>
+      <p:sp>
+        <p:nvSpPr>
+          <p:cNvPr id="7" name="Speech Bubble: Rectangle with Corners Rounded 6">
+            <a:extLst>
+              <a:ext uri="{FF2B5EF4-FFF2-40B4-BE49-F238E27FC236}">
+                <a16:creationId xmlns:a16="http://schemas.microsoft.com/office/drawing/2014/main" id="{0DDF5D3F-3F5F-890F-6537-D6925253FD62}"/>
+              </a:ext>
+            </a:extLst>
+          </p:cNvPr>
+          <p:cNvSpPr/>
+          <p:nvPr/>
+        </p:nvSpPr>
+        <p:spPr>
+          <a:xfrm>
+            <a:off x="7315201" y="4970978"/>
+            <a:ext cx="1219200" cy="809089"/>
+          </a:xfrm>
+          <a:prstGeom prst="wedgeRoundRectCallout">
+            <a:avLst>
+              <a:gd name="adj1" fmla="val -108875"/>
+              <a:gd name="adj2" fmla="val 31565"/>
+              <a:gd name="adj3" fmla="val 16667"/>
+            </a:avLst>
+          </a:prstGeom>
+        </p:spPr>
+        <p:style>
+          <a:lnRef idx="2">
+            <a:schemeClr val="accent6">
+              <a:shade val="15000"/>
+            </a:schemeClr>
+          </a:lnRef>
+          <a:fillRef idx="1">
+            <a:schemeClr val="accent6"/>
+          </a:fillRef>
+          <a:effectRef idx="0">
+            <a:schemeClr val="accent6"/>
+          </a:effectRef>
+          <a:fontRef idx="minor">
+            <a:schemeClr val="lt1"/>
+          </a:fontRef>
+        </p:style>
+        <p:txBody>
+          <a:bodyPr rtlCol="0" anchor="ctr"/>
+          <a:lstStyle/>
+          <a:p>
+            <a:pPr algn="ctr"/>
+            <a:r>
+              <a:rPr lang="en-US" sz="1600" dirty="0"/>
+              <a:t>= number of violated constraints</a:t>
+            </a:r>
+          </a:p>
+        </p:txBody>
+      </p:sp>
     </p:spTree>
   </p:cSld>
   <p:clrMapOvr>
     <a:masterClrMapping/>
   </p:clrMapOvr>
-  <p:timing>
-    <p:tnLst>
-      <p:par>
-        <p:cTn id="1" dur="indefinite" restart="never" nodeType="tmRoot">
-          <p:childTnLst>
-            <p:seq concurrent="1" nextAc="seek">
-              <p:cTn id="2" dur="indefinite" nodeType="mainSeq">
-                <p:childTnLst>
-                  <p:par>
-                    <p:cTn id="3" fill="hold">
-                      <p:stCondLst>
-                        <p:cond delay="indefinite"/>
-                        <p:cond evt="onBegin" delay="0">
-                          <p:tn val="2"/>
-                        </p:cond>
-                      </p:stCondLst>
-                      <p:childTnLst>
-                        <p:par>
-                          <p:cTn id="4" fill="hold">
-                            <p:stCondLst>
-                              <p:cond delay="0"/>
-                            </p:stCondLst>
-                            <p:childTnLst>
-                              <p:par>
-                                <p:cTn id="5" presetID="1" presetClass="entr" presetSubtype="0" fill="hold" nodeType="withEffect">
-                                  <p:stCondLst>
-                                    <p:cond delay="0"/>
-                                  </p:stCondLst>
-                                  <p:childTnLst>
-                                    <p:set>
-                                      <p:cBhvr>
-                                        <p:cTn id="6" dur="1" fill="hold">
-                                          <p:stCondLst>
-                                            <p:cond delay="0"/>
-                                          </p:stCondLst>
-                                        </p:cTn>
-                                        <p:tgtEl>
-                                          <p:spTgt spid="4"/>
-                                        </p:tgtEl>
-                                        <p:attrNameLst>
-                                          <p:attrName>style.visibility</p:attrName>
-                                        </p:attrNameLst>
-                                      </p:cBhvr>
-                                      <p:to>
-                                        <p:strVal val="visible"/>
-                                      </p:to>
-                                    </p:set>
-                                  </p:childTnLst>
-                                </p:cTn>
-                              </p:par>
-                            </p:childTnLst>
-                          </p:cTn>
-                        </p:par>
-                      </p:childTnLst>
-                    </p:cTn>
-                  </p:par>
-                </p:childTnLst>
-              </p:cTn>
-              <p:prevCondLst>
-                <p:cond evt="onPrev" delay="0">
-                  <p:tgtEl>
-                    <p:sldTgt/>
-                  </p:tgtEl>
-                </p:cond>
-              </p:prevCondLst>
-              <p:nextCondLst>
-                <p:cond evt="onNext" delay="0">
-                  <p:tgtEl>
-                    <p:sldTgt/>
-                  </p:tgtEl>
-                </p:cond>
-              </p:nextCondLst>
-            </p:seq>
-          </p:childTnLst>
-        </p:cTn>
-      </p:par>
-    </p:tnLst>
-  </p:timing>
 </p:sld>
 </file>
 
-<file path=ppt/slides/slide2.xml><?xml version="1.0" encoding="utf-8"?>
+<file path=ppt/slides/slide21.xml><?xml version="1.0" encoding="utf-8"?>
 <p:sld xmlns:a="http://schemas.openxmlformats.org/drawingml/2006/main" xmlns:r="http://schemas.openxmlformats.org/officeDocument/2006/relationships" xmlns:p="http://schemas.openxmlformats.org/presentationml/2006/main">
   <p:cSld>
+    <p:bg>
+      <p:bgPr>
+        <a:solidFill>
+          <a:schemeClr val="bg1"/>
+        </a:solidFill>
+        <a:effectLst/>
+      </p:bgPr>
+    </p:bg>
     <p:spTree>
       <p:nvGrpSpPr>
         <p:cNvPr id="1" name=""/>
@@ -11365,9 +12462,631 @@
           <a:chExt cx="0" cy="0"/>
         </a:xfrm>
       </p:grpSpPr>
-      <p:sp>
-        <p:nvSpPr>
-          <p:cNvPr id="5122" name="Rectangle 2"/>
+      <p:sp useBgFill="1">
+        <p:nvSpPr>
+          <p:cNvPr id="36872" name="Rectangle 36871">
+            <a:extLst>
+              <a:ext uri="{FF2B5EF4-FFF2-40B4-BE49-F238E27FC236}">
+                <a16:creationId xmlns:a16="http://schemas.microsoft.com/office/drawing/2014/main" id="{09588DA8-065E-4F6F-8EFD-43104AB2E0CF}"/>
+              </a:ext>
+              <a:ext uri="{C183D7F6-B498-43B3-948B-1728B52AA6E4}">
+                <adec:decorative xmlns:adec="http://schemas.microsoft.com/office/drawing/2017/decorative" val="1"/>
+              </a:ext>
+            </a:extLst>
+          </p:cNvPr>
+          <p:cNvSpPr>
+            <a:spLocks noGrp="1" noRot="1" noChangeAspect="1" noMove="1" noResize="1" noEditPoints="1" noAdjustHandles="1" noChangeArrowheads="1" noChangeShapeType="1" noTextEdit="1"/>
+          </p:cNvSpPr>
+          <p:nvPr>
+            <p:extLst>
+              <p:ext uri="{386F3935-93C4-4BCD-93E2-E3B085C9AB24}">
+                <p16:designElem xmlns:p16="http://schemas.microsoft.com/office/powerpoint/2015/main" val="1"/>
+              </p:ext>
+            </p:extLst>
+          </p:nvPr>
+        </p:nvSpPr>
+        <p:spPr>
+          <a:xfrm>
+            <a:off x="0" y="0"/>
+            <a:ext cx="9144000" cy="6858000"/>
+          </a:xfrm>
+          <a:prstGeom prst="rect">
+            <a:avLst/>
+          </a:prstGeom>
+          <a:ln w="12700" cap="flat" cmpd="sng" algn="ctr">
+            <a:noFill/>
+            <a:prstDash val="solid"/>
+            <a:miter lim="800000"/>
+          </a:ln>
+          <a:effectLst/>
+          <a:extLst>
+            <a:ext uri="{91240B29-F687-4F45-9708-019B960494DF}">
+              <a14:hiddenLine xmlns:a14="http://schemas.microsoft.com/office/drawing/2010/main" w="12700" cap="flat" cmpd="sng" algn="ctr">
+                <a:solidFill>
+                  <a:schemeClr val="accent1">
+                    <a:shade val="50000"/>
+                  </a:schemeClr>
+                </a:solidFill>
+                <a:prstDash val="solid"/>
+                <a:miter lim="800000"/>
+              </a14:hiddenLine>
+            </a:ext>
+          </a:extLst>
+        </p:spPr>
+        <p:style>
+          <a:lnRef idx="2">
+            <a:schemeClr val="accent1">
+              <a:shade val="50000"/>
+            </a:schemeClr>
+          </a:lnRef>
+          <a:fillRef idx="1">
+            <a:schemeClr val="accent1"/>
+          </a:fillRef>
+          <a:effectRef idx="0">
+            <a:schemeClr val="accent1"/>
+          </a:effectRef>
+          <a:fontRef idx="minor">
+            <a:schemeClr val="lt1"/>
+          </a:fontRef>
+        </p:style>
+        <p:txBody>
+          <a:bodyPr rtlCol="0" anchor="ctr"/>
+          <a:lstStyle/>
+          <a:p>
+            <a:pPr algn="ctr"/>
+            <a:endParaRPr lang="en-US"/>
+          </a:p>
+        </p:txBody>
+      </p:sp>
+      <p:sp useBgFill="1">
+        <p:nvSpPr>
+          <p:cNvPr id="36874" name="Rectangle 36873">
+            <a:extLst>
+              <a:ext uri="{FF2B5EF4-FFF2-40B4-BE49-F238E27FC236}">
+                <a16:creationId xmlns:a16="http://schemas.microsoft.com/office/drawing/2014/main" id="{C4285719-470E-454C-AF62-8323075F1F5B}"/>
+              </a:ext>
+              <a:ext uri="{C183D7F6-B498-43B3-948B-1728B52AA6E4}">
+                <adec:decorative xmlns:adec="http://schemas.microsoft.com/office/drawing/2017/decorative" val="1"/>
+              </a:ext>
+            </a:extLst>
+          </p:cNvPr>
+          <p:cNvSpPr>
+            <a:spLocks noGrp="1" noRot="1" noChangeAspect="1" noMove="1" noResize="1" noEditPoints="1" noAdjustHandles="1" noChangeArrowheads="1" noChangeShapeType="1" noTextEdit="1"/>
+          </p:cNvSpPr>
+          <p:nvPr>
+            <p:extLst>
+              <p:ext uri="{386F3935-93C4-4BCD-93E2-E3B085C9AB24}">
+                <p16:designElem xmlns:p16="http://schemas.microsoft.com/office/powerpoint/2015/main" val="1"/>
+              </p:ext>
+            </p:extLst>
+          </p:nvPr>
+        </p:nvSpPr>
+        <p:spPr>
+          <a:xfrm>
+            <a:off x="0" y="0"/>
+            <a:ext cx="9141714" cy="6858000"/>
+          </a:xfrm>
+          <a:prstGeom prst="rect">
+            <a:avLst/>
+          </a:prstGeom>
+          <a:ln w="12700" cap="flat" cmpd="sng" algn="ctr">
+            <a:noFill/>
+            <a:prstDash val="solid"/>
+            <a:miter lim="800000"/>
+          </a:ln>
+          <a:effectLst/>
+          <a:extLst>
+            <a:ext uri="{91240B29-F687-4F45-9708-019B960494DF}">
+              <a14:hiddenLine xmlns:a14="http://schemas.microsoft.com/office/drawing/2010/main" w="12700" cap="flat" cmpd="sng" algn="ctr">
+                <a:solidFill>
+                  <a:schemeClr val="accent1">
+                    <a:shade val="50000"/>
+                  </a:schemeClr>
+                </a:solidFill>
+                <a:prstDash val="solid"/>
+                <a:miter lim="800000"/>
+              </a14:hiddenLine>
+            </a:ext>
+          </a:extLst>
+        </p:spPr>
+        <p:style>
+          <a:lnRef idx="2">
+            <a:schemeClr val="accent1">
+              <a:shade val="50000"/>
+            </a:schemeClr>
+          </a:lnRef>
+          <a:fillRef idx="1">
+            <a:schemeClr val="accent1"/>
+          </a:fillRef>
+          <a:effectRef idx="0">
+            <a:schemeClr val="accent1"/>
+          </a:effectRef>
+          <a:fontRef idx="minor">
+            <a:schemeClr val="lt1"/>
+          </a:fontRef>
+        </p:style>
+        <p:txBody>
+          <a:bodyPr rtlCol="0" anchor="ctr"/>
+          <a:lstStyle/>
+          <a:p>
+            <a:pPr algn="ctr"/>
+            <a:endParaRPr lang="en-US"/>
+          </a:p>
+        </p:txBody>
+      </p:sp>
+      <p:sp>
+        <p:nvSpPr>
+          <p:cNvPr id="36876" name="Rectangle 36875">
+            <a:extLst>
+              <a:ext uri="{FF2B5EF4-FFF2-40B4-BE49-F238E27FC236}">
+                <a16:creationId xmlns:a16="http://schemas.microsoft.com/office/drawing/2014/main" id="{CD9FE4EF-C4D8-49A0-B2FF-81D8DB7D8A24}"/>
+              </a:ext>
+              <a:ext uri="{C183D7F6-B498-43B3-948B-1728B52AA6E4}">
+                <adec:decorative xmlns:adec="http://schemas.microsoft.com/office/drawing/2017/decorative" val="1"/>
+              </a:ext>
+            </a:extLst>
+          </p:cNvPr>
+          <p:cNvSpPr>
+            <a:spLocks noGrp="1" noRot="1" noChangeAspect="1" noMove="1" noResize="1" noEditPoints="1" noAdjustHandles="1" noChangeArrowheads="1" noChangeShapeType="1" noTextEdit="1"/>
+          </p:cNvSpPr>
+          <p:nvPr>
+            <p:extLst>
+              <p:ext uri="{386F3935-93C4-4BCD-93E2-E3B085C9AB24}">
+                <p16:designElem xmlns:p16="http://schemas.microsoft.com/office/powerpoint/2015/main" val="1"/>
+              </p:ext>
+            </p:extLst>
+          </p:nvPr>
+        </p:nvSpPr>
+        <p:spPr>
+          <a:xfrm rot="5400000" flipH="1">
+            <a:off x="-1914813" y="1914812"/>
+            <a:ext cx="6858000" cy="3028377"/>
+          </a:xfrm>
+          <a:prstGeom prst="rect">
+            <a:avLst/>
+          </a:prstGeom>
+          <a:gradFill>
+            <a:gsLst>
+              <a:gs pos="8000">
+                <a:srgbClr val="000000"/>
+              </a:gs>
+              <a:gs pos="100000">
+                <a:schemeClr val="accent1">
+                  <a:lumMod val="75000"/>
+                </a:schemeClr>
+              </a:gs>
+            </a:gsLst>
+            <a:lin ang="3000000" scaled="0"/>
+          </a:gradFill>
+          <a:ln>
+            <a:noFill/>
+          </a:ln>
+        </p:spPr>
+        <p:style>
+          <a:lnRef idx="2">
+            <a:schemeClr val="accent1">
+              <a:shade val="50000"/>
+            </a:schemeClr>
+          </a:lnRef>
+          <a:fillRef idx="1">
+            <a:schemeClr val="accent1"/>
+          </a:fillRef>
+          <a:effectRef idx="0">
+            <a:schemeClr val="accent1"/>
+          </a:effectRef>
+          <a:fontRef idx="minor">
+            <a:schemeClr val="lt1"/>
+          </a:fontRef>
+        </p:style>
+        <p:txBody>
+          <a:bodyPr rtlCol="0" anchor="ctr"/>
+          <a:lstStyle/>
+          <a:p>
+            <a:pPr algn="ctr"/>
+            <a:endParaRPr lang="en-US"/>
+          </a:p>
+        </p:txBody>
+      </p:sp>
+      <p:sp>
+        <p:nvSpPr>
+          <p:cNvPr id="36878" name="Rectangle 36877">
+            <a:extLst>
+              <a:ext uri="{FF2B5EF4-FFF2-40B4-BE49-F238E27FC236}">
+                <a16:creationId xmlns:a16="http://schemas.microsoft.com/office/drawing/2014/main" id="{4300840D-0A0B-4512-BACA-B439D5B9C57C}"/>
+              </a:ext>
+              <a:ext uri="{C183D7F6-B498-43B3-948B-1728B52AA6E4}">
+                <adec:decorative xmlns:adec="http://schemas.microsoft.com/office/drawing/2017/decorative" val="1"/>
+              </a:ext>
+            </a:extLst>
+          </p:cNvPr>
+          <p:cNvSpPr>
+            <a:spLocks noGrp="1" noRot="1" noChangeAspect="1" noMove="1" noResize="1" noEditPoints="1" noAdjustHandles="1" noChangeArrowheads="1" noChangeShapeType="1" noTextEdit="1"/>
+          </p:cNvSpPr>
+          <p:nvPr>
+            <p:extLst>
+              <p:ext uri="{386F3935-93C4-4BCD-93E2-E3B085C9AB24}">
+                <p16:designElem xmlns:p16="http://schemas.microsoft.com/office/powerpoint/2015/main" val="1"/>
+              </p:ext>
+            </p:extLst>
+          </p:nvPr>
+        </p:nvSpPr>
+        <p:spPr>
+          <a:xfrm rot="5400000" flipH="1">
+            <a:off x="-1914814" y="1924949"/>
+            <a:ext cx="6857999" cy="3028379"/>
+          </a:xfrm>
+          <a:prstGeom prst="rect">
+            <a:avLst/>
+          </a:prstGeom>
+          <a:gradFill>
+            <a:gsLst>
+              <a:gs pos="0">
+                <a:srgbClr val="000000">
+                  <a:alpha val="0"/>
+                </a:srgbClr>
+              </a:gs>
+              <a:gs pos="99000">
+                <a:schemeClr val="accent1">
+                  <a:alpha val="46000"/>
+                </a:schemeClr>
+              </a:gs>
+            </a:gsLst>
+            <a:lin ang="1800000" scaled="0"/>
+          </a:gradFill>
+          <a:ln>
+            <a:noFill/>
+          </a:ln>
+        </p:spPr>
+        <p:style>
+          <a:lnRef idx="2">
+            <a:schemeClr val="accent1">
+              <a:shade val="50000"/>
+            </a:schemeClr>
+          </a:lnRef>
+          <a:fillRef idx="1">
+            <a:schemeClr val="accent1"/>
+          </a:fillRef>
+          <a:effectRef idx="0">
+            <a:schemeClr val="accent1"/>
+          </a:effectRef>
+          <a:fontRef idx="minor">
+            <a:schemeClr val="lt1"/>
+          </a:fontRef>
+        </p:style>
+        <p:txBody>
+          <a:bodyPr rtlCol="0" anchor="ctr"/>
+          <a:lstStyle/>
+          <a:p>
+            <a:pPr algn="ctr"/>
+            <a:endParaRPr lang="en-US"/>
+          </a:p>
+        </p:txBody>
+      </p:sp>
+      <p:sp>
+        <p:nvSpPr>
+          <p:cNvPr id="36880" name="Rectangle 36879">
+            <a:extLst>
+              <a:ext uri="{FF2B5EF4-FFF2-40B4-BE49-F238E27FC236}">
+                <a16:creationId xmlns:a16="http://schemas.microsoft.com/office/drawing/2014/main" id="{D2B78728-A580-49A7-84F9-6EF6F583ADE0}"/>
+              </a:ext>
+              <a:ext uri="{C183D7F6-B498-43B3-948B-1728B52AA6E4}">
+                <adec:decorative xmlns:adec="http://schemas.microsoft.com/office/drawing/2017/decorative" val="1"/>
+              </a:ext>
+            </a:extLst>
+          </p:cNvPr>
+          <p:cNvSpPr>
+            <a:spLocks noGrp="1" noRot="1" noChangeAspect="1" noMove="1" noResize="1" noEditPoints="1" noAdjustHandles="1" noChangeArrowheads="1" noChangeShapeType="1" noTextEdit="1"/>
+          </p:cNvSpPr>
+          <p:nvPr>
+            <p:extLst>
+              <p:ext uri="{386F3935-93C4-4BCD-93E2-E3B085C9AB24}">
+                <p16:designElem xmlns:p16="http://schemas.microsoft.com/office/powerpoint/2015/main" val="1"/>
+              </p:ext>
+            </p:extLst>
+          </p:nvPr>
+        </p:nvSpPr>
+        <p:spPr>
+          <a:xfrm rot="5400000" flipH="1">
+            <a:off x="263195" y="4092815"/>
+            <a:ext cx="2501979" cy="3028381"/>
+          </a:xfrm>
+          <a:prstGeom prst="rect">
+            <a:avLst/>
+          </a:prstGeom>
+          <a:gradFill>
+            <a:gsLst>
+              <a:gs pos="2000">
+                <a:schemeClr val="accent1">
+                  <a:alpha val="29000"/>
+                </a:schemeClr>
+              </a:gs>
+              <a:gs pos="100000">
+                <a:srgbClr val="000000">
+                  <a:alpha val="30000"/>
+                </a:srgbClr>
+              </a:gs>
+            </a:gsLst>
+            <a:lin ang="7800000" scaled="0"/>
+          </a:gradFill>
+          <a:ln>
+            <a:noFill/>
+          </a:ln>
+        </p:spPr>
+        <p:style>
+          <a:lnRef idx="2">
+            <a:schemeClr val="accent1">
+              <a:shade val="50000"/>
+            </a:schemeClr>
+          </a:lnRef>
+          <a:fillRef idx="1">
+            <a:schemeClr val="accent1"/>
+          </a:fillRef>
+          <a:effectRef idx="0">
+            <a:schemeClr val="accent1"/>
+          </a:effectRef>
+          <a:fontRef idx="minor">
+            <a:schemeClr val="lt1"/>
+          </a:fontRef>
+        </p:style>
+        <p:txBody>
+          <a:bodyPr rtlCol="0" anchor="ctr"/>
+          <a:lstStyle/>
+          <a:p>
+            <a:pPr algn="ctr"/>
+            <a:endParaRPr lang="en-US" dirty="0"/>
+          </a:p>
+        </p:txBody>
+      </p:sp>
+      <p:sp>
+        <p:nvSpPr>
+          <p:cNvPr id="36882" name="Freeform: Shape 36881">
+            <a:extLst>
+              <a:ext uri="{FF2B5EF4-FFF2-40B4-BE49-F238E27FC236}">
+                <a16:creationId xmlns:a16="http://schemas.microsoft.com/office/drawing/2014/main" id="{38FAA1A1-D861-433F-88FA-1E9D6FD31D11}"/>
+              </a:ext>
+              <a:ext uri="{C183D7F6-B498-43B3-948B-1728B52AA6E4}">
+                <adec:decorative xmlns:adec="http://schemas.microsoft.com/office/drawing/2017/decorative" val="1"/>
+              </a:ext>
+            </a:extLst>
+          </p:cNvPr>
+          <p:cNvSpPr>
+            <a:spLocks noGrp="1" noRot="1" noChangeAspect="1" noMove="1" noResize="1" noEditPoints="1" noAdjustHandles="1" noChangeArrowheads="1" noChangeShapeType="1" noTextEdit="1"/>
+          </p:cNvSpPr>
+          <p:nvPr>
+            <p:extLst>
+              <p:ext uri="{386F3935-93C4-4BCD-93E2-E3B085C9AB24}">
+                <p16:designElem xmlns:p16="http://schemas.microsoft.com/office/powerpoint/2015/main" val="1"/>
+              </p:ext>
+            </p:extLst>
+          </p:nvPr>
+        </p:nvSpPr>
+        <p:spPr>
+          <a:xfrm rot="20635413">
+            <a:off x="-376302" y="969718"/>
+            <a:ext cx="2925267" cy="4178958"/>
+          </a:xfrm>
+          <a:custGeom>
+            <a:avLst/>
+            <a:gdLst>
+              <a:gd name="connsiteX0" fmla="*/ 2432225 w 3900357"/>
+              <a:gd name="connsiteY0" fmla="*/ 93939 h 4178958"/>
+              <a:gd name="connsiteX1" fmla="*/ 3900357 w 3900357"/>
+              <a:gd name="connsiteY1" fmla="*/ 2089479 h 4178958"/>
+              <a:gd name="connsiteX2" fmla="*/ 1810878 w 3900357"/>
+              <a:gd name="connsiteY2" fmla="*/ 4178958 h 4178958"/>
+              <a:gd name="connsiteX3" fmla="*/ 78249 w 3900357"/>
+              <a:gd name="connsiteY3" fmla="*/ 3257727 h 4178958"/>
+              <a:gd name="connsiteX4" fmla="*/ 0 w 3900357"/>
+              <a:gd name="connsiteY4" fmla="*/ 3128923 h 4178958"/>
+              <a:gd name="connsiteX5" fmla="*/ 831324 w 3900357"/>
+              <a:gd name="connsiteY5" fmla="*/ 244281 h 4178958"/>
+              <a:gd name="connsiteX6" fmla="*/ 997559 w 3900357"/>
+              <a:gd name="connsiteY6" fmla="*/ 164202 h 4178958"/>
+              <a:gd name="connsiteX7" fmla="*/ 1810878 w 3900357"/>
+              <a:gd name="connsiteY7" fmla="*/ 0 h 4178958"/>
+              <a:gd name="connsiteX8" fmla="*/ 2432225 w 3900357"/>
+              <a:gd name="connsiteY8" fmla="*/ 93939 h 4178958"/>
+            </a:gdLst>
+            <a:ahLst/>
+            <a:cxnLst>
+              <a:cxn ang="0">
+                <a:pos x="connsiteX0" y="connsiteY0"/>
+              </a:cxn>
+              <a:cxn ang="0">
+                <a:pos x="connsiteX1" y="connsiteY1"/>
+              </a:cxn>
+              <a:cxn ang="0">
+                <a:pos x="connsiteX2" y="connsiteY2"/>
+              </a:cxn>
+              <a:cxn ang="0">
+                <a:pos x="connsiteX3" y="connsiteY3"/>
+              </a:cxn>
+              <a:cxn ang="0">
+                <a:pos x="connsiteX4" y="connsiteY4"/>
+              </a:cxn>
+              <a:cxn ang="0">
+                <a:pos x="connsiteX5" y="connsiteY5"/>
+              </a:cxn>
+              <a:cxn ang="0">
+                <a:pos x="connsiteX6" y="connsiteY6"/>
+              </a:cxn>
+              <a:cxn ang="0">
+                <a:pos x="connsiteX7" y="connsiteY7"/>
+              </a:cxn>
+              <a:cxn ang="0">
+                <a:pos x="connsiteX8" y="connsiteY8"/>
+              </a:cxn>
+            </a:cxnLst>
+            <a:rect l="l" t="t" r="r" b="b"/>
+            <a:pathLst>
+              <a:path w="3900357" h="4178958">
+                <a:moveTo>
+                  <a:pt x="2432225" y="93939"/>
+                </a:moveTo>
+                <a:cubicBezTo>
+                  <a:pt x="3282786" y="358491"/>
+                  <a:pt x="3900357" y="1151865"/>
+                  <a:pt x="3900357" y="2089479"/>
+                </a:cubicBezTo>
+                <a:cubicBezTo>
+                  <a:pt x="3900357" y="3243466"/>
+                  <a:pt x="2964865" y="4178958"/>
+                  <a:pt x="1810878" y="4178958"/>
+                </a:cubicBezTo>
+                <a:cubicBezTo>
+                  <a:pt x="1089636" y="4178958"/>
+                  <a:pt x="453744" y="3813531"/>
+                  <a:pt x="78249" y="3257727"/>
+                </a:cubicBezTo>
+                <a:lnTo>
+                  <a:pt x="0" y="3128923"/>
+                </a:lnTo>
+                <a:lnTo>
+                  <a:pt x="831324" y="244281"/>
+                </a:lnTo>
+                <a:lnTo>
+                  <a:pt x="997559" y="164202"/>
+                </a:lnTo>
+                <a:cubicBezTo>
+                  <a:pt x="1247540" y="58468"/>
+                  <a:pt x="1522381" y="0"/>
+                  <a:pt x="1810878" y="0"/>
+                </a:cubicBezTo>
+                <a:cubicBezTo>
+                  <a:pt x="2027251" y="0"/>
+                  <a:pt x="2235942" y="32888"/>
+                  <a:pt x="2432225" y="93939"/>
+                </a:cubicBezTo>
+                <a:close/>
+              </a:path>
+            </a:pathLst>
+          </a:custGeom>
+          <a:gradFill>
+            <a:gsLst>
+              <a:gs pos="29000">
+                <a:srgbClr val="000000">
+                  <a:alpha val="0"/>
+                </a:srgbClr>
+              </a:gs>
+              <a:gs pos="100000">
+                <a:schemeClr val="accent1">
+                  <a:alpha val="43000"/>
+                </a:schemeClr>
+              </a:gs>
+            </a:gsLst>
+            <a:lin ang="1800000" scaled="0"/>
+          </a:gradFill>
+          <a:ln>
+            <a:noFill/>
+          </a:ln>
+        </p:spPr>
+        <p:style>
+          <a:lnRef idx="2">
+            <a:schemeClr val="accent1">
+              <a:shade val="50000"/>
+            </a:schemeClr>
+          </a:lnRef>
+          <a:fillRef idx="1">
+            <a:schemeClr val="accent1"/>
+          </a:fillRef>
+          <a:effectRef idx="0">
+            <a:schemeClr val="accent1"/>
+          </a:effectRef>
+          <a:fontRef idx="minor">
+            <a:schemeClr val="lt1"/>
+          </a:fontRef>
+        </p:style>
+        <p:txBody>
+          <a:bodyPr wrap="square" rtlCol="0" anchor="ctr">
+            <a:noAutofit/>
+          </a:bodyPr>
+          <a:lstStyle/>
+          <a:p>
+            <a:pPr algn="ctr"/>
+            <a:endParaRPr lang="en-US" dirty="0"/>
+          </a:p>
+        </p:txBody>
+      </p:sp>
+      <p:sp>
+        <p:nvSpPr>
+          <p:cNvPr id="36884" name="Rectangle 36883">
+            <a:extLst>
+              <a:ext uri="{FF2B5EF4-FFF2-40B4-BE49-F238E27FC236}">
+                <a16:creationId xmlns:a16="http://schemas.microsoft.com/office/drawing/2014/main" id="{8D71EDA1-87BF-4D5D-AB79-F346FD19278A}"/>
+              </a:ext>
+              <a:ext uri="{C183D7F6-B498-43B3-948B-1728B52AA6E4}">
+                <adec:decorative xmlns:adec="http://schemas.microsoft.com/office/drawing/2017/decorative" val="1"/>
+              </a:ext>
+            </a:extLst>
+          </p:cNvPr>
+          <p:cNvSpPr>
+            <a:spLocks noGrp="1" noRot="1" noChangeAspect="1" noMove="1" noResize="1" noEditPoints="1" noAdjustHandles="1" noChangeArrowheads="1" noChangeShapeType="1" noTextEdit="1"/>
+          </p:cNvSpPr>
+          <p:nvPr>
+            <p:extLst>
+              <p:ext uri="{386F3935-93C4-4BCD-93E2-E3B085C9AB24}">
+                <p16:designElem xmlns:p16="http://schemas.microsoft.com/office/powerpoint/2015/main" val="1"/>
+              </p:ext>
+            </p:extLst>
+          </p:nvPr>
+        </p:nvSpPr>
+        <p:spPr>
+          <a:xfrm rot="5400000" flipH="1">
+            <a:off x="-1914820" y="1904672"/>
+            <a:ext cx="6858003" cy="3028376"/>
+          </a:xfrm>
+          <a:prstGeom prst="rect">
+            <a:avLst/>
+          </a:prstGeom>
+          <a:gradFill>
+            <a:gsLst>
+              <a:gs pos="0">
+                <a:srgbClr val="000000">
+                  <a:alpha val="0"/>
+                </a:srgbClr>
+              </a:gs>
+              <a:gs pos="99000">
+                <a:schemeClr val="accent1">
+                  <a:lumMod val="60000"/>
+                  <a:lumOff val="40000"/>
+                  <a:alpha val="11000"/>
+                </a:schemeClr>
+              </a:gs>
+            </a:gsLst>
+            <a:lin ang="7200000" scaled="0"/>
+          </a:gradFill>
+          <a:ln>
+            <a:noFill/>
+          </a:ln>
+        </p:spPr>
+        <p:style>
+          <a:lnRef idx="2">
+            <a:schemeClr val="accent1">
+              <a:shade val="50000"/>
+            </a:schemeClr>
+          </a:lnRef>
+          <a:fillRef idx="1">
+            <a:schemeClr val="accent1"/>
+          </a:fillRef>
+          <a:effectRef idx="0">
+            <a:schemeClr val="accent1"/>
+          </a:effectRef>
+          <a:fontRef idx="minor">
+            <a:schemeClr val="lt1"/>
+          </a:fontRef>
+        </p:style>
+        <p:txBody>
+          <a:bodyPr rtlCol="0" anchor="ctr"/>
+          <a:lstStyle/>
+          <a:p>
+            <a:pPr algn="ctr"/>
+            <a:endParaRPr lang="en-US"/>
+          </a:p>
+        </p:txBody>
+      </p:sp>
+      <p:sp>
+        <p:nvSpPr>
+          <p:cNvPr id="36866" name="Rectangle 2"/>
           <p:cNvSpPr>
             <a:spLocks noGrp="1" noChangeArrowheads="1"/>
           </p:cNvSpPr>
@@ -11375,589 +13094,174 @@
             <p:ph type="title"/>
           </p:nvPr>
         </p:nvSpPr>
-        <p:spPr/>
-        <p:txBody>
-          <a:bodyPr/>
+        <p:spPr>
+          <a:xfrm>
+            <a:off x="350041" y="586855"/>
+            <a:ext cx="2401025" cy="3387497"/>
+          </a:xfrm>
+        </p:spPr>
+        <p:txBody>
+          <a:bodyPr anchor="b">
+            <a:normAutofit/>
+          </a:bodyPr>
           <a:lstStyle/>
           <a:p>
-            <a:r>
-              <a:rPr lang="en-US" sz="3200" dirty="0"/>
-              <a:t>Constraint Satisfaction </a:t>
-            </a:r>
-            <a:br>
-              <a:rPr lang="en-US" sz="3200" dirty="0"/>
-            </a:br>
-            <a:r>
-              <a:rPr lang="en-US" sz="3200" dirty="0"/>
-              <a:t>Problems (CSPs)</a:t>
-            </a:r>
-          </a:p>
-        </p:txBody>
-      </p:sp>
-      <mc:AlternateContent xmlns:mc="http://schemas.openxmlformats.org/markup-compatibility/2006" xmlns:a14="http://schemas.microsoft.com/office/drawing/2010/main">
-        <mc:Choice Requires="a14">
-          <p:sp>
-            <p:nvSpPr>
-              <p:cNvPr id="5123" name="Rectangle 3"/>
-              <p:cNvSpPr>
-                <a:spLocks noGrp="1" noChangeArrowheads="1"/>
-              </p:cNvSpPr>
-              <p:nvPr>
-                <p:ph idx="1"/>
-              </p:nvPr>
-            </p:nvSpPr>
-            <p:spPr>
-              <a:xfrm>
-                <a:off x="628650" y="2286000"/>
-                <a:ext cx="8058150" cy="4206874"/>
-              </a:xfrm>
-            </p:spPr>
-            <p:txBody>
-              <a:bodyPr>
-                <a:normAutofit fontScale="62500" lnSpcReduction="20000"/>
-              </a:bodyPr>
-              <a:lstStyle/>
-              <a:p>
-                <a:pPr marL="0" indent="0">
-                  <a:buNone/>
-                </a:pPr>
-                <a:r>
-                  <a:rPr lang="en-US" sz="2000" dirty="0"/>
-                  <a:t>Definition:</a:t>
-                </a:r>
-              </a:p>
-              <a:p>
-                <a:pPr lvl="1"/>
-                <a:r>
-                  <a:rPr lang="en-US" sz="2000" b="1" dirty="0">
-                    <a:solidFill>
-                      <a:srgbClr val="CC0000"/>
-                    </a:solidFill>
-                  </a:rPr>
-                  <a:t>State</a:t>
-                </a:r>
-                <a:r>
-                  <a:rPr lang="en-US" sz="2000" dirty="0"/>
-                  <a:t> is defined by a set of </a:t>
-                </a:r>
-                <a:r>
-                  <a:rPr lang="en-US" sz="2000" b="1" dirty="0"/>
-                  <a:t>variables</a:t>
-                </a:r>
-                <a:r>
-                  <a:rPr lang="en-US" sz="2000" dirty="0"/>
-                  <a:t> </a:t>
-                </a:r>
-                <a:r>
-                  <a:rPr lang="en-US" sz="2000" i="1" dirty="0"/>
-                  <a:t>X</a:t>
-                </a:r>
-                <a:r>
-                  <a:rPr lang="en-US" sz="2000" i="1" baseline="-25000" dirty="0"/>
-                  <a:t>i </a:t>
-                </a:r>
-                <a:r>
-                  <a:rPr lang="en-US" sz="2000" dirty="0"/>
-                  <a:t> (= factored state description)</a:t>
-                </a:r>
-              </a:p>
-              <a:p>
-                <a:pPr lvl="2"/>
-                <a:r>
-                  <a:rPr lang="en-US" sz="1700" dirty="0"/>
-                  <a:t>Each variable can have a </a:t>
-                </a:r>
-                <a:r>
-                  <a:rPr lang="en-US" sz="1700" b="1" dirty="0"/>
-                  <a:t>value</a:t>
-                </a:r>
-                <a:r>
-                  <a:rPr lang="en-US" sz="1700" dirty="0"/>
-                  <a:t> from </a:t>
-                </a:r>
-                <a:r>
-                  <a:rPr lang="en-US" sz="1700" b="1" dirty="0"/>
-                  <a:t>domain</a:t>
-                </a:r>
-                <a:r>
-                  <a:rPr lang="en-US" sz="1700" dirty="0"/>
-                  <a:t> </a:t>
-                </a:r>
-                <a:r>
-                  <a:rPr lang="en-US" sz="1700" i="1" dirty="0"/>
-                  <a:t>D</a:t>
-                </a:r>
-                <a:r>
-                  <a:rPr lang="en-US" sz="1700" i="1" baseline="-25000" dirty="0"/>
-                  <a:t>i  </a:t>
-                </a:r>
-                <a:r>
-                  <a:rPr lang="en-US" sz="1700" dirty="0"/>
-                  <a:t>or be </a:t>
-                </a:r>
-                <a:r>
-                  <a:rPr lang="en-US" sz="1800" b="1" dirty="0"/>
-                  <a:t>unassigned</a:t>
-                </a:r>
-                <a:r>
-                  <a:rPr lang="en-US" sz="1700" dirty="0"/>
-                  <a:t> (partial solution).</a:t>
-                </a:r>
-                <a:endParaRPr lang="en-US" sz="2000" b="1" dirty="0">
-                  <a:solidFill>
-                    <a:srgbClr val="CC0000"/>
-                  </a:solidFill>
-                </a:endParaRPr>
-              </a:p>
-              <a:p>
-                <a:pPr lvl="1"/>
-                <a:endParaRPr lang="en-US" sz="2000" b="1" dirty="0">
-                  <a:solidFill>
-                    <a:srgbClr val="CC0000"/>
-                  </a:solidFill>
-                </a:endParaRPr>
-              </a:p>
-              <a:p>
-                <a:pPr lvl="1"/>
-                <a:r>
-                  <a:rPr lang="en-US" sz="2000" b="1" dirty="0">
-                    <a:solidFill>
-                      <a:srgbClr val="CC0000"/>
-                    </a:solidFill>
-                  </a:rPr>
-                  <a:t>Constraints </a:t>
-                </a:r>
-                <a:r>
-                  <a:rPr lang="en-US" sz="2000" dirty="0"/>
-                  <a:t>are a set of rules specifying allowable combinations of values for subsets of variables (e.g., </a:t>
-                </a:r>
-                <a14:m>
-                  <m:oMath xmlns:m="http://schemas.openxmlformats.org/officeDocument/2006/math">
-                    <m:r>
-                      <a:rPr lang="en-US" sz="2000" i="1" dirty="0" smtClean="0">
-                        <a:latin typeface="Cambria Math" panose="02040503050406030204" pitchFamily="18" charset="0"/>
-                      </a:rPr>
-                      <m:t>𝑋</m:t>
-                    </m:r>
-                    <m:r>
-                      <a:rPr lang="en-US" sz="2000" i="1" baseline="-25000" dirty="0">
-                        <a:latin typeface="Cambria Math" panose="02040503050406030204" pitchFamily="18" charset="0"/>
-                      </a:rPr>
-                      <m:t>1 </m:t>
-                    </m:r>
-                    <m:r>
-                      <a:rPr lang="en-US" sz="2000" i="1" dirty="0" smtClean="0">
-                        <a:latin typeface="Cambria Math" panose="02040503050406030204" pitchFamily="18" charset="0"/>
-                        <a:ea typeface="Cambria Math" panose="02040503050406030204" pitchFamily="18" charset="0"/>
-                      </a:rPr>
-                      <m:t>≠</m:t>
-                    </m:r>
-                    <m:r>
-                      <a:rPr lang="en-US" sz="2000" i="1" dirty="0">
-                        <a:latin typeface="Cambria Math" panose="02040503050406030204" pitchFamily="18" charset="0"/>
-                      </a:rPr>
-                      <m:t> </m:t>
-                    </m:r>
-                    <m:r>
-                      <a:rPr lang="en-US" sz="2000" i="1" dirty="0">
-                        <a:latin typeface="Cambria Math" panose="02040503050406030204" pitchFamily="18" charset="0"/>
-                      </a:rPr>
-                      <m:t>𝑋</m:t>
-                    </m:r>
-                    <m:r>
-                      <a:rPr lang="en-US" sz="2000" i="1" baseline="-25000" dirty="0">
-                        <a:latin typeface="Cambria Math" panose="02040503050406030204" pitchFamily="18" charset="0"/>
-                      </a:rPr>
-                      <m:t>7</m:t>
-                    </m:r>
-                    <m:r>
-                      <a:rPr lang="en-US" sz="2000" i="1" dirty="0">
-                        <a:latin typeface="Cambria Math" panose="02040503050406030204" pitchFamily="18" charset="0"/>
-                      </a:rPr>
-                      <m:t> </m:t>
-                    </m:r>
-                  </m:oMath>
-                </a14:m>
-                <a:r>
-                  <a:rPr lang="en-US" sz="2000" dirty="0"/>
-                  <a:t>or </a:t>
-                </a:r>
-                <a14:m>
-                  <m:oMath xmlns:m="http://schemas.openxmlformats.org/officeDocument/2006/math">
-                    <m:r>
-                      <a:rPr lang="en-US" sz="2000" i="1" dirty="0" smtClean="0">
-                        <a:latin typeface="Cambria Math" panose="02040503050406030204" pitchFamily="18" charset="0"/>
-                      </a:rPr>
-                      <m:t>𝑋</m:t>
-                    </m:r>
-                    <m:r>
-                      <a:rPr lang="en-US" sz="2000" i="1" baseline="-25000" dirty="0">
-                        <a:latin typeface="Cambria Math" panose="02040503050406030204" pitchFamily="18" charset="0"/>
-                      </a:rPr>
-                      <m:t>2 </m:t>
-                    </m:r>
-                    <m:r>
-                      <a:rPr lang="en-US" sz="2000" i="1" dirty="0">
-                        <a:latin typeface="Cambria Math" panose="02040503050406030204" pitchFamily="18" charset="0"/>
-                      </a:rPr>
-                      <m:t>&gt; </m:t>
-                    </m:r>
-                    <m:r>
-                      <a:rPr lang="en-US" sz="2000" i="1" dirty="0">
-                        <a:latin typeface="Cambria Math" panose="02040503050406030204" pitchFamily="18" charset="0"/>
-                      </a:rPr>
-                      <m:t>𝑋</m:t>
-                    </m:r>
-                    <m:r>
-                      <a:rPr lang="en-US" sz="2000" i="1" baseline="-25000" dirty="0">
-                        <a:latin typeface="Cambria Math" panose="02040503050406030204" pitchFamily="18" charset="0"/>
-                      </a:rPr>
-                      <m:t>9 </m:t>
-                    </m:r>
-                    <m:r>
-                      <a:rPr lang="en-US" sz="2000" i="1" dirty="0">
-                        <a:latin typeface="Cambria Math" panose="02040503050406030204" pitchFamily="18" charset="0"/>
-                      </a:rPr>
-                      <m:t>+ 3</m:t>
-                    </m:r>
-                  </m:oMath>
-                </a14:m>
-                <a:r>
-                  <a:rPr lang="en-US" sz="2000" dirty="0"/>
-                  <a:t>)</a:t>
-                </a:r>
-              </a:p>
-              <a:p>
-                <a:pPr lvl="1"/>
-                <a:endParaRPr lang="en-US" sz="2000" b="1" dirty="0">
-                  <a:solidFill>
-                    <a:srgbClr val="CC0000"/>
-                  </a:solidFill>
-                </a:endParaRPr>
-              </a:p>
-              <a:p>
-                <a:pPr lvl="1"/>
-                <a:r>
-                  <a:rPr lang="en-US" sz="2000" b="1" dirty="0">
-                    <a:solidFill>
-                      <a:srgbClr val="CC0000"/>
-                    </a:solidFill>
-                  </a:rPr>
-                  <a:t>Solution</a:t>
-                </a:r>
-                <a:r>
-                  <a:rPr lang="en-US" sz="2000" dirty="0"/>
-                  <a:t>: a state that is a</a:t>
-                </a:r>
-              </a:p>
-              <a:p>
-                <a:pPr marL="1028700" lvl="2" indent="-342900">
-                  <a:buFont typeface="+mj-lt"/>
-                  <a:buAutoNum type="alphaLcParenR"/>
-                </a:pPr>
-                <a:r>
-                  <a:rPr lang="en-US" sz="1800" b="1" dirty="0">
-                    <a:solidFill>
-                      <a:srgbClr val="C00000"/>
-                    </a:solidFill>
-                  </a:rPr>
-                  <a:t>Consistent assignment</a:t>
-                </a:r>
-                <a:r>
-                  <a:rPr lang="en-US" sz="1800" dirty="0"/>
-                  <a:t>: satisfies all constraints</a:t>
-                </a:r>
-                <a:endParaRPr lang="en-US" sz="1800" dirty="0">
-                  <a:solidFill>
-                    <a:srgbClr val="FF0000"/>
-                  </a:solidFill>
-                </a:endParaRPr>
-              </a:p>
-              <a:p>
-                <a:pPr marL="1028700" lvl="2" indent="-342900">
-                  <a:buFont typeface="+mj-lt"/>
-                  <a:buAutoNum type="alphaLcParenR"/>
-                </a:pPr>
-                <a:r>
-                  <a:rPr lang="en-US" sz="1800" b="1" dirty="0">
-                    <a:solidFill>
-                      <a:srgbClr val="C00000"/>
-                    </a:solidFill>
-                  </a:rPr>
-                  <a:t>Complete assignment:</a:t>
-                </a:r>
-                <a:r>
-                  <a:rPr lang="en-US" sz="1800" dirty="0">
-                    <a:solidFill>
-                      <a:srgbClr val="FF0000"/>
-                    </a:solidFill>
-                  </a:rPr>
-                  <a:t> </a:t>
-                </a:r>
-                <a:r>
-                  <a:rPr lang="en-US" sz="1800" dirty="0"/>
-                  <a:t>assigns value to each variable </a:t>
-                </a:r>
-              </a:p>
-              <a:p>
-                <a:endParaRPr lang="en-US" sz="2000" dirty="0"/>
-              </a:p>
-              <a:p>
-                <a:pPr marL="0" indent="0">
-                  <a:buNone/>
-                </a:pPr>
-                <a:r>
-                  <a:rPr lang="en-US" dirty="0"/>
-                  <a:t>Differences: ”generic” tree search:</a:t>
-                </a:r>
-              </a:p>
-              <a:p>
-                <a:pPr lvl="1"/>
-                <a:r>
-                  <a:rPr lang="en-US" dirty="0"/>
-                  <a:t>Atomic states (variables are only used to create human readable labels or calculate heuristics)</a:t>
-                </a:r>
-              </a:p>
-              <a:p>
-                <a:pPr lvl="1"/>
-                <a:r>
-                  <a:rPr lang="en-US" dirty="0"/>
-                  <a:t>States are always complete assignments.</a:t>
-                </a:r>
-              </a:p>
-              <a:p>
-                <a:pPr lvl="1"/>
-                <a:r>
-                  <a:rPr lang="en-US" dirty="0"/>
-                  <a:t>Constrains are implicit in the transition function.</a:t>
-                </a:r>
-              </a:p>
-              <a:p>
-                <a:pPr marL="0" indent="0">
-                  <a:buNone/>
-                </a:pPr>
-                <a:r>
-                  <a:rPr lang="en-US" sz="2000" dirty="0"/>
-                  <a:t>Differences: Local search</a:t>
-                </a:r>
-              </a:p>
-              <a:p>
-                <a:pPr lvl="1"/>
-                <a:r>
-                  <a:rPr lang="en-US" sz="1700" dirty="0"/>
-                  <a:t>Factored representation to find local moves.</a:t>
-                </a:r>
-              </a:p>
-              <a:p>
-                <a:pPr lvl="1"/>
-                <a:r>
-                  <a:rPr lang="en-US" sz="1700" dirty="0"/>
-                  <a:t>Always complete assignments.</a:t>
-                </a:r>
-              </a:p>
-              <a:p>
-                <a:pPr lvl="1"/>
-                <a:r>
-                  <a:rPr lang="en-US" sz="1700" dirty="0"/>
-                  <a:t>Constraints may not be met.</a:t>
-                </a:r>
-              </a:p>
-              <a:p>
-                <a:pPr marL="0" indent="0">
-                  <a:buNone/>
-                </a:pPr>
-                <a:endParaRPr lang="en-US" sz="2300" dirty="0"/>
-              </a:p>
-              <a:p>
-                <a:pPr marL="0" indent="0">
-                  <a:buNone/>
-                </a:pPr>
-                <a:r>
-                  <a:rPr lang="en-US" dirty="0"/>
-                  <a:t>General-purpose algorithms for CSP with more power than standard search algorithms exit.</a:t>
-                </a:r>
-              </a:p>
-            </p:txBody>
-          </p:sp>
-        </mc:Choice>
-        <mc:Fallback xmlns="">
-          <p:sp>
-            <p:nvSpPr>
-              <p:cNvPr id="5123" name="Rectangle 3"/>
-              <p:cNvSpPr>
-                <a:spLocks noGrp="1" noRot="1" noChangeAspect="1" noMove="1" noResize="1" noEditPoints="1" noAdjustHandles="1" noChangeArrowheads="1" noChangeShapeType="1" noTextEdit="1"/>
-              </p:cNvSpPr>
-              <p:nvPr>
-                <p:ph idx="1"/>
-              </p:nvPr>
-            </p:nvSpPr>
-            <p:spPr>
-              <a:xfrm>
-                <a:off x="628650" y="2286000"/>
-                <a:ext cx="8058150" cy="4206874"/>
-              </a:xfrm>
-              <a:blipFill>
-                <a:blip r:embed="rId3"/>
-                <a:stretch>
-                  <a:fillRect l="-76" t="-1304"/>
-                </a:stretch>
-              </a:blipFill>
-            </p:spPr>
-            <p:txBody>
-              <a:bodyPr/>
-              <a:lstStyle/>
-              <a:p>
-                <a:r>
-                  <a:rPr lang="en-US">
-                    <a:noFill/>
-                  </a:rPr>
-                  <a:t> </a:t>
-                </a:r>
-              </a:p>
-            </p:txBody>
-          </p:sp>
-        </mc:Fallback>
-      </mc:AlternateContent>
-      <p:pic>
-        <p:nvPicPr>
-          <p:cNvPr id="2" name="Picture 1">
+            <a:pPr algn="r"/>
+            <a:r>
+              <a:rPr lang="en-US" sz="3500">
+                <a:solidFill>
+                  <a:srgbClr val="FFFFFF"/>
+                </a:solidFill>
+              </a:rPr>
+              <a:t>What You Should Know</a:t>
+            </a:r>
+          </a:p>
+        </p:txBody>
+      </p:sp>
+      <p:sp>
+        <p:nvSpPr>
+          <p:cNvPr id="36867" name="Rectangle 3"/>
+          <p:cNvSpPr>
+            <a:spLocks noGrp="1" noChangeArrowheads="1"/>
+          </p:cNvSpPr>
+          <p:nvPr>
+            <p:ph idx="1"/>
+          </p:nvPr>
+        </p:nvSpPr>
+        <p:spPr>
+          <a:xfrm>
+            <a:off x="3607694" y="649480"/>
+            <a:ext cx="4916510" cy="5546047"/>
+          </a:xfrm>
+        </p:spPr>
+        <p:txBody>
+          <a:bodyPr anchor="ctr">
+            <a:noAutofit/>
+          </a:bodyPr>
+          <a:lstStyle/>
+          <a:p>
+            <a:r>
+              <a:rPr lang="en-US" sz="1500" dirty="0"/>
+              <a:t>CSPs are a special type of search problem:</a:t>
+            </a:r>
+          </a:p>
+          <a:p>
+            <a:pPr lvl="1"/>
+            <a:r>
+              <a:rPr lang="en-US" sz="1500" dirty="0"/>
+              <a:t>States are </a:t>
+            </a:r>
+            <a:r>
+              <a:rPr lang="en-US" sz="1500" b="1" dirty="0"/>
+              <a:t>factored</a:t>
+            </a:r>
+            <a:r>
+              <a:rPr lang="en-US" sz="1500" dirty="0"/>
+              <a:t> and defined by a set of variables and values assignments</a:t>
+            </a:r>
+          </a:p>
+          <a:p>
+            <a:pPr lvl="1"/>
+            <a:r>
+              <a:rPr lang="en-US" sz="1500" dirty="0"/>
+              <a:t>The goal is defined by a set of constraints on the variables.</a:t>
+            </a:r>
+          </a:p>
+          <a:p>
+            <a:pPr lvl="1"/>
+            <a:r>
+              <a:rPr lang="en-US" sz="1500" dirty="0"/>
+              <a:t>Incomplete assignments are used to create a complete assignments piece-by-piece.</a:t>
+            </a:r>
+          </a:p>
+          <a:p>
+            <a:pPr lvl="1"/>
+            <a:r>
+              <a:rPr lang="en-US" sz="1500" dirty="0"/>
+              <a:t>The goal test is defined by </a:t>
+            </a:r>
+          </a:p>
+          <a:p>
+            <a:pPr lvl="2"/>
+            <a:r>
+              <a:rPr lang="en-US" b="1" dirty="0"/>
+              <a:t>Consistency</a:t>
+            </a:r>
+            <a:r>
+              <a:rPr lang="en-US" dirty="0"/>
+              <a:t> with constraints</a:t>
+            </a:r>
+          </a:p>
+          <a:p>
+            <a:pPr lvl="2"/>
+            <a:r>
+              <a:rPr lang="en-US" b="1" dirty="0"/>
+              <a:t>Completeness</a:t>
+            </a:r>
+            <a:r>
+              <a:rPr lang="en-US" dirty="0"/>
+              <a:t> of assignment </a:t>
+            </a:r>
+          </a:p>
+          <a:p>
+            <a:pPr marL="0" indent="0">
+              <a:buNone/>
+            </a:pPr>
+            <a:endParaRPr lang="en-US" sz="1500" b="1" dirty="0"/>
+          </a:p>
+          <a:p>
+            <a:r>
+              <a:rPr lang="en-US" sz="1500" dirty="0"/>
+              <a:t>Many problems can be formulated as a CSP and problems where the constraints are very restrictive on the solution space may be easier to solve as CSPs (e.g., scheduling problems and puzzles).</a:t>
+            </a:r>
+            <a:endParaRPr lang="en-US" sz="1500" b="1" dirty="0"/>
+          </a:p>
+          <a:p>
+            <a:pPr marL="0" indent="0">
+              <a:buNone/>
+            </a:pPr>
+            <a:endParaRPr lang="en-US" sz="1500" b="1" dirty="0"/>
+          </a:p>
+          <a:p>
+            <a:r>
+              <a:rPr lang="en-US" sz="1500" dirty="0"/>
+              <a:t>Effective off-the-shelf solvers exist. They typically use:</a:t>
+            </a:r>
+          </a:p>
+          <a:p>
+            <a:pPr lvl="1"/>
+            <a:r>
+              <a:rPr lang="en-US" sz="1500" b="1" dirty="0"/>
+              <a:t>Depth-first search</a:t>
+            </a:r>
+            <a:r>
+              <a:rPr lang="en-US" sz="1500" dirty="0"/>
+              <a:t>: successor states are generated variable-by-variable by adding a consistent value assignment to single unassigned variables.</a:t>
+            </a:r>
+          </a:p>
+          <a:p>
+            <a:pPr lvl="1"/>
+            <a:r>
+              <a:rPr lang="en-US" sz="1500" b="1" dirty="0"/>
+              <a:t>Local search</a:t>
+            </a:r>
+            <a:r>
+              <a:rPr lang="en-US" sz="1500" dirty="0"/>
+              <a:t> can be used as an effective heuristic. It search the space of all complete assignments for consistent assignments = </a:t>
+            </a:r>
+            <a:r>
+              <a:rPr lang="en-US" sz="1500" b="1" dirty="0"/>
+              <a:t>min-conflicts heuristic.</a:t>
+            </a:r>
+          </a:p>
+        </p:txBody>
+      </p:sp>
+      <p:sp>
+        <p:nvSpPr>
+          <p:cNvPr id="2" name="Star: 5 Points 1">
             <a:extLst>
               <a:ext uri="{FF2B5EF4-FFF2-40B4-BE49-F238E27FC236}">
-                <a16:creationId xmlns:a16="http://schemas.microsoft.com/office/drawing/2014/main" id="{77D56882-B39D-47D5-AACD-0ABF7ECE3E67}"/>
-              </a:ext>
-            </a:extLst>
-          </p:cNvPr>
-          <p:cNvPicPr>
-            <a:picLocks noChangeAspect="1"/>
-          </p:cNvPicPr>
-          <p:nvPr/>
-        </p:nvPicPr>
-        <p:blipFill rotWithShape="1">
-          <a:blip r:embed="rId4"/>
-          <a:srcRect r="39163"/>
-          <a:stretch/>
-        </p:blipFill>
-        <p:spPr>
-          <a:xfrm>
-            <a:off x="4572000" y="533400"/>
-            <a:ext cx="2827817" cy="1612641"/>
-          </a:xfrm>
-          <a:prstGeom prst="rect">
-            <a:avLst/>
-          </a:prstGeom>
-        </p:spPr>
-      </p:pic>
-      <p:sp>
-        <p:nvSpPr>
-          <p:cNvPr id="3" name="Rectangle: Rounded Corners 2">
-            <a:extLst>
-              <a:ext uri="{FF2B5EF4-FFF2-40B4-BE49-F238E27FC236}">
-                <a16:creationId xmlns:a16="http://schemas.microsoft.com/office/drawing/2014/main" id="{FE59D927-EDFE-4724-B097-B4603043B15F}"/>
-              </a:ext>
-            </a:extLst>
-          </p:cNvPr>
-          <p:cNvSpPr/>
-          <p:nvPr/>
-        </p:nvSpPr>
-        <p:spPr>
-          <a:xfrm>
-            <a:off x="5647217" y="533400"/>
-            <a:ext cx="1752600" cy="1598464"/>
-          </a:xfrm>
-          <a:prstGeom prst="roundRect">
-            <a:avLst/>
-          </a:prstGeom>
-          <a:noFill/>
-          <a:ln w="38100" cap="flat" cmpd="sng" algn="ctr">
-            <a:solidFill>
-              <a:srgbClr val="FF0000"/>
-            </a:solidFill>
-            <a:prstDash val="solid"/>
-            <a:round/>
-            <a:headEnd type="none" w="med" len="med"/>
-            <a:tailEnd type="none" w="med" len="med"/>
-          </a:ln>
-        </p:spPr>
-        <p:style>
-          <a:lnRef idx="0">
-            <a:scrgbClr r="0" g="0" b="0"/>
-          </a:lnRef>
-          <a:fillRef idx="0">
-            <a:scrgbClr r="0" g="0" b="0"/>
-          </a:fillRef>
-          <a:effectRef idx="0">
-            <a:scrgbClr r="0" g="0" b="0"/>
-          </a:effectRef>
-          <a:fontRef idx="minor">
-            <a:schemeClr val="accent2"/>
-          </a:fontRef>
-        </p:style>
-        <p:txBody>
-          <a:bodyPr rtlCol="0" anchor="ctr"/>
-          <a:lstStyle/>
-          <a:p>
-            <a:pPr algn="ctr"/>
-            <a:endParaRPr lang="en-US"/>
-          </a:p>
-        </p:txBody>
-      </p:sp>
-      <p:sp>
-        <p:nvSpPr>
-          <p:cNvPr id="4" name="Speech Bubble: Rectangle with Corners Rounded 3">
-            <a:extLst>
-              <a:ext uri="{FF2B5EF4-FFF2-40B4-BE49-F238E27FC236}">
-                <a16:creationId xmlns:a16="http://schemas.microsoft.com/office/drawing/2014/main" id="{D10843E1-985B-4A9F-A87D-3ABA26727E55}"/>
-              </a:ext>
-            </a:extLst>
-          </p:cNvPr>
-          <p:cNvSpPr/>
-          <p:nvPr/>
-        </p:nvSpPr>
-        <p:spPr>
-          <a:xfrm>
-            <a:off x="7848600" y="685799"/>
-            <a:ext cx="1219200" cy="1004889"/>
-          </a:xfrm>
-          <a:prstGeom prst="wedgeRoundRectCallout">
-            <a:avLst>
-              <a:gd name="adj1" fmla="val -123464"/>
-              <a:gd name="adj2" fmla="val -6150"/>
-              <a:gd name="adj3" fmla="val 16667"/>
-            </a:avLst>
-          </a:prstGeom>
-        </p:spPr>
-        <p:style>
-          <a:lnRef idx="3">
-            <a:schemeClr val="lt1"/>
-          </a:lnRef>
-          <a:fillRef idx="1">
-            <a:schemeClr val="accent6"/>
-          </a:fillRef>
-          <a:effectRef idx="1">
-            <a:schemeClr val="accent6"/>
-          </a:effectRef>
-          <a:fontRef idx="minor">
-            <a:schemeClr val="lt1"/>
-          </a:fontRef>
-        </p:style>
-        <p:txBody>
-          <a:bodyPr rtlCol="0" anchor="ctr"/>
-          <a:lstStyle/>
-          <a:p>
-            <a:pPr algn="ctr"/>
-            <a:r>
-              <a:rPr lang="en-US" sz="1400" b="1" dirty="0"/>
-              <a:t>+ variables can have no value!</a:t>
-            </a:r>
-          </a:p>
-        </p:txBody>
-      </p:sp>
-      <p:sp>
-        <p:nvSpPr>
-          <p:cNvPr id="5" name="Star: 5 Points 4">
-            <a:extLst>
-              <a:ext uri="{FF2B5EF4-FFF2-40B4-BE49-F238E27FC236}">
-                <a16:creationId xmlns:a16="http://schemas.microsoft.com/office/drawing/2014/main" id="{C991C4F9-0A76-FF1E-E481-8912EE1EE828}"/>
+                <a16:creationId xmlns:a16="http://schemas.microsoft.com/office/drawing/2014/main" id="{4253AC54-64CB-030B-E1AA-4122F4E510B1}"/>
               </a:ext>
             </a:extLst>
           </p:cNvPr>
@@ -12097,616 +13401,21 @@
   <p:clrMapOvr>
     <a:masterClrMapping/>
   </p:clrMapOvr>
-  <p:timing>
-    <p:tnLst>
-      <p:par>
-        <p:cTn id="1" dur="indefinite" restart="never" nodeType="tmRoot">
-          <p:childTnLst>
-            <p:seq concurrent="1" nextAc="seek">
-              <p:cTn id="2" dur="indefinite" nodeType="mainSeq">
-                <p:childTnLst>
-                  <p:par>
-                    <p:cTn id="3" fill="hold">
-                      <p:stCondLst>
-                        <p:cond delay="indefinite"/>
-                      </p:stCondLst>
-                      <p:childTnLst>
-                        <p:par>
-                          <p:cTn id="4" fill="hold">
-                            <p:stCondLst>
-                              <p:cond delay="0"/>
-                            </p:stCondLst>
-                            <p:childTnLst>
-                              <p:par>
-                                <p:cTn id="5" presetID="1" presetClass="entr" presetSubtype="0" fill="hold" grpId="0" nodeType="clickEffect">
-                                  <p:stCondLst>
-                                    <p:cond delay="0"/>
-                                  </p:stCondLst>
-                                  <p:childTnLst>
-                                    <p:set>
-                                      <p:cBhvr>
-                                        <p:cTn id="6" dur="1" fill="hold">
-                                          <p:stCondLst>
-                                            <p:cond delay="0"/>
-                                          </p:stCondLst>
-                                        </p:cTn>
-                                        <p:tgtEl>
-                                          <p:spTgt spid="5123">
-                                            <p:txEl>
-                                              <p:pRg st="0" end="0"/>
-                                            </p:txEl>
-                                          </p:spTgt>
-                                        </p:tgtEl>
-                                        <p:attrNameLst>
-                                          <p:attrName>style.visibility</p:attrName>
-                                        </p:attrNameLst>
-                                      </p:cBhvr>
-                                      <p:to>
-                                        <p:strVal val="visible"/>
-                                      </p:to>
-                                    </p:set>
-                                  </p:childTnLst>
-                                </p:cTn>
-                              </p:par>
-                              <p:par>
-                                <p:cTn id="7" presetID="1" presetClass="entr" presetSubtype="0" fill="hold" grpId="0" nodeType="withEffect">
-                                  <p:stCondLst>
-                                    <p:cond delay="0"/>
-                                  </p:stCondLst>
-                                  <p:childTnLst>
-                                    <p:set>
-                                      <p:cBhvr>
-                                        <p:cTn id="8" dur="1" fill="hold">
-                                          <p:stCondLst>
-                                            <p:cond delay="0"/>
-                                          </p:stCondLst>
-                                        </p:cTn>
-                                        <p:tgtEl>
-                                          <p:spTgt spid="5123">
-                                            <p:txEl>
-                                              <p:pRg st="1" end="1"/>
-                                            </p:txEl>
-                                          </p:spTgt>
-                                        </p:tgtEl>
-                                        <p:attrNameLst>
-                                          <p:attrName>style.visibility</p:attrName>
-                                        </p:attrNameLst>
-                                      </p:cBhvr>
-                                      <p:to>
-                                        <p:strVal val="visible"/>
-                                      </p:to>
-                                    </p:set>
-                                  </p:childTnLst>
-                                </p:cTn>
-                              </p:par>
-                              <p:par>
-                                <p:cTn id="9" presetID="1" presetClass="entr" presetSubtype="0" fill="hold" grpId="0" nodeType="withEffect">
-                                  <p:stCondLst>
-                                    <p:cond delay="0"/>
-                                  </p:stCondLst>
-                                  <p:childTnLst>
-                                    <p:set>
-                                      <p:cBhvr>
-                                        <p:cTn id="10" dur="1" fill="hold">
-                                          <p:stCondLst>
-                                            <p:cond delay="0"/>
-                                          </p:stCondLst>
-                                        </p:cTn>
-                                        <p:tgtEl>
-                                          <p:spTgt spid="5123">
-                                            <p:txEl>
-                                              <p:pRg st="2" end="2"/>
-                                            </p:txEl>
-                                          </p:spTgt>
-                                        </p:tgtEl>
-                                        <p:attrNameLst>
-                                          <p:attrName>style.visibility</p:attrName>
-                                        </p:attrNameLst>
-                                      </p:cBhvr>
-                                      <p:to>
-                                        <p:strVal val="visible"/>
-                                      </p:to>
-                                    </p:set>
-                                  </p:childTnLst>
-                                </p:cTn>
-                              </p:par>
-                              <p:par>
-                                <p:cTn id="11" presetID="1" presetClass="entr" presetSubtype="0" fill="hold" grpId="0" nodeType="withEffect">
-                                  <p:stCondLst>
-                                    <p:cond delay="0"/>
-                                  </p:stCondLst>
-                                  <p:childTnLst>
-                                    <p:set>
-                                      <p:cBhvr>
-                                        <p:cTn id="12" dur="1" fill="hold">
-                                          <p:stCondLst>
-                                            <p:cond delay="0"/>
-                                          </p:stCondLst>
-                                        </p:cTn>
-                                        <p:tgtEl>
-                                          <p:spTgt spid="5123">
-                                            <p:txEl>
-                                              <p:pRg st="4" end="4"/>
-                                            </p:txEl>
-                                          </p:spTgt>
-                                        </p:tgtEl>
-                                        <p:attrNameLst>
-                                          <p:attrName>style.visibility</p:attrName>
-                                        </p:attrNameLst>
-                                      </p:cBhvr>
-                                      <p:to>
-                                        <p:strVal val="visible"/>
-                                      </p:to>
-                                    </p:set>
-                                  </p:childTnLst>
-                                </p:cTn>
-                              </p:par>
-                              <p:par>
-                                <p:cTn id="13" presetID="1" presetClass="entr" presetSubtype="0" fill="hold" grpId="0" nodeType="withEffect">
-                                  <p:stCondLst>
-                                    <p:cond delay="0"/>
-                                  </p:stCondLst>
-                                  <p:childTnLst>
-                                    <p:set>
-                                      <p:cBhvr>
-                                        <p:cTn id="14" dur="1" fill="hold">
-                                          <p:stCondLst>
-                                            <p:cond delay="0"/>
-                                          </p:stCondLst>
-                                        </p:cTn>
-                                        <p:tgtEl>
-                                          <p:spTgt spid="5123">
-                                            <p:txEl>
-                                              <p:pRg st="6" end="6"/>
-                                            </p:txEl>
-                                          </p:spTgt>
-                                        </p:tgtEl>
-                                        <p:attrNameLst>
-                                          <p:attrName>style.visibility</p:attrName>
-                                        </p:attrNameLst>
-                                      </p:cBhvr>
-                                      <p:to>
-                                        <p:strVal val="visible"/>
-                                      </p:to>
-                                    </p:set>
-                                  </p:childTnLst>
-                                </p:cTn>
-                              </p:par>
-                              <p:par>
-                                <p:cTn id="15" presetID="1" presetClass="entr" presetSubtype="0" fill="hold" grpId="0" nodeType="withEffect">
-                                  <p:stCondLst>
-                                    <p:cond delay="0"/>
-                                  </p:stCondLst>
-                                  <p:childTnLst>
-                                    <p:set>
-                                      <p:cBhvr>
-                                        <p:cTn id="16" dur="1" fill="hold">
-                                          <p:stCondLst>
-                                            <p:cond delay="0"/>
-                                          </p:stCondLst>
-                                        </p:cTn>
-                                        <p:tgtEl>
-                                          <p:spTgt spid="5123">
-                                            <p:txEl>
-                                              <p:pRg st="7" end="7"/>
-                                            </p:txEl>
-                                          </p:spTgt>
-                                        </p:tgtEl>
-                                        <p:attrNameLst>
-                                          <p:attrName>style.visibility</p:attrName>
-                                        </p:attrNameLst>
-                                      </p:cBhvr>
-                                      <p:to>
-                                        <p:strVal val="visible"/>
-                                      </p:to>
-                                    </p:set>
-                                  </p:childTnLst>
-                                </p:cTn>
-                              </p:par>
-                              <p:par>
-                                <p:cTn id="17" presetID="1" presetClass="entr" presetSubtype="0" fill="hold" grpId="0" nodeType="withEffect">
-                                  <p:stCondLst>
-                                    <p:cond delay="0"/>
-                                  </p:stCondLst>
-                                  <p:childTnLst>
-                                    <p:set>
-                                      <p:cBhvr>
-                                        <p:cTn id="18" dur="1" fill="hold">
-                                          <p:stCondLst>
-                                            <p:cond delay="0"/>
-                                          </p:stCondLst>
-                                        </p:cTn>
-                                        <p:tgtEl>
-                                          <p:spTgt spid="5123">
-                                            <p:txEl>
-                                              <p:pRg st="8" end="8"/>
-                                            </p:txEl>
-                                          </p:spTgt>
-                                        </p:tgtEl>
-                                        <p:attrNameLst>
-                                          <p:attrName>style.visibility</p:attrName>
-                                        </p:attrNameLst>
-                                      </p:cBhvr>
-                                      <p:to>
-                                        <p:strVal val="visible"/>
-                                      </p:to>
-                                    </p:set>
-                                  </p:childTnLst>
-                                </p:cTn>
-                              </p:par>
-                            </p:childTnLst>
-                          </p:cTn>
-                        </p:par>
-                      </p:childTnLst>
-                    </p:cTn>
-                  </p:par>
-                  <p:par>
-                    <p:cTn id="19" fill="hold">
-                      <p:stCondLst>
-                        <p:cond delay="indefinite"/>
-                      </p:stCondLst>
-                      <p:childTnLst>
-                        <p:par>
-                          <p:cTn id="20" fill="hold">
-                            <p:stCondLst>
-                              <p:cond delay="0"/>
-                            </p:stCondLst>
-                            <p:childTnLst>
-                              <p:par>
-                                <p:cTn id="21" presetID="1" presetClass="entr" presetSubtype="0" fill="hold" grpId="0" nodeType="clickEffect">
-                                  <p:stCondLst>
-                                    <p:cond delay="0"/>
-                                  </p:stCondLst>
-                                  <p:childTnLst>
-                                    <p:set>
-                                      <p:cBhvr>
-                                        <p:cTn id="22" dur="1" fill="hold">
-                                          <p:stCondLst>
-                                            <p:cond delay="0"/>
-                                          </p:stCondLst>
-                                        </p:cTn>
-                                        <p:tgtEl>
-                                          <p:spTgt spid="5123">
-                                            <p:txEl>
-                                              <p:pRg st="10" end="10"/>
-                                            </p:txEl>
-                                          </p:spTgt>
-                                        </p:tgtEl>
-                                        <p:attrNameLst>
-                                          <p:attrName>style.visibility</p:attrName>
-                                        </p:attrNameLst>
-                                      </p:cBhvr>
-                                      <p:to>
-                                        <p:strVal val="visible"/>
-                                      </p:to>
-                                    </p:set>
-                                  </p:childTnLst>
-                                </p:cTn>
-                              </p:par>
-                              <p:par>
-                                <p:cTn id="23" presetID="1" presetClass="entr" presetSubtype="0" fill="hold" grpId="0" nodeType="withEffect">
-                                  <p:stCondLst>
-                                    <p:cond delay="0"/>
-                                  </p:stCondLst>
-                                  <p:childTnLst>
-                                    <p:set>
-                                      <p:cBhvr>
-                                        <p:cTn id="24" dur="1" fill="hold">
-                                          <p:stCondLst>
-                                            <p:cond delay="0"/>
-                                          </p:stCondLst>
-                                        </p:cTn>
-                                        <p:tgtEl>
-                                          <p:spTgt spid="5123">
-                                            <p:txEl>
-                                              <p:pRg st="11" end="11"/>
-                                            </p:txEl>
-                                          </p:spTgt>
-                                        </p:tgtEl>
-                                        <p:attrNameLst>
-                                          <p:attrName>style.visibility</p:attrName>
-                                        </p:attrNameLst>
-                                      </p:cBhvr>
-                                      <p:to>
-                                        <p:strVal val="visible"/>
-                                      </p:to>
-                                    </p:set>
-                                  </p:childTnLst>
-                                </p:cTn>
-                              </p:par>
-                              <p:par>
-                                <p:cTn id="25" presetID="1" presetClass="entr" presetSubtype="0" fill="hold" grpId="0" nodeType="withEffect">
-                                  <p:stCondLst>
-                                    <p:cond delay="0"/>
-                                  </p:stCondLst>
-                                  <p:childTnLst>
-                                    <p:set>
-                                      <p:cBhvr>
-                                        <p:cTn id="26" dur="1" fill="hold">
-                                          <p:stCondLst>
-                                            <p:cond delay="0"/>
-                                          </p:stCondLst>
-                                        </p:cTn>
-                                        <p:tgtEl>
-                                          <p:spTgt spid="5123">
-                                            <p:txEl>
-                                              <p:pRg st="12" end="12"/>
-                                            </p:txEl>
-                                          </p:spTgt>
-                                        </p:tgtEl>
-                                        <p:attrNameLst>
-                                          <p:attrName>style.visibility</p:attrName>
-                                        </p:attrNameLst>
-                                      </p:cBhvr>
-                                      <p:to>
-                                        <p:strVal val="visible"/>
-                                      </p:to>
-                                    </p:set>
-                                  </p:childTnLst>
-                                </p:cTn>
-                              </p:par>
-                              <p:par>
-                                <p:cTn id="27" presetID="1" presetClass="entr" presetSubtype="0" fill="hold" grpId="0" nodeType="withEffect">
-                                  <p:stCondLst>
-                                    <p:cond delay="0"/>
-                                  </p:stCondLst>
-                                  <p:childTnLst>
-                                    <p:set>
-                                      <p:cBhvr>
-                                        <p:cTn id="28" dur="1" fill="hold">
-                                          <p:stCondLst>
-                                            <p:cond delay="0"/>
-                                          </p:stCondLst>
-                                        </p:cTn>
-                                        <p:tgtEl>
-                                          <p:spTgt spid="5123">
-                                            <p:txEl>
-                                              <p:pRg st="13" end="13"/>
-                                            </p:txEl>
-                                          </p:spTgt>
-                                        </p:tgtEl>
-                                        <p:attrNameLst>
-                                          <p:attrName>style.visibility</p:attrName>
-                                        </p:attrNameLst>
-                                      </p:cBhvr>
-                                      <p:to>
-                                        <p:strVal val="visible"/>
-                                      </p:to>
-                                    </p:set>
-                                  </p:childTnLst>
-                                </p:cTn>
-                              </p:par>
-                            </p:childTnLst>
-                          </p:cTn>
-                        </p:par>
-                      </p:childTnLst>
-                    </p:cTn>
-                  </p:par>
-                  <p:par>
-                    <p:cTn id="29" fill="hold">
-                      <p:stCondLst>
-                        <p:cond delay="indefinite"/>
-                      </p:stCondLst>
-                      <p:childTnLst>
-                        <p:par>
-                          <p:cTn id="30" fill="hold">
-                            <p:stCondLst>
-                              <p:cond delay="0"/>
-                            </p:stCondLst>
-                            <p:childTnLst>
-                              <p:par>
-                                <p:cTn id="31" presetID="1" presetClass="entr" presetSubtype="0" fill="hold" grpId="0" nodeType="clickEffect">
-                                  <p:stCondLst>
-                                    <p:cond delay="0"/>
-                                  </p:stCondLst>
-                                  <p:childTnLst>
-                                    <p:set>
-                                      <p:cBhvr>
-                                        <p:cTn id="32" dur="1" fill="hold">
-                                          <p:stCondLst>
-                                            <p:cond delay="0"/>
-                                          </p:stCondLst>
-                                        </p:cTn>
-                                        <p:tgtEl>
-                                          <p:spTgt spid="5123">
-                                            <p:txEl>
-                                              <p:pRg st="14" end="14"/>
-                                            </p:txEl>
-                                          </p:spTgt>
-                                        </p:tgtEl>
-                                        <p:attrNameLst>
-                                          <p:attrName>style.visibility</p:attrName>
-                                        </p:attrNameLst>
-                                      </p:cBhvr>
-                                      <p:to>
-                                        <p:strVal val="visible"/>
-                                      </p:to>
-                                    </p:set>
-                                  </p:childTnLst>
-                                </p:cTn>
-                              </p:par>
-                              <p:par>
-                                <p:cTn id="33" presetID="1" presetClass="entr" presetSubtype="0" fill="hold" grpId="0" nodeType="withEffect">
-                                  <p:stCondLst>
-                                    <p:cond delay="0"/>
-                                  </p:stCondLst>
-                                  <p:childTnLst>
-                                    <p:set>
-                                      <p:cBhvr>
-                                        <p:cTn id="34" dur="1" fill="hold">
-                                          <p:stCondLst>
-                                            <p:cond delay="0"/>
-                                          </p:stCondLst>
-                                        </p:cTn>
-                                        <p:tgtEl>
-                                          <p:spTgt spid="5123">
-                                            <p:txEl>
-                                              <p:pRg st="15" end="15"/>
-                                            </p:txEl>
-                                          </p:spTgt>
-                                        </p:tgtEl>
-                                        <p:attrNameLst>
-                                          <p:attrName>style.visibility</p:attrName>
-                                        </p:attrNameLst>
-                                      </p:cBhvr>
-                                      <p:to>
-                                        <p:strVal val="visible"/>
-                                      </p:to>
-                                    </p:set>
-                                  </p:childTnLst>
-                                </p:cTn>
-                              </p:par>
-                              <p:par>
-                                <p:cTn id="35" presetID="1" presetClass="entr" presetSubtype="0" fill="hold" grpId="0" nodeType="withEffect">
-                                  <p:stCondLst>
-                                    <p:cond delay="0"/>
-                                  </p:stCondLst>
-                                  <p:childTnLst>
-                                    <p:set>
-                                      <p:cBhvr>
-                                        <p:cTn id="36" dur="1" fill="hold">
-                                          <p:stCondLst>
-                                            <p:cond delay="0"/>
-                                          </p:stCondLst>
-                                        </p:cTn>
-                                        <p:tgtEl>
-                                          <p:spTgt spid="5123">
-                                            <p:txEl>
-                                              <p:pRg st="16" end="16"/>
-                                            </p:txEl>
-                                          </p:spTgt>
-                                        </p:tgtEl>
-                                        <p:attrNameLst>
-                                          <p:attrName>style.visibility</p:attrName>
-                                        </p:attrNameLst>
-                                      </p:cBhvr>
-                                      <p:to>
-                                        <p:strVal val="visible"/>
-                                      </p:to>
-                                    </p:set>
-                                  </p:childTnLst>
-                                </p:cTn>
-                              </p:par>
-                              <p:par>
-                                <p:cTn id="37" presetID="1" presetClass="entr" presetSubtype="0" fill="hold" grpId="0" nodeType="withEffect">
-                                  <p:stCondLst>
-                                    <p:cond delay="0"/>
-                                  </p:stCondLst>
-                                  <p:childTnLst>
-                                    <p:set>
-                                      <p:cBhvr>
-                                        <p:cTn id="38" dur="1" fill="hold">
-                                          <p:stCondLst>
-                                            <p:cond delay="0"/>
-                                          </p:stCondLst>
-                                        </p:cTn>
-                                        <p:tgtEl>
-                                          <p:spTgt spid="5123">
-                                            <p:txEl>
-                                              <p:pRg st="17" end="17"/>
-                                            </p:txEl>
-                                          </p:spTgt>
-                                        </p:tgtEl>
-                                        <p:attrNameLst>
-                                          <p:attrName>style.visibility</p:attrName>
-                                        </p:attrNameLst>
-                                      </p:cBhvr>
-                                      <p:to>
-                                        <p:strVal val="visible"/>
-                                      </p:to>
-                                    </p:set>
-                                  </p:childTnLst>
-                                </p:cTn>
-                              </p:par>
-                            </p:childTnLst>
-                          </p:cTn>
-                        </p:par>
-                      </p:childTnLst>
-                    </p:cTn>
-                  </p:par>
-                  <p:par>
-                    <p:cTn id="39" fill="hold">
-                      <p:stCondLst>
-                        <p:cond delay="indefinite"/>
-                      </p:stCondLst>
-                      <p:childTnLst>
-                        <p:par>
-                          <p:cTn id="40" fill="hold">
-                            <p:stCondLst>
-                              <p:cond delay="0"/>
-                            </p:stCondLst>
-                            <p:childTnLst>
-                              <p:par>
-                                <p:cTn id="41" presetID="1" presetClass="entr" presetSubtype="0" fill="hold" grpId="0" nodeType="clickEffect">
-                                  <p:stCondLst>
-                                    <p:cond delay="0"/>
-                                  </p:stCondLst>
-                                  <p:childTnLst>
-                                    <p:set>
-                                      <p:cBhvr>
-                                        <p:cTn id="42" dur="1" fill="hold">
-                                          <p:stCondLst>
-                                            <p:cond delay="0"/>
-                                          </p:stCondLst>
-                                        </p:cTn>
-                                        <p:tgtEl>
-                                          <p:spTgt spid="5123">
-                                            <p:txEl>
-                                              <p:pRg st="19" end="19"/>
-                                            </p:txEl>
-                                          </p:spTgt>
-                                        </p:tgtEl>
-                                        <p:attrNameLst>
-                                          <p:attrName>style.visibility</p:attrName>
-                                        </p:attrNameLst>
-                                      </p:cBhvr>
-                                      <p:to>
-                                        <p:strVal val="visible"/>
-                                      </p:to>
-                                    </p:set>
-                                  </p:childTnLst>
-                                </p:cTn>
-                              </p:par>
-                            </p:childTnLst>
-                          </p:cTn>
-                        </p:par>
-                      </p:childTnLst>
-                    </p:cTn>
-                  </p:par>
-                </p:childTnLst>
-              </p:cTn>
-              <p:prevCondLst>
-                <p:cond evt="onPrev" delay="0">
-                  <p:tgtEl>
-                    <p:sldTgt/>
-                  </p:tgtEl>
-                </p:cond>
-              </p:prevCondLst>
-              <p:nextCondLst>
-                <p:cond evt="onNext" delay="0">
-                  <p:tgtEl>
-                    <p:sldTgt/>
-                  </p:tgtEl>
-                </p:cond>
-              </p:nextCondLst>
-            </p:seq>
-          </p:childTnLst>
-        </p:cTn>
-      </p:par>
-    </p:tnLst>
-    <p:bldLst>
-      <p:bldP spid="5123" grpId="0" uiExpand="1" build="p"/>
-    </p:bldLst>
-  </p:timing>
 </p:sld>
 </file>
 
-<file path=ppt/slides/slide20.xml><?xml version="1.0" encoding="utf-8"?>
+<file path=ppt/slides/slide3.xml><?xml version="1.0" encoding="utf-8"?>
 <p:sld xmlns:a="http://schemas.openxmlformats.org/drawingml/2006/main" xmlns:r="http://schemas.openxmlformats.org/officeDocument/2006/relationships" xmlns:p="http://schemas.openxmlformats.org/presentationml/2006/main">
   <p:cSld>
     <p:spTree>
       <p:nvGrpSpPr>
-        <p:cNvPr id="1" name=""/>
+        <p:cNvPr id="1" name="">
+          <a:extLst>
+            <a:ext uri="{FF2B5EF4-FFF2-40B4-BE49-F238E27FC236}">
+              <a16:creationId xmlns:a16="http://schemas.microsoft.com/office/drawing/2014/main" id="{12027D55-827F-E40D-10BC-60CE9126905D}"/>
+            </a:ext>
+          </a:extLst>
+        </p:cNvPr>
         <p:cNvGrpSpPr/>
         <p:nvPr/>
       </p:nvGrpSpPr>
@@ -12720,7 +13429,13 @@
       </p:grpSpPr>
       <p:sp>
         <p:nvSpPr>
-          <p:cNvPr id="36866" name="Rectangle 2"/>
+          <p:cNvPr id="5122" name="Rectangle 2">
+            <a:extLst>
+              <a:ext uri="{FF2B5EF4-FFF2-40B4-BE49-F238E27FC236}">
+                <a16:creationId xmlns:a16="http://schemas.microsoft.com/office/drawing/2014/main" id="{71B8D219-248F-8272-98F1-53274F832323}"/>
+              </a:ext>
+            </a:extLst>
+          </p:cNvPr>
           <p:cNvSpPr>
             <a:spLocks noGrp="1" noChangeArrowheads="1"/>
           </p:cNvSpPr>
@@ -12734,15 +13449,21 @@
           <a:lstStyle/>
           <a:p>
             <a:r>
-              <a:rPr lang="en-US"/>
-              <a:t>Summary</a:t>
-            </a:r>
-          </a:p>
-        </p:txBody>
-      </p:sp>
-      <p:sp>
-        <p:nvSpPr>
-          <p:cNvPr id="36867" name="Rectangle 3"/>
+              <a:rPr lang="en-US" sz="3200" dirty="0"/>
+              <a:t>Comparison to Other Methods</a:t>
+            </a:r>
+          </a:p>
+        </p:txBody>
+      </p:sp>
+      <p:sp>
+        <p:nvSpPr>
+          <p:cNvPr id="5123" name="Rectangle 3">
+            <a:extLst>
+              <a:ext uri="{FF2B5EF4-FFF2-40B4-BE49-F238E27FC236}">
+                <a16:creationId xmlns:a16="http://schemas.microsoft.com/office/drawing/2014/main" id="{D6E75261-7CF6-CBBC-7DB1-6F813C0656DD}"/>
+              </a:ext>
+            </a:extLst>
+          </p:cNvPr>
           <p:cNvSpPr>
             <a:spLocks noGrp="1" noChangeArrowheads="1"/>
           </p:cNvSpPr>
@@ -12752,143 +13473,32 @@
         </p:nvSpPr>
         <p:spPr>
           <a:xfrm>
-            <a:off x="762000" y="1600200"/>
-            <a:ext cx="7620000" cy="4495800"/>
+            <a:off x="918482" y="6172200"/>
+            <a:ext cx="8058150" cy="381000"/>
           </a:xfrm>
         </p:spPr>
         <p:txBody>
           <a:bodyPr>
-            <a:normAutofit fontScale="85000" lnSpcReduction="20000"/>
+            <a:normAutofit fontScale="77500" lnSpcReduction="20000"/>
           </a:bodyPr>
           <a:lstStyle/>
           <a:p>
-            <a:r>
-              <a:rPr lang="en-US" sz="2400" dirty="0"/>
-              <a:t>CSPs are a special type of search problem:</a:t>
-            </a:r>
-          </a:p>
-          <a:p>
-            <a:pPr lvl="1"/>
-            <a:r>
-              <a:rPr lang="en-US" sz="2400" dirty="0"/>
-              <a:t>States are </a:t>
-            </a:r>
-            <a:r>
-              <a:rPr lang="en-US" sz="2400" b="1" dirty="0"/>
-              <a:t>structured</a:t>
-            </a:r>
-            <a:r>
-              <a:rPr lang="en-US" sz="2400" dirty="0"/>
-              <a:t> and defined by a set of variables and values assignments</a:t>
-            </a:r>
-          </a:p>
-          <a:p>
-            <a:pPr lvl="1"/>
-            <a:r>
-              <a:rPr lang="en-US" sz="2400" dirty="0"/>
-              <a:t>Variables can be unassigned</a:t>
-            </a:r>
-          </a:p>
-          <a:p>
-            <a:pPr lvl="1"/>
-            <a:r>
-              <a:rPr lang="en-US" sz="2400" dirty="0"/>
-              <a:t>Goal test defined by </a:t>
-            </a:r>
-          </a:p>
-          <a:p>
-            <a:pPr lvl="2"/>
-            <a:r>
-              <a:rPr lang="en-US" sz="2100" b="1" dirty="0"/>
-              <a:t>Consistency</a:t>
-            </a:r>
-            <a:r>
-              <a:rPr lang="en-US" sz="2100" dirty="0"/>
-              <a:t> with constraints</a:t>
-            </a:r>
-          </a:p>
-          <a:p>
-            <a:pPr lvl="2"/>
-            <a:r>
-              <a:rPr lang="en-US" sz="2100" b="1" dirty="0"/>
-              <a:t>Completeness</a:t>
-            </a:r>
-            <a:r>
-              <a:rPr lang="en-US" sz="2100" dirty="0"/>
-              <a:t> of assignment </a:t>
-            </a:r>
-          </a:p>
-          <a:p>
-            <a:endParaRPr lang="en-US" sz="2400" b="1" dirty="0"/>
-          </a:p>
-          <a:p>
-            <a:r>
-              <a:rPr lang="en-US" sz="2400" b="1" dirty="0"/>
-              <a:t>Backtracking search</a:t>
-            </a:r>
-            <a:r>
-              <a:rPr lang="en-US" sz="2400" dirty="0"/>
-              <a:t> = depth-first search where a successor state is generated by a consistent value assignment to a single unassigned variable</a:t>
-            </a:r>
-          </a:p>
-          <a:p>
-            <a:pPr lvl="1"/>
-            <a:r>
-              <a:rPr lang="en-US" sz="2000" dirty="0"/>
-              <a:t>Starts with {} and only considers consistent assignments.</a:t>
-            </a:r>
-          </a:p>
-          <a:p>
-            <a:pPr lvl="1"/>
-            <a:r>
-              <a:rPr lang="en-US" sz="2000" b="1" dirty="0"/>
-              <a:t>Variable ordering</a:t>
-            </a:r>
-            <a:r>
-              <a:rPr lang="en-US" sz="2000" dirty="0"/>
-              <a:t> and </a:t>
-            </a:r>
-            <a:r>
-              <a:rPr lang="en-US" sz="2000" b="1" dirty="0"/>
-              <a:t>value selection</a:t>
-            </a:r>
-            <a:r>
-              <a:rPr lang="en-US" sz="2000" dirty="0"/>
-              <a:t> heuristics can help significantly</a:t>
-            </a:r>
-          </a:p>
-          <a:p>
-            <a:pPr lvl="1"/>
-            <a:r>
-              <a:rPr lang="en-US" sz="2000" b="1" dirty="0"/>
-              <a:t>Forward checking</a:t>
-            </a:r>
-            <a:r>
-              <a:rPr lang="en-US" sz="2000" dirty="0"/>
-              <a:t> prevents assignments that guarantee later failure</a:t>
-            </a:r>
-          </a:p>
-          <a:p>
-            <a:endParaRPr lang="en-US" sz="2400" dirty="0"/>
-          </a:p>
-          <a:p>
-            <a:r>
-              <a:rPr lang="en-US" sz="2400" dirty="0"/>
-              <a:t>Local search can be used to search the space of all complete assignments for consistent assignments = </a:t>
-            </a:r>
-            <a:r>
-              <a:rPr lang="en-US" sz="2400" b="1" dirty="0"/>
-              <a:t>min-conflicts heuristic.</a:t>
-            </a:r>
-          </a:p>
-        </p:txBody>
-      </p:sp>
-      <p:sp>
-        <p:nvSpPr>
-          <p:cNvPr id="2" name="Star: 5 Points 1">
+            <a:pPr marL="0" indent="0">
+              <a:buNone/>
+            </a:pPr>
+            <a:r>
+              <a:rPr lang="en-US" dirty="0"/>
+              <a:t>+ General-purpose solvers for CSP with more power than standard search algorithms exit.</a:t>
+            </a:r>
+          </a:p>
+        </p:txBody>
+      </p:sp>
+      <p:sp>
+        <p:nvSpPr>
+          <p:cNvPr id="5" name="Star: 5 Points 4">
             <a:extLst>
               <a:ext uri="{FF2B5EF4-FFF2-40B4-BE49-F238E27FC236}">
-                <a16:creationId xmlns:a16="http://schemas.microsoft.com/office/drawing/2014/main" id="{4253AC54-64CB-030B-E1AA-4122F4E510B1}"/>
+                <a16:creationId xmlns:a16="http://schemas.microsoft.com/office/drawing/2014/main" id="{7DB64E51-8679-ABE6-960F-24C85E6FE664}"/>
               </a:ext>
             </a:extLst>
           </p:cNvPr>
@@ -13023,7 +13633,514 @@
           </a:p>
         </p:txBody>
       </p:sp>
+      <p:graphicFrame>
+        <p:nvGraphicFramePr>
+          <p:cNvPr id="7" name="Table 6">
+            <a:extLst>
+              <a:ext uri="{FF2B5EF4-FFF2-40B4-BE49-F238E27FC236}">
+                <a16:creationId xmlns:a16="http://schemas.microsoft.com/office/drawing/2014/main" id="{0D3DE2FE-E9E3-51B8-B84D-4661CEAFFBFF}"/>
+              </a:ext>
+            </a:extLst>
+          </p:cNvPr>
+          <p:cNvGraphicFramePr>
+            <a:graphicFrameLocks noGrp="1"/>
+          </p:cNvGraphicFramePr>
+          <p:nvPr>
+            <p:extLst>
+              <p:ext uri="{D42A27DB-BD31-4B8C-83A1-F6EECF244321}">
+                <p14:modId xmlns:p14="http://schemas.microsoft.com/office/powerpoint/2010/main" val="1057081161"/>
+              </p:ext>
+            </p:extLst>
+          </p:nvPr>
+        </p:nvGraphicFramePr>
+        <p:xfrm>
+          <a:off x="918482" y="1759743"/>
+          <a:ext cx="7543800" cy="4152901"/>
+        </p:xfrm>
+        <a:graphic>
+          <a:graphicData uri="http://schemas.openxmlformats.org/drawingml/2006/table">
+            <a:tbl>
+              <a:tblPr firstRow="1" firstCol="1" bandRow="1">
+                <a:tableStyleId>{21E4AEA4-8DFA-4A89-87EB-49C32662AFE0}</a:tableStyleId>
+              </a:tblPr>
+              <a:tblGrid>
+                <a:gridCol w="1885950">
+                  <a:extLst>
+                    <a:ext uri="{9D8B030D-6E8A-4147-A177-3AD203B41FA5}">
+                      <a16:colId xmlns:a16="http://schemas.microsoft.com/office/drawing/2014/main" val="3612849950"/>
+                    </a:ext>
+                  </a:extLst>
+                </a:gridCol>
+                <a:gridCol w="1885950">
+                  <a:extLst>
+                    <a:ext uri="{9D8B030D-6E8A-4147-A177-3AD203B41FA5}">
+                      <a16:colId xmlns:a16="http://schemas.microsoft.com/office/drawing/2014/main" val="140610586"/>
+                    </a:ext>
+                  </a:extLst>
+                </a:gridCol>
+                <a:gridCol w="1885950">
+                  <a:extLst>
+                    <a:ext uri="{9D8B030D-6E8A-4147-A177-3AD203B41FA5}">
+                      <a16:colId xmlns:a16="http://schemas.microsoft.com/office/drawing/2014/main" val="1211871804"/>
+                    </a:ext>
+                  </a:extLst>
+                </a:gridCol>
+                <a:gridCol w="1885950">
+                  <a:extLst>
+                    <a:ext uri="{9D8B030D-6E8A-4147-A177-3AD203B41FA5}">
+                      <a16:colId xmlns:a16="http://schemas.microsoft.com/office/drawing/2014/main" val="1851525632"/>
+                    </a:ext>
+                  </a:extLst>
+                </a:gridCol>
+              </a:tblGrid>
+              <a:tr h="555308">
+                <a:tc>
+                  <a:txBody>
+                    <a:bodyPr/>
+                    <a:lstStyle/>
+                    <a:p>
+                      <a:endParaRPr lang="en-US" sz="1600" dirty="0"/>
+                    </a:p>
+                  </a:txBody>
+                  <a:tcPr/>
+                </a:tc>
+                <a:tc>
+                  <a:txBody>
+                    <a:bodyPr/>
+                    <a:lstStyle/>
+                    <a:p>
+                      <a:pPr algn="ctr"/>
+                      <a:r>
+                        <a:rPr lang="en-US" sz="1600" dirty="0"/>
+                        <a:t>Generic Tree Search</a:t>
+                      </a:r>
+                    </a:p>
+                  </a:txBody>
+                  <a:tcPr/>
+                </a:tc>
+                <a:tc>
+                  <a:txBody>
+                    <a:bodyPr/>
+                    <a:lstStyle/>
+                    <a:p>
+                      <a:pPr algn="ctr"/>
+                      <a:r>
+                        <a:rPr lang="en-US" sz="1600" dirty="0"/>
+                        <a:t>Local Search</a:t>
+                      </a:r>
+                    </a:p>
+                  </a:txBody>
+                  <a:tcPr/>
+                </a:tc>
+                <a:tc>
+                  <a:txBody>
+                    <a:bodyPr/>
+                    <a:lstStyle/>
+                    <a:p>
+                      <a:pPr algn="ctr"/>
+                      <a:r>
+                        <a:rPr lang="en-US" sz="1600" dirty="0"/>
+                        <a:t>CSP</a:t>
+                      </a:r>
+                    </a:p>
+                  </a:txBody>
+                  <a:tcPr/>
+                </a:tc>
+                <a:extLst>
+                  <a:ext uri="{0D108BD9-81ED-4DB2-BD59-A6C34878D82A}">
+                    <a16:rowId xmlns:a16="http://schemas.microsoft.com/office/drawing/2014/main" val="2873590131"/>
+                  </a:ext>
+                </a:extLst>
+              </a:tr>
+              <a:tr h="1463993">
+                <a:tc>
+                  <a:txBody>
+                    <a:bodyPr/>
+                    <a:lstStyle/>
+                    <a:p>
+                      <a:r>
+                        <a:rPr lang="en-US" sz="1600" dirty="0"/>
+                        <a:t>State representation</a:t>
+                      </a:r>
+                    </a:p>
+                  </a:txBody>
+                  <a:tcPr/>
+                </a:tc>
+                <a:tc>
+                  <a:txBody>
+                    <a:bodyPr/>
+                    <a:lstStyle/>
+                    <a:p>
+                      <a:pPr marL="0" marR="0" lvl="0" indent="0" algn="l" defTabSz="685800" rtl="0" eaLnBrk="1" fontAlgn="auto" latinLnBrk="0" hangingPunct="1">
+                        <a:lnSpc>
+                          <a:spcPct val="100000"/>
+                        </a:lnSpc>
+                        <a:spcBef>
+                          <a:spcPts val="0"/>
+                        </a:spcBef>
+                        <a:spcAft>
+                          <a:spcPts val="0"/>
+                        </a:spcAft>
+                        <a:buClrTx/>
+                        <a:buSzTx/>
+                        <a:buFontTx/>
+                        <a:buNone/>
+                        <a:tabLst/>
+                        <a:defRPr/>
+                      </a:pPr>
+                      <a:r>
+                        <a:rPr lang="en-US" sz="1600" b="1" dirty="0"/>
+                        <a:t>Atomic</a:t>
+                      </a:r>
+                      <a:r>
+                        <a:rPr lang="en-US" sz="1600" dirty="0"/>
+                        <a:t> states</a:t>
+                      </a:r>
+                      <a:br>
+                        <a:rPr lang="en-US" sz="1600" dirty="0"/>
+                      </a:br>
+                      <a:r>
+                        <a:rPr lang="en-US" sz="1600" dirty="0"/>
+                        <a:t>Variables are only used to create human readable labels or calculate heuristics.</a:t>
+                      </a:r>
+                    </a:p>
+                  </a:txBody>
+                  <a:tcPr/>
+                </a:tc>
+                <a:tc>
+                  <a:txBody>
+                    <a:bodyPr/>
+                    <a:lstStyle/>
+                    <a:p>
+                      <a:pPr marL="0" marR="0" lvl="0" indent="0" algn="l" defTabSz="685800" rtl="0" eaLnBrk="1" fontAlgn="auto" latinLnBrk="0" hangingPunct="1">
+                        <a:lnSpc>
+                          <a:spcPct val="100000"/>
+                        </a:lnSpc>
+                        <a:spcBef>
+                          <a:spcPts val="0"/>
+                        </a:spcBef>
+                        <a:spcAft>
+                          <a:spcPts val="0"/>
+                        </a:spcAft>
+                        <a:buClrTx/>
+                        <a:buSzTx/>
+                        <a:buFontTx/>
+                        <a:buNone/>
+                        <a:tabLst/>
+                        <a:defRPr/>
+                      </a:pPr>
+                      <a:r>
+                        <a:rPr lang="en-US" sz="1600" b="1" dirty="0"/>
+                        <a:t>Factored</a:t>
+                      </a:r>
+                      <a:r>
+                        <a:rPr lang="en-US" sz="1600" dirty="0"/>
+                        <a:t> representation to find local moves.</a:t>
+                      </a:r>
+                    </a:p>
+                    <a:p>
+                      <a:endParaRPr lang="en-US" sz="1600" dirty="0"/>
+                    </a:p>
+                  </a:txBody>
+                  <a:tcPr/>
+                </a:tc>
+                <a:tc>
+                  <a:txBody>
+                    <a:bodyPr/>
+                    <a:lstStyle/>
+                    <a:p>
+                      <a:pPr marL="0" marR="0" lvl="0" indent="0" algn="l" defTabSz="685800" rtl="0" eaLnBrk="1" fontAlgn="auto" latinLnBrk="0" hangingPunct="1">
+                        <a:lnSpc>
+                          <a:spcPct val="100000"/>
+                        </a:lnSpc>
+                        <a:spcBef>
+                          <a:spcPts val="0"/>
+                        </a:spcBef>
+                        <a:spcAft>
+                          <a:spcPts val="0"/>
+                        </a:spcAft>
+                        <a:buClrTx/>
+                        <a:buSzTx/>
+                        <a:buFontTx/>
+                        <a:buNone/>
+                        <a:tabLst/>
+                        <a:defRPr/>
+                      </a:pPr>
+                      <a:r>
+                        <a:rPr lang="en-US" sz="1600" b="1" dirty="0"/>
+                        <a:t>Factored</a:t>
+                      </a:r>
+                    </a:p>
+                  </a:txBody>
+                  <a:tcPr/>
+                </a:tc>
+                <a:extLst>
+                  <a:ext uri="{0D108BD9-81ED-4DB2-BD59-A6C34878D82A}">
+                    <a16:rowId xmlns:a16="http://schemas.microsoft.com/office/drawing/2014/main" val="3996099903"/>
+                  </a:ext>
+                </a:extLst>
+              </a:tr>
+              <a:tr h="555308">
+                <a:tc>
+                  <a:txBody>
+                    <a:bodyPr/>
+                    <a:lstStyle/>
+                    <a:p>
+                      <a:r>
+                        <a:rPr lang="en-US" sz="1600" dirty="0"/>
+                        <a:t>Assignment</a:t>
+                      </a:r>
+                    </a:p>
+                  </a:txBody>
+                  <a:tcPr/>
+                </a:tc>
+                <a:tc>
+                  <a:txBody>
+                    <a:bodyPr/>
+                    <a:lstStyle/>
+                    <a:p>
+                      <a:r>
+                        <a:rPr lang="en-US" sz="1600" dirty="0"/>
+                        <a:t>Always </a:t>
+                      </a:r>
+                      <a:r>
+                        <a:rPr lang="en-US" sz="1600" b="1" dirty="0"/>
+                        <a:t>complete</a:t>
+                      </a:r>
+                    </a:p>
+                  </a:txBody>
+                  <a:tcPr/>
+                </a:tc>
+                <a:tc>
+                  <a:txBody>
+                    <a:bodyPr/>
+                    <a:lstStyle/>
+                    <a:p>
+                      <a:pPr marL="0" marR="0" lvl="0" indent="0" algn="l" defTabSz="685800" rtl="0" eaLnBrk="1" fontAlgn="auto" latinLnBrk="0" hangingPunct="1">
+                        <a:lnSpc>
+                          <a:spcPct val="100000"/>
+                        </a:lnSpc>
+                        <a:spcBef>
+                          <a:spcPts val="0"/>
+                        </a:spcBef>
+                        <a:spcAft>
+                          <a:spcPts val="0"/>
+                        </a:spcAft>
+                        <a:buClrTx/>
+                        <a:buSzTx/>
+                        <a:buFontTx/>
+                        <a:buNone/>
+                        <a:tabLst/>
+                        <a:defRPr/>
+                      </a:pPr>
+                      <a:r>
+                        <a:rPr lang="en-US" sz="1600" dirty="0"/>
+                        <a:t>Always </a:t>
+                      </a:r>
+                      <a:r>
+                        <a:rPr lang="en-US" sz="1600" b="1" dirty="0"/>
+                        <a:t>complete</a:t>
+                      </a:r>
+                    </a:p>
+                  </a:txBody>
+                  <a:tcPr/>
+                </a:tc>
+                <a:tc>
+                  <a:txBody>
+                    <a:bodyPr/>
+                    <a:lstStyle/>
+                    <a:p>
+                      <a:pPr marL="0" marR="0" lvl="0" indent="0" algn="l" defTabSz="685800" rtl="0" eaLnBrk="1" fontAlgn="auto" latinLnBrk="0" hangingPunct="1">
+                        <a:lnSpc>
+                          <a:spcPct val="100000"/>
+                        </a:lnSpc>
+                        <a:spcBef>
+                          <a:spcPts val="0"/>
+                        </a:spcBef>
+                        <a:spcAft>
+                          <a:spcPts val="0"/>
+                        </a:spcAft>
+                        <a:buClrTx/>
+                        <a:buSzTx/>
+                        <a:buFontTx/>
+                        <a:buNone/>
+                        <a:tabLst/>
+                        <a:defRPr/>
+                      </a:pPr>
+                      <a:r>
+                        <a:rPr lang="en-US" sz="1600" b="1" dirty="0"/>
+                        <a:t>Partial</a:t>
+                      </a:r>
+                      <a:r>
+                        <a:rPr lang="en-US" sz="1600" dirty="0"/>
+                        <a:t> assignment during search</a:t>
+                      </a:r>
+                    </a:p>
+                  </a:txBody>
+                  <a:tcPr/>
+                </a:tc>
+                <a:extLst>
+                  <a:ext uri="{0D108BD9-81ED-4DB2-BD59-A6C34878D82A}">
+                    <a16:rowId xmlns:a16="http://schemas.microsoft.com/office/drawing/2014/main" val="4177014861"/>
+                  </a:ext>
+                </a:extLst>
+              </a:tr>
+              <a:tr h="1463993">
+                <a:tc>
+                  <a:txBody>
+                    <a:bodyPr/>
+                    <a:lstStyle/>
+                    <a:p>
+                      <a:r>
+                        <a:rPr lang="en-US" sz="1600" dirty="0"/>
+                        <a:t>Constraints</a:t>
+                      </a:r>
+                    </a:p>
+                  </a:txBody>
+                  <a:tcPr/>
+                </a:tc>
+                <a:tc>
+                  <a:txBody>
+                    <a:bodyPr/>
+                    <a:lstStyle/>
+                    <a:p>
+                      <a:pPr marL="0" marR="0" lvl="0" indent="0" algn="l" defTabSz="685800" rtl="0" eaLnBrk="1" fontAlgn="auto" latinLnBrk="0" hangingPunct="1">
+                        <a:lnSpc>
+                          <a:spcPct val="100000"/>
+                        </a:lnSpc>
+                        <a:spcBef>
+                          <a:spcPts val="0"/>
+                        </a:spcBef>
+                        <a:spcAft>
+                          <a:spcPts val="0"/>
+                        </a:spcAft>
+                        <a:buClrTx/>
+                        <a:buSzTx/>
+                        <a:buFontTx/>
+                        <a:buNone/>
+                        <a:tabLst/>
+                        <a:defRPr/>
+                      </a:pPr>
+                      <a:r>
+                        <a:rPr lang="en-US" sz="1600" dirty="0"/>
+                        <a:t>Constrains are implicit in the </a:t>
+                      </a:r>
+                      <a:r>
+                        <a:rPr lang="en-US" sz="1600" b="1" dirty="0"/>
+                        <a:t>search problem </a:t>
+                      </a:r>
+                      <a:r>
+                        <a:rPr lang="en-US" sz="1600" b="0" dirty="0"/>
+                        <a:t>(initial + goal state + transition </a:t>
+                      </a:r>
+                      <a:r>
+                        <a:rPr lang="en-US" sz="1600" b="0" dirty="0" err="1"/>
+                        <a:t>funciton</a:t>
+                      </a:r>
+                      <a:r>
+                        <a:rPr lang="en-US" sz="1600" b="0" dirty="0"/>
+                        <a:t>)</a:t>
+                      </a:r>
+                      <a:r>
+                        <a:rPr lang="en-US" sz="1600" dirty="0"/>
+                        <a:t>.</a:t>
+                      </a:r>
+                    </a:p>
+                  </a:txBody>
+                  <a:tcPr/>
+                </a:tc>
+                <a:tc>
+                  <a:txBody>
+                    <a:bodyPr/>
+                    <a:lstStyle/>
+                    <a:p>
+                      <a:pPr marL="0" marR="0" lvl="0" indent="0" algn="l" defTabSz="685800" rtl="0" eaLnBrk="1" fontAlgn="auto" latinLnBrk="0" hangingPunct="1">
+                        <a:lnSpc>
+                          <a:spcPct val="100000"/>
+                        </a:lnSpc>
+                        <a:spcBef>
+                          <a:spcPts val="0"/>
+                        </a:spcBef>
+                        <a:spcAft>
+                          <a:spcPts val="0"/>
+                        </a:spcAft>
+                        <a:buClrTx/>
+                        <a:buSzTx/>
+                        <a:buFontTx/>
+                        <a:buNone/>
+                        <a:tabLst/>
+                        <a:defRPr/>
+                      </a:pPr>
+                      <a:r>
+                        <a:rPr lang="en-US" sz="1600" dirty="0"/>
+                        <a:t>Constraints are represented by the </a:t>
+                      </a:r>
+                      <a:r>
+                        <a:rPr lang="en-US" sz="1600" b="1" dirty="0"/>
+                        <a:t>objective function </a:t>
+                      </a:r>
+                      <a:r>
+                        <a:rPr lang="en-US" sz="1600" dirty="0"/>
+                        <a:t>and may not be met.</a:t>
+                      </a:r>
+                    </a:p>
+                  </a:txBody>
+                  <a:tcPr/>
+                </a:tc>
+                <a:tc>
+                  <a:txBody>
+                    <a:bodyPr/>
+                    <a:lstStyle/>
+                    <a:p>
+                      <a:pPr marL="0" marR="0" lvl="0" indent="0" algn="l" defTabSz="685800" rtl="0" eaLnBrk="1" fontAlgn="auto" latinLnBrk="0" hangingPunct="1">
+                        <a:lnSpc>
+                          <a:spcPct val="100000"/>
+                        </a:lnSpc>
+                        <a:spcBef>
+                          <a:spcPts val="0"/>
+                        </a:spcBef>
+                        <a:spcAft>
+                          <a:spcPts val="0"/>
+                        </a:spcAft>
+                        <a:buClrTx/>
+                        <a:buSzTx/>
+                        <a:buFontTx/>
+                        <a:buNone/>
+                        <a:tabLst/>
+                        <a:defRPr/>
+                      </a:pPr>
+                      <a:r>
+                        <a:rPr lang="en-US" sz="1600" dirty="0"/>
+                        <a:t>Enforcement of </a:t>
+                      </a:r>
+                      <a:r>
+                        <a:rPr lang="en-US" sz="1600" b="1" dirty="0"/>
+                        <a:t>explicit constraints</a:t>
+                      </a:r>
+                      <a:r>
+                        <a:rPr lang="en-US" sz="1600" dirty="0"/>
+                        <a:t>.</a:t>
+                      </a:r>
+                    </a:p>
+                  </a:txBody>
+                  <a:tcPr/>
+                </a:tc>
+                <a:extLst>
+                  <a:ext uri="{0D108BD9-81ED-4DB2-BD59-A6C34878D82A}">
+                    <a16:rowId xmlns:a16="http://schemas.microsoft.com/office/drawing/2014/main" val="3096710547"/>
+                  </a:ext>
+                </a:extLst>
+              </a:tr>
+            </a:tbl>
+          </a:graphicData>
+        </a:graphic>
+      </p:graphicFrame>
     </p:spTree>
+    <p:extLst>
+      <p:ext uri="{BB962C8B-B14F-4D97-AF65-F5344CB8AC3E}">
+        <p14:creationId xmlns:p14="http://schemas.microsoft.com/office/powerpoint/2010/main" val="3404482494"/>
+      </p:ext>
+    </p:extLst>
   </p:cSld>
   <p:clrMapOvr>
     <a:masterClrMapping/>
@@ -13031,7 +14148,7 @@
 </p:sld>
 </file>
 
-<file path=ppt/slides/slide3.xml><?xml version="1.0" encoding="utf-8"?>
+<file path=ppt/slides/slide4.xml><?xml version="1.0" encoding="utf-8"?>
 <p:sld xmlns:a="http://schemas.openxmlformats.org/drawingml/2006/main" xmlns:r="http://schemas.openxmlformats.org/officeDocument/2006/relationships" xmlns:p="http://schemas.openxmlformats.org/presentationml/2006/main">
   <p:cSld>
     <p:spTree>
@@ -13865,7 +14982,7 @@
 </p:sld>
 </file>
 
-<file path=ppt/slides/slide4.xml><?xml version="1.0" encoding="utf-8"?>
+<file path=ppt/slides/slide5.xml><?xml version="1.0" encoding="utf-8"?>
 <p:sld xmlns:a="http://schemas.openxmlformats.org/drawingml/2006/main" xmlns:r="http://schemas.openxmlformats.org/officeDocument/2006/relationships" xmlns:p="http://schemas.openxmlformats.org/presentationml/2006/main">
   <p:cSld>
     <p:spTree>
@@ -14242,7 +15359,7 @@
 </p:sld>
 </file>
 
-<file path=ppt/slides/slide5.xml><?xml version="1.0" encoding="utf-8"?>
+<file path=ppt/slides/slide6.xml><?xml version="1.0" encoding="utf-8"?>
 <p:sld xmlns:a="http://schemas.openxmlformats.org/drawingml/2006/main" xmlns:r="http://schemas.openxmlformats.org/officeDocument/2006/relationships" xmlns:p="http://schemas.openxmlformats.org/presentationml/2006/main">
   <p:cSld>
     <p:spTree>
@@ -15688,7 +16805,7 @@
 </p:sld>
 </file>
 
-<file path=ppt/slides/slide6.xml><?xml version="1.0" encoding="utf-8"?>
+<file path=ppt/slides/slide7.xml><?xml version="1.0" encoding="utf-8"?>
 <p:sld xmlns:a="http://schemas.openxmlformats.org/drawingml/2006/main" xmlns:r="http://schemas.openxmlformats.org/officeDocument/2006/relationships" xmlns:p="http://schemas.openxmlformats.org/presentationml/2006/main">
   <p:cSld>
     <p:spTree>
@@ -16868,7 +17985,7 @@
 </p:sld>
 </file>
 
-<file path=ppt/slides/slide7.xml><?xml version="1.0" encoding="utf-8"?>
+<file path=ppt/slides/slide8.xml><?xml version="1.0" encoding="utf-8"?>
 <p:sld xmlns:a="http://schemas.openxmlformats.org/drawingml/2006/main" xmlns:r="http://schemas.openxmlformats.org/officeDocument/2006/relationships" xmlns:p="http://schemas.openxmlformats.org/presentationml/2006/main">
   <p:cSld>
     <p:spTree>
@@ -17938,7 +19055,7 @@
 </p:sld>
 </file>
 
-<file path=ppt/slides/slide8.xml><?xml version="1.0" encoding="utf-8"?>
+<file path=ppt/slides/slide9.xml><?xml version="1.0" encoding="utf-8"?>
 <p:sld xmlns:a="http://schemas.openxmlformats.org/drawingml/2006/main" xmlns:r="http://schemas.openxmlformats.org/officeDocument/2006/relationships" xmlns:p="http://schemas.openxmlformats.org/presentationml/2006/main">
   <p:cSld>
     <p:spTree>
@@ -18589,639 +19706,6 @@
       <p:bldP spid="5" grpId="0"/>
     </p:bldLst>
   </p:timing>
-</p:sld>
-</file>
-
-<file path=ppt/slides/slide9.xml><?xml version="1.0" encoding="utf-8"?>
-<p:sld xmlns:a="http://schemas.openxmlformats.org/drawingml/2006/main" xmlns:r="http://schemas.openxmlformats.org/officeDocument/2006/relationships" xmlns:p="http://schemas.openxmlformats.org/presentationml/2006/main">
-  <p:cSld>
-    <p:spTree>
-      <p:nvGrpSpPr>
-        <p:cNvPr id="1" name=""/>
-        <p:cNvGrpSpPr/>
-        <p:nvPr/>
-      </p:nvGrpSpPr>
-      <p:grpSpPr>
-        <a:xfrm>
-          <a:off x="0" y="0"/>
-          <a:ext cx="0" cy="0"/>
-          <a:chOff x="0" y="0"/>
-          <a:chExt cx="0" cy="0"/>
-        </a:xfrm>
-      </p:grpSpPr>
-      <p:sp>
-        <p:nvSpPr>
-          <p:cNvPr id="2" name="Title 1">
-            <a:extLst>
-              <a:ext uri="{FF2B5EF4-FFF2-40B4-BE49-F238E27FC236}">
-                <a16:creationId xmlns:a16="http://schemas.microsoft.com/office/drawing/2014/main" id="{3C43BAFD-D740-4BBD-A52D-41EC588AC49C}"/>
-              </a:ext>
-            </a:extLst>
-          </p:cNvPr>
-          <p:cNvSpPr>
-            <a:spLocks noGrp="1"/>
-          </p:cNvSpPr>
-          <p:nvPr>
-            <p:ph type="title"/>
-          </p:nvPr>
-        </p:nvSpPr>
-        <p:spPr/>
-        <p:txBody>
-          <a:bodyPr/>
-          <a:lstStyle/>
-          <a:p>
-            <a:r>
-              <a:rPr lang="en-US" dirty="0"/>
-              <a:t>Some Popular Types of CSPs</a:t>
-            </a:r>
-          </a:p>
-        </p:txBody>
-      </p:sp>
-      <p:sp>
-        <p:nvSpPr>
-          <p:cNvPr id="3" name="Content Placeholder 2">
-            <a:extLst>
-              <a:ext uri="{FF2B5EF4-FFF2-40B4-BE49-F238E27FC236}">
-                <a16:creationId xmlns:a16="http://schemas.microsoft.com/office/drawing/2014/main" id="{EDA22658-0CBA-468F-B6EF-76D87E7C9DBD}"/>
-              </a:ext>
-            </a:extLst>
-          </p:cNvPr>
-          <p:cNvSpPr>
-            <a:spLocks noGrp="1"/>
-          </p:cNvSpPr>
-          <p:nvPr>
-            <p:ph idx="1"/>
-          </p:nvPr>
-        </p:nvSpPr>
-        <p:spPr>
-          <a:xfrm>
-            <a:off x="628650" y="1825625"/>
-            <a:ext cx="6762750" cy="4351338"/>
-          </a:xfrm>
-        </p:spPr>
-        <p:txBody>
-          <a:bodyPr>
-            <a:normAutofit fontScale="92500" lnSpcReduction="10000"/>
-          </a:bodyPr>
-          <a:lstStyle/>
-          <a:p>
-            <a:r>
-              <a:rPr lang="en-US" b="1" dirty="0"/>
-              <a:t>Boolean Satisfiability Problem (SAT)</a:t>
-            </a:r>
-            <a:br>
-              <a:rPr lang="en-US" dirty="0"/>
-            </a:br>
-            <a:r>
-              <a:rPr lang="en-US" dirty="0"/>
-              <a:t>Find variable assignments that makes a Boolean expression (often expressed in conjunctive normal form) evaluate as true.</a:t>
-            </a:r>
-          </a:p>
-          <a:p>
-            <a:endParaRPr lang="en-US" dirty="0"/>
-          </a:p>
-          <a:p>
-            <a:endParaRPr lang="en-US" dirty="0"/>
-          </a:p>
-          <a:p>
-            <a:r>
-              <a:rPr lang="en-US" b="1" dirty="0"/>
-              <a:t>Integer Programming</a:t>
-            </a:r>
-            <a:br>
-              <a:rPr lang="en-US" dirty="0"/>
-            </a:br>
-            <a:r>
-              <a:rPr lang="en-US" dirty="0"/>
-              <a:t>Variables are restricted to integers. Find a feasible solution that satisfies all constraints. The traveling salesman problem can be expressed as an integer program. </a:t>
-            </a:r>
-          </a:p>
-          <a:p>
-            <a:pPr marL="0" indent="0">
-              <a:buNone/>
-            </a:pPr>
-            <a:endParaRPr lang="en-US" dirty="0"/>
-          </a:p>
-          <a:p>
-            <a:r>
-              <a:rPr lang="en-US" b="1" dirty="0"/>
-              <a:t>Linear Programming</a:t>
-            </a:r>
-            <a:br>
-              <a:rPr lang="en-US" dirty="0"/>
-            </a:br>
-            <a:r>
-              <a:rPr lang="en-US" dirty="0"/>
-              <a:t>Variables are continuous and constraints </a:t>
-            </a:r>
-            <a:br>
-              <a:rPr lang="en-US" dirty="0"/>
-            </a:br>
-            <a:r>
-              <a:rPr lang="en-US" dirty="0"/>
-              <a:t>are linear (in)equalities. </a:t>
-            </a:r>
-            <a:br>
-              <a:rPr lang="en-US" dirty="0"/>
-            </a:br>
-            <a:r>
-              <a:rPr lang="en-US" dirty="0"/>
-              <a:t>Find a feasible solution using, e.g., </a:t>
-            </a:r>
-            <a:br>
-              <a:rPr lang="en-US" dirty="0"/>
-            </a:br>
-            <a:r>
-              <a:rPr lang="en-US" dirty="0"/>
-              <a:t>the simplex algorithm.</a:t>
-            </a:r>
-          </a:p>
-          <a:p>
-            <a:endParaRPr lang="en-US" dirty="0"/>
-          </a:p>
-          <a:p>
-            <a:endParaRPr lang="en-US" dirty="0"/>
-          </a:p>
-          <a:p>
-            <a:endParaRPr lang="en-US" dirty="0"/>
-          </a:p>
-          <a:p>
-            <a:endParaRPr lang="en-US" dirty="0"/>
-          </a:p>
-        </p:txBody>
-      </p:sp>
-      <p:sp>
-        <p:nvSpPr>
-          <p:cNvPr id="7" name="Rectangle 6">
-            <a:extLst>
-              <a:ext uri="{FF2B5EF4-FFF2-40B4-BE49-F238E27FC236}">
-                <a16:creationId xmlns:a16="http://schemas.microsoft.com/office/drawing/2014/main" id="{3F3560BE-A16D-4141-949D-AE1AB20774B8}"/>
-              </a:ext>
-            </a:extLst>
-          </p:cNvPr>
-          <p:cNvSpPr/>
-          <p:nvPr/>
-        </p:nvSpPr>
-        <p:spPr>
-          <a:xfrm>
-            <a:off x="2590800" y="2831068"/>
-            <a:ext cx="3709798" cy="369332"/>
-          </a:xfrm>
-          <a:prstGeom prst="rect">
-            <a:avLst/>
-          </a:prstGeom>
-        </p:spPr>
-        <p:txBody>
-          <a:bodyPr wrap="none">
-            <a:spAutoFit/>
-          </a:bodyPr>
-          <a:lstStyle/>
-          <a:p>
-            <a:r>
-              <a:rPr lang="en-US" dirty="0">
-                <a:solidFill>
-                  <a:srgbClr val="202122"/>
-                </a:solidFill>
-                <a:latin typeface="Nimbus Roman No9 L"/>
-              </a:rPr>
-              <a:t>(</a:t>
-            </a:r>
-            <a:r>
-              <a:rPr lang="en-US" i="1" dirty="0">
-                <a:solidFill>
-                  <a:srgbClr val="202122"/>
-                </a:solidFill>
-                <a:latin typeface="Nimbus Roman No9 L"/>
-              </a:rPr>
-              <a:t>x</a:t>
-            </a:r>
-            <a:r>
-              <a:rPr lang="en-US" baseline="-25000" dirty="0">
-                <a:solidFill>
-                  <a:srgbClr val="202122"/>
-                </a:solidFill>
-                <a:latin typeface="Nimbus Roman No9 L"/>
-              </a:rPr>
-              <a:t>1</a:t>
-            </a:r>
-            <a:r>
-              <a:rPr lang="en-US" dirty="0">
-                <a:solidFill>
-                  <a:srgbClr val="202122"/>
-                </a:solidFill>
-                <a:latin typeface="Nimbus Roman No9 L"/>
-              </a:rPr>
-              <a:t> ∨ ¬</a:t>
-            </a:r>
-            <a:r>
-              <a:rPr lang="en-US" i="1" dirty="0">
-                <a:solidFill>
-                  <a:srgbClr val="202122"/>
-                </a:solidFill>
-                <a:latin typeface="Nimbus Roman No9 L"/>
-              </a:rPr>
-              <a:t>x</a:t>
-            </a:r>
-            <a:r>
-              <a:rPr lang="en-US" baseline="-25000" dirty="0">
-                <a:solidFill>
-                  <a:srgbClr val="202122"/>
-                </a:solidFill>
-                <a:latin typeface="Nimbus Roman No9 L"/>
-              </a:rPr>
-              <a:t>2</a:t>
-            </a:r>
-            <a:r>
-              <a:rPr lang="en-US" dirty="0">
-                <a:solidFill>
-                  <a:srgbClr val="202122"/>
-                </a:solidFill>
-                <a:latin typeface="Nimbus Roman No9 L"/>
-              </a:rPr>
-              <a:t>) ∧ (¬</a:t>
-            </a:r>
-            <a:r>
-              <a:rPr lang="en-US" i="1" dirty="0">
-                <a:solidFill>
-                  <a:srgbClr val="202122"/>
-                </a:solidFill>
-                <a:latin typeface="Nimbus Roman No9 L"/>
-              </a:rPr>
-              <a:t>x</a:t>
-            </a:r>
-            <a:r>
-              <a:rPr lang="en-US" baseline="-25000" dirty="0">
-                <a:solidFill>
-                  <a:srgbClr val="202122"/>
-                </a:solidFill>
-                <a:latin typeface="Nimbus Roman No9 L"/>
-              </a:rPr>
-              <a:t>1</a:t>
-            </a:r>
-            <a:r>
-              <a:rPr lang="en-US" dirty="0">
-                <a:solidFill>
-                  <a:srgbClr val="202122"/>
-                </a:solidFill>
-                <a:latin typeface="Nimbus Roman No9 L"/>
-              </a:rPr>
-              <a:t> ∨ </a:t>
-            </a:r>
-            <a:r>
-              <a:rPr lang="en-US" i="1" dirty="0">
-                <a:solidFill>
-                  <a:srgbClr val="202122"/>
-                </a:solidFill>
-                <a:latin typeface="Nimbus Roman No9 L"/>
-              </a:rPr>
-              <a:t>x</a:t>
-            </a:r>
-            <a:r>
-              <a:rPr lang="en-US" baseline="-25000" dirty="0">
-                <a:solidFill>
-                  <a:srgbClr val="202122"/>
-                </a:solidFill>
-                <a:latin typeface="Nimbus Roman No9 L"/>
-              </a:rPr>
-              <a:t>2</a:t>
-            </a:r>
-            <a:r>
-              <a:rPr lang="en-US" dirty="0">
-                <a:solidFill>
-                  <a:srgbClr val="202122"/>
-                </a:solidFill>
-                <a:latin typeface="Nimbus Roman No9 L"/>
-              </a:rPr>
-              <a:t> ∨ </a:t>
-            </a:r>
-            <a:r>
-              <a:rPr lang="en-US" i="1" dirty="0">
-                <a:solidFill>
-                  <a:srgbClr val="202122"/>
-                </a:solidFill>
-                <a:latin typeface="Nimbus Roman No9 L"/>
-              </a:rPr>
-              <a:t>x</a:t>
-            </a:r>
-            <a:r>
-              <a:rPr lang="en-US" baseline="-25000" dirty="0">
-                <a:solidFill>
-                  <a:srgbClr val="202122"/>
-                </a:solidFill>
-                <a:latin typeface="Nimbus Roman No9 L"/>
-              </a:rPr>
-              <a:t>3</a:t>
-            </a:r>
-            <a:r>
-              <a:rPr lang="en-US" dirty="0">
-                <a:solidFill>
-                  <a:srgbClr val="202122"/>
-                </a:solidFill>
-                <a:latin typeface="Nimbus Roman No9 L"/>
-              </a:rPr>
-              <a:t>) ∧ ¬</a:t>
-            </a:r>
-            <a:r>
-              <a:rPr lang="en-US" i="1" dirty="0">
-                <a:solidFill>
-                  <a:srgbClr val="202122"/>
-                </a:solidFill>
-                <a:latin typeface="Nimbus Roman No9 L"/>
-              </a:rPr>
-              <a:t>x</a:t>
-            </a:r>
-            <a:r>
-              <a:rPr lang="en-US" baseline="-25000" dirty="0">
-                <a:solidFill>
-                  <a:srgbClr val="202122"/>
-                </a:solidFill>
-                <a:latin typeface="Nimbus Roman No9 L"/>
-              </a:rPr>
-              <a:t>1 </a:t>
-            </a:r>
-            <a:r>
-              <a:rPr lang="en-US" dirty="0"/>
-              <a:t>= True</a:t>
-            </a:r>
-          </a:p>
-        </p:txBody>
-      </p:sp>
-      <p:pic>
-        <p:nvPicPr>
-          <p:cNvPr id="1026" name="Picture 2" descr="Linear programming - Simple English Wikipedia, the free encyclopedia">
-            <a:extLst>
-              <a:ext uri="{FF2B5EF4-FFF2-40B4-BE49-F238E27FC236}">
-                <a16:creationId xmlns:a16="http://schemas.microsoft.com/office/drawing/2014/main" id="{6F866652-89FC-432C-A3C0-F89048A6D7F6}"/>
-              </a:ext>
-            </a:extLst>
-          </p:cNvPr>
-          <p:cNvPicPr>
-            <a:picLocks noChangeAspect="1" noChangeArrowheads="1"/>
-          </p:cNvPicPr>
-          <p:nvPr/>
-        </p:nvPicPr>
-        <p:blipFill>
-          <a:blip r:embed="rId2" cstate="print">
-            <a:extLst>
-              <a:ext uri="{28A0092B-C50C-407E-A947-70E740481C1C}">
-                <a14:useLocalDpi xmlns:a14="http://schemas.microsoft.com/office/drawing/2010/main" val="0"/>
-              </a:ext>
-            </a:extLst>
-          </a:blip>
-          <a:srcRect/>
-          <a:stretch>
-            <a:fillRect/>
-          </a:stretch>
-        </p:blipFill>
-        <p:spPr bwMode="auto">
-          <a:xfrm>
-            <a:off x="5933519" y="4409519"/>
-            <a:ext cx="2296081" cy="2296081"/>
-          </a:xfrm>
-          <a:prstGeom prst="rect">
-            <a:avLst/>
-          </a:prstGeom>
-          <a:noFill/>
-          <a:extLst>
-            <a:ext uri="{909E8E84-426E-40DD-AFC4-6F175D3DCCD1}">
-              <a14:hiddenFill xmlns:a14="http://schemas.microsoft.com/office/drawing/2010/main">
-                <a:solidFill>
-                  <a:srgbClr val="FFFFFF"/>
-                </a:solidFill>
-              </a14:hiddenFill>
-            </a:ext>
-          </a:extLst>
-        </p:spPr>
-      </p:pic>
-      <p:sp>
-        <p:nvSpPr>
-          <p:cNvPr id="4" name="Right Brace 3">
-            <a:extLst>
-              <a:ext uri="{FF2B5EF4-FFF2-40B4-BE49-F238E27FC236}">
-                <a16:creationId xmlns:a16="http://schemas.microsoft.com/office/drawing/2014/main" id="{D6B4F95F-71FD-4E58-99F6-1BE4DDF3BDB9}"/>
-              </a:ext>
-            </a:extLst>
-          </p:cNvPr>
-          <p:cNvSpPr/>
-          <p:nvPr/>
-        </p:nvSpPr>
-        <p:spPr>
-          <a:xfrm>
-            <a:off x="7391400" y="1825625"/>
-            <a:ext cx="304800" cy="2583894"/>
-          </a:xfrm>
-          <a:prstGeom prst="rightBrace">
-            <a:avLst/>
-          </a:prstGeom>
-        </p:spPr>
-        <p:style>
-          <a:lnRef idx="1">
-            <a:schemeClr val="accent1"/>
-          </a:lnRef>
-          <a:fillRef idx="0">
-            <a:schemeClr val="accent1"/>
-          </a:fillRef>
-          <a:effectRef idx="0">
-            <a:schemeClr val="accent1"/>
-          </a:effectRef>
-          <a:fontRef idx="minor">
-            <a:schemeClr val="tx1"/>
-          </a:fontRef>
-        </p:style>
-        <p:txBody>
-          <a:bodyPr rtlCol="0" anchor="ctr"/>
-          <a:lstStyle/>
-          <a:p>
-            <a:pPr algn="ctr"/>
-            <a:endParaRPr lang="en-US"/>
-          </a:p>
-        </p:txBody>
-      </p:sp>
-      <p:sp>
-        <p:nvSpPr>
-          <p:cNvPr id="5" name="TextBox 4">
-            <a:extLst>
-              <a:ext uri="{FF2B5EF4-FFF2-40B4-BE49-F238E27FC236}">
-                <a16:creationId xmlns:a16="http://schemas.microsoft.com/office/drawing/2014/main" id="{1D896929-379C-4B9F-BE37-2F6C0043FCE0}"/>
-              </a:ext>
-            </a:extLst>
-          </p:cNvPr>
-          <p:cNvSpPr txBox="1"/>
-          <p:nvPr/>
-        </p:nvSpPr>
-        <p:spPr>
-          <a:xfrm rot="16200000">
-            <a:off x="7119419" y="2787687"/>
-            <a:ext cx="1675294" cy="369332"/>
-          </a:xfrm>
-          <a:prstGeom prst="rect">
-            <a:avLst/>
-          </a:prstGeom>
-          <a:noFill/>
-        </p:spPr>
-        <p:txBody>
-          <a:bodyPr wrap="square" rtlCol="0">
-            <a:spAutoFit/>
-          </a:bodyPr>
-          <a:lstStyle/>
-          <a:p>
-            <a:r>
-              <a:rPr lang="en-US" dirty="0"/>
-              <a:t>NP-complete </a:t>
-            </a:r>
-          </a:p>
-        </p:txBody>
-      </p:sp>
-      <p:sp>
-        <p:nvSpPr>
-          <p:cNvPr id="6" name="Star: 5 Points 5">
-            <a:extLst>
-              <a:ext uri="{FF2B5EF4-FFF2-40B4-BE49-F238E27FC236}">
-                <a16:creationId xmlns:a16="http://schemas.microsoft.com/office/drawing/2014/main" id="{A5267430-1038-3CAC-693B-FC5202383851}"/>
-              </a:ext>
-            </a:extLst>
-          </p:cNvPr>
-          <p:cNvSpPr/>
-          <p:nvPr/>
-        </p:nvSpPr>
-        <p:spPr>
-          <a:xfrm>
-            <a:off x="8763000" y="129075"/>
-            <a:ext cx="247650" cy="244474"/>
-          </a:xfrm>
-          <a:prstGeom prst="star5">
-            <a:avLst/>
-          </a:prstGeom>
-        </p:spPr>
-        <p:style>
-          <a:lnRef idx="2">
-            <a:schemeClr val="accent2">
-              <a:shade val="50000"/>
-            </a:schemeClr>
-          </a:lnRef>
-          <a:fillRef idx="1">
-            <a:schemeClr val="accent2"/>
-          </a:fillRef>
-          <a:effectRef idx="0">
-            <a:schemeClr val="accent2"/>
-          </a:effectRef>
-          <a:fontRef idx="minor">
-            <a:schemeClr val="lt1"/>
-          </a:fontRef>
-        </p:style>
-        <p:txBody>
-          <a:bodyPr rtlCol="0" anchor="ctr"/>
-          <a:lstStyle>
-            <a:defPPr>
-              <a:defRPr lang="en-US"/>
-            </a:defPPr>
-            <a:lvl1pPr marL="0" algn="l" defTabSz="914400" rtl="0" eaLnBrk="1" latinLnBrk="0" hangingPunct="1">
-              <a:defRPr sz="1800" kern="1200">
-                <a:solidFill>
-                  <a:schemeClr val="lt1"/>
-                </a:solidFill>
-                <a:latin typeface="+mn-lt"/>
-                <a:ea typeface="+mn-ea"/>
-                <a:cs typeface="+mn-cs"/>
-              </a:defRPr>
-            </a:lvl1pPr>
-            <a:lvl2pPr marL="457200" algn="l" defTabSz="914400" rtl="0" eaLnBrk="1" latinLnBrk="0" hangingPunct="1">
-              <a:defRPr sz="1800" kern="1200">
-                <a:solidFill>
-                  <a:schemeClr val="lt1"/>
-                </a:solidFill>
-                <a:latin typeface="+mn-lt"/>
-                <a:ea typeface="+mn-ea"/>
-                <a:cs typeface="+mn-cs"/>
-              </a:defRPr>
-            </a:lvl2pPr>
-            <a:lvl3pPr marL="914400" algn="l" defTabSz="914400" rtl="0" eaLnBrk="1" latinLnBrk="0" hangingPunct="1">
-              <a:defRPr sz="1800" kern="1200">
-                <a:solidFill>
-                  <a:schemeClr val="lt1"/>
-                </a:solidFill>
-                <a:latin typeface="+mn-lt"/>
-                <a:ea typeface="+mn-ea"/>
-                <a:cs typeface="+mn-cs"/>
-              </a:defRPr>
-            </a:lvl3pPr>
-            <a:lvl4pPr marL="1371600" algn="l" defTabSz="914400" rtl="0" eaLnBrk="1" latinLnBrk="0" hangingPunct="1">
-              <a:defRPr sz="1800" kern="1200">
-                <a:solidFill>
-                  <a:schemeClr val="lt1"/>
-                </a:solidFill>
-                <a:latin typeface="+mn-lt"/>
-                <a:ea typeface="+mn-ea"/>
-                <a:cs typeface="+mn-cs"/>
-              </a:defRPr>
-            </a:lvl4pPr>
-            <a:lvl5pPr marL="1828800" algn="l" defTabSz="914400" rtl="0" eaLnBrk="1" latinLnBrk="0" hangingPunct="1">
-              <a:defRPr sz="1800" kern="1200">
-                <a:solidFill>
-                  <a:schemeClr val="lt1"/>
-                </a:solidFill>
-                <a:latin typeface="+mn-lt"/>
-                <a:ea typeface="+mn-ea"/>
-                <a:cs typeface="+mn-cs"/>
-              </a:defRPr>
-            </a:lvl5pPr>
-            <a:lvl6pPr marL="2286000" algn="l" defTabSz="914400" rtl="0" eaLnBrk="1" latinLnBrk="0" hangingPunct="1">
-              <a:defRPr sz="1800" kern="1200">
-                <a:solidFill>
-                  <a:schemeClr val="lt1"/>
-                </a:solidFill>
-                <a:latin typeface="+mn-lt"/>
-                <a:ea typeface="+mn-ea"/>
-                <a:cs typeface="+mn-cs"/>
-              </a:defRPr>
-            </a:lvl6pPr>
-            <a:lvl7pPr marL="2743200" algn="l" defTabSz="914400" rtl="0" eaLnBrk="1" latinLnBrk="0" hangingPunct="1">
-              <a:defRPr sz="1800" kern="1200">
-                <a:solidFill>
-                  <a:schemeClr val="lt1"/>
-                </a:solidFill>
-                <a:latin typeface="+mn-lt"/>
-                <a:ea typeface="+mn-ea"/>
-                <a:cs typeface="+mn-cs"/>
-              </a:defRPr>
-            </a:lvl7pPr>
-            <a:lvl8pPr marL="3200400" algn="l" defTabSz="914400" rtl="0" eaLnBrk="1" latinLnBrk="0" hangingPunct="1">
-              <a:defRPr sz="1800" kern="1200">
-                <a:solidFill>
-                  <a:schemeClr val="lt1"/>
-                </a:solidFill>
-                <a:latin typeface="+mn-lt"/>
-                <a:ea typeface="+mn-ea"/>
-                <a:cs typeface="+mn-cs"/>
-              </a:defRPr>
-            </a:lvl8pPr>
-            <a:lvl9pPr marL="3657600" algn="l" defTabSz="914400" rtl="0" eaLnBrk="1" latinLnBrk="0" hangingPunct="1">
-              <a:defRPr sz="1800" kern="1200">
-                <a:solidFill>
-                  <a:schemeClr val="lt1"/>
-                </a:solidFill>
-                <a:latin typeface="+mn-lt"/>
-                <a:ea typeface="+mn-ea"/>
-                <a:cs typeface="+mn-cs"/>
-              </a:defRPr>
-            </a:lvl9pPr>
-          </a:lstStyle>
-          <a:p>
-            <a:pPr algn="ctr"/>
-            <a:endParaRPr lang="en-US"/>
-          </a:p>
-        </p:txBody>
-      </p:sp>
-    </p:spTree>
-    <p:extLst>
-      <p:ext uri="{BB962C8B-B14F-4D97-AF65-F5344CB8AC3E}">
-        <p14:creationId xmlns:p14="http://schemas.microsoft.com/office/powerpoint/2010/main" val="947765826"/>
-      </p:ext>
-    </p:extLst>
-  </p:cSld>
-  <p:clrMapOvr>
-    <a:masterClrMapping/>
-  </p:clrMapOvr>
 </p:sld>
 </file>
 

--- a/slides/06_CSP.pptx
+++ b/slides/06_CSP.pptx
@@ -2364,7 +2364,7 @@
           <a:p>
             <a:fld id="{FDB68C03-DCF9-4B87-BBF6-8F2088376604}" type="datetimeFigureOut">
               <a:rPr lang="en-US" smtClean="0"/>
-              <a:t>12/6/2024</a:t>
+              <a:t>4/7/2025</a:t>
             </a:fld>
             <a:endParaRPr lang="en-US"/>
           </a:p>
@@ -2974,7 +2974,7 @@
           <a:p>
             <a:fld id="{FDB68C03-DCF9-4B87-BBF6-8F2088376604}" type="datetimeFigureOut">
               <a:rPr lang="en-US" smtClean="0"/>
-              <a:t>12/6/2024</a:t>
+              <a:t>4/7/2025</a:t>
             </a:fld>
             <a:endParaRPr lang="en-US"/>
           </a:p>
@@ -3249,7 +3249,7 @@
           <a:p>
             <a:fld id="{FDB68C03-DCF9-4B87-BBF6-8F2088376604}" type="datetimeFigureOut">
               <a:rPr lang="en-US" smtClean="0"/>
-              <a:t>12/6/2024</a:t>
+              <a:t>4/7/2025</a:t>
             </a:fld>
             <a:endParaRPr lang="en-US"/>
           </a:p>
@@ -5038,7 +5038,7 @@
           <a:p>
             <a:fld id="{FDB68C03-DCF9-4B87-BBF6-8F2088376604}" type="datetimeFigureOut">
               <a:rPr lang="en-US" smtClean="0"/>
-              <a:t>12/6/2024</a:t>
+              <a:t>4/7/2025</a:t>
             </a:fld>
             <a:endParaRPr lang="en-US"/>
           </a:p>
@@ -5988,160 +5988,6 @@
           </a:p>
         </p:txBody>
       </p:sp>
-      <p:pic>
-        <p:nvPicPr>
-          <p:cNvPr id="13" name="Picture 12" descr="Creative Commons License">
-            <a:extLst>
-              <a:ext uri="{FF2B5EF4-FFF2-40B4-BE49-F238E27FC236}">
-                <a16:creationId xmlns:a16="http://schemas.microsoft.com/office/drawing/2014/main" id="{DF666779-2CAA-2E74-7A32-0EACCBC32AA7}"/>
-              </a:ext>
-            </a:extLst>
-          </p:cNvPr>
-          <p:cNvPicPr>
-            <a:picLocks noChangeAspect="1" noChangeArrowheads="1"/>
-          </p:cNvPicPr>
-          <p:nvPr/>
-        </p:nvPicPr>
-        <p:blipFill>
-          <a:blip r:embed="rId5">
-            <a:extLst>
-              <a:ext uri="{28A0092B-C50C-407E-A947-70E740481C1C}">
-                <a14:useLocalDpi xmlns:a14="http://schemas.microsoft.com/office/drawing/2010/main" val="0"/>
-              </a:ext>
-            </a:extLst>
-          </a:blip>
-          <a:srcRect/>
-          <a:stretch>
-            <a:fillRect/>
-          </a:stretch>
-        </p:blipFill>
-        <p:spPr bwMode="auto">
-          <a:xfrm>
-            <a:off x="469738" y="6274385"/>
-            <a:ext cx="838200" cy="295275"/>
-          </a:xfrm>
-          <a:prstGeom prst="rect">
-            <a:avLst/>
-          </a:prstGeom>
-          <a:noFill/>
-          <a:extLst>
-            <a:ext uri="{909E8E84-426E-40DD-AFC4-6F175D3DCCD1}">
-              <a14:hiddenFill xmlns:a14="http://schemas.microsoft.com/office/drawing/2010/main">
-                <a:solidFill>
-                  <a:srgbClr val="FFFFFF"/>
-                </a:solidFill>
-              </a14:hiddenFill>
-            </a:ext>
-          </a:extLst>
-        </p:spPr>
-      </p:pic>
-      <p:sp>
-        <p:nvSpPr>
-          <p:cNvPr id="14" name="TextBox 13">
-            <a:extLst>
-              <a:ext uri="{FF2B5EF4-FFF2-40B4-BE49-F238E27FC236}">
-                <a16:creationId xmlns:a16="http://schemas.microsoft.com/office/drawing/2014/main" id="{2CE8DD87-BB28-00C3-340C-6ACCCBB3BF43}"/>
-              </a:ext>
-            </a:extLst>
-          </p:cNvPr>
-          <p:cNvSpPr txBox="1"/>
-          <p:nvPr/>
-        </p:nvSpPr>
-        <p:spPr>
-          <a:xfrm>
-            <a:off x="1325879" y="6198513"/>
-            <a:ext cx="3017521" cy="430887"/>
-          </a:xfrm>
-          <a:prstGeom prst="rect">
-            <a:avLst/>
-          </a:prstGeom>
-          <a:noFill/>
-        </p:spPr>
-        <p:txBody>
-          <a:bodyPr wrap="square">
-            <a:spAutoFit/>
-          </a:bodyPr>
-          <a:lstStyle/>
-          <a:p>
-            <a:r>
-              <a:rPr lang="en-US" sz="1100" b="0" i="0" dirty="0">
-                <a:solidFill>
-                  <a:schemeClr val="bg1"/>
-                </a:solidFill>
-                <a:effectLst/>
-                <a:latin typeface="source sans pro" panose="020B0503030403020204" pitchFamily="34" charset="0"/>
-              </a:rPr>
-              <a:t>This work is licensed under a </a:t>
-            </a:r>
-            <a:r>
-              <a:rPr lang="en-US" sz="1100" b="0" i="0" strike="noStrike" dirty="0">
-                <a:solidFill>
-                  <a:schemeClr val="bg1"/>
-                </a:solidFill>
-                <a:effectLst/>
-                <a:latin typeface="source sans pro" panose="020B0503030403020204" pitchFamily="34" charset="0"/>
-                <a:hlinkClick r:id="rId6">
-                  <a:extLst>
-                    <a:ext uri="{A12FA001-AC4F-418D-AE19-62706E023703}">
-                      <ahyp:hlinkClr xmlns:ahyp="http://schemas.microsoft.com/office/drawing/2018/hyperlinkcolor" val="tx"/>
-                    </a:ext>
-                  </a:extLst>
-                </a:hlinkClick>
-              </a:rPr>
-              <a:t>Creative Commons Attribution-</a:t>
-            </a:r>
-            <a:r>
-              <a:rPr lang="en-US" sz="1100" b="0" i="0" strike="noStrike" dirty="0" err="1">
-                <a:solidFill>
-                  <a:schemeClr val="bg1"/>
-                </a:solidFill>
-                <a:effectLst/>
-                <a:latin typeface="source sans pro" panose="020B0503030403020204" pitchFamily="34" charset="0"/>
-                <a:hlinkClick r:id="rId6">
-                  <a:extLst>
-                    <a:ext uri="{A12FA001-AC4F-418D-AE19-62706E023703}">
-                      <ahyp:hlinkClr xmlns:ahyp="http://schemas.microsoft.com/office/drawing/2018/hyperlinkcolor" val="tx"/>
-                    </a:ext>
-                  </a:extLst>
-                </a:hlinkClick>
-              </a:rPr>
-              <a:t>ShareAlike</a:t>
-            </a:r>
-            <a:r>
-              <a:rPr lang="en-US" sz="1100" b="0" i="0" strike="noStrike" dirty="0">
-                <a:solidFill>
-                  <a:schemeClr val="bg1"/>
-                </a:solidFill>
-                <a:effectLst/>
-                <a:latin typeface="source sans pro" panose="020B0503030403020204" pitchFamily="34" charset="0"/>
-                <a:hlinkClick r:id="rId6">
-                  <a:extLst>
-                    <a:ext uri="{A12FA001-AC4F-418D-AE19-62706E023703}">
-                      <ahyp:hlinkClr xmlns:ahyp="http://schemas.microsoft.com/office/drawing/2018/hyperlinkcolor" val="tx"/>
-                    </a:ext>
-                  </a:extLst>
-                </a:hlinkClick>
-              </a:rPr>
-              <a:t> 4.0 International License</a:t>
-            </a:r>
-            <a:r>
-              <a:rPr lang="en-US" sz="1100" b="0" i="0" dirty="0">
-                <a:solidFill>
-                  <a:schemeClr val="bg1"/>
-                </a:solidFill>
-                <a:effectLst/>
-                <a:latin typeface="source sans pro" panose="020B0503030403020204" pitchFamily="34" charset="0"/>
-              </a:rPr>
-              <a:t>.</a:t>
-            </a:r>
-            <a:endParaRPr lang="en-US" sz="1100" dirty="0">
-              <a:solidFill>
-                <a:schemeClr val="bg1"/>
-              </a:solidFill>
-            </a:endParaRPr>
-          </a:p>
-        </p:txBody>
-      </p:sp>
       <p:grpSp>
         <p:nvGrpSpPr>
           <p:cNvPr id="2" name="Group 1">
@@ -6225,7 +6071,7 @@
             <p:nvPr/>
           </p:nvPicPr>
           <p:blipFill>
-            <a:blip r:embed="rId7">
+            <a:blip r:embed="rId5">
               <a:extLst>
                 <a:ext uri="{28A0092B-C50C-407E-A947-70E740481C1C}">
                   <a14:useLocalDpi xmlns:a14="http://schemas.microsoft.com/office/drawing/2010/main" val="0"/>
@@ -6295,6 +6141,181 @@
             </a:p>
           </p:txBody>
         </p:sp>
+      </p:grpSp>
+      <p:grpSp>
+        <p:nvGrpSpPr>
+          <p:cNvPr id="6" name="Group 5">
+            <a:extLst>
+              <a:ext uri="{FF2B5EF4-FFF2-40B4-BE49-F238E27FC236}">
+                <a16:creationId xmlns:a16="http://schemas.microsoft.com/office/drawing/2014/main" id="{205384FD-5404-4F91-7FD6-88A703EEE769}"/>
+              </a:ext>
+            </a:extLst>
+          </p:cNvPr>
+          <p:cNvGrpSpPr/>
+          <p:nvPr/>
+        </p:nvGrpSpPr>
+        <p:grpSpPr>
+          <a:xfrm>
+            <a:off x="362220" y="5867628"/>
+            <a:ext cx="3017521" cy="757197"/>
+            <a:chOff x="1219200" y="5998290"/>
+            <a:chExt cx="3017521" cy="757197"/>
+          </a:xfrm>
+        </p:grpSpPr>
+        <p:sp>
+          <p:nvSpPr>
+            <p:cNvPr id="8" name="TextBox 7">
+              <a:extLst>
+                <a:ext uri="{FF2B5EF4-FFF2-40B4-BE49-F238E27FC236}">
+                  <a16:creationId xmlns:a16="http://schemas.microsoft.com/office/drawing/2014/main" id="{3B38BD47-5C26-38B9-7089-73BCD03F2911}"/>
+                </a:ext>
+              </a:extLst>
+            </p:cNvPr>
+            <p:cNvSpPr txBox="1"/>
+            <p:nvPr/>
+          </p:nvSpPr>
+          <p:spPr>
+            <a:xfrm>
+              <a:off x="1219200" y="6324600"/>
+              <a:ext cx="3017521" cy="430887"/>
+            </a:xfrm>
+            <a:prstGeom prst="rect">
+              <a:avLst/>
+            </a:prstGeom>
+            <a:noFill/>
+          </p:spPr>
+          <p:txBody>
+            <a:bodyPr wrap="square">
+              <a:spAutoFit/>
+            </a:bodyPr>
+            <a:lstStyle/>
+            <a:p>
+              <a:r>
+                <a:rPr lang="en-US" sz="1100" b="0" i="0" dirty="0">
+                  <a:solidFill>
+                    <a:schemeClr val="bg1"/>
+                  </a:solidFill>
+                  <a:effectLst/>
+                  <a:latin typeface="source sans pro" panose="020B0503030403020204" pitchFamily="34" charset="0"/>
+                </a:rPr>
+                <a:t>This work is licensed under a </a:t>
+              </a:r>
+              <a:r>
+                <a:rPr lang="en-US" sz="1100" b="0" i="0" strike="noStrike" dirty="0">
+                  <a:solidFill>
+                    <a:schemeClr val="bg1"/>
+                  </a:solidFill>
+                  <a:effectLst/>
+                  <a:latin typeface="source sans pro" panose="020B0503030403020204" pitchFamily="34" charset="0"/>
+                  <a:hlinkClick r:id="rId6">
+                    <a:extLst>
+                      <a:ext uri="{A12FA001-AC4F-418D-AE19-62706E023703}">
+                        <ahyp:hlinkClr xmlns:ahyp="http://schemas.microsoft.com/office/drawing/2018/hyperlinkcolor" val="tx"/>
+                      </a:ext>
+                    </a:extLst>
+                  </a:hlinkClick>
+                </a:rPr>
+                <a:t>Creative Commons Attribution-</a:t>
+              </a:r>
+              <a:r>
+                <a:rPr lang="en-US" sz="1100" b="0" i="0" strike="noStrike" dirty="0" err="1">
+                  <a:solidFill>
+                    <a:schemeClr val="bg1"/>
+                  </a:solidFill>
+                  <a:effectLst/>
+                  <a:latin typeface="source sans pro" panose="020B0503030403020204" pitchFamily="34" charset="0"/>
+                  <a:hlinkClick r:id="rId6">
+                    <a:extLst>
+                      <a:ext uri="{A12FA001-AC4F-418D-AE19-62706E023703}">
+                        <ahyp:hlinkClr xmlns:ahyp="http://schemas.microsoft.com/office/drawing/2018/hyperlinkcolor" val="tx"/>
+                      </a:ext>
+                    </a:extLst>
+                  </a:hlinkClick>
+                </a:rPr>
+                <a:t>ShareAlike</a:t>
+              </a:r>
+              <a:r>
+                <a:rPr lang="en-US" sz="1100" b="0" i="0" strike="noStrike" dirty="0">
+                  <a:solidFill>
+                    <a:schemeClr val="bg1"/>
+                  </a:solidFill>
+                  <a:effectLst/>
+                  <a:latin typeface="source sans pro" panose="020B0503030403020204" pitchFamily="34" charset="0"/>
+                  <a:hlinkClick r:id="rId6">
+                    <a:extLst>
+                      <a:ext uri="{A12FA001-AC4F-418D-AE19-62706E023703}">
+                        <ahyp:hlinkClr xmlns:ahyp="http://schemas.microsoft.com/office/drawing/2018/hyperlinkcolor" val="tx"/>
+                      </a:ext>
+                    </a:extLst>
+                  </a:hlinkClick>
+                </a:rPr>
+                <a:t> 4.0 International License</a:t>
+              </a:r>
+              <a:r>
+                <a:rPr lang="en-US" sz="1100" b="0" i="0" dirty="0">
+                  <a:solidFill>
+                    <a:schemeClr val="bg1"/>
+                  </a:solidFill>
+                  <a:effectLst/>
+                  <a:latin typeface="source sans pro" panose="020B0503030403020204" pitchFamily="34" charset="0"/>
+                </a:rPr>
+                <a:t>.</a:t>
+              </a:r>
+              <a:endParaRPr lang="en-US" sz="1100" dirty="0">
+                <a:solidFill>
+                  <a:schemeClr val="bg1"/>
+                </a:solidFill>
+              </a:endParaRPr>
+            </a:p>
+          </p:txBody>
+        </p:sp>
+        <p:pic>
+          <p:nvPicPr>
+            <p:cNvPr id="9" name="Picture 2">
+              <a:extLst>
+                <a:ext uri="{FF2B5EF4-FFF2-40B4-BE49-F238E27FC236}">
+                  <a16:creationId xmlns:a16="http://schemas.microsoft.com/office/drawing/2014/main" id="{98C2C20E-65C6-732B-6B06-91A75260242F}"/>
+                </a:ext>
+              </a:extLst>
+            </p:cNvPr>
+            <p:cNvPicPr>
+              <a:picLocks noChangeAspect="1" noChangeArrowheads="1"/>
+            </p:cNvPicPr>
+            <p:nvPr/>
+          </p:nvPicPr>
+          <p:blipFill>
+            <a:blip r:embed="rId7" cstate="print">
+              <a:extLst>
+                <a:ext uri="{28A0092B-C50C-407E-A947-70E740481C1C}">
+                  <a14:useLocalDpi xmlns:a14="http://schemas.microsoft.com/office/drawing/2010/main" val="0"/>
+                </a:ext>
+              </a:extLst>
+            </a:blip>
+            <a:srcRect/>
+            <a:stretch>
+              <a:fillRect/>
+            </a:stretch>
+          </p:blipFill>
+          <p:spPr bwMode="auto">
+            <a:xfrm>
+              <a:off x="1296688" y="5998290"/>
+              <a:ext cx="888838" cy="311093"/>
+            </a:xfrm>
+            <a:prstGeom prst="rect">
+              <a:avLst/>
+            </a:prstGeom>
+            <a:noFill/>
+            <a:extLst>
+              <a:ext uri="{909E8E84-426E-40DD-AFC4-6F175D3DCCD1}">
+                <a14:hiddenFill xmlns:a14="http://schemas.microsoft.com/office/drawing/2010/main">
+                  <a:solidFill>
+                    <a:srgbClr val="FFFFFF"/>
+                  </a:solidFill>
+                </a14:hiddenFill>
+              </a:ext>
+            </a:extLst>
+          </p:spPr>
+        </p:pic>
       </p:grpSp>
     </p:spTree>
     <p:extLst>

--- a/slides/06_CSP.pptx
+++ b/slides/06_CSP.pptx
@@ -242,12 +242,12 @@
           <a:lstStyle>
             <a:lvl1pPr eaLnBrk="1" hangingPunct="1">
               <a:defRPr sz="1300">
-                <a:latin typeface="Arial" charset="0"/>
+                <a:latin typeface="Calibri" panose="020F0502020204030204" pitchFamily="34" charset="0"/>
               </a:defRPr>
             </a:lvl1pPr>
           </a:lstStyle>
           <a:p>
-            <a:endParaRPr lang="en-US"/>
+            <a:endParaRPr lang="en-US" dirty="0"/>
           </a:p>
         </p:txBody>
       </p:sp>
@@ -287,12 +287,12 @@
           <a:lstStyle>
             <a:lvl1pPr algn="r" eaLnBrk="1" hangingPunct="1">
               <a:defRPr sz="1300">
-                <a:latin typeface="Arial" charset="0"/>
+                <a:latin typeface="Calibri" panose="020F0502020204030204" pitchFamily="34" charset="0"/>
               </a:defRPr>
             </a:lvl1pPr>
           </a:lstStyle>
           <a:p>
-            <a:endParaRPr lang="en-US"/>
+            <a:endParaRPr lang="en-US" dirty="0"/>
           </a:p>
         </p:txBody>
       </p:sp>
@@ -363,35 +363,35 @@
           <a:p>
             <a:pPr lvl="0"/>
             <a:r>
-              <a:rPr lang="en-US"/>
+              <a:rPr lang="en-US" dirty="0"/>
               <a:t>Click to edit Master text styles</a:t>
             </a:r>
           </a:p>
           <a:p>
             <a:pPr lvl="1"/>
             <a:r>
-              <a:rPr lang="en-US"/>
+              <a:rPr lang="en-US" dirty="0"/>
               <a:t>Second level</a:t>
             </a:r>
           </a:p>
           <a:p>
             <a:pPr lvl="2"/>
             <a:r>
-              <a:rPr lang="en-US"/>
+              <a:rPr lang="en-US" dirty="0"/>
               <a:t>Third level</a:t>
             </a:r>
           </a:p>
           <a:p>
             <a:pPr lvl="3"/>
             <a:r>
-              <a:rPr lang="en-US"/>
+              <a:rPr lang="en-US" dirty="0"/>
               <a:t>Fourth level</a:t>
             </a:r>
           </a:p>
           <a:p>
             <a:pPr lvl="4"/>
             <a:r>
-              <a:rPr lang="en-US"/>
+              <a:rPr lang="en-US" dirty="0"/>
               <a:t>Fifth level</a:t>
             </a:r>
           </a:p>
@@ -433,12 +433,12 @@
           <a:lstStyle>
             <a:lvl1pPr eaLnBrk="1" hangingPunct="1">
               <a:defRPr sz="1300">
-                <a:latin typeface="Arial" charset="0"/>
+                <a:latin typeface="Calibri" panose="020F0502020204030204" pitchFamily="34" charset="0"/>
               </a:defRPr>
             </a:lvl1pPr>
           </a:lstStyle>
           <a:p>
-            <a:endParaRPr lang="en-US"/>
+            <a:endParaRPr lang="en-US" dirty="0"/>
           </a:p>
         </p:txBody>
       </p:sp>
@@ -478,17 +478,17 @@
           <a:lstStyle>
             <a:lvl1pPr algn="r" eaLnBrk="1" hangingPunct="1">
               <a:defRPr sz="1300">
-                <a:latin typeface="Arial" charset="0"/>
+                <a:latin typeface="Calibri" panose="020F0502020204030204" pitchFamily="34" charset="0"/>
               </a:defRPr>
             </a:lvl1pPr>
           </a:lstStyle>
           <a:p>
             <a:fld id="{D21C7BEE-7BA7-4369-9E3D-FA3E2F4A54A1}" type="slidenum">
-              <a:rPr lang="en-US"/>
+              <a:rPr lang="en-US" smtClean="0"/>
               <a:pPr/>
               <a:t>‹#›</a:t>
             </a:fld>
-            <a:endParaRPr lang="en-US"/>
+            <a:endParaRPr lang="en-US" dirty="0"/>
           </a:p>
         </p:txBody>
       </p:sp>
@@ -507,7 +507,7 @@
         <a:solidFill>
           <a:schemeClr val="tx1"/>
         </a:solidFill>
-        <a:latin typeface="Arial" charset="0"/>
+        <a:latin typeface="Calibri" panose="020F0502020204030204" pitchFamily="34" charset="0"/>
         <a:ea typeface="+mn-ea"/>
         <a:cs typeface="+mn-cs"/>
       </a:defRPr>
@@ -523,7 +523,7 @@
         <a:solidFill>
           <a:schemeClr val="tx1"/>
         </a:solidFill>
-        <a:latin typeface="Arial" charset="0"/>
+        <a:latin typeface="Calibri" panose="020F0502020204030204" pitchFamily="34" charset="0"/>
         <a:ea typeface="+mn-ea"/>
         <a:cs typeface="+mn-cs"/>
       </a:defRPr>
@@ -539,7 +539,7 @@
         <a:solidFill>
           <a:schemeClr val="tx1"/>
         </a:solidFill>
-        <a:latin typeface="Arial" charset="0"/>
+        <a:latin typeface="Calibri" panose="020F0502020204030204" pitchFamily="34" charset="0"/>
         <a:ea typeface="+mn-ea"/>
         <a:cs typeface="+mn-cs"/>
       </a:defRPr>
@@ -555,7 +555,7 @@
         <a:solidFill>
           <a:schemeClr val="tx1"/>
         </a:solidFill>
-        <a:latin typeface="Arial" charset="0"/>
+        <a:latin typeface="Calibri" panose="020F0502020204030204" pitchFamily="34" charset="0"/>
         <a:ea typeface="+mn-ea"/>
         <a:cs typeface="+mn-cs"/>
       </a:defRPr>
@@ -571,7 +571,7 @@
         <a:solidFill>
           <a:schemeClr val="tx1"/>
         </a:solidFill>
-        <a:latin typeface="Arial" charset="0"/>
+        <a:latin typeface="Calibri" panose="020F0502020204030204" pitchFamily="34" charset="0"/>
         <a:ea typeface="+mn-ea"/>
         <a:cs typeface="+mn-cs"/>
       </a:defRPr>
@@ -2364,7 +2364,7 @@
           <a:p>
             <a:fld id="{FDB68C03-DCF9-4B87-BBF6-8F2088376604}" type="datetimeFigureOut">
               <a:rPr lang="en-US" smtClean="0"/>
-              <a:t>4/7/2025</a:t>
+              <a:t>4/10/2025</a:t>
             </a:fld>
             <a:endParaRPr lang="en-US"/>
           </a:p>
@@ -2974,7 +2974,7 @@
           <a:p>
             <a:fld id="{FDB68C03-DCF9-4B87-BBF6-8F2088376604}" type="datetimeFigureOut">
               <a:rPr lang="en-US" smtClean="0"/>
-              <a:t>4/7/2025</a:t>
+              <a:t>4/10/2025</a:t>
             </a:fld>
             <a:endParaRPr lang="en-US"/>
           </a:p>
@@ -3249,7 +3249,7 @@
           <a:p>
             <a:fld id="{FDB68C03-DCF9-4B87-BBF6-8F2088376604}" type="datetimeFigureOut">
               <a:rPr lang="en-US" smtClean="0"/>
-              <a:t>4/7/2025</a:t>
+              <a:t>4/10/2025</a:t>
             </a:fld>
             <a:endParaRPr lang="en-US"/>
           </a:p>
@@ -5038,7 +5038,7 @@
           <a:p>
             <a:fld id="{FDB68C03-DCF9-4B87-BBF6-8F2088376604}" type="datetimeFigureOut">
               <a:rPr lang="en-US" smtClean="0"/>
-              <a:t>4/7/2025</a:t>
+              <a:t>4/10/2025</a:t>
             </a:fld>
             <a:endParaRPr lang="en-US"/>
           </a:p>
@@ -6005,10 +6005,10 @@
         </p:nvGrpSpPr>
         <p:grpSpPr>
           <a:xfrm>
-            <a:off x="7640240" y="5288875"/>
-            <a:ext cx="1313721" cy="1440289"/>
-            <a:chOff x="7151029" y="4191000"/>
-            <a:chExt cx="1688171" cy="1981200"/>
+            <a:off x="7649401" y="5288875"/>
+            <a:ext cx="1304561" cy="1440289"/>
+            <a:chOff x="7162800" y="4191000"/>
+            <a:chExt cx="1676400" cy="1981200"/>
           </a:xfrm>
         </p:grpSpPr>
         <p:sp>
@@ -6106,8 +6106,8 @@
           </p:nvSpPr>
           <p:spPr>
             <a:xfrm>
-              <a:off x="7151029" y="5812970"/>
-              <a:ext cx="1676400" cy="359230"/>
+              <a:off x="7162800" y="5812970"/>
+              <a:ext cx="1664629" cy="359230"/>
             </a:xfrm>
             <a:prstGeom prst="rect">
               <a:avLst/>
@@ -6144,10 +6144,10 @@
       </p:grpSp>
       <p:grpSp>
         <p:nvGrpSpPr>
-          <p:cNvPr id="6" name="Group 5">
+          <p:cNvPr id="11" name="Group 10">
             <a:extLst>
               <a:ext uri="{FF2B5EF4-FFF2-40B4-BE49-F238E27FC236}">
-                <a16:creationId xmlns:a16="http://schemas.microsoft.com/office/drawing/2014/main" id="{205384FD-5404-4F91-7FD6-88A703EEE769}"/>
+                <a16:creationId xmlns:a16="http://schemas.microsoft.com/office/drawing/2014/main" id="{BC796119-35D4-59DF-8A54-1F96452B7FFF}"/>
               </a:ext>
             </a:extLst>
           </p:cNvPr>
@@ -6156,10 +6156,10 @@
         </p:nvGrpSpPr>
         <p:grpSpPr>
           <a:xfrm>
-            <a:off x="362220" y="5867628"/>
-            <a:ext cx="3017521" cy="757197"/>
-            <a:chOff x="1219200" y="5998290"/>
-            <a:chExt cx="3017521" cy="757197"/>
+            <a:off x="362220" y="5869425"/>
+            <a:ext cx="3017521" cy="755400"/>
+            <a:chOff x="362220" y="5869425"/>
+            <a:chExt cx="3017521" cy="755400"/>
           </a:xfrm>
         </p:grpSpPr>
         <p:sp>
@@ -6176,7 +6176,7 @@
           </p:nvSpPr>
           <p:spPr>
             <a:xfrm>
-              <a:off x="1219200" y="6324600"/>
+              <a:off x="362220" y="6193938"/>
               <a:ext cx="3017521" cy="430887"/>
             </a:xfrm>
             <a:prstGeom prst="rect">
@@ -6196,7 +6196,7 @@
                     <a:schemeClr val="bg1"/>
                   </a:solidFill>
                   <a:effectLst/>
-                  <a:latin typeface="source sans pro" panose="020B0503030403020204" pitchFamily="34" charset="0"/>
+                  <a:latin typeface="Calibri" panose="020F0502020204030204" pitchFamily="34" charset="0"/>
                 </a:rPr>
                 <a:t>This work is licensed under a </a:t>
               </a:r>
@@ -6206,7 +6206,7 @@
                     <a:schemeClr val="bg1"/>
                   </a:solidFill>
                   <a:effectLst/>
-                  <a:latin typeface="source sans pro" panose="020B0503030403020204" pitchFamily="34" charset="0"/>
+                  <a:latin typeface="Calibri" panose="020F0502020204030204" pitchFamily="34" charset="0"/>
                   <a:hlinkClick r:id="rId6">
                     <a:extLst>
                       <a:ext uri="{A12FA001-AC4F-418D-AE19-62706E023703}">
@@ -6223,7 +6223,7 @@
                     <a:schemeClr val="bg1"/>
                   </a:solidFill>
                   <a:effectLst/>
-                  <a:latin typeface="source sans pro" panose="020B0503030403020204" pitchFamily="34" charset="0"/>
+                  <a:latin typeface="Calibri" panose="020F0502020204030204" pitchFamily="34" charset="0"/>
                   <a:hlinkClick r:id="rId6">
                     <a:extLst>
                       <a:ext uri="{A12FA001-AC4F-418D-AE19-62706E023703}">
@@ -6240,7 +6240,7 @@
                     <a:schemeClr val="bg1"/>
                   </a:solidFill>
                   <a:effectLst/>
-                  <a:latin typeface="source sans pro" panose="020B0503030403020204" pitchFamily="34" charset="0"/>
+                  <a:latin typeface="Calibri" panose="020F0502020204030204" pitchFamily="34" charset="0"/>
                   <a:hlinkClick r:id="rId6">
                     <a:extLst>
                       <a:ext uri="{A12FA001-AC4F-418D-AE19-62706E023703}">
@@ -6257,7 +6257,7 @@
                     <a:schemeClr val="bg1"/>
                   </a:solidFill>
                   <a:effectLst/>
-                  <a:latin typeface="source sans pro" panose="020B0503030403020204" pitchFamily="34" charset="0"/>
+                  <a:latin typeface="Calibri" panose="020F0502020204030204" pitchFamily="34" charset="0"/>
                 </a:rPr>
                 <a:t>.</a:t>
               </a:r>
@@ -6271,10 +6271,10 @@
         </p:sp>
         <p:pic>
           <p:nvPicPr>
-            <p:cNvPr id="9" name="Picture 2">
+            <p:cNvPr id="10" name="Picture 2">
               <a:extLst>
                 <a:ext uri="{FF2B5EF4-FFF2-40B4-BE49-F238E27FC236}">
-                  <a16:creationId xmlns:a16="http://schemas.microsoft.com/office/drawing/2014/main" id="{98C2C20E-65C6-732B-6B06-91A75260242F}"/>
+                  <a16:creationId xmlns:a16="http://schemas.microsoft.com/office/drawing/2014/main" id="{1C1FE80D-9C01-C837-E1EE-D5D803E8DFF7}"/>
                 </a:ext>
               </a:extLst>
             </p:cNvPr>
@@ -6298,8 +6298,8 @@
           </p:blipFill>
           <p:spPr bwMode="auto">
             <a:xfrm>
-              <a:off x="1296688" y="5998290"/>
-              <a:ext cx="888838" cy="311093"/>
+              <a:off x="457200" y="5869425"/>
+              <a:ext cx="894434" cy="312941"/>
             </a:xfrm>
             <a:prstGeom prst="rect">
               <a:avLst/>
@@ -8087,22 +8087,22 @@
               </a:r>
               <a:r>
                 <a:rPr lang="en-US" dirty="0">
-                  <a:latin typeface="Courier New" panose="02070309020205020404" pitchFamily="49" charset="0"/>
-                  <a:cs typeface="Courier New" panose="02070309020205020404" pitchFamily="49" charset="0"/>
+                  <a:latin typeface="Calibri" panose="020F0502020204030204" pitchFamily="34" charset="0"/>
+                  <a:cs typeface="Calibri" panose="020F0502020204030204" pitchFamily="34" charset="0"/>
                 </a:rPr>
                 <a:t>Recursive-Backtracking({}, </a:t>
               </a:r>
               <a:r>
                 <a:rPr lang="en-US" dirty="0" err="1">
-                  <a:latin typeface="Courier New" panose="02070309020205020404" pitchFamily="49" charset="0"/>
-                  <a:cs typeface="Courier New" panose="02070309020205020404" pitchFamily="49" charset="0"/>
+                  <a:latin typeface="Calibri" panose="020F0502020204030204" pitchFamily="34" charset="0"/>
+                  <a:cs typeface="Calibri" panose="020F0502020204030204" pitchFamily="34" charset="0"/>
                 </a:rPr>
                 <a:t>csp</a:t>
               </a:r>
               <a:r>
                 <a:rPr lang="en-US" dirty="0">
-                  <a:latin typeface="Courier New" panose="02070309020205020404" pitchFamily="49" charset="0"/>
-                  <a:cs typeface="Courier New" panose="02070309020205020404" pitchFamily="49" charset="0"/>
+                  <a:latin typeface="Calibri" panose="020F0502020204030204" pitchFamily="34" charset="0"/>
+                  <a:cs typeface="Calibri" panose="020F0502020204030204" pitchFamily="34" charset="0"/>
                 </a:rPr>
                 <a:t>)</a:t>
               </a:r>
@@ -9918,22 +9918,22 @@
               </a:r>
               <a:r>
                 <a:rPr lang="en-US" dirty="0">
-                  <a:latin typeface="Courier New" panose="02070309020205020404" pitchFamily="49" charset="0"/>
-                  <a:cs typeface="Courier New" panose="02070309020205020404" pitchFamily="49" charset="0"/>
+                  <a:latin typeface="Calibri" panose="020F0502020204030204" pitchFamily="34" charset="0"/>
+                  <a:cs typeface="Calibri" panose="020F0502020204030204" pitchFamily="34" charset="0"/>
                 </a:rPr>
                 <a:t>Recursive-Backtracking({}, </a:t>
               </a:r>
               <a:r>
                 <a:rPr lang="en-US" dirty="0" err="1">
-                  <a:latin typeface="Courier New" panose="02070309020205020404" pitchFamily="49" charset="0"/>
-                  <a:cs typeface="Courier New" panose="02070309020205020404" pitchFamily="49" charset="0"/>
+                  <a:latin typeface="Calibri" panose="020F0502020204030204" pitchFamily="34" charset="0"/>
+                  <a:cs typeface="Calibri" panose="020F0502020204030204" pitchFamily="34" charset="0"/>
                 </a:rPr>
                 <a:t>csp</a:t>
               </a:r>
               <a:r>
                 <a:rPr lang="en-US" dirty="0">
-                  <a:latin typeface="Courier New" panose="02070309020205020404" pitchFamily="49" charset="0"/>
-                  <a:cs typeface="Courier New" panose="02070309020205020404" pitchFamily="49" charset="0"/>
+                  <a:latin typeface="Calibri" panose="020F0502020204030204" pitchFamily="34" charset="0"/>
+                  <a:cs typeface="Calibri" panose="020F0502020204030204" pitchFamily="34" charset="0"/>
                 </a:rPr>
                 <a:t>)</a:t>
               </a:r>
@@ -10125,35 +10125,35 @@
             <a:p>
               <a:r>
                 <a:rPr lang="en-US" b="1" dirty="0">
-                  <a:latin typeface="Courier New" panose="02070309020205020404" pitchFamily="49" charset="0"/>
-                  <a:cs typeface="Courier New" panose="02070309020205020404" pitchFamily="49" charset="0"/>
+                  <a:latin typeface="Calibri" panose="020F0502020204030204" pitchFamily="34" charset="0"/>
+                  <a:cs typeface="Calibri" panose="020F0502020204030204" pitchFamily="34" charset="0"/>
                 </a:rPr>
                 <a:t>If (inference(</a:t>
               </a:r>
               <a:r>
                 <a:rPr lang="en-US" b="1" dirty="0" err="1">
-                  <a:latin typeface="Courier New" panose="02070309020205020404" pitchFamily="49" charset="0"/>
-                  <a:cs typeface="Courier New" panose="02070309020205020404" pitchFamily="49" charset="0"/>
+                  <a:latin typeface="Calibri" panose="020F0502020204030204" pitchFamily="34" charset="0"/>
+                  <a:cs typeface="Calibri" panose="020F0502020204030204" pitchFamily="34" charset="0"/>
                 </a:rPr>
                 <a:t>csp</a:t>
               </a:r>
               <a:r>
                 <a:rPr lang="en-US" b="1" dirty="0">
-                  <a:latin typeface="Courier New" panose="02070309020205020404" pitchFamily="49" charset="0"/>
-                  <a:cs typeface="Courier New" panose="02070309020205020404" pitchFamily="49" charset="0"/>
+                  <a:latin typeface="Calibri" panose="020F0502020204030204" pitchFamily="34" charset="0"/>
+                  <a:cs typeface="Calibri" panose="020F0502020204030204" pitchFamily="34" charset="0"/>
                 </a:rPr>
                 <a:t>, var, assignment) == failure) </a:t>
               </a:r>
               <a:br>
                 <a:rPr lang="en-US" b="1" dirty="0">
-                  <a:latin typeface="Courier New" panose="02070309020205020404" pitchFamily="49" charset="0"/>
-                  <a:cs typeface="Courier New" panose="02070309020205020404" pitchFamily="49" charset="0"/>
+                  <a:latin typeface="Calibri" panose="020F0502020204030204" pitchFamily="34" charset="0"/>
+                  <a:cs typeface="Calibri" panose="020F0502020204030204" pitchFamily="34" charset="0"/>
                 </a:rPr>
               </a:br>
               <a:r>
                 <a:rPr lang="en-US" b="1" dirty="0">
-                  <a:latin typeface="Courier New" panose="02070309020205020404" pitchFamily="49" charset="0"/>
-                  <a:cs typeface="Courier New" panose="02070309020205020404" pitchFamily="49" charset="0"/>
+                  <a:latin typeface="Calibri" panose="020F0502020204030204" pitchFamily="34" charset="0"/>
+                  <a:cs typeface="Calibri" panose="020F0502020204030204" pitchFamily="34" charset="0"/>
                 </a:rPr>
                 <a:t>       return failure</a:t>
               </a:r>
@@ -13267,7 +13267,7 @@
           <p:nvPr>
             <p:extLst>
               <p:ext uri="{D42A27DB-BD31-4B8C-83A1-F6EECF244321}">
-                <p14:modId xmlns:p14="http://schemas.microsoft.com/office/powerpoint/2010/main" val="1057081161"/>
+                <p14:modId xmlns:p14="http://schemas.microsoft.com/office/powerpoint/2010/main" val="442497797"/>
               </p:ext>
             </p:extLst>
           </p:nvPr>
@@ -13650,15 +13650,7 @@
                       </a:r>
                       <a:r>
                         <a:rPr lang="en-US" sz="1600" b="0" dirty="0"/>
-                        <a:t>(initial + goal state + transition </a:t>
-                      </a:r>
-                      <a:r>
-                        <a:rPr lang="en-US" sz="1600" b="0" dirty="0" err="1"/>
-                        <a:t>funciton</a:t>
-                      </a:r>
-                      <a:r>
-                        <a:rPr lang="en-US" sz="1600" b="0" dirty="0"/>
-                        <a:t>)</a:t>
+                        <a:t>(initial + goal state + transition function)</a:t>
                       </a:r>
                       <a:r>
                         <a:rPr lang="en-US" sz="1600" dirty="0"/>
@@ -13806,8 +13798,8 @@
           </a:p>
         </p:txBody>
       </p:sp>
-      <mc:AlternateContent xmlns:mc="http://schemas.openxmlformats.org/markup-compatibility/2006" xmlns:a14="http://schemas.microsoft.com/office/drawing/2010/main">
-        <mc:Choice Requires="a14">
+      <mc:AlternateContent xmlns:mc="http://schemas.openxmlformats.org/markup-compatibility/2006">
+        <mc:Choice xmlns:a14="http://schemas.microsoft.com/office/drawing/2010/main" Requires="a14">
           <p:sp>
             <p:nvSpPr>
               <p:cNvPr id="6147" name="Rectangle 3"/>
@@ -13910,7 +13902,7 @@
                 </a:r>
                 <a:r>
                   <a:rPr lang="en-US" sz="2400" dirty="0">
-                    <a:cs typeface="Arial" charset="0"/>
+                    <a:cs typeface="Calibri" panose="020F0502020204030204" pitchFamily="34" charset="0"/>
                   </a:rPr>
                   <a:t>≠</a:t>
                 </a:r>
@@ -14088,7 +14080,7 @@
             </p:txBody>
           </p:sp>
         </mc:Choice>
-        <mc:Fallback xmlns="">
+        <mc:Fallback>
           <p:sp>
             <p:nvSpPr>
               <p:cNvPr id="6147" name="Rectangle 3"/>
@@ -18360,7 +18352,7 @@
                 <a:solidFill>
                   <a:srgbClr val="202122"/>
                 </a:solidFill>
-                <a:latin typeface="Nimbus Roman No9 L"/>
+                <a:latin typeface="Calibri" panose="020F0502020204030204" pitchFamily="34" charset="0"/>
               </a:rPr>
               <a:t>(</a:t>
             </a:r>
@@ -18369,7 +18361,7 @@
                 <a:solidFill>
                   <a:srgbClr val="202122"/>
                 </a:solidFill>
-                <a:latin typeface="Nimbus Roman No9 L"/>
+                <a:latin typeface="Calibri" panose="020F0502020204030204" pitchFamily="34" charset="0"/>
               </a:rPr>
               <a:t>x</a:t>
             </a:r>
@@ -18378,7 +18370,7 @@
                 <a:solidFill>
                   <a:srgbClr val="202122"/>
                 </a:solidFill>
-                <a:latin typeface="Nimbus Roman No9 L"/>
+                <a:latin typeface="Calibri" panose="020F0502020204030204" pitchFamily="34" charset="0"/>
               </a:rPr>
               <a:t>1</a:t>
             </a:r>
@@ -18387,7 +18379,7 @@
                 <a:solidFill>
                   <a:srgbClr val="202122"/>
                 </a:solidFill>
-                <a:latin typeface="Nimbus Roman No9 L"/>
+                <a:latin typeface="Calibri" panose="020F0502020204030204" pitchFamily="34" charset="0"/>
               </a:rPr>
               <a:t> ∨ ¬</a:t>
             </a:r>
@@ -18396,7 +18388,7 @@
                 <a:solidFill>
                   <a:srgbClr val="202122"/>
                 </a:solidFill>
-                <a:latin typeface="Nimbus Roman No9 L"/>
+                <a:latin typeface="Calibri" panose="020F0502020204030204" pitchFamily="34" charset="0"/>
               </a:rPr>
               <a:t>x</a:t>
             </a:r>
@@ -18405,7 +18397,7 @@
                 <a:solidFill>
                   <a:srgbClr val="202122"/>
                 </a:solidFill>
-                <a:latin typeface="Nimbus Roman No9 L"/>
+                <a:latin typeface="Calibri" panose="020F0502020204030204" pitchFamily="34" charset="0"/>
               </a:rPr>
               <a:t>2</a:t>
             </a:r>
@@ -18414,7 +18406,7 @@
                 <a:solidFill>
                   <a:srgbClr val="202122"/>
                 </a:solidFill>
-                <a:latin typeface="Nimbus Roman No9 L"/>
+                <a:latin typeface="Calibri" panose="020F0502020204030204" pitchFamily="34" charset="0"/>
               </a:rPr>
               <a:t>) ∧ (¬</a:t>
             </a:r>
@@ -18423,7 +18415,7 @@
                 <a:solidFill>
                   <a:srgbClr val="202122"/>
                 </a:solidFill>
-                <a:latin typeface="Nimbus Roman No9 L"/>
+                <a:latin typeface="Calibri" panose="020F0502020204030204" pitchFamily="34" charset="0"/>
               </a:rPr>
               <a:t>x</a:t>
             </a:r>
@@ -18432,7 +18424,7 @@
                 <a:solidFill>
                   <a:srgbClr val="202122"/>
                 </a:solidFill>
-                <a:latin typeface="Nimbus Roman No9 L"/>
+                <a:latin typeface="Calibri" panose="020F0502020204030204" pitchFamily="34" charset="0"/>
               </a:rPr>
               <a:t>1</a:t>
             </a:r>
@@ -18441,7 +18433,7 @@
                 <a:solidFill>
                   <a:srgbClr val="202122"/>
                 </a:solidFill>
-                <a:latin typeface="Nimbus Roman No9 L"/>
+                <a:latin typeface="Calibri" panose="020F0502020204030204" pitchFamily="34" charset="0"/>
               </a:rPr>
               <a:t> ∨ </a:t>
             </a:r>
@@ -18450,7 +18442,7 @@
                 <a:solidFill>
                   <a:srgbClr val="202122"/>
                 </a:solidFill>
-                <a:latin typeface="Nimbus Roman No9 L"/>
+                <a:latin typeface="Calibri" panose="020F0502020204030204" pitchFamily="34" charset="0"/>
               </a:rPr>
               <a:t>x</a:t>
             </a:r>
@@ -18459,7 +18451,7 @@
                 <a:solidFill>
                   <a:srgbClr val="202122"/>
                 </a:solidFill>
-                <a:latin typeface="Nimbus Roman No9 L"/>
+                <a:latin typeface="Calibri" panose="020F0502020204030204" pitchFamily="34" charset="0"/>
               </a:rPr>
               <a:t>2</a:t>
             </a:r>
@@ -18468,7 +18460,7 @@
                 <a:solidFill>
                   <a:srgbClr val="202122"/>
                 </a:solidFill>
-                <a:latin typeface="Nimbus Roman No9 L"/>
+                <a:latin typeface="Calibri" panose="020F0502020204030204" pitchFamily="34" charset="0"/>
               </a:rPr>
               <a:t> ∨ </a:t>
             </a:r>
@@ -18477,7 +18469,7 @@
                 <a:solidFill>
                   <a:srgbClr val="202122"/>
                 </a:solidFill>
-                <a:latin typeface="Nimbus Roman No9 L"/>
+                <a:latin typeface="Calibri" panose="020F0502020204030204" pitchFamily="34" charset="0"/>
               </a:rPr>
               <a:t>x</a:t>
             </a:r>
@@ -18486,7 +18478,7 @@
                 <a:solidFill>
                   <a:srgbClr val="202122"/>
                 </a:solidFill>
-                <a:latin typeface="Nimbus Roman No9 L"/>
+                <a:latin typeface="Calibri" panose="020F0502020204030204" pitchFamily="34" charset="0"/>
               </a:rPr>
               <a:t>3</a:t>
             </a:r>
@@ -18495,7 +18487,7 @@
                 <a:solidFill>
                   <a:srgbClr val="202122"/>
                 </a:solidFill>
-                <a:latin typeface="Nimbus Roman No9 L"/>
+                <a:latin typeface="Calibri" panose="020F0502020204030204" pitchFamily="34" charset="0"/>
               </a:rPr>
               <a:t>) ∧ ¬</a:t>
             </a:r>
@@ -18504,7 +18496,7 @@
                 <a:solidFill>
                   <a:srgbClr val="202122"/>
                 </a:solidFill>
-                <a:latin typeface="Nimbus Roman No9 L"/>
+                <a:latin typeface="Calibri" panose="020F0502020204030204" pitchFamily="34" charset="0"/>
               </a:rPr>
               <a:t>x</a:t>
             </a:r>
@@ -18513,7 +18505,7 @@
                 <a:solidFill>
                   <a:srgbClr val="202122"/>
                 </a:solidFill>
-                <a:latin typeface="Nimbus Roman No9 L"/>
+                <a:latin typeface="Calibri" panose="020F0502020204030204" pitchFamily="34" charset="0"/>
               </a:rPr>
               <a:t>1 </a:t>
             </a:r>

--- a/slides/06_CSP.pptx
+++ b/slides/06_CSP.pptx
@@ -5,7 +5,7 @@
     <p:sldMasterId id="2147483673" r:id="rId1"/>
   </p:sldMasterIdLst>
   <p:notesMasterIdLst>
-    <p:notesMasterId r:id="rId22"/>
+    <p:notesMasterId r:id="rId24"/>
   </p:notesMasterIdLst>
   <p:sldIdLst>
     <p:sldId id="330" r:id="rId2"/>
@@ -18,16 +18,18 @@
     <p:sldId id="305" r:id="rId9"/>
     <p:sldId id="328" r:id="rId10"/>
     <p:sldId id="266" r:id="rId11"/>
-    <p:sldId id="267" r:id="rId12"/>
-    <p:sldId id="268" r:id="rId13"/>
-    <p:sldId id="273" r:id="rId14"/>
-    <p:sldId id="269" r:id="rId15"/>
-    <p:sldId id="307" r:id="rId16"/>
-    <p:sldId id="317" r:id="rId17"/>
-    <p:sldId id="322" r:id="rId18"/>
-    <p:sldId id="329" r:id="rId19"/>
-    <p:sldId id="326" r:id="rId20"/>
-    <p:sldId id="327" r:id="rId21"/>
+    <p:sldId id="444" r:id="rId12"/>
+    <p:sldId id="267" r:id="rId13"/>
+    <p:sldId id="268" r:id="rId14"/>
+    <p:sldId id="273" r:id="rId15"/>
+    <p:sldId id="269" r:id="rId16"/>
+    <p:sldId id="307" r:id="rId17"/>
+    <p:sldId id="317" r:id="rId18"/>
+    <p:sldId id="322" r:id="rId19"/>
+    <p:sldId id="329" r:id="rId20"/>
+    <p:sldId id="304" r:id="rId21"/>
+    <p:sldId id="326" r:id="rId22"/>
+    <p:sldId id="327" r:id="rId23"/>
   </p:sldIdLst>
   <p:sldSz cx="9144000" cy="6858000" type="screen4x3"/>
   <p:notesSz cx="7315200" cy="9601200"/>
@@ -145,6 +147,7 @@
         </p14:section>
         <p14:section name="CSP As A Search Problem" id="{37E1C103-38D6-44C0-BAB4-08E1538E5F4C}">
           <p14:sldIdLst>
+            <p14:sldId id="444"/>
             <p14:sldId id="267"/>
             <p14:sldId id="268"/>
             <p14:sldId id="273"/>
@@ -157,6 +160,7 @@
         </p14:section>
         <p14:section name="Local Search for CSPs" id="{F5446828-FECC-4183-B025-F50B3FD39F9F}">
           <p14:sldIdLst>
+            <p14:sldId id="304"/>
             <p14:sldId id="326"/>
             <p14:sldId id="327"/>
           </p14:sldIdLst>
@@ -775,7 +779,7 @@
             <a:fld id="{D21C7BEE-7BA7-4369-9E3D-FA3E2F4A54A1}" type="slidenum">
               <a:rPr lang="en-US" smtClean="0"/>
               <a:pPr/>
-              <a:t>11</a:t>
+              <a:t>12</a:t>
             </a:fld>
             <a:endParaRPr lang="en-US"/>
           </a:p>
@@ -857,7 +861,7 @@
             <a:fld id="{D21C7BEE-7BA7-4369-9E3D-FA3E2F4A54A1}" type="slidenum">
               <a:rPr lang="en-US" smtClean="0"/>
               <a:pPr/>
-              <a:t>12</a:t>
+              <a:t>13</a:t>
             </a:fld>
             <a:endParaRPr lang="en-US"/>
           </a:p>
@@ -939,7 +943,7 @@
             <a:fld id="{D21C7BEE-7BA7-4369-9E3D-FA3E2F4A54A1}" type="slidenum">
               <a:rPr lang="en-US" smtClean="0"/>
               <a:pPr/>
-              <a:t>13</a:t>
+              <a:t>14</a:t>
             </a:fld>
             <a:endParaRPr lang="en-US"/>
           </a:p>
@@ -1021,7 +1025,7 @@
             <a:fld id="{D21C7BEE-7BA7-4369-9E3D-FA3E2F4A54A1}" type="slidenum">
               <a:rPr lang="en-US" smtClean="0"/>
               <a:pPr/>
-              <a:t>14</a:t>
+              <a:t>15</a:t>
             </a:fld>
             <a:endParaRPr lang="en-US"/>
           </a:p>
@@ -1103,7 +1107,7 @@
             <a:fld id="{D21C7BEE-7BA7-4369-9E3D-FA3E2F4A54A1}" type="slidenum">
               <a:rPr lang="en-US" smtClean="0"/>
               <a:pPr/>
-              <a:t>15</a:t>
+              <a:t>16</a:t>
             </a:fld>
             <a:endParaRPr lang="en-US"/>
           </a:p>
@@ -1185,7 +1189,7 @@
             <a:fld id="{D21C7BEE-7BA7-4369-9E3D-FA3E2F4A54A1}" type="slidenum">
               <a:rPr lang="en-US" smtClean="0"/>
               <a:pPr/>
-              <a:t>16</a:t>
+              <a:t>17</a:t>
             </a:fld>
             <a:endParaRPr lang="en-US"/>
           </a:p>
@@ -1267,7 +1271,7 @@
             <a:fld id="{D21C7BEE-7BA7-4369-9E3D-FA3E2F4A54A1}" type="slidenum">
               <a:rPr lang="en-US" smtClean="0"/>
               <a:pPr/>
-              <a:t>17</a:t>
+              <a:t>18</a:t>
             </a:fld>
             <a:endParaRPr lang="en-US"/>
           </a:p>
@@ -1349,7 +1353,7 @@
             <a:fld id="{D21C7BEE-7BA7-4369-9E3D-FA3E2F4A54A1}" type="slidenum">
               <a:rPr lang="en-US" smtClean="0"/>
               <a:pPr/>
-              <a:t>18</a:t>
+              <a:t>19</a:t>
             </a:fld>
             <a:endParaRPr lang="en-US"/>
           </a:p>
@@ -1433,10 +1437,10 @@
           <a:bodyPr/>
           <a:lstStyle/>
           <a:p>
-            <a:fld id="{D21C7BEE-7BA7-4369-9E3D-FA3E2F4A54A1}" type="slidenum">
+            <a:fld id="{CA8F1D18-9638-4932-8910-B6EDCB447AA8}" type="slidenum">
               <a:rPr lang="en-US" smtClean="0"/>
               <a:pPr/>
-              <a:t>19</a:t>
+              <a:t>20</a:t>
             </a:fld>
             <a:endParaRPr lang="en-US"/>
           </a:p>
@@ -1518,7 +1522,7 @@
             <a:fld id="{D21C7BEE-7BA7-4369-9E3D-FA3E2F4A54A1}" type="slidenum">
               <a:rPr lang="en-US" smtClean="0"/>
               <a:pPr/>
-              <a:t>20</a:t>
+              <a:t>21</a:t>
             </a:fld>
             <a:endParaRPr lang="en-US"/>
           </a:p>
@@ -1601,6 +1605,88 @@
               <a:rPr lang="en-US" smtClean="0"/>
               <a:pPr/>
               <a:t>2</a:t>
+            </a:fld>
+            <a:endParaRPr lang="en-US"/>
+          </a:p>
+        </p:txBody>
+      </p:sp>
+    </p:spTree>
+  </p:cSld>
+  <p:clrMapOvr>
+    <a:masterClrMapping/>
+  </p:clrMapOvr>
+</p:notes>
+</file>
+
+<file path=ppt/notesSlides/notesSlide20.xml><?xml version="1.0" encoding="utf-8"?>
+<p:notes xmlns:a="http://schemas.openxmlformats.org/drawingml/2006/main" xmlns:r="http://schemas.openxmlformats.org/officeDocument/2006/relationships" xmlns:p="http://schemas.openxmlformats.org/presentationml/2006/main">
+  <p:cSld>
+    <p:spTree>
+      <p:nvGrpSpPr>
+        <p:cNvPr id="1" name=""/>
+        <p:cNvGrpSpPr/>
+        <p:nvPr/>
+      </p:nvGrpSpPr>
+      <p:grpSpPr>
+        <a:xfrm>
+          <a:off x="0" y="0"/>
+          <a:ext cx="0" cy="0"/>
+          <a:chOff x="0" y="0"/>
+          <a:chExt cx="0" cy="0"/>
+        </a:xfrm>
+      </p:grpSpPr>
+      <p:sp>
+        <p:nvSpPr>
+          <p:cNvPr id="2" name="Slide Image Placeholder 1"/>
+          <p:cNvSpPr>
+            <a:spLocks noGrp="1" noRot="1" noChangeAspect="1"/>
+          </p:cNvSpPr>
+          <p:nvPr>
+            <p:ph type="sldImg"/>
+          </p:nvPr>
+        </p:nvSpPr>
+        <p:spPr/>
+      </p:sp>
+      <p:sp>
+        <p:nvSpPr>
+          <p:cNvPr id="3" name="Notes Placeholder 2"/>
+          <p:cNvSpPr>
+            <a:spLocks noGrp="1"/>
+          </p:cNvSpPr>
+          <p:nvPr>
+            <p:ph type="body" idx="1"/>
+          </p:nvPr>
+        </p:nvSpPr>
+        <p:spPr/>
+        <p:txBody>
+          <a:bodyPr>
+            <a:normAutofit/>
+          </a:bodyPr>
+          <a:lstStyle/>
+          <a:p>
+            <a:endParaRPr lang="en-US"/>
+          </a:p>
+        </p:txBody>
+      </p:sp>
+      <p:sp>
+        <p:nvSpPr>
+          <p:cNvPr id="4" name="Slide Number Placeholder 3"/>
+          <p:cNvSpPr>
+            <a:spLocks noGrp="1"/>
+          </p:cNvSpPr>
+          <p:nvPr>
+            <p:ph type="sldNum" sz="quarter" idx="10"/>
+          </p:nvPr>
+        </p:nvSpPr>
+        <p:spPr/>
+        <p:txBody>
+          <a:bodyPr/>
+          <a:lstStyle/>
+          <a:p>
+            <a:fld id="{D21C7BEE-7BA7-4369-9E3D-FA3E2F4A54A1}" type="slidenum">
+              <a:rPr lang="en-US" smtClean="0"/>
+              <a:pPr/>
+              <a:t>22</a:t>
             </a:fld>
             <a:endParaRPr lang="en-US"/>
           </a:p>
@@ -2364,7 +2450,7 @@
           <a:p>
             <a:fld id="{FDB68C03-DCF9-4B87-BBF6-8F2088376604}" type="datetimeFigureOut">
               <a:rPr lang="en-US" smtClean="0"/>
-              <a:t>4/10/2025</a:t>
+              <a:t>5/1/2025</a:t>
             </a:fld>
             <a:endParaRPr lang="en-US"/>
           </a:p>
@@ -2974,7 +3060,7 @@
           <a:p>
             <a:fld id="{FDB68C03-DCF9-4B87-BBF6-8F2088376604}" type="datetimeFigureOut">
               <a:rPr lang="en-US" smtClean="0"/>
-              <a:t>4/10/2025</a:t>
+              <a:t>5/1/2025</a:t>
             </a:fld>
             <a:endParaRPr lang="en-US"/>
           </a:p>
@@ -3249,7 +3335,7 @@
           <a:p>
             <a:fld id="{FDB68C03-DCF9-4B87-BBF6-8F2088376604}" type="datetimeFigureOut">
               <a:rPr lang="en-US" smtClean="0"/>
-              <a:t>4/10/2025</a:t>
+              <a:t>5/1/2025</a:t>
             </a:fld>
             <a:endParaRPr lang="en-US"/>
           </a:p>
@@ -5038,7 +5124,7 @@
           <a:p>
             <a:fld id="{FDB68C03-DCF9-4B87-BBF6-8F2088376604}" type="datetimeFigureOut">
               <a:rPr lang="en-US" smtClean="0"/>
-              <a:t>4/10/2025</a:t>
+              <a:t>5/1/2025</a:t>
             </a:fld>
             <a:endParaRPr lang="en-US"/>
           </a:p>
@@ -6601,6 +6687,113 @@
   <p:cSld>
     <p:spTree>
       <p:nvGrpSpPr>
+        <p:cNvPr id="1" name="">
+          <a:extLst>
+            <a:ext uri="{FF2B5EF4-FFF2-40B4-BE49-F238E27FC236}">
+              <a16:creationId xmlns:a16="http://schemas.microsoft.com/office/drawing/2014/main" id="{019607DC-64EF-F8C4-6016-F9A8ADA736FB}"/>
+            </a:ext>
+          </a:extLst>
+        </p:cNvPr>
+        <p:cNvGrpSpPr/>
+        <p:nvPr/>
+      </p:nvGrpSpPr>
+      <p:grpSpPr>
+        <a:xfrm>
+          <a:off x="0" y="0"/>
+          <a:ext cx="0" cy="0"/>
+          <a:chOff x="0" y="0"/>
+          <a:chExt cx="0" cy="0"/>
+        </a:xfrm>
+      </p:grpSpPr>
+      <p:pic>
+        <p:nvPicPr>
+          <p:cNvPr id="5" name="Picture 4" descr="Small tree">
+            <a:extLst>
+              <a:ext uri="{FF2B5EF4-FFF2-40B4-BE49-F238E27FC236}">
+                <a16:creationId xmlns:a16="http://schemas.microsoft.com/office/drawing/2014/main" id="{3ADDF624-42A3-DC61-D9D8-22C2ADE70AA3}"/>
+              </a:ext>
+            </a:extLst>
+          </p:cNvPr>
+          <p:cNvPicPr>
+            <a:picLocks noChangeAspect="1"/>
+          </p:cNvPicPr>
+          <p:nvPr/>
+        </p:nvPicPr>
+        <p:blipFill>
+          <a:blip r:embed="rId2">
+            <a:alphaModFix/>
+          </a:blip>
+          <a:srcRect r="10999" b="-2"/>
+          <a:stretch/>
+        </p:blipFill>
+        <p:spPr>
+          <a:xfrm>
+            <a:off x="20" y="1"/>
+            <a:ext cx="9143980" cy="6857999"/>
+          </a:xfrm>
+          <a:prstGeom prst="rect">
+            <a:avLst/>
+          </a:prstGeom>
+        </p:spPr>
+      </p:pic>
+      <p:sp>
+        <p:nvSpPr>
+          <p:cNvPr id="2" name="Title 1">
+            <a:extLst>
+              <a:ext uri="{FF2B5EF4-FFF2-40B4-BE49-F238E27FC236}">
+                <a16:creationId xmlns:a16="http://schemas.microsoft.com/office/drawing/2014/main" id="{0579465B-7991-CAF5-C133-A63D30CEE1F4}"/>
+              </a:ext>
+            </a:extLst>
+          </p:cNvPr>
+          <p:cNvSpPr>
+            <a:spLocks noGrp="1"/>
+          </p:cNvSpPr>
+          <p:nvPr>
+            <p:ph type="title"/>
+          </p:nvPr>
+        </p:nvSpPr>
+        <p:spPr>
+          <a:xfrm>
+            <a:off x="228600" y="3886200"/>
+            <a:ext cx="8763000" cy="2900518"/>
+          </a:xfrm>
+        </p:spPr>
+        <p:txBody>
+          <a:bodyPr vert="horz" lIns="91440" tIns="45720" rIns="91440" bIns="45720" rtlCol="0" anchor="b">
+            <a:normAutofit/>
+          </a:bodyPr>
+          <a:lstStyle/>
+          <a:p>
+            <a:pPr algn="ctr" defTabSz="914400"/>
+            <a:r>
+              <a:rPr lang="en-US" sz="5400" b="1" dirty="0">
+                <a:solidFill>
+                  <a:srgbClr val="FFFFFF"/>
+                </a:solidFill>
+              </a:rPr>
+              <a:t>Constraint Satisfaction Problems and Tree Search</a:t>
+            </a:r>
+          </a:p>
+        </p:txBody>
+      </p:sp>
+    </p:spTree>
+    <p:extLst>
+      <p:ext uri="{BB962C8B-B14F-4D97-AF65-F5344CB8AC3E}">
+        <p14:creationId xmlns:p14="http://schemas.microsoft.com/office/powerpoint/2010/main" val="3466429278"/>
+      </p:ext>
+    </p:extLst>
+  </p:cSld>
+  <p:clrMapOvr>
+    <a:masterClrMapping/>
+  </p:clrMapOvr>
+</p:sld>
+</file>
+
+<file path=ppt/slides/slide12.xml><?xml version="1.0" encoding="utf-8"?>
+<p:sld xmlns:a="http://schemas.openxmlformats.org/drawingml/2006/main" xmlns:r="http://schemas.openxmlformats.org/officeDocument/2006/relationships" xmlns:p="http://schemas.openxmlformats.org/presentationml/2006/main">
+  <p:cSld>
+    <p:spTree>
+      <p:nvGrpSpPr>
         <p:cNvPr id="1" name=""/>
         <p:cNvGrpSpPr/>
         <p:nvPr/>
@@ -6897,7 +7090,7 @@
 </p:sld>
 </file>
 
-<file path=ppt/slides/slide12.xml><?xml version="1.0" encoding="utf-8"?>
+<file path=ppt/slides/slide13.xml><?xml version="1.0" encoding="utf-8"?>
 <p:sld xmlns:a="http://schemas.openxmlformats.org/drawingml/2006/main" xmlns:r="http://schemas.openxmlformats.org/officeDocument/2006/relationships" xmlns:p="http://schemas.openxmlformats.org/presentationml/2006/main">
   <p:cSld>
     <p:spTree>
@@ -7371,7 +7564,7 @@
 </p:sld>
 </file>
 
-<file path=ppt/slides/slide13.xml><?xml version="1.0" encoding="utf-8"?>
+<file path=ppt/slides/slide14.xml><?xml version="1.0" encoding="utf-8"?>
 <p:sld xmlns:a="http://schemas.openxmlformats.org/drawingml/2006/main" xmlns:r="http://schemas.openxmlformats.org/officeDocument/2006/relationships" xmlns:p="http://schemas.openxmlformats.org/presentationml/2006/main">
   <p:cSld>
     <p:spTree>
@@ -7906,7 +8099,7 @@
 </p:sld>
 </file>
 
-<file path=ppt/slides/slide14.xml><?xml version="1.0" encoding="utf-8"?>
+<file path=ppt/slides/slide15.xml><?xml version="1.0" encoding="utf-8"?>
 <p:sld xmlns:a="http://schemas.openxmlformats.org/drawingml/2006/main" xmlns:r="http://schemas.openxmlformats.org/officeDocument/2006/relationships" xmlns:p="http://schemas.openxmlformats.org/presentationml/2006/main">
   <p:cSld>
     <p:spTree>
@@ -8538,7 +8731,7 @@
 </p:sld>
 </file>
 
-<file path=ppt/slides/slide15.xml><?xml version="1.0" encoding="utf-8"?>
+<file path=ppt/slides/slide16.xml><?xml version="1.0" encoding="utf-8"?>
 <p:sld xmlns:a="http://schemas.openxmlformats.org/drawingml/2006/main" xmlns:r="http://schemas.openxmlformats.org/officeDocument/2006/relationships" xmlns:p="http://schemas.openxmlformats.org/presentationml/2006/main">
   <p:cSld>
     <p:spTree>
@@ -9034,7 +9227,7 @@
 </p:sld>
 </file>
 
-<file path=ppt/slides/slide16.xml><?xml version="1.0" encoding="utf-8"?>
+<file path=ppt/slides/slide17.xml><?xml version="1.0" encoding="utf-8"?>
 <p:sld xmlns:a="http://schemas.openxmlformats.org/drawingml/2006/main" xmlns:r="http://schemas.openxmlformats.org/officeDocument/2006/relationships" xmlns:p="http://schemas.openxmlformats.org/presentationml/2006/main">
   <p:cSld>
     <p:spTree>
@@ -9376,7 +9569,7 @@
 </p:sld>
 </file>
 
-<file path=ppt/slides/slide17.xml><?xml version="1.0" encoding="utf-8"?>
+<file path=ppt/slides/slide18.xml><?xml version="1.0" encoding="utf-8"?>
 <p:sld xmlns:a="http://schemas.openxmlformats.org/drawingml/2006/main" xmlns:r="http://schemas.openxmlformats.org/officeDocument/2006/relationships" xmlns:p="http://schemas.openxmlformats.org/presentationml/2006/main">
   <p:cSld>
     <p:spTree>
@@ -9779,7 +9972,7 @@
 </p:sld>
 </file>
 
-<file path=ppt/slides/slide18.xml><?xml version="1.0" encoding="utf-8"?>
+<file path=ppt/slides/slide19.xml><?xml version="1.0" encoding="utf-8"?>
 <p:sld xmlns:a="http://schemas.openxmlformats.org/drawingml/2006/main" xmlns:r="http://schemas.openxmlformats.org/officeDocument/2006/relationships" xmlns:p="http://schemas.openxmlformats.org/presentationml/2006/main">
   <p:cSld>
     <p:spTree>
@@ -10264,706 +10457,6 @@
         <p14:creationId xmlns:p14="http://schemas.microsoft.com/office/powerpoint/2010/main" val="3170887052"/>
       </p:ext>
     </p:extLst>
-  </p:cSld>
-  <p:clrMapOvr>
-    <a:masterClrMapping/>
-  </p:clrMapOvr>
-</p:sld>
-</file>
-
-<file path=ppt/slides/slide19.xml><?xml version="1.0" encoding="utf-8"?>
-<p:sld xmlns:a="http://schemas.openxmlformats.org/drawingml/2006/main" xmlns:r="http://schemas.openxmlformats.org/officeDocument/2006/relationships" xmlns:p="http://schemas.openxmlformats.org/presentationml/2006/main">
-  <p:cSld>
-    <p:spTree>
-      <p:nvGrpSpPr>
-        <p:cNvPr id="1" name=""/>
-        <p:cNvGrpSpPr/>
-        <p:nvPr/>
-      </p:nvGrpSpPr>
-      <p:grpSpPr>
-        <a:xfrm>
-          <a:off x="0" y="0"/>
-          <a:ext cx="0" cy="0"/>
-          <a:chOff x="0" y="0"/>
-          <a:chExt cx="0" cy="0"/>
-        </a:xfrm>
-      </p:grpSpPr>
-      <p:sp>
-        <p:nvSpPr>
-          <p:cNvPr id="34818" name="Rectangle 2"/>
-          <p:cNvSpPr>
-            <a:spLocks noGrp="1" noChangeArrowheads="1"/>
-          </p:cNvSpPr>
-          <p:nvPr>
-            <p:ph type="title"/>
-          </p:nvPr>
-        </p:nvSpPr>
-        <p:spPr>
-          <a:xfrm>
-            <a:off x="457200" y="228600"/>
-            <a:ext cx="8229600" cy="1066800"/>
-          </a:xfrm>
-        </p:spPr>
-        <p:txBody>
-          <a:bodyPr/>
-          <a:lstStyle/>
-          <a:p>
-            <a:r>
-              <a:rPr lang="en-US" dirty="0"/>
-              <a:t>Local Search for CSPs</a:t>
-            </a:r>
-          </a:p>
-        </p:txBody>
-      </p:sp>
-      <p:sp>
-        <p:nvSpPr>
-          <p:cNvPr id="9" name="TextBox 8">
-            <a:extLst>
-              <a:ext uri="{FF2B5EF4-FFF2-40B4-BE49-F238E27FC236}">
-                <a16:creationId xmlns:a16="http://schemas.microsoft.com/office/drawing/2014/main" id="{4675F89E-3A7D-E8B3-4863-2A5E3292308C}"/>
-              </a:ext>
-            </a:extLst>
-          </p:cNvPr>
-          <p:cNvSpPr txBox="1"/>
-          <p:nvPr/>
-        </p:nvSpPr>
-        <p:spPr>
-          <a:xfrm>
-            <a:off x="504611" y="1290264"/>
-            <a:ext cx="3782908" cy="830997"/>
-          </a:xfrm>
-          <a:prstGeom prst="rect">
-            <a:avLst/>
-          </a:prstGeom>
-          <a:noFill/>
-        </p:spPr>
-        <p:txBody>
-          <a:bodyPr wrap="square">
-            <a:spAutoFit/>
-          </a:bodyPr>
-          <a:lstStyle/>
-          <a:p>
-            <a:pPr marL="0" indent="0">
-              <a:buNone/>
-            </a:pPr>
-            <a:r>
-              <a:rPr lang="en-US" sz="1600" dirty="0"/>
-              <a:t>CSP algorithms </a:t>
-            </a:r>
-          </a:p>
-          <a:p>
-            <a:pPr marL="285750" indent="-285750">
-              <a:buFont typeface="Arial" panose="020B0604020202020204" pitchFamily="34" charset="0"/>
-              <a:buChar char="•"/>
-            </a:pPr>
-            <a:r>
-              <a:rPr lang="en-US" sz="1600" b="1" dirty="0"/>
-              <a:t>Allow incomplete states.</a:t>
-            </a:r>
-            <a:endParaRPr lang="en-US" sz="1600" dirty="0"/>
-          </a:p>
-          <a:p>
-            <a:pPr marL="285750" indent="-285750">
-              <a:buFont typeface="Arial" panose="020B0604020202020204" pitchFamily="34" charset="0"/>
-              <a:buChar char="•"/>
-            </a:pPr>
-            <a:r>
-              <a:rPr lang="en-US" sz="1600" b="1" dirty="0"/>
-              <a:t>States must satisfy all constraints</a:t>
-            </a:r>
-            <a:r>
-              <a:rPr lang="en-US" sz="1600" dirty="0"/>
-              <a:t>.</a:t>
-            </a:r>
-          </a:p>
-        </p:txBody>
-      </p:sp>
-      <p:sp>
-        <p:nvSpPr>
-          <p:cNvPr id="13" name="TextBox 12">
-            <a:extLst>
-              <a:ext uri="{FF2B5EF4-FFF2-40B4-BE49-F238E27FC236}">
-                <a16:creationId xmlns:a16="http://schemas.microsoft.com/office/drawing/2014/main" id="{CAB24B99-925F-869A-0C70-F2E6A5D224D2}"/>
-              </a:ext>
-            </a:extLst>
-          </p:cNvPr>
-          <p:cNvSpPr txBox="1"/>
-          <p:nvPr/>
-        </p:nvSpPr>
-        <p:spPr>
-          <a:xfrm>
-            <a:off x="3743259" y="1519534"/>
-            <a:ext cx="534826" cy="461665"/>
-          </a:xfrm>
-          <a:prstGeom prst="rect">
-            <a:avLst/>
-          </a:prstGeom>
-          <a:noFill/>
-        </p:spPr>
-        <p:txBody>
-          <a:bodyPr wrap="none" rtlCol="0">
-            <a:spAutoFit/>
-          </a:bodyPr>
-          <a:lstStyle/>
-          <a:p>
-            <a:r>
-              <a:rPr lang="en-US" sz="2400" b="1" dirty="0">
-                <a:solidFill>
-                  <a:srgbClr val="FF0000"/>
-                </a:solidFill>
-              </a:rPr>
-              <a:t>vs.</a:t>
-            </a:r>
-          </a:p>
-        </p:txBody>
-      </p:sp>
-      <p:sp>
-        <p:nvSpPr>
-          <p:cNvPr id="11" name="TextBox 10">
-            <a:extLst>
-              <a:ext uri="{FF2B5EF4-FFF2-40B4-BE49-F238E27FC236}">
-                <a16:creationId xmlns:a16="http://schemas.microsoft.com/office/drawing/2014/main" id="{70AFA7C0-72E8-7519-CF89-ED4CE48EFB8D}"/>
-              </a:ext>
-            </a:extLst>
-          </p:cNvPr>
-          <p:cNvSpPr txBox="1"/>
-          <p:nvPr/>
-        </p:nvSpPr>
-        <p:spPr>
-          <a:xfrm>
-            <a:off x="4267200" y="1290265"/>
-            <a:ext cx="4648200" cy="830997"/>
-          </a:xfrm>
-          <a:prstGeom prst="rect">
-            <a:avLst/>
-          </a:prstGeom>
-          <a:noFill/>
-        </p:spPr>
-        <p:txBody>
-          <a:bodyPr wrap="square">
-            <a:spAutoFit/>
-          </a:bodyPr>
-          <a:lstStyle/>
-          <a:p>
-            <a:pPr marL="0" indent="0">
-              <a:buNone/>
-            </a:pPr>
-            <a:r>
-              <a:rPr lang="en-US" sz="1600" dirty="0"/>
-              <a:t>Local Search works only with </a:t>
-            </a:r>
-          </a:p>
-          <a:p>
-            <a:pPr marL="285750" indent="-285750">
-              <a:buFont typeface="Arial" panose="020B0604020202020204" pitchFamily="34" charset="0"/>
-              <a:buChar char="•"/>
-            </a:pPr>
-            <a:r>
-              <a:rPr lang="en-US" sz="1600" b="1" dirty="0"/>
-              <a:t>Only “complete” states </a:t>
-            </a:r>
-            <a:r>
-              <a:rPr lang="en-US" sz="1600" dirty="0"/>
-              <a:t>(all variables are assigned)</a:t>
-            </a:r>
-          </a:p>
-          <a:p>
-            <a:pPr marL="285750" indent="-285750">
-              <a:buFont typeface="Arial" panose="020B0604020202020204" pitchFamily="34" charset="0"/>
-              <a:buChar char="•"/>
-            </a:pPr>
-            <a:r>
-              <a:rPr lang="en-US" sz="1600" b="1" dirty="0"/>
-              <a:t>Allows states with unsatisfied constraints</a:t>
-            </a:r>
-            <a:r>
-              <a:rPr lang="en-US" sz="1600" dirty="0"/>
-              <a:t>.</a:t>
-            </a:r>
-          </a:p>
-        </p:txBody>
-      </p:sp>
-      <p:sp>
-        <p:nvSpPr>
-          <p:cNvPr id="34819" name="Rectangle 3"/>
-          <p:cNvSpPr>
-            <a:spLocks noGrp="1" noChangeArrowheads="1"/>
-          </p:cNvSpPr>
-          <p:nvPr>
-            <p:ph idx="1"/>
-          </p:nvPr>
-        </p:nvSpPr>
-        <p:spPr>
-          <a:xfrm>
-            <a:off x="461211" y="2667000"/>
-            <a:ext cx="8229600" cy="3747436"/>
-          </a:xfrm>
-        </p:spPr>
-        <p:txBody>
-          <a:bodyPr>
-            <a:normAutofit fontScale="92500" lnSpcReduction="20000"/>
-          </a:bodyPr>
-          <a:lstStyle/>
-          <a:p>
-            <a:pPr marL="0" indent="0">
-              <a:buNone/>
-            </a:pPr>
-            <a:r>
-              <a:rPr lang="en-US" sz="1900" dirty="0"/>
-              <a:t>Local search can attempt to reduce unsatisfied constraints by the </a:t>
-            </a:r>
-            <a:r>
-              <a:rPr lang="en-US" sz="1900" b="1" dirty="0">
-                <a:solidFill>
-                  <a:srgbClr val="FF0000"/>
-                </a:solidFill>
-              </a:rPr>
-              <a:t>min-conflicts</a:t>
-            </a:r>
-            <a:r>
-              <a:rPr lang="en-US" sz="1900" dirty="0"/>
-              <a:t> heuristic:</a:t>
-            </a:r>
-            <a:endParaRPr lang="en-US" sz="1900" dirty="0">
-              <a:solidFill>
-                <a:srgbClr val="FF0000"/>
-              </a:solidFill>
-            </a:endParaRPr>
-          </a:p>
-          <a:p>
-            <a:pPr marL="1028700" lvl="2" indent="-342900">
-              <a:buFont typeface="+mj-lt"/>
-              <a:buAutoNum type="arabicPeriod"/>
-            </a:pPr>
-            <a:r>
-              <a:rPr lang="en-US" sz="1900" dirty="0"/>
-              <a:t>Select a variable that violates a constraint (produces a conflict).</a:t>
-            </a:r>
-          </a:p>
-          <a:p>
-            <a:pPr marL="1028700" lvl="2" indent="-342900">
-              <a:buFont typeface="+mj-lt"/>
-              <a:buAutoNum type="arabicPeriod"/>
-            </a:pPr>
-            <a:r>
-              <a:rPr lang="en-US" sz="1900" dirty="0"/>
-              <a:t>Choose a new value that violates fewer constraints.</a:t>
-            </a:r>
-          </a:p>
-          <a:p>
-            <a:pPr marL="1028700" lvl="2" indent="-342900">
-              <a:buFont typeface="+mj-lt"/>
-              <a:buAutoNum type="arabicPeriod"/>
-            </a:pPr>
-            <a:r>
-              <a:rPr lang="en-US" sz="1900" dirty="0"/>
-              <a:t>Repeat till all constraints are met (or a local optimum is reached). </a:t>
-            </a:r>
-          </a:p>
-          <a:p>
-            <a:pPr marL="1028700" lvl="2" indent="-342900">
-              <a:buFont typeface="+mj-lt"/>
-              <a:buAutoNum type="arabicPeriod"/>
-            </a:pPr>
-            <a:endParaRPr lang="en-US" sz="1900" dirty="0"/>
-          </a:p>
-          <a:p>
-            <a:pPr marL="1028700" lvl="2" indent="-342900">
-              <a:buFont typeface="+mj-lt"/>
-              <a:buAutoNum type="arabicPeriod"/>
-            </a:pPr>
-            <a:endParaRPr lang="en-US" sz="1900" dirty="0"/>
-          </a:p>
-          <a:p>
-            <a:pPr marL="1028700" lvl="2" indent="-342900">
-              <a:buFont typeface="+mj-lt"/>
-              <a:buAutoNum type="arabicPeriod"/>
-            </a:pPr>
-            <a:endParaRPr lang="en-US" sz="1900" dirty="0"/>
-          </a:p>
-          <a:p>
-            <a:pPr marL="1028700" lvl="2" indent="-342900">
-              <a:buFont typeface="+mj-lt"/>
-              <a:buAutoNum type="arabicPeriod"/>
-            </a:pPr>
-            <a:endParaRPr lang="en-US" sz="1900" dirty="0"/>
-          </a:p>
-          <a:p>
-            <a:pPr marL="1028700" lvl="2" indent="-342900">
-              <a:buFont typeface="+mj-lt"/>
-              <a:buAutoNum type="arabicPeriod"/>
-            </a:pPr>
-            <a:endParaRPr lang="en-US" sz="1900" dirty="0"/>
-          </a:p>
-          <a:p>
-            <a:pPr marL="1028700" lvl="2" indent="-342900">
-              <a:buFont typeface="+mj-lt"/>
-              <a:buAutoNum type="arabicPeriod"/>
-            </a:pPr>
-            <a:endParaRPr lang="en-US" sz="1900" dirty="0"/>
-          </a:p>
-          <a:p>
-            <a:pPr marL="1028700" lvl="2" indent="-342900">
-              <a:buFont typeface="+mj-lt"/>
-              <a:buAutoNum type="arabicPeriod"/>
-            </a:pPr>
-            <a:endParaRPr lang="en-US" sz="1900" dirty="0"/>
-          </a:p>
-          <a:p>
-            <a:pPr marL="1028700" lvl="2" indent="-342900">
-              <a:buFont typeface="+mj-lt"/>
-              <a:buAutoNum type="arabicPeriod"/>
-            </a:pPr>
-            <a:endParaRPr lang="en-US" sz="1900" dirty="0"/>
-          </a:p>
-          <a:p>
-            <a:pPr marL="342900" lvl="1" indent="0">
-              <a:buNone/>
-            </a:pPr>
-            <a:endParaRPr lang="en-US" sz="1900" dirty="0"/>
-          </a:p>
-          <a:p>
-            <a:pPr marL="342900" lvl="1" indent="0">
-              <a:buNone/>
-            </a:pPr>
-            <a:r>
-              <a:rPr lang="en-US" sz="1900" dirty="0"/>
-              <a:t>Local search is often very effective heuristic for CSPs. </a:t>
-            </a:r>
-          </a:p>
-        </p:txBody>
-      </p:sp>
-      <p:sp>
-        <p:nvSpPr>
-          <p:cNvPr id="2" name="Star: 5 Points 1">
-            <a:extLst>
-              <a:ext uri="{FF2B5EF4-FFF2-40B4-BE49-F238E27FC236}">
-                <a16:creationId xmlns:a16="http://schemas.microsoft.com/office/drawing/2014/main" id="{70EC62FA-B858-4E16-D6F2-28ECC7788FB1}"/>
-              </a:ext>
-              <a:ext uri="{C183D7F6-B498-43B3-948B-1728B52AA6E4}">
-                <adec:decorative xmlns:adec="http://schemas.microsoft.com/office/drawing/2017/decorative" val="1"/>
-              </a:ext>
-            </a:extLst>
-          </p:cNvPr>
-          <p:cNvSpPr/>
-          <p:nvPr/>
-        </p:nvSpPr>
-        <p:spPr>
-          <a:xfrm>
-            <a:off x="8763000" y="129075"/>
-            <a:ext cx="247650" cy="244474"/>
-          </a:xfrm>
-          <a:prstGeom prst="star5">
-            <a:avLst/>
-          </a:prstGeom>
-        </p:spPr>
-        <p:style>
-          <a:lnRef idx="2">
-            <a:schemeClr val="accent2">
-              <a:shade val="50000"/>
-            </a:schemeClr>
-          </a:lnRef>
-          <a:fillRef idx="1">
-            <a:schemeClr val="accent2"/>
-          </a:fillRef>
-          <a:effectRef idx="0">
-            <a:schemeClr val="accent2"/>
-          </a:effectRef>
-          <a:fontRef idx="minor">
-            <a:schemeClr val="lt1"/>
-          </a:fontRef>
-        </p:style>
-        <p:txBody>
-          <a:bodyPr rtlCol="0" anchor="ctr"/>
-          <a:lstStyle>
-            <a:defPPr>
-              <a:defRPr lang="en-US"/>
-            </a:defPPr>
-            <a:lvl1pPr marL="0" algn="l" defTabSz="914400" rtl="0" eaLnBrk="1" latinLnBrk="0" hangingPunct="1">
-              <a:defRPr sz="1800" kern="1200">
-                <a:solidFill>
-                  <a:schemeClr val="lt1"/>
-                </a:solidFill>
-                <a:latin typeface="+mn-lt"/>
-                <a:ea typeface="+mn-ea"/>
-                <a:cs typeface="+mn-cs"/>
-              </a:defRPr>
-            </a:lvl1pPr>
-            <a:lvl2pPr marL="457200" algn="l" defTabSz="914400" rtl="0" eaLnBrk="1" latinLnBrk="0" hangingPunct="1">
-              <a:defRPr sz="1800" kern="1200">
-                <a:solidFill>
-                  <a:schemeClr val="lt1"/>
-                </a:solidFill>
-                <a:latin typeface="+mn-lt"/>
-                <a:ea typeface="+mn-ea"/>
-                <a:cs typeface="+mn-cs"/>
-              </a:defRPr>
-            </a:lvl2pPr>
-            <a:lvl3pPr marL="914400" algn="l" defTabSz="914400" rtl="0" eaLnBrk="1" latinLnBrk="0" hangingPunct="1">
-              <a:defRPr sz="1800" kern="1200">
-                <a:solidFill>
-                  <a:schemeClr val="lt1"/>
-                </a:solidFill>
-                <a:latin typeface="+mn-lt"/>
-                <a:ea typeface="+mn-ea"/>
-                <a:cs typeface="+mn-cs"/>
-              </a:defRPr>
-            </a:lvl3pPr>
-            <a:lvl4pPr marL="1371600" algn="l" defTabSz="914400" rtl="0" eaLnBrk="1" latinLnBrk="0" hangingPunct="1">
-              <a:defRPr sz="1800" kern="1200">
-                <a:solidFill>
-                  <a:schemeClr val="lt1"/>
-                </a:solidFill>
-                <a:latin typeface="+mn-lt"/>
-                <a:ea typeface="+mn-ea"/>
-                <a:cs typeface="+mn-cs"/>
-              </a:defRPr>
-            </a:lvl4pPr>
-            <a:lvl5pPr marL="1828800" algn="l" defTabSz="914400" rtl="0" eaLnBrk="1" latinLnBrk="0" hangingPunct="1">
-              <a:defRPr sz="1800" kern="1200">
-                <a:solidFill>
-                  <a:schemeClr val="lt1"/>
-                </a:solidFill>
-                <a:latin typeface="+mn-lt"/>
-                <a:ea typeface="+mn-ea"/>
-                <a:cs typeface="+mn-cs"/>
-              </a:defRPr>
-            </a:lvl5pPr>
-            <a:lvl6pPr marL="2286000" algn="l" defTabSz="914400" rtl="0" eaLnBrk="1" latinLnBrk="0" hangingPunct="1">
-              <a:defRPr sz="1800" kern="1200">
-                <a:solidFill>
-                  <a:schemeClr val="lt1"/>
-                </a:solidFill>
-                <a:latin typeface="+mn-lt"/>
-                <a:ea typeface="+mn-ea"/>
-                <a:cs typeface="+mn-cs"/>
-              </a:defRPr>
-            </a:lvl6pPr>
-            <a:lvl7pPr marL="2743200" algn="l" defTabSz="914400" rtl="0" eaLnBrk="1" latinLnBrk="0" hangingPunct="1">
-              <a:defRPr sz="1800" kern="1200">
-                <a:solidFill>
-                  <a:schemeClr val="lt1"/>
-                </a:solidFill>
-                <a:latin typeface="+mn-lt"/>
-                <a:ea typeface="+mn-ea"/>
-                <a:cs typeface="+mn-cs"/>
-              </a:defRPr>
-            </a:lvl7pPr>
-            <a:lvl8pPr marL="3200400" algn="l" defTabSz="914400" rtl="0" eaLnBrk="1" latinLnBrk="0" hangingPunct="1">
-              <a:defRPr sz="1800" kern="1200">
-                <a:solidFill>
-                  <a:schemeClr val="lt1"/>
-                </a:solidFill>
-                <a:latin typeface="+mn-lt"/>
-                <a:ea typeface="+mn-ea"/>
-                <a:cs typeface="+mn-cs"/>
-              </a:defRPr>
-            </a:lvl8pPr>
-            <a:lvl9pPr marL="3657600" algn="l" defTabSz="914400" rtl="0" eaLnBrk="1" latinLnBrk="0" hangingPunct="1">
-              <a:defRPr sz="1800" kern="1200">
-                <a:solidFill>
-                  <a:schemeClr val="lt1"/>
-                </a:solidFill>
-                <a:latin typeface="+mn-lt"/>
-                <a:ea typeface="+mn-ea"/>
-                <a:cs typeface="+mn-cs"/>
-              </a:defRPr>
-            </a:lvl9pPr>
-          </a:lstStyle>
-          <a:p>
-            <a:pPr algn="ctr"/>
-            <a:endParaRPr lang="en-US"/>
-          </a:p>
-        </p:txBody>
-      </p:sp>
-      <p:grpSp>
-        <p:nvGrpSpPr>
-          <p:cNvPr id="5" name="Group 4">
-            <a:extLst>
-              <a:ext uri="{FF2B5EF4-FFF2-40B4-BE49-F238E27FC236}">
-                <a16:creationId xmlns:a16="http://schemas.microsoft.com/office/drawing/2014/main" id="{3D6DE1AA-D808-728C-40C0-59FA6AE7CE44}"/>
-              </a:ext>
-              <a:ext uri="{C183D7F6-B498-43B3-948B-1728B52AA6E4}">
-                <adec:decorative xmlns:adec="http://schemas.microsoft.com/office/drawing/2017/decorative" val="1"/>
-              </a:ext>
-            </a:extLst>
-          </p:cNvPr>
-          <p:cNvGrpSpPr/>
-          <p:nvPr/>
-        </p:nvGrpSpPr>
-        <p:grpSpPr>
-          <a:xfrm>
-            <a:off x="1690475" y="4161889"/>
-            <a:ext cx="6843926" cy="1618179"/>
-            <a:chOff x="1690475" y="4161889"/>
-            <a:chExt cx="6843926" cy="1618179"/>
-          </a:xfrm>
-        </p:grpSpPr>
-        <p:pic>
-          <p:nvPicPr>
-            <p:cNvPr id="4" name="Picture 2"/>
-            <p:cNvPicPr>
-              <a:picLocks noChangeAspect="1" noChangeArrowheads="1"/>
-            </p:cNvPicPr>
-            <p:nvPr/>
-          </p:nvPicPr>
-          <p:blipFill>
-            <a:blip r:embed="rId3" cstate="print"/>
-            <a:srcRect/>
-            <a:stretch>
-              <a:fillRect/>
-            </a:stretch>
-          </p:blipFill>
-          <p:spPr bwMode="auto">
-            <a:xfrm>
-              <a:off x="1690475" y="4161889"/>
-              <a:ext cx="5153449" cy="1618179"/>
-            </a:xfrm>
-            <a:prstGeom prst="rect">
-              <a:avLst/>
-            </a:prstGeom>
-            <a:noFill/>
-            <a:ln w="9525">
-              <a:noFill/>
-              <a:miter lim="800000"/>
-              <a:headEnd/>
-              <a:tailEnd/>
-            </a:ln>
-          </p:spPr>
-        </p:pic>
-        <p:cxnSp>
-          <p:nvCxnSpPr>
-            <p:cNvPr id="3" name="Straight Arrow Connector 2">
-              <a:extLst>
-                <a:ext uri="{FF2B5EF4-FFF2-40B4-BE49-F238E27FC236}">
-                  <a16:creationId xmlns:a16="http://schemas.microsoft.com/office/drawing/2014/main" id="{7C6755AC-BFDE-426A-9614-1D704B033549}"/>
-                </a:ext>
-              </a:extLst>
-            </p:cNvPr>
-            <p:cNvCxnSpPr/>
-            <p:nvPr/>
-          </p:nvCxnSpPr>
-          <p:spPr>
-            <a:xfrm flipV="1">
-              <a:off x="4114800" y="4419600"/>
-              <a:ext cx="0" cy="228600"/>
-            </a:xfrm>
-            <a:prstGeom prst="straightConnector1">
-              <a:avLst/>
-            </a:prstGeom>
-            <a:ln>
-              <a:tailEnd type="triangle"/>
-            </a:ln>
-          </p:spPr>
-          <p:style>
-            <a:lnRef idx="3">
-              <a:schemeClr val="accent2"/>
-            </a:lnRef>
-            <a:fillRef idx="0">
-              <a:schemeClr val="accent2"/>
-            </a:fillRef>
-            <a:effectRef idx="2">
-              <a:schemeClr val="accent2"/>
-            </a:effectRef>
-            <a:fontRef idx="minor">
-              <a:schemeClr val="tx1"/>
-            </a:fontRef>
-          </p:style>
-        </p:cxnSp>
-        <p:cxnSp>
-          <p:nvCxnSpPr>
-            <p:cNvPr id="6" name="Straight Arrow Connector 5">
-              <a:extLst>
-                <a:ext uri="{FF2B5EF4-FFF2-40B4-BE49-F238E27FC236}">
-                  <a16:creationId xmlns:a16="http://schemas.microsoft.com/office/drawing/2014/main" id="{C7C300AD-733A-4AE4-9600-070D18002C5B}"/>
-                </a:ext>
-              </a:extLst>
-            </p:cNvPr>
-            <p:cNvCxnSpPr/>
-            <p:nvPr/>
-          </p:nvCxnSpPr>
-          <p:spPr>
-            <a:xfrm>
-              <a:off x="6324600" y="4970978"/>
-              <a:ext cx="0" cy="228600"/>
-            </a:xfrm>
-            <a:prstGeom prst="straightConnector1">
-              <a:avLst/>
-            </a:prstGeom>
-            <a:ln>
-              <a:tailEnd type="triangle"/>
-            </a:ln>
-          </p:spPr>
-          <p:style>
-            <a:lnRef idx="3">
-              <a:schemeClr val="accent2"/>
-            </a:lnRef>
-            <a:fillRef idx="0">
-              <a:schemeClr val="accent2"/>
-            </a:fillRef>
-            <a:effectRef idx="2">
-              <a:schemeClr val="accent2"/>
-            </a:effectRef>
-            <a:fontRef idx="minor">
-              <a:schemeClr val="tx1"/>
-            </a:fontRef>
-          </p:style>
-        </p:cxnSp>
-        <p:sp>
-          <p:nvSpPr>
-            <p:cNvPr id="7" name="Speech Bubble: Rectangle with Corners Rounded 6">
-              <a:extLst>
-                <a:ext uri="{FF2B5EF4-FFF2-40B4-BE49-F238E27FC236}">
-                  <a16:creationId xmlns:a16="http://schemas.microsoft.com/office/drawing/2014/main" id="{0DDF5D3F-3F5F-890F-6537-D6925253FD62}"/>
-                </a:ext>
-              </a:extLst>
-            </p:cNvPr>
-            <p:cNvSpPr/>
-            <p:nvPr/>
-          </p:nvSpPr>
-          <p:spPr>
-            <a:xfrm>
-              <a:off x="7315201" y="4970978"/>
-              <a:ext cx="1219200" cy="809089"/>
-            </a:xfrm>
-            <a:prstGeom prst="wedgeRoundRectCallout">
-              <a:avLst>
-                <a:gd name="adj1" fmla="val -108875"/>
-                <a:gd name="adj2" fmla="val 31565"/>
-                <a:gd name="adj3" fmla="val 16667"/>
-              </a:avLst>
-            </a:prstGeom>
-          </p:spPr>
-          <p:style>
-            <a:lnRef idx="2">
-              <a:schemeClr val="accent6">
-                <a:shade val="15000"/>
-              </a:schemeClr>
-            </a:lnRef>
-            <a:fillRef idx="1">
-              <a:schemeClr val="accent6"/>
-            </a:fillRef>
-            <a:effectRef idx="0">
-              <a:schemeClr val="accent6"/>
-            </a:effectRef>
-            <a:fontRef idx="minor">
-              <a:schemeClr val="lt1"/>
-            </a:fontRef>
-          </p:style>
-          <p:txBody>
-            <a:bodyPr rtlCol="0" anchor="ctr"/>
-            <a:lstStyle/>
-            <a:p>
-              <a:pPr algn="ctr"/>
-              <a:r>
-                <a:rPr lang="en-US" sz="1600" dirty="0"/>
-                <a:t>= number of violated constraints</a:t>
-              </a:r>
-            </a:p>
-          </p:txBody>
-        </p:sp>
-      </p:grpSp>
-    </p:spTree>
   </p:cSld>
   <p:clrMapOvr>
     <a:masterClrMapping/>
@@ -12053,6 +11546,948 @@
 <file path=ppt/slides/slide20.xml><?xml version="1.0" encoding="utf-8"?>
 <p:sld xmlns:a="http://schemas.openxmlformats.org/drawingml/2006/main" xmlns:r="http://schemas.openxmlformats.org/officeDocument/2006/relationships" xmlns:p="http://schemas.openxmlformats.org/presentationml/2006/main">
   <p:cSld>
+    <p:spTree>
+      <p:nvGrpSpPr>
+        <p:cNvPr id="1" name=""/>
+        <p:cNvGrpSpPr/>
+        <p:nvPr/>
+      </p:nvGrpSpPr>
+      <p:grpSpPr>
+        <a:xfrm>
+          <a:off x="0" y="0"/>
+          <a:ext cx="0" cy="0"/>
+          <a:chOff x="0" y="0"/>
+          <a:chExt cx="0" cy="0"/>
+        </a:xfrm>
+      </p:grpSpPr>
+      <p:pic>
+        <p:nvPicPr>
+          <p:cNvPr id="1026" name="Picture 2" descr="No Dirt Bike Can Master This Impossible Hill Climb - The Drive">
+            <a:extLst>
+              <a:ext uri="{FF2B5EF4-FFF2-40B4-BE49-F238E27FC236}">
+                <a16:creationId xmlns:a16="http://schemas.microsoft.com/office/drawing/2014/main" id="{A000EF0C-FEDF-49DF-9D73-9DF027F78047}"/>
+              </a:ext>
+            </a:extLst>
+          </p:cNvPr>
+          <p:cNvPicPr>
+            <a:picLocks noChangeAspect="1" noChangeArrowheads="1"/>
+          </p:cNvPicPr>
+          <p:nvPr/>
+        </p:nvPicPr>
+        <p:blipFill rotWithShape="1">
+          <a:blip r:embed="rId3">
+            <a:extLst>
+              <a:ext uri="{BEBA8EAE-BF5A-486C-A8C5-ECC9F3942E4B}">
+                <a14:imgProps xmlns:a14="http://schemas.microsoft.com/office/drawing/2010/main">
+                  <a14:imgLayer r:embed="rId4">
+                    <a14:imgEffect>
+                      <a14:brightnessContrast bright="-20000" contrast="-40000"/>
+                    </a14:imgEffect>
+                  </a14:imgLayer>
+                </a14:imgProps>
+              </a:ext>
+              <a:ext uri="{28A0092B-C50C-407E-A947-70E740481C1C}">
+                <a14:useLocalDpi xmlns:a14="http://schemas.microsoft.com/office/drawing/2010/main" val="0"/>
+              </a:ext>
+            </a:extLst>
+          </a:blip>
+          <a:srcRect l="18211" t="9091" r="13607"/>
+          <a:stretch/>
+        </p:blipFill>
+        <p:spPr bwMode="auto">
+          <a:xfrm>
+            <a:off x="20" y="10"/>
+            <a:ext cx="9143980" cy="6857990"/>
+          </a:xfrm>
+          <a:prstGeom prst="rect">
+            <a:avLst/>
+          </a:prstGeom>
+          <a:noFill/>
+          <a:extLst>
+            <a:ext uri="{909E8E84-426E-40DD-AFC4-6F175D3DCCD1}">
+              <a14:hiddenFill xmlns:a14="http://schemas.microsoft.com/office/drawing/2010/main">
+                <a:solidFill>
+                  <a:srgbClr val="FFFFFF"/>
+                </a:solidFill>
+              </a14:hiddenFill>
+            </a:ext>
+          </a:extLst>
+        </p:spPr>
+      </p:pic>
+      <p:sp>
+        <p:nvSpPr>
+          <p:cNvPr id="32770" name="Rectangle 2"/>
+          <p:cNvSpPr>
+            <a:spLocks noGrp="1" noChangeArrowheads="1"/>
+          </p:cNvSpPr>
+          <p:nvPr>
+            <p:ph type="title"/>
+          </p:nvPr>
+        </p:nvSpPr>
+        <p:spPr>
+          <a:xfrm>
+            <a:off x="303414" y="4191000"/>
+            <a:ext cx="6021186" cy="1288528"/>
+          </a:xfrm>
+          <a:solidFill>
+            <a:schemeClr val="dk1">
+              <a:alpha val="50000"/>
+            </a:schemeClr>
+          </a:solidFill>
+          <a:ln>
+            <a:noFill/>
+          </a:ln>
+        </p:spPr>
+        <p:style>
+          <a:lnRef idx="0">
+            <a:scrgbClr r="0" g="0" b="0"/>
+          </a:lnRef>
+          <a:fillRef idx="0">
+            <a:scrgbClr r="0" g="0" b="0"/>
+          </a:fillRef>
+          <a:effectRef idx="0">
+            <a:scrgbClr r="0" g="0" b="0"/>
+          </a:effectRef>
+          <a:fontRef idx="minor">
+            <a:schemeClr val="lt1"/>
+          </a:fontRef>
+        </p:style>
+        <p:txBody>
+          <a:bodyPr vert="horz" lIns="91440" tIns="45720" rIns="91440" bIns="45720" rtlCol="0" anchor="b">
+            <a:normAutofit fontScale="90000"/>
+          </a:bodyPr>
+          <a:lstStyle/>
+          <a:p>
+            <a:pPr defTabSz="914400"/>
+            <a:r>
+              <a:rPr lang="en-US" sz="4400" b="1" dirty="0"/>
+              <a:t>Local Search for </a:t>
+            </a:r>
+            <a:r>
+              <a:rPr lang="en-US" sz="4400" b="1" dirty="0">
+                <a:solidFill>
+                  <a:srgbClr val="FFFFFF"/>
+                </a:solidFill>
+              </a:rPr>
+              <a:t>Constraint Satisfaction Problems </a:t>
+            </a:r>
+            <a:endParaRPr lang="en-US" sz="4400" b="1" dirty="0"/>
+          </a:p>
+        </p:txBody>
+      </p:sp>
+      <p:sp>
+        <p:nvSpPr>
+          <p:cNvPr id="32771" name="Rectangle 3"/>
+          <p:cNvSpPr>
+            <a:spLocks noGrp="1" noChangeArrowheads="1"/>
+          </p:cNvSpPr>
+          <p:nvPr>
+            <p:ph type="body" idx="1"/>
+          </p:nvPr>
+        </p:nvSpPr>
+        <p:spPr>
+          <a:xfrm>
+            <a:off x="303414" y="5479529"/>
+            <a:ext cx="6021186" cy="540271"/>
+          </a:xfrm>
+          <a:solidFill>
+            <a:schemeClr val="dk1">
+              <a:alpha val="50000"/>
+            </a:schemeClr>
+          </a:solidFill>
+          <a:ln>
+            <a:noFill/>
+          </a:ln>
+        </p:spPr>
+        <p:style>
+          <a:lnRef idx="0">
+            <a:scrgbClr r="0" g="0" b="0"/>
+          </a:lnRef>
+          <a:fillRef idx="0">
+            <a:scrgbClr r="0" g="0" b="0"/>
+          </a:fillRef>
+          <a:effectRef idx="0">
+            <a:scrgbClr r="0" g="0" b="0"/>
+          </a:effectRef>
+          <a:fontRef idx="minor">
+            <a:schemeClr val="lt1"/>
+          </a:fontRef>
+        </p:style>
+        <p:txBody>
+          <a:bodyPr vert="horz" lIns="91440" tIns="45720" rIns="91440" bIns="45720" rtlCol="0" anchor="ctr">
+            <a:normAutofit/>
+          </a:bodyPr>
+          <a:lstStyle/>
+          <a:p>
+            <a:pPr defTabSz="914400">
+              <a:spcBef>
+                <a:spcPts val="1000"/>
+              </a:spcBef>
+            </a:pPr>
+            <a:r>
+              <a:rPr lang="en-US" sz="2000" dirty="0">
+                <a:solidFill>
+                  <a:schemeClr val="bg1"/>
+                </a:solidFill>
+              </a:rPr>
+              <a:t>Minimize violated constraints</a:t>
+            </a:r>
+          </a:p>
+        </p:txBody>
+      </p:sp>
+      <p:sp>
+        <p:nvSpPr>
+          <p:cNvPr id="2" name="TextBox 1">
+            <a:extLst>
+              <a:ext uri="{FF2B5EF4-FFF2-40B4-BE49-F238E27FC236}">
+                <a16:creationId xmlns:a16="http://schemas.microsoft.com/office/drawing/2014/main" id="{72F76187-6CA9-465D-A688-29571588EDDA}"/>
+              </a:ext>
+            </a:extLst>
+          </p:cNvPr>
+          <p:cNvSpPr txBox="1"/>
+          <p:nvPr/>
+        </p:nvSpPr>
+        <p:spPr>
+          <a:xfrm>
+            <a:off x="6172200" y="6376737"/>
+            <a:ext cx="2819400" cy="369332"/>
+          </a:xfrm>
+          <a:prstGeom prst="rect">
+            <a:avLst/>
+          </a:prstGeom>
+          <a:noFill/>
+        </p:spPr>
+        <p:txBody>
+          <a:bodyPr wrap="square" rtlCol="0">
+            <a:spAutoFit/>
+          </a:bodyPr>
+          <a:lstStyle/>
+          <a:p>
+            <a:pPr algn="r"/>
+            <a:r>
+              <a:rPr lang="en-US" dirty="0">
+                <a:solidFill>
+                  <a:schemeClr val="bg2">
+                    <a:lumMod val="90000"/>
+                  </a:schemeClr>
+                </a:solidFill>
+              </a:rPr>
+              <a:t>MotorCycleUSA.com</a:t>
+            </a:r>
+          </a:p>
+        </p:txBody>
+      </p:sp>
+    </p:spTree>
+  </p:cSld>
+  <p:clrMapOvr>
+    <a:masterClrMapping/>
+  </p:clrMapOvr>
+</p:sld>
+</file>
+
+<file path=ppt/slides/slide21.xml><?xml version="1.0" encoding="utf-8"?>
+<p:sld xmlns:a="http://schemas.openxmlformats.org/drawingml/2006/main" xmlns:r="http://schemas.openxmlformats.org/officeDocument/2006/relationships" xmlns:p="http://schemas.openxmlformats.org/presentationml/2006/main">
+  <p:cSld>
+    <p:spTree>
+      <p:nvGrpSpPr>
+        <p:cNvPr id="1" name=""/>
+        <p:cNvGrpSpPr/>
+        <p:nvPr/>
+      </p:nvGrpSpPr>
+      <p:grpSpPr>
+        <a:xfrm>
+          <a:off x="0" y="0"/>
+          <a:ext cx="0" cy="0"/>
+          <a:chOff x="0" y="0"/>
+          <a:chExt cx="0" cy="0"/>
+        </a:xfrm>
+      </p:grpSpPr>
+      <p:sp>
+        <p:nvSpPr>
+          <p:cNvPr id="34818" name="Rectangle 2"/>
+          <p:cNvSpPr>
+            <a:spLocks noGrp="1" noChangeArrowheads="1"/>
+          </p:cNvSpPr>
+          <p:nvPr>
+            <p:ph type="title"/>
+          </p:nvPr>
+        </p:nvSpPr>
+        <p:spPr>
+          <a:xfrm>
+            <a:off x="457200" y="228600"/>
+            <a:ext cx="8229600" cy="1066800"/>
+          </a:xfrm>
+        </p:spPr>
+        <p:txBody>
+          <a:bodyPr/>
+          <a:lstStyle/>
+          <a:p>
+            <a:r>
+              <a:rPr lang="en-US" dirty="0"/>
+              <a:t>Local Search for CSPs</a:t>
+            </a:r>
+          </a:p>
+        </p:txBody>
+      </p:sp>
+      <p:sp>
+        <p:nvSpPr>
+          <p:cNvPr id="9" name="TextBox 8">
+            <a:extLst>
+              <a:ext uri="{FF2B5EF4-FFF2-40B4-BE49-F238E27FC236}">
+                <a16:creationId xmlns:a16="http://schemas.microsoft.com/office/drawing/2014/main" id="{4675F89E-3A7D-E8B3-4863-2A5E3292308C}"/>
+              </a:ext>
+            </a:extLst>
+          </p:cNvPr>
+          <p:cNvSpPr txBox="1"/>
+          <p:nvPr/>
+        </p:nvSpPr>
+        <p:spPr>
+          <a:xfrm>
+            <a:off x="504611" y="1290264"/>
+            <a:ext cx="3782908" cy="830997"/>
+          </a:xfrm>
+          <a:prstGeom prst="rect">
+            <a:avLst/>
+          </a:prstGeom>
+          <a:noFill/>
+        </p:spPr>
+        <p:txBody>
+          <a:bodyPr wrap="square">
+            <a:spAutoFit/>
+          </a:bodyPr>
+          <a:lstStyle/>
+          <a:p>
+            <a:pPr marL="0" indent="0">
+              <a:buNone/>
+            </a:pPr>
+            <a:r>
+              <a:rPr lang="en-US" sz="1600" dirty="0"/>
+              <a:t>CSP algorithms </a:t>
+            </a:r>
+          </a:p>
+          <a:p>
+            <a:pPr marL="285750" indent="-285750">
+              <a:buFont typeface="Arial" panose="020B0604020202020204" pitchFamily="34" charset="0"/>
+              <a:buChar char="•"/>
+            </a:pPr>
+            <a:r>
+              <a:rPr lang="en-US" sz="1600" b="1" dirty="0"/>
+              <a:t>Allow incomplete states.</a:t>
+            </a:r>
+            <a:endParaRPr lang="en-US" sz="1600" dirty="0"/>
+          </a:p>
+          <a:p>
+            <a:pPr marL="285750" indent="-285750">
+              <a:buFont typeface="Arial" panose="020B0604020202020204" pitchFamily="34" charset="0"/>
+              <a:buChar char="•"/>
+            </a:pPr>
+            <a:r>
+              <a:rPr lang="en-US" sz="1600" b="1" dirty="0"/>
+              <a:t>States must satisfy all constraints</a:t>
+            </a:r>
+            <a:r>
+              <a:rPr lang="en-US" sz="1600" dirty="0"/>
+              <a:t>.</a:t>
+            </a:r>
+          </a:p>
+        </p:txBody>
+      </p:sp>
+      <p:sp>
+        <p:nvSpPr>
+          <p:cNvPr id="13" name="TextBox 12">
+            <a:extLst>
+              <a:ext uri="{FF2B5EF4-FFF2-40B4-BE49-F238E27FC236}">
+                <a16:creationId xmlns:a16="http://schemas.microsoft.com/office/drawing/2014/main" id="{CAB24B99-925F-869A-0C70-F2E6A5D224D2}"/>
+              </a:ext>
+            </a:extLst>
+          </p:cNvPr>
+          <p:cNvSpPr txBox="1"/>
+          <p:nvPr/>
+        </p:nvSpPr>
+        <p:spPr>
+          <a:xfrm>
+            <a:off x="3743259" y="1519534"/>
+            <a:ext cx="534826" cy="461665"/>
+          </a:xfrm>
+          <a:prstGeom prst="rect">
+            <a:avLst/>
+          </a:prstGeom>
+          <a:noFill/>
+        </p:spPr>
+        <p:txBody>
+          <a:bodyPr wrap="none" rtlCol="0">
+            <a:spAutoFit/>
+          </a:bodyPr>
+          <a:lstStyle/>
+          <a:p>
+            <a:r>
+              <a:rPr lang="en-US" sz="2400" b="1" dirty="0">
+                <a:solidFill>
+                  <a:srgbClr val="FF0000"/>
+                </a:solidFill>
+              </a:rPr>
+              <a:t>vs.</a:t>
+            </a:r>
+          </a:p>
+        </p:txBody>
+      </p:sp>
+      <p:sp>
+        <p:nvSpPr>
+          <p:cNvPr id="11" name="TextBox 10">
+            <a:extLst>
+              <a:ext uri="{FF2B5EF4-FFF2-40B4-BE49-F238E27FC236}">
+                <a16:creationId xmlns:a16="http://schemas.microsoft.com/office/drawing/2014/main" id="{70AFA7C0-72E8-7519-CF89-ED4CE48EFB8D}"/>
+              </a:ext>
+            </a:extLst>
+          </p:cNvPr>
+          <p:cNvSpPr txBox="1"/>
+          <p:nvPr/>
+        </p:nvSpPr>
+        <p:spPr>
+          <a:xfrm>
+            <a:off x="4267200" y="1290265"/>
+            <a:ext cx="4648200" cy="830997"/>
+          </a:xfrm>
+          <a:prstGeom prst="rect">
+            <a:avLst/>
+          </a:prstGeom>
+          <a:noFill/>
+        </p:spPr>
+        <p:txBody>
+          <a:bodyPr wrap="square">
+            <a:spAutoFit/>
+          </a:bodyPr>
+          <a:lstStyle/>
+          <a:p>
+            <a:pPr marL="0" indent="0">
+              <a:buNone/>
+            </a:pPr>
+            <a:r>
+              <a:rPr lang="en-US" sz="1600" dirty="0"/>
+              <a:t>Local Search works only with </a:t>
+            </a:r>
+          </a:p>
+          <a:p>
+            <a:pPr marL="285750" indent="-285750">
+              <a:buFont typeface="Arial" panose="020B0604020202020204" pitchFamily="34" charset="0"/>
+              <a:buChar char="•"/>
+            </a:pPr>
+            <a:r>
+              <a:rPr lang="en-US" sz="1600" b="1" dirty="0"/>
+              <a:t>Only “complete” states </a:t>
+            </a:r>
+            <a:r>
+              <a:rPr lang="en-US" sz="1600" dirty="0"/>
+              <a:t>(all variables are assigned)</a:t>
+            </a:r>
+          </a:p>
+          <a:p>
+            <a:pPr marL="285750" indent="-285750">
+              <a:buFont typeface="Arial" panose="020B0604020202020204" pitchFamily="34" charset="0"/>
+              <a:buChar char="•"/>
+            </a:pPr>
+            <a:r>
+              <a:rPr lang="en-US" sz="1600" b="1" dirty="0"/>
+              <a:t>Allows states with unsatisfied constraints</a:t>
+            </a:r>
+            <a:r>
+              <a:rPr lang="en-US" sz="1600" dirty="0"/>
+              <a:t>.</a:t>
+            </a:r>
+          </a:p>
+        </p:txBody>
+      </p:sp>
+      <p:sp>
+        <p:nvSpPr>
+          <p:cNvPr id="34819" name="Rectangle 3"/>
+          <p:cNvSpPr>
+            <a:spLocks noGrp="1" noChangeArrowheads="1"/>
+          </p:cNvSpPr>
+          <p:nvPr>
+            <p:ph idx="1"/>
+          </p:nvPr>
+        </p:nvSpPr>
+        <p:spPr>
+          <a:xfrm>
+            <a:off x="461211" y="2667000"/>
+            <a:ext cx="8229600" cy="3747436"/>
+          </a:xfrm>
+        </p:spPr>
+        <p:txBody>
+          <a:bodyPr>
+            <a:normAutofit fontScale="92500" lnSpcReduction="20000"/>
+          </a:bodyPr>
+          <a:lstStyle/>
+          <a:p>
+            <a:pPr marL="0" indent="0">
+              <a:buNone/>
+            </a:pPr>
+            <a:r>
+              <a:rPr lang="en-US" sz="1900" dirty="0"/>
+              <a:t>Local search can attempt to reduce unsatisfied constraints by the </a:t>
+            </a:r>
+            <a:r>
+              <a:rPr lang="en-US" sz="1900" b="1" dirty="0">
+                <a:solidFill>
+                  <a:srgbClr val="FF0000"/>
+                </a:solidFill>
+              </a:rPr>
+              <a:t>min-conflicts</a:t>
+            </a:r>
+            <a:r>
+              <a:rPr lang="en-US" sz="1900" dirty="0"/>
+              <a:t> heuristic:</a:t>
+            </a:r>
+            <a:endParaRPr lang="en-US" sz="1900" dirty="0">
+              <a:solidFill>
+                <a:srgbClr val="FF0000"/>
+              </a:solidFill>
+            </a:endParaRPr>
+          </a:p>
+          <a:p>
+            <a:pPr marL="1028700" lvl="2" indent="-342900">
+              <a:buFont typeface="+mj-lt"/>
+              <a:buAutoNum type="arabicPeriod"/>
+            </a:pPr>
+            <a:r>
+              <a:rPr lang="en-US" sz="1900" dirty="0"/>
+              <a:t>Select a variable that violates a constraint (produces a conflict).</a:t>
+            </a:r>
+          </a:p>
+          <a:p>
+            <a:pPr marL="1028700" lvl="2" indent="-342900">
+              <a:buFont typeface="+mj-lt"/>
+              <a:buAutoNum type="arabicPeriod"/>
+            </a:pPr>
+            <a:r>
+              <a:rPr lang="en-US" sz="1900" dirty="0"/>
+              <a:t>Choose a new value that violates fewer constraints.</a:t>
+            </a:r>
+          </a:p>
+          <a:p>
+            <a:pPr marL="1028700" lvl="2" indent="-342900">
+              <a:buFont typeface="+mj-lt"/>
+              <a:buAutoNum type="arabicPeriod"/>
+            </a:pPr>
+            <a:r>
+              <a:rPr lang="en-US" sz="1900" dirty="0"/>
+              <a:t>Repeat till all constraints are met (or a local optimum is reached). </a:t>
+            </a:r>
+          </a:p>
+          <a:p>
+            <a:pPr marL="1028700" lvl="2" indent="-342900">
+              <a:buFont typeface="+mj-lt"/>
+              <a:buAutoNum type="arabicPeriod"/>
+            </a:pPr>
+            <a:endParaRPr lang="en-US" sz="1900" dirty="0"/>
+          </a:p>
+          <a:p>
+            <a:pPr marL="1028700" lvl="2" indent="-342900">
+              <a:buFont typeface="+mj-lt"/>
+              <a:buAutoNum type="arabicPeriod"/>
+            </a:pPr>
+            <a:endParaRPr lang="en-US" sz="1900" dirty="0"/>
+          </a:p>
+          <a:p>
+            <a:pPr marL="1028700" lvl="2" indent="-342900">
+              <a:buFont typeface="+mj-lt"/>
+              <a:buAutoNum type="arabicPeriod"/>
+            </a:pPr>
+            <a:endParaRPr lang="en-US" sz="1900" dirty="0"/>
+          </a:p>
+          <a:p>
+            <a:pPr marL="1028700" lvl="2" indent="-342900">
+              <a:buFont typeface="+mj-lt"/>
+              <a:buAutoNum type="arabicPeriod"/>
+            </a:pPr>
+            <a:endParaRPr lang="en-US" sz="1900" dirty="0"/>
+          </a:p>
+          <a:p>
+            <a:pPr marL="1028700" lvl="2" indent="-342900">
+              <a:buFont typeface="+mj-lt"/>
+              <a:buAutoNum type="arabicPeriod"/>
+            </a:pPr>
+            <a:endParaRPr lang="en-US" sz="1900" dirty="0"/>
+          </a:p>
+          <a:p>
+            <a:pPr marL="1028700" lvl="2" indent="-342900">
+              <a:buFont typeface="+mj-lt"/>
+              <a:buAutoNum type="arabicPeriod"/>
+            </a:pPr>
+            <a:endParaRPr lang="en-US" sz="1900" dirty="0"/>
+          </a:p>
+          <a:p>
+            <a:pPr marL="1028700" lvl="2" indent="-342900">
+              <a:buFont typeface="+mj-lt"/>
+              <a:buAutoNum type="arabicPeriod"/>
+            </a:pPr>
+            <a:endParaRPr lang="en-US" sz="1900" dirty="0"/>
+          </a:p>
+          <a:p>
+            <a:pPr marL="1028700" lvl="2" indent="-342900">
+              <a:buFont typeface="+mj-lt"/>
+              <a:buAutoNum type="arabicPeriod"/>
+            </a:pPr>
+            <a:endParaRPr lang="en-US" sz="1900" dirty="0"/>
+          </a:p>
+          <a:p>
+            <a:pPr marL="342900" lvl="1" indent="0">
+              <a:buNone/>
+            </a:pPr>
+            <a:endParaRPr lang="en-US" sz="1900" dirty="0"/>
+          </a:p>
+          <a:p>
+            <a:pPr marL="342900" lvl="1" indent="0">
+              <a:buNone/>
+            </a:pPr>
+            <a:r>
+              <a:rPr lang="en-US" sz="1900" dirty="0"/>
+              <a:t>Local search is often very effective heuristic for CSPs. </a:t>
+            </a:r>
+          </a:p>
+        </p:txBody>
+      </p:sp>
+      <p:sp>
+        <p:nvSpPr>
+          <p:cNvPr id="2" name="Star: 5 Points 1">
+            <a:extLst>
+              <a:ext uri="{FF2B5EF4-FFF2-40B4-BE49-F238E27FC236}">
+                <a16:creationId xmlns:a16="http://schemas.microsoft.com/office/drawing/2014/main" id="{70EC62FA-B858-4E16-D6F2-28ECC7788FB1}"/>
+              </a:ext>
+              <a:ext uri="{C183D7F6-B498-43B3-948B-1728B52AA6E4}">
+                <adec:decorative xmlns:adec="http://schemas.microsoft.com/office/drawing/2017/decorative" val="1"/>
+              </a:ext>
+            </a:extLst>
+          </p:cNvPr>
+          <p:cNvSpPr/>
+          <p:nvPr/>
+        </p:nvSpPr>
+        <p:spPr>
+          <a:xfrm>
+            <a:off x="8763000" y="129075"/>
+            <a:ext cx="247650" cy="244474"/>
+          </a:xfrm>
+          <a:prstGeom prst="star5">
+            <a:avLst/>
+          </a:prstGeom>
+        </p:spPr>
+        <p:style>
+          <a:lnRef idx="2">
+            <a:schemeClr val="accent2">
+              <a:shade val="50000"/>
+            </a:schemeClr>
+          </a:lnRef>
+          <a:fillRef idx="1">
+            <a:schemeClr val="accent2"/>
+          </a:fillRef>
+          <a:effectRef idx="0">
+            <a:schemeClr val="accent2"/>
+          </a:effectRef>
+          <a:fontRef idx="minor">
+            <a:schemeClr val="lt1"/>
+          </a:fontRef>
+        </p:style>
+        <p:txBody>
+          <a:bodyPr rtlCol="0" anchor="ctr"/>
+          <a:lstStyle>
+            <a:defPPr>
+              <a:defRPr lang="en-US"/>
+            </a:defPPr>
+            <a:lvl1pPr marL="0" algn="l" defTabSz="914400" rtl="0" eaLnBrk="1" latinLnBrk="0" hangingPunct="1">
+              <a:defRPr sz="1800" kern="1200">
+                <a:solidFill>
+                  <a:schemeClr val="lt1"/>
+                </a:solidFill>
+                <a:latin typeface="+mn-lt"/>
+                <a:ea typeface="+mn-ea"/>
+                <a:cs typeface="+mn-cs"/>
+              </a:defRPr>
+            </a:lvl1pPr>
+            <a:lvl2pPr marL="457200" algn="l" defTabSz="914400" rtl="0" eaLnBrk="1" latinLnBrk="0" hangingPunct="1">
+              <a:defRPr sz="1800" kern="1200">
+                <a:solidFill>
+                  <a:schemeClr val="lt1"/>
+                </a:solidFill>
+                <a:latin typeface="+mn-lt"/>
+                <a:ea typeface="+mn-ea"/>
+                <a:cs typeface="+mn-cs"/>
+              </a:defRPr>
+            </a:lvl2pPr>
+            <a:lvl3pPr marL="914400" algn="l" defTabSz="914400" rtl="0" eaLnBrk="1" latinLnBrk="0" hangingPunct="1">
+              <a:defRPr sz="1800" kern="1200">
+                <a:solidFill>
+                  <a:schemeClr val="lt1"/>
+                </a:solidFill>
+                <a:latin typeface="+mn-lt"/>
+                <a:ea typeface="+mn-ea"/>
+                <a:cs typeface="+mn-cs"/>
+              </a:defRPr>
+            </a:lvl3pPr>
+            <a:lvl4pPr marL="1371600" algn="l" defTabSz="914400" rtl="0" eaLnBrk="1" latinLnBrk="0" hangingPunct="1">
+              <a:defRPr sz="1800" kern="1200">
+                <a:solidFill>
+                  <a:schemeClr val="lt1"/>
+                </a:solidFill>
+                <a:latin typeface="+mn-lt"/>
+                <a:ea typeface="+mn-ea"/>
+                <a:cs typeface="+mn-cs"/>
+              </a:defRPr>
+            </a:lvl4pPr>
+            <a:lvl5pPr marL="1828800" algn="l" defTabSz="914400" rtl="0" eaLnBrk="1" latinLnBrk="0" hangingPunct="1">
+              <a:defRPr sz="1800" kern="1200">
+                <a:solidFill>
+                  <a:schemeClr val="lt1"/>
+                </a:solidFill>
+                <a:latin typeface="+mn-lt"/>
+                <a:ea typeface="+mn-ea"/>
+                <a:cs typeface="+mn-cs"/>
+              </a:defRPr>
+            </a:lvl5pPr>
+            <a:lvl6pPr marL="2286000" algn="l" defTabSz="914400" rtl="0" eaLnBrk="1" latinLnBrk="0" hangingPunct="1">
+              <a:defRPr sz="1800" kern="1200">
+                <a:solidFill>
+                  <a:schemeClr val="lt1"/>
+                </a:solidFill>
+                <a:latin typeface="+mn-lt"/>
+                <a:ea typeface="+mn-ea"/>
+                <a:cs typeface="+mn-cs"/>
+              </a:defRPr>
+            </a:lvl6pPr>
+            <a:lvl7pPr marL="2743200" algn="l" defTabSz="914400" rtl="0" eaLnBrk="1" latinLnBrk="0" hangingPunct="1">
+              <a:defRPr sz="1800" kern="1200">
+                <a:solidFill>
+                  <a:schemeClr val="lt1"/>
+                </a:solidFill>
+                <a:latin typeface="+mn-lt"/>
+                <a:ea typeface="+mn-ea"/>
+                <a:cs typeface="+mn-cs"/>
+              </a:defRPr>
+            </a:lvl7pPr>
+            <a:lvl8pPr marL="3200400" algn="l" defTabSz="914400" rtl="0" eaLnBrk="1" latinLnBrk="0" hangingPunct="1">
+              <a:defRPr sz="1800" kern="1200">
+                <a:solidFill>
+                  <a:schemeClr val="lt1"/>
+                </a:solidFill>
+                <a:latin typeface="+mn-lt"/>
+                <a:ea typeface="+mn-ea"/>
+                <a:cs typeface="+mn-cs"/>
+              </a:defRPr>
+            </a:lvl8pPr>
+            <a:lvl9pPr marL="3657600" algn="l" defTabSz="914400" rtl="0" eaLnBrk="1" latinLnBrk="0" hangingPunct="1">
+              <a:defRPr sz="1800" kern="1200">
+                <a:solidFill>
+                  <a:schemeClr val="lt1"/>
+                </a:solidFill>
+                <a:latin typeface="+mn-lt"/>
+                <a:ea typeface="+mn-ea"/>
+                <a:cs typeface="+mn-cs"/>
+              </a:defRPr>
+            </a:lvl9pPr>
+          </a:lstStyle>
+          <a:p>
+            <a:pPr algn="ctr"/>
+            <a:endParaRPr lang="en-US"/>
+          </a:p>
+        </p:txBody>
+      </p:sp>
+      <p:grpSp>
+        <p:nvGrpSpPr>
+          <p:cNvPr id="5" name="Group 4">
+            <a:extLst>
+              <a:ext uri="{FF2B5EF4-FFF2-40B4-BE49-F238E27FC236}">
+                <a16:creationId xmlns:a16="http://schemas.microsoft.com/office/drawing/2014/main" id="{3D6DE1AA-D808-728C-40C0-59FA6AE7CE44}"/>
+              </a:ext>
+              <a:ext uri="{C183D7F6-B498-43B3-948B-1728B52AA6E4}">
+                <adec:decorative xmlns:adec="http://schemas.microsoft.com/office/drawing/2017/decorative" val="1"/>
+              </a:ext>
+            </a:extLst>
+          </p:cNvPr>
+          <p:cNvGrpSpPr/>
+          <p:nvPr/>
+        </p:nvGrpSpPr>
+        <p:grpSpPr>
+          <a:xfrm>
+            <a:off x="1690475" y="4161889"/>
+            <a:ext cx="6843926" cy="1618179"/>
+            <a:chOff x="1690475" y="4161889"/>
+            <a:chExt cx="6843926" cy="1618179"/>
+          </a:xfrm>
+        </p:grpSpPr>
+        <p:pic>
+          <p:nvPicPr>
+            <p:cNvPr id="4" name="Picture 2"/>
+            <p:cNvPicPr>
+              <a:picLocks noChangeAspect="1" noChangeArrowheads="1"/>
+            </p:cNvPicPr>
+            <p:nvPr/>
+          </p:nvPicPr>
+          <p:blipFill>
+            <a:blip r:embed="rId3" cstate="print"/>
+            <a:srcRect/>
+            <a:stretch>
+              <a:fillRect/>
+            </a:stretch>
+          </p:blipFill>
+          <p:spPr bwMode="auto">
+            <a:xfrm>
+              <a:off x="1690475" y="4161889"/>
+              <a:ext cx="5153449" cy="1618179"/>
+            </a:xfrm>
+            <a:prstGeom prst="rect">
+              <a:avLst/>
+            </a:prstGeom>
+            <a:noFill/>
+            <a:ln w="9525">
+              <a:noFill/>
+              <a:miter lim="800000"/>
+              <a:headEnd/>
+              <a:tailEnd/>
+            </a:ln>
+          </p:spPr>
+        </p:pic>
+        <p:cxnSp>
+          <p:nvCxnSpPr>
+            <p:cNvPr id="3" name="Straight Arrow Connector 2">
+              <a:extLst>
+                <a:ext uri="{FF2B5EF4-FFF2-40B4-BE49-F238E27FC236}">
+                  <a16:creationId xmlns:a16="http://schemas.microsoft.com/office/drawing/2014/main" id="{7C6755AC-BFDE-426A-9614-1D704B033549}"/>
+                </a:ext>
+              </a:extLst>
+            </p:cNvPr>
+            <p:cNvCxnSpPr/>
+            <p:nvPr/>
+          </p:nvCxnSpPr>
+          <p:spPr>
+            <a:xfrm flipV="1">
+              <a:off x="4114800" y="4419600"/>
+              <a:ext cx="0" cy="228600"/>
+            </a:xfrm>
+            <a:prstGeom prst="straightConnector1">
+              <a:avLst/>
+            </a:prstGeom>
+            <a:ln>
+              <a:tailEnd type="triangle"/>
+            </a:ln>
+          </p:spPr>
+          <p:style>
+            <a:lnRef idx="3">
+              <a:schemeClr val="accent2"/>
+            </a:lnRef>
+            <a:fillRef idx="0">
+              <a:schemeClr val="accent2"/>
+            </a:fillRef>
+            <a:effectRef idx="2">
+              <a:schemeClr val="accent2"/>
+            </a:effectRef>
+            <a:fontRef idx="minor">
+              <a:schemeClr val="tx1"/>
+            </a:fontRef>
+          </p:style>
+        </p:cxnSp>
+        <p:cxnSp>
+          <p:nvCxnSpPr>
+            <p:cNvPr id="6" name="Straight Arrow Connector 5">
+              <a:extLst>
+                <a:ext uri="{FF2B5EF4-FFF2-40B4-BE49-F238E27FC236}">
+                  <a16:creationId xmlns:a16="http://schemas.microsoft.com/office/drawing/2014/main" id="{C7C300AD-733A-4AE4-9600-070D18002C5B}"/>
+                </a:ext>
+              </a:extLst>
+            </p:cNvPr>
+            <p:cNvCxnSpPr/>
+            <p:nvPr/>
+          </p:nvCxnSpPr>
+          <p:spPr>
+            <a:xfrm>
+              <a:off x="6324600" y="4970978"/>
+              <a:ext cx="0" cy="228600"/>
+            </a:xfrm>
+            <a:prstGeom prst="straightConnector1">
+              <a:avLst/>
+            </a:prstGeom>
+            <a:ln>
+              <a:tailEnd type="triangle"/>
+            </a:ln>
+          </p:spPr>
+          <p:style>
+            <a:lnRef idx="3">
+              <a:schemeClr val="accent2"/>
+            </a:lnRef>
+            <a:fillRef idx="0">
+              <a:schemeClr val="accent2"/>
+            </a:fillRef>
+            <a:effectRef idx="2">
+              <a:schemeClr val="accent2"/>
+            </a:effectRef>
+            <a:fontRef idx="minor">
+              <a:schemeClr val="tx1"/>
+            </a:fontRef>
+          </p:style>
+        </p:cxnSp>
+        <p:sp>
+          <p:nvSpPr>
+            <p:cNvPr id="7" name="Speech Bubble: Rectangle with Corners Rounded 6">
+              <a:extLst>
+                <a:ext uri="{FF2B5EF4-FFF2-40B4-BE49-F238E27FC236}">
+                  <a16:creationId xmlns:a16="http://schemas.microsoft.com/office/drawing/2014/main" id="{0DDF5D3F-3F5F-890F-6537-D6925253FD62}"/>
+                </a:ext>
+              </a:extLst>
+            </p:cNvPr>
+            <p:cNvSpPr/>
+            <p:nvPr/>
+          </p:nvSpPr>
+          <p:spPr>
+            <a:xfrm>
+              <a:off x="7315201" y="4970978"/>
+              <a:ext cx="1219200" cy="809089"/>
+            </a:xfrm>
+            <a:prstGeom prst="wedgeRoundRectCallout">
+              <a:avLst>
+                <a:gd name="adj1" fmla="val -108875"/>
+                <a:gd name="adj2" fmla="val 31565"/>
+                <a:gd name="adj3" fmla="val 16667"/>
+              </a:avLst>
+            </a:prstGeom>
+          </p:spPr>
+          <p:style>
+            <a:lnRef idx="2">
+              <a:schemeClr val="accent6">
+                <a:shade val="15000"/>
+              </a:schemeClr>
+            </a:lnRef>
+            <a:fillRef idx="1">
+              <a:schemeClr val="accent6"/>
+            </a:fillRef>
+            <a:effectRef idx="0">
+              <a:schemeClr val="accent6"/>
+            </a:effectRef>
+            <a:fontRef idx="minor">
+              <a:schemeClr val="lt1"/>
+            </a:fontRef>
+          </p:style>
+          <p:txBody>
+            <a:bodyPr rtlCol="0" anchor="ctr"/>
+            <a:lstStyle/>
+            <a:p>
+              <a:pPr algn="ctr"/>
+              <a:r>
+                <a:rPr lang="en-US" sz="1600" dirty="0"/>
+                <a:t>= number of violated constraints</a:t>
+              </a:r>
+            </a:p>
+          </p:txBody>
+        </p:sp>
+      </p:grpSp>
+    </p:spTree>
+  </p:cSld>
+  <p:clrMapOvr>
+    <a:masterClrMapping/>
+  </p:clrMapOvr>
+</p:sld>
+</file>
+
+<file path=ppt/slides/slide22.xml><?xml version="1.0" encoding="utf-8"?>
+<p:sld xmlns:a="http://schemas.openxmlformats.org/drawingml/2006/main" xmlns:r="http://schemas.openxmlformats.org/officeDocument/2006/relationships" xmlns:p="http://schemas.openxmlformats.org/presentationml/2006/main">
+  <p:cSld>
     <p:bg>
       <p:bgPr>
         <a:solidFill>
@@ -13798,8 +14233,8 @@
           </a:p>
         </p:txBody>
       </p:sp>
-      <mc:AlternateContent xmlns:mc="http://schemas.openxmlformats.org/markup-compatibility/2006">
-        <mc:Choice xmlns:a14="http://schemas.microsoft.com/office/drawing/2010/main" Requires="a14">
+      <mc:AlternateContent xmlns:mc="http://schemas.openxmlformats.org/markup-compatibility/2006" xmlns:a14="http://schemas.microsoft.com/office/drawing/2010/main">
+        <mc:Choice Requires="a14">
           <p:sp>
             <p:nvSpPr>
               <p:cNvPr id="6147" name="Rectangle 3"/>
@@ -14080,7 +14515,7 @@
             </p:txBody>
           </p:sp>
         </mc:Choice>
-        <mc:Fallback>
+        <mc:Fallback xmlns="">
           <p:sp>
             <p:nvSpPr>
               <p:cNvPr id="6147" name="Rectangle 3"/>

--- a/slides/06_CSP.pptx
+++ b/slides/06_CSP.pptx
@@ -2450,7 +2450,7 @@
           <a:p>
             <a:fld id="{FDB68C03-DCF9-4B87-BBF6-8F2088376604}" type="datetimeFigureOut">
               <a:rPr lang="en-US" smtClean="0"/>
-              <a:t>5/1/2025</a:t>
+              <a:t>6/4/2025</a:t>
             </a:fld>
             <a:endParaRPr lang="en-US"/>
           </a:p>
@@ -3060,7 +3060,7 @@
           <a:p>
             <a:fld id="{FDB68C03-DCF9-4B87-BBF6-8F2088376604}" type="datetimeFigureOut">
               <a:rPr lang="en-US" smtClean="0"/>
-              <a:t>5/1/2025</a:t>
+              <a:t>6/4/2025</a:t>
             </a:fld>
             <a:endParaRPr lang="en-US"/>
           </a:p>
@@ -3335,7 +3335,7 @@
           <a:p>
             <a:fld id="{FDB68C03-DCF9-4B87-BBF6-8F2088376604}" type="datetimeFigureOut">
               <a:rPr lang="en-US" smtClean="0"/>
-              <a:t>5/1/2025</a:t>
+              <a:t>6/4/2025</a:t>
             </a:fld>
             <a:endParaRPr lang="en-US"/>
           </a:p>
@@ -5124,7 +5124,7 @@
           <a:p>
             <a:fld id="{FDB68C03-DCF9-4B87-BBF6-8F2088376604}" type="datetimeFigureOut">
               <a:rPr lang="en-US" smtClean="0"/>
-              <a:t>5/1/2025</a:t>
+              <a:t>6/4/2025</a:t>
             </a:fld>
             <a:endParaRPr lang="en-US"/>
           </a:p>
@@ -6468,12 +6468,12 @@
         <p:spPr/>
         <p:txBody>
           <a:bodyPr>
-            <a:normAutofit fontScale="92500" lnSpcReduction="10000"/>
+            <a:normAutofit fontScale="77500" lnSpcReduction="20000"/>
           </a:bodyPr>
           <a:lstStyle/>
           <a:p>
             <a:r>
-              <a:rPr lang="en-US" sz="2800" dirty="0"/>
+              <a:rPr lang="en-US" sz="2800" b="1" dirty="0"/>
               <a:t>Assignment problems</a:t>
             </a:r>
           </a:p>
@@ -6483,12 +6483,15 @@
             </a:pPr>
             <a:r>
               <a:rPr lang="en-US" sz="2400" dirty="0"/>
-              <a:t>e.g., who teaches what class for a fixed schedule. Teacher cannot be in two classes at the same time!</a:t>
-            </a:r>
-          </a:p>
-          <a:p>
-            <a:r>
-              <a:rPr lang="en-US" sz="2800" dirty="0"/>
+              <a:t>e.g., who teaches what class for a fixed schedule. A teacher cannot be in two classes at the same time!</a:t>
+            </a:r>
+          </a:p>
+          <a:p>
+            <a:endParaRPr lang="en-US" sz="2800" dirty="0"/>
+          </a:p>
+          <a:p>
+            <a:r>
+              <a:rPr lang="en-US" sz="2800" b="1" dirty="0"/>
               <a:t>Timetable problems</a:t>
             </a:r>
           </a:p>
@@ -6498,14 +6501,24 @@
             </a:pPr>
             <a:r>
               <a:rPr lang="en-US" sz="2400" dirty="0"/>
-              <a:t>e.g., which class is offered when and where? No two classes in the same room at the same problem.</a:t>
-            </a:r>
-          </a:p>
-          <a:p>
+              <a:t>e.g., which class is offered when and where? No two classes in the same room at the same time.</a:t>
+            </a:r>
+          </a:p>
+          <a:p>
+            <a:endParaRPr lang="en-US" sz="2800" dirty="0"/>
+          </a:p>
+          <a:p>
+            <a:r>
+              <a:rPr lang="en-US" sz="2800" b="1" dirty="0"/>
+              <a:t>Scheduling</a:t>
+            </a:r>
             <a:r>
               <a:rPr lang="en-US" sz="2800" dirty="0"/>
-              <a:t>Scheduling in transportation and production (e.g., order of production steps).</a:t>
-            </a:r>
+              <a:t> in transportation and production (e.g., order of production steps).</a:t>
+            </a:r>
+          </a:p>
+          <a:p>
+            <a:endParaRPr lang="en-US" sz="2800" dirty="0"/>
           </a:p>
           <a:p>
             <a:r>
@@ -6848,7 +6861,7 @@
         </p:spPr>
         <p:txBody>
           <a:bodyPr>
-            <a:normAutofit/>
+            <a:normAutofit fontScale="92500" lnSpcReduction="10000"/>
           </a:bodyPr>
           <a:lstStyle/>
           <a:p>
@@ -6900,7 +6913,7 @@
             </a:pPr>
             <a:r>
               <a:rPr lang="en-US" sz="2400" b="1" dirty="0"/>
-              <a:t>Successor function:</a:t>
+              <a:t>Transition function (Successor function):</a:t>
             </a:r>
           </a:p>
           <a:p>
@@ -6935,6 +6948,25 @@
             <a:r>
               <a:rPr lang="en-US" sz="2400" dirty="0"/>
               <a:t>Any complete and consistent assignment.</a:t>
+            </a:r>
+          </a:p>
+          <a:p>
+            <a:pPr marL="57150" indent="0">
+              <a:buNone/>
+            </a:pPr>
+            <a:endParaRPr lang="en-US" sz="2700" dirty="0"/>
+          </a:p>
+          <a:p>
+            <a:pPr marL="57150" indent="0">
+              <a:buNone/>
+            </a:pPr>
+            <a:r>
+              <a:rPr lang="en-US" sz="2700" b="1" dirty="0"/>
+              <a:t>Note</a:t>
+            </a:r>
+            <a:r>
+              <a:rPr lang="en-US" sz="2700" dirty="0"/>
+              <a:t>: Path cost is not important.</a:t>
             </a:r>
           </a:p>
         </p:txBody>
@@ -7129,188 +7161,208 @@
           </a:p>
         </p:txBody>
       </p:sp>
-      <p:sp>
-        <p:nvSpPr>
-          <p:cNvPr id="14339" name="Rectangle 3"/>
-          <p:cNvSpPr>
-            <a:spLocks noGrp="1" noChangeArrowheads="1"/>
-          </p:cNvSpPr>
-          <p:nvPr>
-            <p:ph idx="1"/>
-          </p:nvPr>
-        </p:nvSpPr>
-        <p:spPr/>
-        <p:txBody>
-          <a:bodyPr>
-            <a:noAutofit/>
-          </a:bodyPr>
-          <a:lstStyle/>
-          <a:p>
-            <a:r>
-              <a:rPr lang="en-US" sz="2400" dirty="0"/>
-              <a:t>In CSP’s, variable assignments are </a:t>
-            </a:r>
-            <a:r>
-              <a:rPr lang="en-US" sz="2400" b="1" dirty="0"/>
-              <a:t>commutative</a:t>
-            </a:r>
-            <a:br>
-              <a:rPr lang="en-US" sz="2400" b="1" dirty="0"/>
-            </a:br>
-            <a:r>
-              <a:rPr lang="en-US" sz="2400" dirty="0"/>
-              <a:t>For example, </a:t>
-            </a:r>
-            <a:br>
-              <a:rPr lang="en-US" sz="2400" dirty="0"/>
-            </a:br>
-            <a:r>
-              <a:rPr lang="en-US" sz="2400" i="1" dirty="0"/>
-              <a:t>[WA = </a:t>
-            </a:r>
-            <a:r>
-              <a:rPr lang="en-US" sz="2400" i="1" dirty="0">
-                <a:solidFill>
-                  <a:srgbClr val="FF0000"/>
-                </a:solidFill>
-              </a:rPr>
-              <a:t>red</a:t>
-            </a:r>
-            <a:r>
-              <a:rPr lang="en-US" sz="2400" i="1" dirty="0"/>
-              <a:t> then NT = </a:t>
-            </a:r>
-            <a:r>
-              <a:rPr lang="en-US" sz="2400" i="1" dirty="0">
-                <a:solidFill>
-                  <a:srgbClr val="008000"/>
-                </a:solidFill>
-              </a:rPr>
-              <a:t>green</a:t>
-            </a:r>
-            <a:r>
-              <a:rPr lang="en-US" sz="2400" i="1" dirty="0"/>
-              <a:t>] </a:t>
-            </a:r>
-            <a:r>
-              <a:rPr lang="en-US" sz="2400" dirty="0"/>
-              <a:t>is the same as </a:t>
-            </a:r>
-            <a:br>
-              <a:rPr lang="en-US" sz="2400" dirty="0"/>
-            </a:br>
-            <a:r>
-              <a:rPr lang="en-US" sz="2400" i="1" dirty="0"/>
-              <a:t>[NT = </a:t>
-            </a:r>
-            <a:r>
-              <a:rPr lang="en-US" sz="2400" i="1" dirty="0">
-                <a:solidFill>
-                  <a:srgbClr val="008000"/>
-                </a:solidFill>
-              </a:rPr>
-              <a:t>green</a:t>
-            </a:r>
-            <a:r>
-              <a:rPr lang="en-US" sz="2400" i="1" dirty="0"/>
-              <a:t> then WA = </a:t>
-            </a:r>
-            <a:r>
-              <a:rPr lang="en-US" sz="2400" i="1" dirty="0">
-                <a:solidFill>
-                  <a:srgbClr val="FF0000"/>
-                </a:solidFill>
-              </a:rPr>
-              <a:t>red</a:t>
-            </a:r>
-            <a:r>
-              <a:rPr lang="en-US" sz="2400" i="1" dirty="0"/>
-              <a:t>]. </a:t>
-            </a:r>
-            <a:r>
-              <a:rPr lang="en-US" sz="2400" dirty="0">
-                <a:sym typeface="Wingdings" panose="05000000000000000000" pitchFamily="2" charset="2"/>
-              </a:rPr>
-              <a:t> Order is not important</a:t>
-            </a:r>
-            <a:endParaRPr lang="en-US" sz="2400" dirty="0"/>
-          </a:p>
-          <a:p>
-            <a:endParaRPr lang="en-US" sz="2400" dirty="0"/>
-          </a:p>
-          <a:p>
-            <a:r>
-              <a:rPr lang="en-US" sz="2400" dirty="0"/>
-              <a:t>We can build  a search tree that assigns the value to one variable per level. </a:t>
-            </a:r>
-          </a:p>
-          <a:p>
-            <a:pPr lvl="1"/>
-            <a:r>
-              <a:rPr lang="en-US" sz="2100" dirty="0"/>
-              <a:t>Tree depth </a:t>
-            </a:r>
-            <a:r>
-              <a:rPr lang="en-US" sz="2000" b="1" i="1" dirty="0">
-                <a:solidFill>
-                  <a:srgbClr val="C00000"/>
-                </a:solidFill>
-              </a:rPr>
-              <a:t>n </a:t>
-            </a:r>
-            <a:r>
-              <a:rPr lang="en-US" sz="2000" dirty="0"/>
-              <a:t>(number of variables)</a:t>
-            </a:r>
-            <a:endParaRPr lang="en-US" sz="2100" dirty="0"/>
-          </a:p>
-          <a:p>
-            <a:pPr lvl="1"/>
-            <a:r>
-              <a:rPr lang="en-US" sz="2100" dirty="0"/>
-              <a:t>Number of leaves: </a:t>
-            </a:r>
-            <a:r>
-              <a:rPr lang="en-US" sz="2100" b="1" i="1" dirty="0" err="1">
-                <a:solidFill>
-                  <a:srgbClr val="C00000"/>
-                </a:solidFill>
-              </a:rPr>
-              <a:t>d</a:t>
-            </a:r>
-            <a:r>
-              <a:rPr lang="en-US" sz="2100" b="1" i="1" baseline="30000" dirty="0" err="1">
-                <a:solidFill>
-                  <a:srgbClr val="C00000"/>
-                </a:solidFill>
-              </a:rPr>
-              <a:t>n</a:t>
-            </a:r>
-            <a:r>
-              <a:rPr lang="en-US" sz="2100" i="1" baseline="30000" dirty="0"/>
-              <a:t>  </a:t>
-            </a:r>
-            <a:r>
-              <a:rPr lang="en-US" sz="2100" dirty="0"/>
-              <a:t> (d is the number of values per variable)</a:t>
-            </a:r>
-          </a:p>
-          <a:p>
-            <a:endParaRPr lang="en-US" sz="2400" dirty="0"/>
-          </a:p>
-          <a:p>
-            <a:r>
-              <a:rPr lang="en-US" sz="2400" dirty="0"/>
-              <a:t>Depth-first search for CSPs with single-variable assignments is called </a:t>
-            </a:r>
-            <a:r>
-              <a:rPr lang="en-US" sz="2400" b="1" dirty="0"/>
-              <a:t>backtracking search.</a:t>
-            </a:r>
-            <a:endParaRPr lang="en-US" sz="2400" dirty="0"/>
-          </a:p>
-        </p:txBody>
-      </p:sp>
+      <mc:AlternateContent xmlns:mc="http://schemas.openxmlformats.org/markup-compatibility/2006">
+        <mc:Choice xmlns:a14="http://schemas.microsoft.com/office/drawing/2010/main" Requires="a14">
+          <p:sp>
+            <p:nvSpPr>
+              <p:cNvPr id="14339" name="Rectangle 3"/>
+              <p:cNvSpPr>
+                <a:spLocks noGrp="1" noChangeArrowheads="1"/>
+              </p:cNvSpPr>
+              <p:nvPr>
+                <p:ph idx="1"/>
+              </p:nvPr>
+            </p:nvSpPr>
+            <p:spPr/>
+            <p:txBody>
+              <a:bodyPr>
+                <a:noAutofit/>
+              </a:bodyPr>
+              <a:lstStyle/>
+              <a:p>
+                <a:r>
+                  <a:rPr lang="en-US" sz="2400" dirty="0"/>
+                  <a:t>Start with all variables unassigned.</a:t>
+                </a:r>
+              </a:p>
+              <a:p>
+                <a:endParaRPr lang="en-US" sz="2400" dirty="0"/>
+              </a:p>
+              <a:p>
+                <a:r>
+                  <a:rPr lang="en-US" sz="2400" dirty="0"/>
+                  <a:t>Build a search tree that assigns a value to one variable per level. </a:t>
+                </a:r>
+              </a:p>
+              <a:p>
+                <a:pPr lvl="1"/>
+                <a:r>
+                  <a:rPr lang="en-US" sz="2100" dirty="0"/>
+                  <a:t>Tree depth: number of variables </a:t>
+                </a:r>
+                <a14:m>
+                  <m:oMath xmlns:m="http://schemas.openxmlformats.org/officeDocument/2006/math">
+                    <m:r>
+                      <a:rPr lang="en-US" sz="2000" b="0" i="1" dirty="0" smtClean="0">
+                        <a:solidFill>
+                          <a:srgbClr val="C00000"/>
+                        </a:solidFill>
+                        <a:latin typeface="Cambria Math" panose="02040503050406030204" pitchFamily="18" charset="0"/>
+                      </a:rPr>
+                      <m:t>𝑛</m:t>
+                    </m:r>
+                  </m:oMath>
+                </a14:m>
+                <a:endParaRPr lang="en-US" sz="2100" dirty="0"/>
+              </a:p>
+              <a:p>
+                <a:pPr lvl="1"/>
+                <a:r>
+                  <a:rPr lang="en-US" sz="2100" dirty="0"/>
+                  <a:t>Number of leaves: </a:t>
+                </a:r>
+                <a14:m>
+                  <m:oMath xmlns:m="http://schemas.openxmlformats.org/officeDocument/2006/math">
+                    <m:r>
+                      <m:rPr>
+                        <m:sty m:val="p"/>
+                      </m:rPr>
+                      <a:rPr lang="en-US" sz="2100" b="0" i="0" dirty="0" smtClean="0">
+                        <a:solidFill>
+                          <a:srgbClr val="C00000"/>
+                        </a:solidFill>
+                        <a:latin typeface="Cambria Math" panose="02040503050406030204" pitchFamily="18" charset="0"/>
+                      </a:rPr>
+                      <m:t>O</m:t>
+                    </m:r>
+                    <m:r>
+                      <a:rPr lang="en-US" sz="2100" b="0" i="0" dirty="0" smtClean="0">
+                        <a:solidFill>
+                          <a:srgbClr val="C00000"/>
+                        </a:solidFill>
+                        <a:latin typeface="Cambria Math" panose="02040503050406030204" pitchFamily="18" charset="0"/>
+                      </a:rPr>
+                      <m:t>(</m:t>
+                    </m:r>
+                    <m:sSup>
+                      <m:sSupPr>
+                        <m:ctrlPr>
+                          <a:rPr lang="en-US" sz="2100" i="1" dirty="0" smtClean="0">
+                            <a:solidFill>
+                              <a:srgbClr val="C00000"/>
+                            </a:solidFill>
+                            <a:latin typeface="Cambria Math" panose="02040503050406030204" pitchFamily="18" charset="0"/>
+                          </a:rPr>
+                        </m:ctrlPr>
+                      </m:sSupPr>
+                      <m:e>
+                        <m:r>
+                          <a:rPr lang="en-US" sz="2100" b="0" i="1" dirty="0" smtClean="0">
+                            <a:solidFill>
+                              <a:srgbClr val="C00000"/>
+                            </a:solidFill>
+                            <a:latin typeface="Cambria Math" panose="02040503050406030204" pitchFamily="18" charset="0"/>
+                          </a:rPr>
+                          <m:t>𝑑</m:t>
+                        </m:r>
+                      </m:e>
+                      <m:sup>
+                        <m:r>
+                          <a:rPr lang="en-US" sz="2100" b="0" i="1" dirty="0" smtClean="0">
+                            <a:solidFill>
+                              <a:srgbClr val="C00000"/>
+                            </a:solidFill>
+                            <a:latin typeface="Cambria Math" panose="02040503050406030204" pitchFamily="18" charset="0"/>
+                          </a:rPr>
+                          <m:t>𝑛</m:t>
+                        </m:r>
+                      </m:sup>
+                    </m:sSup>
+                    <m:r>
+                      <a:rPr lang="en-US" sz="2100" b="0" i="1" dirty="0" smtClean="0">
+                        <a:solidFill>
+                          <a:srgbClr val="C00000"/>
+                        </a:solidFill>
+                        <a:latin typeface="Cambria Math" panose="02040503050406030204" pitchFamily="18" charset="0"/>
+                      </a:rPr>
+                      <m:t>)</m:t>
+                    </m:r>
+                  </m:oMath>
+                </a14:m>
+                <a:r>
+                  <a:rPr lang="en-US" sz="2100" i="1" baseline="30000" dirty="0"/>
+                  <a:t>  </a:t>
+                </a:r>
+                <a:r>
+                  <a:rPr lang="en-US" sz="2100" dirty="0"/>
+                  <a:t> where </a:t>
+                </a:r>
+                <a14:m>
+                  <m:oMath xmlns:m="http://schemas.openxmlformats.org/officeDocument/2006/math">
+                    <m:r>
+                      <a:rPr lang="en-US" sz="2100" i="1" dirty="0" smtClean="0">
+                        <a:latin typeface="Cambria Math" panose="02040503050406030204" pitchFamily="18" charset="0"/>
+                      </a:rPr>
+                      <m:t>𝑑</m:t>
+                    </m:r>
+                  </m:oMath>
+                </a14:m>
+                <a:r>
+                  <a:rPr lang="en-US" sz="2100" dirty="0"/>
+                  <a:t> is the number of values per variable</a:t>
+                </a:r>
+              </a:p>
+              <a:p>
+                <a:endParaRPr lang="en-US" sz="2400" dirty="0"/>
+              </a:p>
+              <a:p>
+                <a:r>
+                  <a:rPr lang="en-US" sz="2400" dirty="0"/>
+                  <a:t>Depth-first search for CSPs with single-variable assignments is typically done with </a:t>
+                </a:r>
+                <a:r>
+                  <a:rPr lang="en-US" sz="2400" b="1" dirty="0"/>
+                  <a:t>backtracking search.</a:t>
+                </a:r>
+                <a:endParaRPr lang="en-US" sz="2400" dirty="0"/>
+              </a:p>
+            </p:txBody>
+          </p:sp>
+        </mc:Choice>
+        <mc:Fallback>
+          <p:sp>
+            <p:nvSpPr>
+              <p:cNvPr id="14339" name="Rectangle 3"/>
+              <p:cNvSpPr>
+                <a:spLocks noGrp="1" noRot="1" noChangeAspect="1" noMove="1" noResize="1" noEditPoints="1" noAdjustHandles="1" noChangeArrowheads="1" noChangeShapeType="1" noTextEdit="1"/>
+              </p:cNvSpPr>
+              <p:nvPr>
+                <p:ph idx="1"/>
+              </p:nvPr>
+            </p:nvSpPr>
+            <p:spPr>
+              <a:blipFill>
+                <a:blip r:embed="rId3"/>
+                <a:stretch>
+                  <a:fillRect l="-1005" t="-1961"/>
+                </a:stretch>
+              </a:blipFill>
+            </p:spPr>
+            <p:txBody>
+              <a:bodyPr/>
+              <a:lstStyle/>
+              <a:p>
+                <a:r>
+                  <a:rPr lang="en-US">
+                    <a:noFill/>
+                  </a:rPr>
+                  <a:t> </a:t>
+                </a:r>
+              </a:p>
+            </p:txBody>
+          </p:sp>
+        </mc:Fallback>
+      </mc:AlternateContent>
     </p:spTree>
   </p:cSld>
   <p:clrMapOvr>
@@ -7328,9 +7380,6 @@
                     <p:cTn id="3" fill="hold">
                       <p:stCondLst>
                         <p:cond delay="indefinite"/>
-                        <p:cond evt="onBegin" delay="0">
-                          <p:tn val="2"/>
-                        </p:cond>
                       </p:stCondLst>
                       <p:childTnLst>
                         <p:par>
@@ -7340,7 +7389,7 @@
                             </p:stCondLst>
                             <p:childTnLst>
                               <p:par>
-                                <p:cTn id="5" presetID="1" presetClass="entr" presetSubtype="0" fill="hold" grpId="0" nodeType="withEffect">
+                                <p:cTn id="5" presetID="1" presetClass="entr" presetSubtype="0" fill="hold" grpId="0" nodeType="clickEffect">
                                   <p:stCondLst>
                                     <p:cond delay="0"/>
                                   </p:stCondLst>
@@ -8499,240 +8548,11 @@
   <p:clrMapOvr>
     <a:masterClrMapping/>
   </p:clrMapOvr>
-  <p:timing>
-    <p:tnLst>
-      <p:par>
-        <p:cTn id="1" dur="indefinite" restart="never" nodeType="tmRoot">
-          <p:childTnLst>
-            <p:seq concurrent="1" nextAc="seek">
-              <p:cTn id="2" dur="indefinite" nodeType="mainSeq">
-                <p:childTnLst>
-                  <p:par>
-                    <p:cTn id="3" fill="hold">
-                      <p:stCondLst>
-                        <p:cond delay="indefinite"/>
-                      </p:stCondLst>
-                      <p:childTnLst>
-                        <p:par>
-                          <p:cTn id="4" fill="hold">
-                            <p:stCondLst>
-                              <p:cond delay="0"/>
-                            </p:stCondLst>
-                            <p:childTnLst>
-                              <p:par>
-                                <p:cTn id="5" presetID="1" presetClass="entr" presetSubtype="0" fill="hold" grpId="0" nodeType="clickEffect">
-                                  <p:stCondLst>
-                                    <p:cond delay="0"/>
-                                  </p:stCondLst>
-                                  <p:childTnLst>
-                                    <p:set>
-                                      <p:cBhvr>
-                                        <p:cTn id="6" dur="1" fill="hold">
-                                          <p:stCondLst>
-                                            <p:cond delay="0"/>
-                                          </p:stCondLst>
-                                        </p:cTn>
-                                        <p:tgtEl>
-                                          <p:spTgt spid="8">
-                                            <p:txEl>
-                                              <p:pRg st="0" end="0"/>
-                                            </p:txEl>
-                                          </p:spTgt>
-                                        </p:tgtEl>
-                                        <p:attrNameLst>
-                                          <p:attrName>style.visibility</p:attrName>
-                                        </p:attrNameLst>
-                                      </p:cBhvr>
-                                      <p:to>
-                                        <p:strVal val="visible"/>
-                                      </p:to>
-                                    </p:set>
-                                  </p:childTnLst>
-                                </p:cTn>
-                              </p:par>
-                            </p:childTnLst>
-                          </p:cTn>
-                        </p:par>
-                      </p:childTnLst>
-                    </p:cTn>
-                  </p:par>
-                  <p:par>
-                    <p:cTn id="7" fill="hold">
-                      <p:stCondLst>
-                        <p:cond delay="indefinite"/>
-                      </p:stCondLst>
-                      <p:childTnLst>
-                        <p:par>
-                          <p:cTn id="8" fill="hold">
-                            <p:stCondLst>
-                              <p:cond delay="0"/>
-                            </p:stCondLst>
-                            <p:childTnLst>
-                              <p:par>
-                                <p:cTn id="9" presetID="1" presetClass="entr" presetSubtype="0" fill="hold" grpId="0" nodeType="clickEffect">
-                                  <p:stCondLst>
-                                    <p:cond delay="0"/>
-                                  </p:stCondLst>
-                                  <p:childTnLst>
-                                    <p:set>
-                                      <p:cBhvr>
-                                        <p:cTn id="10" dur="1" fill="hold">
-                                          <p:stCondLst>
-                                            <p:cond delay="0"/>
-                                          </p:stCondLst>
-                                        </p:cTn>
-                                        <p:tgtEl>
-                                          <p:spTgt spid="8">
-                                            <p:txEl>
-                                              <p:pRg st="1" end="1"/>
-                                            </p:txEl>
-                                          </p:spTgt>
-                                        </p:tgtEl>
-                                        <p:attrNameLst>
-                                          <p:attrName>style.visibility</p:attrName>
-                                        </p:attrNameLst>
-                                      </p:cBhvr>
-                                      <p:to>
-                                        <p:strVal val="visible"/>
-                                      </p:to>
-                                    </p:set>
-                                  </p:childTnLst>
-                                </p:cTn>
-                              </p:par>
-                            </p:childTnLst>
-                          </p:cTn>
-                        </p:par>
-                      </p:childTnLst>
-                    </p:cTn>
-                  </p:par>
-                  <p:par>
-                    <p:cTn id="11" fill="hold">
-                      <p:stCondLst>
-                        <p:cond delay="indefinite"/>
-                      </p:stCondLst>
-                      <p:childTnLst>
-                        <p:par>
-                          <p:cTn id="12" fill="hold">
-                            <p:stCondLst>
-                              <p:cond delay="0"/>
-                            </p:stCondLst>
-                            <p:childTnLst>
-                              <p:par>
-                                <p:cTn id="13" presetID="1" presetClass="entr" presetSubtype="0" fill="hold" grpId="0" nodeType="clickEffect">
-                                  <p:stCondLst>
-                                    <p:cond delay="0"/>
-                                  </p:stCondLst>
-                                  <p:childTnLst>
-                                    <p:set>
-                                      <p:cBhvr>
-                                        <p:cTn id="14" dur="1" fill="hold">
-                                          <p:stCondLst>
-                                            <p:cond delay="0"/>
-                                          </p:stCondLst>
-                                        </p:cTn>
-                                        <p:tgtEl>
-                                          <p:spTgt spid="8">
-                                            <p:txEl>
-                                              <p:pRg st="2" end="2"/>
-                                            </p:txEl>
-                                          </p:spTgt>
-                                        </p:tgtEl>
-                                        <p:attrNameLst>
-                                          <p:attrName>style.visibility</p:attrName>
-                                        </p:attrNameLst>
-                                      </p:cBhvr>
-                                      <p:to>
-                                        <p:strVal val="visible"/>
-                                      </p:to>
-                                    </p:set>
-                                  </p:childTnLst>
-                                </p:cTn>
-                              </p:par>
-                            </p:childTnLst>
-                          </p:cTn>
-                        </p:par>
-                      </p:childTnLst>
-                    </p:cTn>
-                  </p:par>
-                  <p:par>
-                    <p:cTn id="15" fill="hold">
-                      <p:stCondLst>
-                        <p:cond delay="indefinite"/>
-                      </p:stCondLst>
-                      <p:childTnLst>
-                        <p:par>
-                          <p:cTn id="16" fill="hold">
-                            <p:stCondLst>
-                              <p:cond delay="0"/>
-                            </p:stCondLst>
-                            <p:childTnLst>
-                              <p:par>
-                                <p:cTn id="17" presetID="1" presetClass="entr" presetSubtype="0" fill="hold" grpId="0" nodeType="clickEffect">
-                                  <p:stCondLst>
-                                    <p:cond delay="0"/>
-                                  </p:stCondLst>
-                                  <p:childTnLst>
-                                    <p:set>
-                                      <p:cBhvr>
-                                        <p:cTn id="18" dur="1" fill="hold">
-                                          <p:stCondLst>
-                                            <p:cond delay="0"/>
-                                          </p:stCondLst>
-                                        </p:cTn>
-                                        <p:tgtEl>
-                                          <p:spTgt spid="8">
-                                            <p:txEl>
-                                              <p:pRg st="3" end="3"/>
-                                            </p:txEl>
-                                          </p:spTgt>
-                                        </p:tgtEl>
-                                        <p:attrNameLst>
-                                          <p:attrName>style.visibility</p:attrName>
-                                        </p:attrNameLst>
-                                      </p:cBhvr>
-                                      <p:to>
-                                        <p:strVal val="visible"/>
-                                      </p:to>
-                                    </p:set>
-                                  </p:childTnLst>
-                                </p:cTn>
-                              </p:par>
-                            </p:childTnLst>
-                          </p:cTn>
-                        </p:par>
-                      </p:childTnLst>
-                    </p:cTn>
-                  </p:par>
-                </p:childTnLst>
-              </p:cTn>
-              <p:prevCondLst>
-                <p:cond evt="onPrev" delay="0">
-                  <p:tgtEl>
-                    <p:sldTgt/>
-                  </p:tgtEl>
-                </p:cond>
-              </p:prevCondLst>
-              <p:nextCondLst>
-                <p:cond evt="onNext" delay="0">
-                  <p:tgtEl>
-                    <p:sldTgt/>
-                  </p:tgtEl>
-                </p:cond>
-              </p:nextCondLst>
-            </p:seq>
-          </p:childTnLst>
-        </p:cTn>
-      </p:par>
-    </p:tnLst>
-    <p:bldLst>
-      <p:bldP spid="8" grpId="0" uiExpand="1" build="p"/>
-    </p:bldLst>
-  </p:timing>
 </p:sld>
 </file>
 
 <file path=ppt/slides/slide16.xml><?xml version="1.0" encoding="utf-8"?>
-<p:sld xmlns:a="http://schemas.openxmlformats.org/drawingml/2006/main" xmlns:r="http://schemas.openxmlformats.org/officeDocument/2006/relationships" xmlns:p="http://schemas.openxmlformats.org/presentationml/2006/main">
+<p:sld xmlns:a="http://schemas.openxmlformats.org/drawingml/2006/main" xmlns:r="http://schemas.openxmlformats.org/officeDocument/2006/relationships" xmlns:p="http://schemas.openxmlformats.org/presentationml/2006/main" show="0">
   <p:cSld>
     <p:spTree>
       <p:nvGrpSpPr>
@@ -9228,7 +9048,7 @@
 </file>
 
 <file path=ppt/slides/slide17.xml><?xml version="1.0" encoding="utf-8"?>
-<p:sld xmlns:a="http://schemas.openxmlformats.org/drawingml/2006/main" xmlns:r="http://schemas.openxmlformats.org/officeDocument/2006/relationships" xmlns:p="http://schemas.openxmlformats.org/presentationml/2006/main">
+<p:sld xmlns:a="http://schemas.openxmlformats.org/drawingml/2006/main" xmlns:r="http://schemas.openxmlformats.org/officeDocument/2006/relationships" xmlns:p="http://schemas.openxmlformats.org/presentationml/2006/main" show="0">
   <p:cSld>
     <p:spTree>
       <p:nvGrpSpPr>
@@ -9570,7 +9390,7 @@
 </file>
 
 <file path=ppt/slides/slide18.xml><?xml version="1.0" encoding="utf-8"?>
-<p:sld xmlns:a="http://schemas.openxmlformats.org/drawingml/2006/main" xmlns:r="http://schemas.openxmlformats.org/officeDocument/2006/relationships" xmlns:p="http://schemas.openxmlformats.org/presentationml/2006/main">
+<p:sld xmlns:a="http://schemas.openxmlformats.org/drawingml/2006/main" xmlns:r="http://schemas.openxmlformats.org/officeDocument/2006/relationships" xmlns:p="http://schemas.openxmlformats.org/presentationml/2006/main" show="0">
   <p:cSld>
     <p:spTree>
       <p:nvGrpSpPr>
@@ -9973,7 +9793,7 @@
 </file>
 
 <file path=ppt/slides/slide19.xml><?xml version="1.0" encoding="utf-8"?>
-<p:sld xmlns:a="http://schemas.openxmlformats.org/drawingml/2006/main" xmlns:r="http://schemas.openxmlformats.org/officeDocument/2006/relationships" xmlns:p="http://schemas.openxmlformats.org/presentationml/2006/main">
+<p:sld xmlns:a="http://schemas.openxmlformats.org/drawingml/2006/main" xmlns:r="http://schemas.openxmlformats.org/officeDocument/2006/relationships" xmlns:p="http://schemas.openxmlformats.org/presentationml/2006/main" show="0">
   <p:cSld>
     <p:spTree>
       <p:nvGrpSpPr>
@@ -10503,8 +10323,8 @@
           </a:p>
         </p:txBody>
       </p:sp>
-      <mc:AlternateContent xmlns:mc="http://schemas.openxmlformats.org/markup-compatibility/2006" xmlns:a14="http://schemas.microsoft.com/office/drawing/2010/main">
-        <mc:Choice Requires="a14">
+      <mc:AlternateContent xmlns:mc="http://schemas.openxmlformats.org/markup-compatibility/2006">
+        <mc:Choice xmlns:a14="http://schemas.microsoft.com/office/drawing/2010/main" Requires="a14">
           <p:sp>
             <p:nvSpPr>
               <p:cNvPr id="5123" name="Rectangle 3"/>
@@ -10578,39 +10398,39 @@
                 </a:r>
               </a:p>
               <a:p>
-                <a:pPr lvl="2"/>
+                <a:pPr lvl="1"/>
                 <a:r>
-                  <a:rPr lang="en-US" sz="1700" dirty="0"/>
+                  <a:rPr lang="en-US" sz="2100" b="1" dirty="0">
+                    <a:solidFill>
+                      <a:srgbClr val="CC0000"/>
+                    </a:solidFill>
+                  </a:rPr>
+                  <a:t>Partial Solution: </a:t>
+                </a:r>
+                <a:r>
+                  <a:rPr lang="en-US" sz="2000" dirty="0"/>
                   <a:t>Each variable can have a value from domain </a:t>
                 </a:r>
                 <a:r>
-                  <a:rPr lang="en-US" sz="1700" i="1" dirty="0"/>
+                  <a:rPr lang="en-US" sz="2000" i="1" dirty="0"/>
                   <a:t>D</a:t>
                 </a:r>
                 <a:r>
-                  <a:rPr lang="en-US" sz="1700" i="1" baseline="-25000" dirty="0"/>
+                  <a:rPr lang="en-US" sz="2000" i="1" baseline="-25000" dirty="0"/>
                   <a:t>i  </a:t>
                 </a:r>
                 <a:r>
-                  <a:rPr lang="en-US" sz="1700" dirty="0"/>
+                  <a:rPr lang="en-US" sz="2000" dirty="0"/>
                   <a:t>or be </a:t>
                 </a:r>
                 <a:r>
-                  <a:rPr lang="en-US" sz="1800" b="1" dirty="0"/>
+                  <a:rPr lang="en-US" sz="2100" b="1" dirty="0"/>
                   <a:t>unassigned</a:t>
                 </a:r>
                 <a:r>
-                  <a:rPr lang="en-US" sz="1700" dirty="0"/>
-                  <a:t> (partial solution).</a:t>
+                  <a:rPr lang="en-US" sz="2000" dirty="0"/>
+                  <a:t>.</a:t>
                 </a:r>
-                <a:endParaRPr lang="en-US" sz="2000" b="1" dirty="0">
-                  <a:solidFill>
-                    <a:srgbClr val="CC0000"/>
-                  </a:solidFill>
-                </a:endParaRPr>
-              </a:p>
-              <a:p>
-                <a:pPr lvl="1"/>
                 <a:endParaRPr lang="en-US" sz="2000" b="1" dirty="0">
                   <a:solidFill>
                     <a:srgbClr val="CC0000"/>
@@ -10637,6 +10457,45 @@
                 <a:r>
                   <a:rPr lang="en-US" sz="2000" dirty="0"/>
                   <a:t>		E.g., </a:t>
+                </a:r>
+                <a14:m>
+                  <m:oMath xmlns:m="http://schemas.openxmlformats.org/officeDocument/2006/math">
+                    <m:sSub>
+                      <m:sSubPr>
+                        <m:ctrlPr>
+                          <a:rPr lang="en-US" sz="2000" b="0" i="1" smtClean="0">
+                            <a:latin typeface="Cambria Math" panose="02040503050406030204" pitchFamily="18" charset="0"/>
+                          </a:rPr>
+                        </m:ctrlPr>
+                      </m:sSubPr>
+                      <m:e>
+                        <m:r>
+                          <a:rPr lang="en-US" sz="2000" b="0" i="1" smtClean="0">
+                            <a:latin typeface="Cambria Math" panose="02040503050406030204" pitchFamily="18" charset="0"/>
+                          </a:rPr>
+                          <m:t>𝑋</m:t>
+                        </m:r>
+                      </m:e>
+                      <m:sub>
+                        <m:r>
+                          <a:rPr lang="en-US" sz="2000" b="0" i="1" smtClean="0">
+                            <a:latin typeface="Cambria Math" panose="02040503050406030204" pitchFamily="18" charset="0"/>
+                          </a:rPr>
+                          <m:t>1</m:t>
+                        </m:r>
+                      </m:sub>
+                    </m:sSub>
+                    <m:r>
+                      <a:rPr lang="en-US" sz="2000" b="0" i="1" smtClean="0">
+                        <a:latin typeface="Cambria Math" panose="02040503050406030204" pitchFamily="18" charset="0"/>
+                      </a:rPr>
+                      <m:t>=3</m:t>
+                    </m:r>
+                  </m:oMath>
+                </a14:m>
+                <a:r>
+                  <a:rPr lang="en-US" sz="2000" dirty="0"/>
+                  <a:t>, </a:t>
                 </a:r>
                 <a14:m>
                   <m:oMath xmlns:m="http://schemas.openxmlformats.org/officeDocument/2006/math">
@@ -10806,7 +10665,7 @@
             </p:txBody>
           </p:sp>
         </mc:Choice>
-        <mc:Fallback xmlns="">
+        <mc:Fallback>
           <p:sp>
             <p:nvSpPr>
               <p:cNvPr id="5123" name="Rectangle 3"/>
@@ -10989,10 +10848,10 @@
       </p:sp>
       <p:grpSp>
         <p:nvGrpSpPr>
-          <p:cNvPr id="6" name="Group 5" descr="A picture showing the difference between atomic and factores states. ">
+          <p:cNvPr id="7" name="Group 6">
             <a:extLst>
               <a:ext uri="{FF2B5EF4-FFF2-40B4-BE49-F238E27FC236}">
-                <a16:creationId xmlns:a16="http://schemas.microsoft.com/office/drawing/2014/main" id="{EA7A246C-DA4B-8AF8-AE62-2B4FC9ED6FB2}"/>
+                <a16:creationId xmlns:a16="http://schemas.microsoft.com/office/drawing/2014/main" id="{EADAB253-13A3-4D5E-2DD0-017E6F167F13}"/>
               </a:ext>
             </a:extLst>
           </p:cNvPr>
@@ -11001,10 +10860,10 @@
         </p:nvGrpSpPr>
         <p:grpSpPr>
           <a:xfrm>
-            <a:off x="3886200" y="1447800"/>
-            <a:ext cx="4635954" cy="1612641"/>
-            <a:chOff x="3886200" y="1447800"/>
-            <a:chExt cx="4635954" cy="1612641"/>
+            <a:off x="3865537" y="1434491"/>
+            <a:ext cx="2848480" cy="1612641"/>
+            <a:chOff x="3865537" y="1434491"/>
+            <a:chExt cx="2848480" cy="1612641"/>
           </a:xfrm>
         </p:grpSpPr>
         <p:pic>
@@ -11028,7 +10887,7 @@
           </p:blipFill>
           <p:spPr>
             <a:xfrm>
-              <a:off x="3886200" y="1447800"/>
+              <a:off x="3865537" y="1434491"/>
               <a:ext cx="2827817" cy="1612641"/>
             </a:xfrm>
             <a:prstGeom prst="rect">
@@ -11059,7 +10918,7 @@
             <a:noFill/>
             <a:ln w="38100" cap="flat" cmpd="sng" algn="ctr">
               <a:solidFill>
-                <a:srgbClr val="FF0000"/>
+                <a:srgbClr val="C00000"/>
               </a:solidFill>
               <a:prstDash val="solid"/>
               <a:round/>
@@ -11090,113 +10949,113 @@
             </a:p>
           </p:txBody>
         </p:sp>
-        <p:sp>
-          <p:nvSpPr>
-            <p:cNvPr id="4" name="Speech Bubble: Rectangle with Corners Rounded 3">
-              <a:extLst>
-                <a:ext uri="{FF2B5EF4-FFF2-40B4-BE49-F238E27FC236}">
-                  <a16:creationId xmlns:a16="http://schemas.microsoft.com/office/drawing/2014/main" id="{D10843E1-985B-4A9F-A87D-3ABA26727E55}"/>
-                </a:ext>
-              </a:extLst>
-            </p:cNvPr>
-            <p:cNvSpPr/>
-            <p:nvPr/>
-          </p:nvSpPr>
-          <p:spPr>
-            <a:xfrm>
-              <a:off x="6941004" y="2286513"/>
-              <a:ext cx="1581150" cy="279625"/>
-            </a:xfrm>
-            <a:prstGeom prst="wedgeRoundRectCallout">
-              <a:avLst>
-                <a:gd name="adj1" fmla="val -82617"/>
-                <a:gd name="adj2" fmla="val -71138"/>
-                <a:gd name="adj3" fmla="val 16667"/>
-              </a:avLst>
-            </a:prstGeom>
-          </p:spPr>
-          <p:style>
-            <a:lnRef idx="2">
-              <a:schemeClr val="accent6">
-                <a:shade val="15000"/>
-              </a:schemeClr>
-            </a:lnRef>
-            <a:fillRef idx="1">
-              <a:schemeClr val="accent6"/>
-            </a:fillRef>
-            <a:effectRef idx="0">
-              <a:schemeClr val="accent6"/>
-            </a:effectRef>
-            <a:fontRef idx="minor">
-              <a:schemeClr val="lt1"/>
-            </a:fontRef>
-          </p:style>
-          <p:txBody>
-            <a:bodyPr rtlCol="0" anchor="ctr"/>
-            <a:lstStyle/>
-            <a:p>
-              <a:pPr algn="ctr"/>
-              <a:r>
-                <a:rPr lang="en-US" sz="1400" b="1" dirty="0"/>
-                <a:t>Add constraints </a:t>
-              </a:r>
-            </a:p>
-          </p:txBody>
-        </p:sp>
-        <p:sp>
-          <p:nvSpPr>
-            <p:cNvPr id="8" name="Speech Bubble: Rectangle with Corners Rounded 7">
-              <a:extLst>
-                <a:ext uri="{FF2B5EF4-FFF2-40B4-BE49-F238E27FC236}">
-                  <a16:creationId xmlns:a16="http://schemas.microsoft.com/office/drawing/2014/main" id="{250CFE54-A276-B0DE-6173-CFCFE03D114A}"/>
-                </a:ext>
-              </a:extLst>
-            </p:cNvPr>
-            <p:cNvSpPr/>
-            <p:nvPr/>
-          </p:nvSpPr>
-          <p:spPr>
-            <a:xfrm>
-              <a:off x="6941004" y="1524001"/>
-              <a:ext cx="1581150" cy="560276"/>
-            </a:xfrm>
-            <a:prstGeom prst="wedgeRoundRectCallout">
-              <a:avLst>
-                <a:gd name="adj1" fmla="val -86747"/>
-                <a:gd name="adj2" fmla="val 14507"/>
-                <a:gd name="adj3" fmla="val 16667"/>
-              </a:avLst>
-            </a:prstGeom>
-          </p:spPr>
-          <p:style>
-            <a:lnRef idx="2">
-              <a:schemeClr val="accent6">
-                <a:shade val="15000"/>
-              </a:schemeClr>
-            </a:lnRef>
-            <a:fillRef idx="1">
-              <a:schemeClr val="accent6"/>
-            </a:fillRef>
-            <a:effectRef idx="0">
-              <a:schemeClr val="accent6"/>
-            </a:effectRef>
-            <a:fontRef idx="minor">
-              <a:schemeClr val="lt1"/>
-            </a:fontRef>
-          </p:style>
-          <p:txBody>
-            <a:bodyPr rtlCol="0" anchor="ctr"/>
-            <a:lstStyle/>
-            <a:p>
-              <a:pPr algn="ctr"/>
-              <a:r>
-                <a:rPr lang="en-US" sz="1400" b="1" dirty="0"/>
-                <a:t>Work with partial solutions</a:t>
-              </a:r>
-            </a:p>
-          </p:txBody>
-        </p:sp>
       </p:grpSp>
+      <p:sp>
+        <p:nvSpPr>
+          <p:cNvPr id="4" name="Speech Bubble: Rectangle with Corners Rounded 3">
+            <a:extLst>
+              <a:ext uri="{FF2B5EF4-FFF2-40B4-BE49-F238E27FC236}">
+                <a16:creationId xmlns:a16="http://schemas.microsoft.com/office/drawing/2014/main" id="{D10843E1-985B-4A9F-A87D-3ABA26727E55}"/>
+              </a:ext>
+            </a:extLst>
+          </p:cNvPr>
+          <p:cNvSpPr/>
+          <p:nvPr/>
+        </p:nvSpPr>
+        <p:spPr>
+          <a:xfrm>
+            <a:off x="6941004" y="2286513"/>
+            <a:ext cx="1581150" cy="279625"/>
+          </a:xfrm>
+          <a:prstGeom prst="wedgeRoundRectCallout">
+            <a:avLst>
+              <a:gd name="adj1" fmla="val -82617"/>
+              <a:gd name="adj2" fmla="val -71138"/>
+              <a:gd name="adj3" fmla="val 16667"/>
+            </a:avLst>
+          </a:prstGeom>
+        </p:spPr>
+        <p:style>
+          <a:lnRef idx="2">
+            <a:schemeClr val="accent6">
+              <a:shade val="15000"/>
+            </a:schemeClr>
+          </a:lnRef>
+          <a:fillRef idx="1">
+            <a:schemeClr val="accent6"/>
+          </a:fillRef>
+          <a:effectRef idx="0">
+            <a:schemeClr val="accent6"/>
+          </a:effectRef>
+          <a:fontRef idx="minor">
+            <a:schemeClr val="lt1"/>
+          </a:fontRef>
+        </p:style>
+        <p:txBody>
+          <a:bodyPr rtlCol="0" anchor="ctr"/>
+          <a:lstStyle/>
+          <a:p>
+            <a:pPr algn="ctr"/>
+            <a:r>
+              <a:rPr lang="en-US" sz="1400" b="1" dirty="0"/>
+              <a:t>Add constraints </a:t>
+            </a:r>
+          </a:p>
+        </p:txBody>
+      </p:sp>
+      <p:sp>
+        <p:nvSpPr>
+          <p:cNvPr id="8" name="Speech Bubble: Rectangle with Corners Rounded 7">
+            <a:extLst>
+              <a:ext uri="{FF2B5EF4-FFF2-40B4-BE49-F238E27FC236}">
+                <a16:creationId xmlns:a16="http://schemas.microsoft.com/office/drawing/2014/main" id="{250CFE54-A276-B0DE-6173-CFCFE03D114A}"/>
+              </a:ext>
+            </a:extLst>
+          </p:cNvPr>
+          <p:cNvSpPr/>
+          <p:nvPr/>
+        </p:nvSpPr>
+        <p:spPr>
+          <a:xfrm>
+            <a:off x="6941004" y="1524001"/>
+            <a:ext cx="1581150" cy="560276"/>
+          </a:xfrm>
+          <a:prstGeom prst="wedgeRoundRectCallout">
+            <a:avLst>
+              <a:gd name="adj1" fmla="val -86747"/>
+              <a:gd name="adj2" fmla="val 14507"/>
+              <a:gd name="adj3" fmla="val 16667"/>
+            </a:avLst>
+          </a:prstGeom>
+        </p:spPr>
+        <p:style>
+          <a:lnRef idx="2">
+            <a:schemeClr val="accent6">
+              <a:shade val="15000"/>
+            </a:schemeClr>
+          </a:lnRef>
+          <a:fillRef idx="1">
+            <a:schemeClr val="accent6"/>
+          </a:fillRef>
+          <a:effectRef idx="0">
+            <a:schemeClr val="accent6"/>
+          </a:effectRef>
+          <a:fontRef idx="minor">
+            <a:schemeClr val="lt1"/>
+          </a:fontRef>
+        </p:style>
+        <p:txBody>
+          <a:bodyPr rtlCol="0" anchor="ctr"/>
+          <a:lstStyle/>
+          <a:p>
+            <a:pPr algn="ctr"/>
+            <a:r>
+              <a:rPr lang="en-US" sz="1400" b="1" dirty="0"/>
+              <a:t>Work with partial solutions</a:t>
+            </a:r>
+          </a:p>
+        </p:txBody>
+      </p:sp>
     </p:spTree>
   </p:cSld>
   <p:clrMapOvr>
@@ -11318,15 +11177,33 @@
                                   </p:childTnLst>
                                 </p:cTn>
                               </p:par>
+                            </p:childTnLst>
+                          </p:cTn>
+                        </p:par>
+                      </p:childTnLst>
+                    </p:cTn>
+                  </p:par>
+                  <p:par>
+                    <p:cTn id="11" fill="hold">
+                      <p:stCondLst>
+                        <p:cond delay="indefinite"/>
+                      </p:stCondLst>
+                      <p:childTnLst>
+                        <p:par>
+                          <p:cTn id="12" fill="hold">
+                            <p:stCondLst>
+                              <p:cond delay="0"/>
+                            </p:stCondLst>
+                            <p:childTnLst>
                               <p:par>
-                                <p:cTn id="11" presetID="1" presetClass="entr" presetSubtype="0" fill="hold" grpId="0" nodeType="withEffect">
+                                <p:cTn id="13" presetID="1" presetClass="entr" presetSubtype="0" fill="hold" grpId="0" nodeType="clickEffect">
                                   <p:stCondLst>
                                     <p:cond delay="0"/>
                                   </p:stCondLst>
                                   <p:childTnLst>
                                     <p:set>
                                       <p:cBhvr>
-                                        <p:cTn id="12" dur="1" fill="hold">
+                                        <p:cTn id="14" dur="1" fill="hold">
                                           <p:stCondLst>
                                             <p:cond delay="0"/>
                                           </p:stCondLst>
@@ -11349,26 +11226,8 @@
                                   </p:childTnLst>
                                 </p:cTn>
                               </p:par>
-                            </p:childTnLst>
-                          </p:cTn>
-                        </p:par>
-                      </p:childTnLst>
-                    </p:cTn>
-                  </p:par>
-                  <p:par>
-                    <p:cTn id="13" fill="hold">
-                      <p:stCondLst>
-                        <p:cond delay="indefinite"/>
-                      </p:stCondLst>
-                      <p:childTnLst>
-                        <p:par>
-                          <p:cTn id="14" fill="hold">
-                            <p:stCondLst>
-                              <p:cond delay="0"/>
-                            </p:stCondLst>
-                            <p:childTnLst>
                               <p:par>
-                                <p:cTn id="15" presetID="1" presetClass="entr" presetSubtype="0" fill="hold" grpId="0" nodeType="clickEffect">
+                                <p:cTn id="15" presetID="1" presetClass="entr" presetSubtype="0" fill="hold" grpId="0" nodeType="withEffect">
                                   <p:stCondLst>
                                     <p:cond delay="0"/>
                                   </p:stCondLst>
@@ -11381,11 +11240,7 @@
                                           </p:stCondLst>
                                         </p:cTn>
                                         <p:tgtEl>
-                                          <p:spTgt spid="5123">
-                                            <p:txEl>
-                                              <p:pRg st="5" end="5"/>
-                                            </p:txEl>
-                                          </p:spTgt>
+                                          <p:spTgt spid="8"/>
                                         </p:tgtEl>
                                         <p:attrNameLst>
                                           <p:attrName>style.visibility</p:attrName>
@@ -11432,7 +11287,7 @@
                                         <p:tgtEl>
                                           <p:spTgt spid="5123">
                                             <p:txEl>
-                                              <p:pRg st="7" end="7"/>
+                                              <p:pRg st="4" end="4"/>
                                             </p:txEl>
                                           </p:spTgt>
                                         </p:tgtEl>
@@ -11461,9 +11316,54 @@
                                           </p:stCondLst>
                                         </p:cTn>
                                         <p:tgtEl>
+                                          <p:spTgt spid="4"/>
+                                        </p:tgtEl>
+                                        <p:attrNameLst>
+                                          <p:attrName>style.visibility</p:attrName>
+                                        </p:attrNameLst>
+                                      </p:cBhvr>
+                                      <p:to>
+                                        <p:strVal val="visible"/>
+                                      </p:to>
+                                    </p:set>
+                                  </p:childTnLst>
+                                </p:cTn>
+                              </p:par>
+                            </p:childTnLst>
+                          </p:cTn>
+                        </p:par>
+                      </p:childTnLst>
+                    </p:cTn>
+                  </p:par>
+                  <p:par>
+                    <p:cTn id="23" fill="hold">
+                      <p:stCondLst>
+                        <p:cond delay="indefinite"/>
+                      </p:stCondLst>
+                      <p:childTnLst>
+                        <p:par>
+                          <p:cTn id="24" fill="hold">
+                            <p:stCondLst>
+                              <p:cond delay="0"/>
+                            </p:stCondLst>
+                            <p:childTnLst>
+                              <p:par>
+                                <p:cTn id="25" presetID="1" presetClass="entr" presetSubtype="0" fill="hold" grpId="0" nodeType="clickEffect">
+                                  <p:stCondLst>
+                                    <p:cond delay="0"/>
+                                  </p:stCondLst>
+                                  <p:childTnLst>
+                                    <p:set>
+                                      <p:cBhvr>
+                                        <p:cTn id="26" dur="1" fill="hold">
+                                          <p:stCondLst>
+                                            <p:cond delay="0"/>
+                                          </p:stCondLst>
+                                        </p:cTn>
+                                        <p:tgtEl>
                                           <p:spTgt spid="5123">
                                             <p:txEl>
-                                              <p:pRg st="8" end="8"/>
+                                              <p:pRg st="6" end="6"/>
                                             </p:txEl>
                                           </p:spTgt>
                                         </p:tgtEl>
@@ -11479,14 +11379,14 @@
                                 </p:cTn>
                               </p:par>
                               <p:par>
-                                <p:cTn id="23" presetID="1" presetClass="entr" presetSubtype="0" fill="hold" grpId="0" nodeType="withEffect">
+                                <p:cTn id="27" presetID="1" presetClass="entr" presetSubtype="0" fill="hold" grpId="0" nodeType="withEffect">
                                   <p:stCondLst>
                                     <p:cond delay="0"/>
                                   </p:stCondLst>
                                   <p:childTnLst>
                                     <p:set>
                                       <p:cBhvr>
-                                        <p:cTn id="24" dur="1" fill="hold">
+                                        <p:cTn id="28" dur="1" fill="hold">
                                           <p:stCondLst>
                                             <p:cond delay="0"/>
                                           </p:stCondLst>
@@ -11494,7 +11394,38 @@
                                         <p:tgtEl>
                                           <p:spTgt spid="5123">
                                             <p:txEl>
-                                              <p:pRg st="9" end="9"/>
+                                              <p:pRg st="7" end="7"/>
+                                            </p:txEl>
+                                          </p:spTgt>
+                                        </p:tgtEl>
+                                        <p:attrNameLst>
+                                          <p:attrName>style.visibility</p:attrName>
+                                        </p:attrNameLst>
+                                      </p:cBhvr>
+                                      <p:to>
+                                        <p:strVal val="visible"/>
+                                      </p:to>
+                                    </p:set>
+                                  </p:childTnLst>
+                                </p:cTn>
+                              </p:par>
+                              <p:par>
+                                <p:cTn id="29" presetID="1" presetClass="entr" presetSubtype="0" fill="hold" grpId="0" nodeType="withEffect">
+                                  <p:stCondLst>
+                                    <p:cond delay="0"/>
+                                  </p:stCondLst>
+                                  <p:childTnLst>
+                                    <p:set>
+                                      <p:cBhvr>
+                                        <p:cTn id="30" dur="1" fill="hold">
+                                          <p:stCondLst>
+                                            <p:cond delay="0"/>
+                                          </p:stCondLst>
+                                        </p:cTn>
+                                        <p:tgtEl>
+                                          <p:spTgt spid="5123">
+                                            <p:txEl>
+                                              <p:pRg st="8" end="8"/>
                                             </p:txEl>
                                           </p:spTgt>
                                         </p:tgtEl>
@@ -11538,6 +11469,8 @@
     </p:tnLst>
     <p:bldLst>
       <p:bldP spid="5123" grpId="0" uiExpand="1" build="p"/>
+      <p:bldP spid="4" grpId="0" animBg="1"/>
+      <p:bldP spid="8" grpId="0" animBg="1"/>
     </p:bldLst>
   </p:timing>
 </p:sld>
@@ -11843,14 +11776,27 @@
         </p:nvSpPr>
         <p:spPr>
           <a:xfrm>
-            <a:off x="504611" y="1290264"/>
-            <a:ext cx="3782908" cy="830997"/>
+            <a:off x="457200" y="1273223"/>
+            <a:ext cx="3248082" cy="830997"/>
           </a:xfrm>
           <a:prstGeom prst="rect">
             <a:avLst/>
           </a:prstGeom>
-          <a:noFill/>
         </p:spPr>
+        <p:style>
+          <a:lnRef idx="3">
+            <a:schemeClr val="lt1"/>
+          </a:lnRef>
+          <a:fillRef idx="1">
+            <a:schemeClr val="accent2"/>
+          </a:fillRef>
+          <a:effectRef idx="1">
+            <a:schemeClr val="accent2"/>
+          </a:effectRef>
+          <a:fontRef idx="minor">
+            <a:schemeClr val="lt1"/>
+          </a:fontRef>
+        </p:style>
         <p:txBody>
           <a:bodyPr wrap="square">
             <a:spAutoFit/>
@@ -11861,7 +11807,7 @@
               <a:buNone/>
             </a:pPr>
             <a:r>
-              <a:rPr lang="en-US" sz="1600" dirty="0"/>
+              <a:rPr lang="en-US" sz="1600" b="1" dirty="0"/>
               <a:t>CSP algorithms </a:t>
             </a:r>
           </a:p>
@@ -11871,10 +11817,9 @@
               <a:buChar char="•"/>
             </a:pPr>
             <a:r>
-              <a:rPr lang="en-US" sz="1600" b="1" dirty="0"/>
+              <a:rPr lang="en-US" sz="1600" dirty="0"/>
               <a:t>Allow incomplete states.</a:t>
             </a:r>
-            <a:endParaRPr lang="en-US" sz="1600" dirty="0"/>
           </a:p>
           <a:p>
             <a:pPr marL="285750" indent="-285750">
@@ -11882,12 +11827,8 @@
               <a:buChar char="•"/>
             </a:pPr>
             <a:r>
-              <a:rPr lang="en-US" sz="1600" b="1" dirty="0"/>
-              <a:t>States must satisfy all constraints</a:t>
-            </a:r>
-            <a:r>
               <a:rPr lang="en-US" sz="1600" dirty="0"/>
-              <a:t>.</a:t>
+              <a:t>States must satisfy all constraints.</a:t>
             </a:r>
           </a:p>
         </p:txBody>
@@ -11906,7 +11847,7 @@
         </p:nvSpPr>
         <p:spPr>
           <a:xfrm>
-            <a:off x="3743259" y="1519534"/>
+            <a:off x="3847387" y="1457888"/>
             <a:ext cx="534826" cy="461665"/>
           </a:xfrm>
           <a:prstGeom prst="rect">
@@ -11945,14 +11886,27 @@
         </p:nvSpPr>
         <p:spPr>
           <a:xfrm>
-            <a:off x="4267200" y="1290265"/>
-            <a:ext cx="4648200" cy="830997"/>
+            <a:off x="4482524" y="1276849"/>
+            <a:ext cx="4018349" cy="830997"/>
           </a:xfrm>
           <a:prstGeom prst="rect">
             <a:avLst/>
           </a:prstGeom>
-          <a:noFill/>
         </p:spPr>
+        <p:style>
+          <a:lnRef idx="3">
+            <a:schemeClr val="lt1"/>
+          </a:lnRef>
+          <a:fillRef idx="1">
+            <a:schemeClr val="accent3"/>
+          </a:fillRef>
+          <a:effectRef idx="1">
+            <a:schemeClr val="accent3"/>
+          </a:effectRef>
+          <a:fontRef idx="minor">
+            <a:schemeClr val="lt1"/>
+          </a:fontRef>
+        </p:style>
         <p:txBody>
           <a:bodyPr wrap="square">
             <a:spAutoFit/>
@@ -11963,8 +11917,8 @@
               <a:buNone/>
             </a:pPr>
             <a:r>
-              <a:rPr lang="en-US" sz="1600" dirty="0"/>
-              <a:t>Local Search works only with </a:t>
+              <a:rPr lang="en-US" sz="1600" b="1" dirty="0"/>
+              <a:t>Local Search</a:t>
             </a:r>
           </a:p>
           <a:p>
@@ -11973,12 +11927,8 @@
               <a:buChar char="•"/>
             </a:pPr>
             <a:r>
-              <a:rPr lang="en-US" sz="1600" b="1" dirty="0"/>
-              <a:t>Only “complete” states </a:t>
-            </a:r>
-            <a:r>
               <a:rPr lang="en-US" sz="1600" dirty="0"/>
-              <a:t>(all variables are assigned)</a:t>
+              <a:t>Only complete states</a:t>
             </a:r>
           </a:p>
           <a:p>
@@ -11987,12 +11937,8 @@
               <a:buChar char="•"/>
             </a:pPr>
             <a:r>
-              <a:rPr lang="en-US" sz="1600" b="1" dirty="0"/>
-              <a:t>Allows states with unsatisfied constraints</a:t>
-            </a:r>
-            <a:r>
               <a:rPr lang="en-US" sz="1600" dirty="0"/>
-              <a:t>.</a:t>
+              <a:t>Allows states with unsatisfied constraints.</a:t>
             </a:r>
           </a:p>
         </p:txBody>
@@ -12010,12 +11956,12 @@
         <p:spPr>
           <a:xfrm>
             <a:off x="461211" y="2667000"/>
-            <a:ext cx="8229600" cy="3747436"/>
+            <a:ext cx="8229600" cy="1491263"/>
           </a:xfrm>
         </p:spPr>
         <p:txBody>
           <a:bodyPr>
-            <a:normAutofit fontScale="92500" lnSpcReduction="20000"/>
+            <a:normAutofit lnSpcReduction="10000"/>
           </a:bodyPr>
           <a:lstStyle/>
           <a:p>
@@ -12024,7 +11970,7 @@
             </a:pPr>
             <a:r>
               <a:rPr lang="en-US" sz="1900" dirty="0"/>
-              <a:t>Local search can attempt to reduce unsatisfied constraints by the </a:t>
+              <a:t>Local search can attempt to reduce unsatisfied constraints using the </a:t>
             </a:r>
             <a:r>
               <a:rPr lang="en-US" sz="1900" b="1" dirty="0">
@@ -12075,75 +12021,10 @@
             </a:r>
           </a:p>
           <a:p>
-            <a:pPr marL="1028700" lvl="2" indent="-342900">
-              <a:buFont typeface="+mj-lt"/>
-              <a:buAutoNum type="arabicPeriod"/>
-            </a:pPr>
-            <a:endParaRPr lang="en-US" sz="1900" dirty="0"/>
-          </a:p>
-          <a:p>
-            <a:pPr marL="1028700" lvl="2" indent="-342900">
-              <a:buFont typeface="+mj-lt"/>
-              <a:buAutoNum type="arabicPeriod"/>
-            </a:pPr>
-            <a:endParaRPr lang="en-US" sz="1900" dirty="0"/>
-          </a:p>
-          <a:p>
-            <a:pPr marL="1028700" lvl="2" indent="-342900">
-              <a:buFont typeface="+mj-lt"/>
-              <a:buAutoNum type="arabicPeriod"/>
-            </a:pPr>
-            <a:endParaRPr lang="en-US" sz="1900" dirty="0"/>
-          </a:p>
-          <a:p>
-            <a:pPr marL="1028700" lvl="2" indent="-342900">
-              <a:buFont typeface="+mj-lt"/>
-              <a:buAutoNum type="arabicPeriod"/>
-            </a:pPr>
-            <a:endParaRPr lang="en-US" sz="1900" dirty="0"/>
-          </a:p>
-          <a:p>
-            <a:pPr marL="1028700" lvl="2" indent="-342900">
-              <a:buFont typeface="+mj-lt"/>
-              <a:buAutoNum type="arabicPeriod"/>
-            </a:pPr>
-            <a:endParaRPr lang="en-US" sz="1900" dirty="0"/>
-          </a:p>
-          <a:p>
-            <a:pPr marL="1028700" lvl="2" indent="-342900">
-              <a:buFont typeface="+mj-lt"/>
-              <a:buAutoNum type="arabicPeriod"/>
-            </a:pPr>
-            <a:endParaRPr lang="en-US" sz="1900" dirty="0"/>
-          </a:p>
-          <a:p>
-            <a:pPr marL="1028700" lvl="2" indent="-342900">
-              <a:buFont typeface="+mj-lt"/>
-              <a:buAutoNum type="arabicPeriod"/>
-            </a:pPr>
-            <a:endParaRPr lang="en-US" sz="1900" dirty="0"/>
-          </a:p>
-          <a:p>
-            <a:pPr marL="1028700" lvl="2" indent="-342900">
-              <a:buFont typeface="+mj-lt"/>
-              <a:buAutoNum type="arabicPeriod"/>
-            </a:pPr>
-            <a:endParaRPr lang="en-US" sz="1900" dirty="0"/>
-          </a:p>
-          <a:p>
             <a:pPr marL="342900" lvl="1" indent="0">
               <a:buNone/>
             </a:pPr>
             <a:endParaRPr lang="en-US" sz="1900" dirty="0"/>
-          </a:p>
-          <a:p>
-            <a:pPr marL="342900" lvl="1" indent="0">
-              <a:buNone/>
-            </a:pPr>
-            <a:r>
-              <a:rPr lang="en-US" sz="1900" dirty="0"/>
-              <a:t>Local search is often very effective heuristic for CSPs. </a:t>
-            </a:r>
           </a:p>
         </p:txBody>
       </p:sp>
@@ -12477,6 +12358,44 @@
           </p:txBody>
         </p:sp>
       </p:grpSp>
+      <p:sp>
+        <p:nvSpPr>
+          <p:cNvPr id="10" name="TextBox 9">
+            <a:extLst>
+              <a:ext uri="{FF2B5EF4-FFF2-40B4-BE49-F238E27FC236}">
+                <a16:creationId xmlns:a16="http://schemas.microsoft.com/office/drawing/2014/main" id="{7B4D5AFE-BB2E-624F-4437-2654FFC32394}"/>
+              </a:ext>
+            </a:extLst>
+          </p:cNvPr>
+          <p:cNvSpPr txBox="1"/>
+          <p:nvPr/>
+        </p:nvSpPr>
+        <p:spPr>
+          <a:xfrm>
+            <a:off x="207976" y="5867400"/>
+            <a:ext cx="8348473" cy="646331"/>
+          </a:xfrm>
+          <a:prstGeom prst="rect">
+            <a:avLst/>
+          </a:prstGeom>
+          <a:noFill/>
+        </p:spPr>
+        <p:txBody>
+          <a:bodyPr wrap="square">
+            <a:spAutoFit/>
+          </a:bodyPr>
+          <a:lstStyle/>
+          <a:p>
+            <a:pPr marL="342900" lvl="1" indent="0">
+              <a:buNone/>
+            </a:pPr>
+            <a:r>
+              <a:rPr lang="en-US" sz="1800" dirty="0"/>
+              <a:t>Simulated Annealing is often very effective for CSPs. Especially for very large problems where an imperfect solution is acceptable.  </a:t>
+            </a:r>
+          </a:p>
+        </p:txBody>
+      </p:sp>
     </p:spTree>
   </p:cSld>
   <p:clrMapOvr>
@@ -13156,7 +13075,7 @@
           <a:p>
             <a:pPr algn="r"/>
             <a:r>
-              <a:rPr lang="en-US" sz="3500">
+              <a:rPr lang="en-US" sz="3500" dirty="0">
                 <a:solidFill>
                   <a:srgbClr val="FFFFFF"/>
                 </a:solidFill>
@@ -13205,21 +13124,29 @@
             </a:r>
             <a:r>
               <a:rPr lang="en-US" sz="1500" dirty="0"/>
-              <a:t> and defined by a set of variables and values assignments</a:t>
+              <a:t> and defined by a set of variables and value assignments</a:t>
             </a:r>
           </a:p>
           <a:p>
             <a:pPr lvl="1"/>
             <a:r>
               <a:rPr lang="en-US" sz="1500" dirty="0"/>
-              <a:t>The goal is defined by a set of constraints on the variables.</a:t>
+              <a:t>The goal is defined by a set of </a:t>
+            </a:r>
+            <a:r>
+              <a:rPr lang="en-US" sz="1500" b="1" dirty="0"/>
+              <a:t>constraints</a:t>
+            </a:r>
+            <a:r>
+              <a:rPr lang="en-US" sz="1500" dirty="0"/>
+              <a:t> on the variables.</a:t>
             </a:r>
           </a:p>
           <a:p>
             <a:pPr lvl="1"/>
             <a:r>
               <a:rPr lang="en-US" sz="1500" dirty="0"/>
-              <a:t>Incomplete assignments are used to create a complete assignments piece-by-piece.</a:t>
+              <a:t>Incomplete assignments are used to create a complete assignment piece by piece.</a:t>
             </a:r>
           </a:p>
           <a:p>
@@ -13259,8 +13186,12 @@
           </a:p>
           <a:p>
             <a:r>
+              <a:rPr lang="en-US" sz="1500" b="1" dirty="0"/>
+              <a:t>Many problems can be formulated as a CSP</a:t>
+            </a:r>
+            <a:r>
               <a:rPr lang="en-US" sz="1500" dirty="0"/>
-              <a:t>Many problems can be formulated as a CSP and problems where the constraints are very restrictive on the solution space may be easier to solve as CSPs (e.g., scheduling problems and puzzles).</a:t>
+              <a:t>, and problems where the constraints are very restrictive on the solution space may be easier to solve as CSPs (e.g., scheduling problems and puzzles).</a:t>
             </a:r>
             <a:endParaRPr lang="en-US" sz="1500" b="1" dirty="0"/>
           </a:p>
@@ -13295,7 +13226,7 @@
             </a:r>
             <a:r>
               <a:rPr lang="en-US" sz="1500" dirty="0"/>
-              <a:t> can be used as an effective heuristic. It search the space of all complete assignments for consistent assignments = </a:t>
+              <a:t> can be used as an effective heuristic. It searches the space of all complete assignments for consistent assignments = </a:t>
             </a:r>
             <a:r>
               <a:rPr lang="en-US" sz="1500" b="1" dirty="0"/>
@@ -13702,7 +13633,7 @@
           <p:nvPr>
             <p:extLst>
               <p:ext uri="{D42A27DB-BD31-4B8C-83A1-F6EECF244321}">
-                <p14:modId xmlns:p14="http://schemas.microsoft.com/office/powerpoint/2010/main" val="442497797"/>
+                <p14:modId xmlns:p14="http://schemas.microsoft.com/office/powerpoint/2010/main" val="2564876403"/>
               </p:ext>
             </p:extLst>
           </p:nvPr>
@@ -14157,7 +14088,7 @@
                       </a:pPr>
                       <a:r>
                         <a:rPr lang="en-US" sz="1600" dirty="0"/>
-                        <a:t>Enforcement of </a:t>
+                        <a:t>Enforces </a:t>
                       </a:r>
                       <a:r>
                         <a:rPr lang="en-US" sz="1600" b="1" dirty="0"/>
@@ -15970,9 +15901,9 @@
         <p:grpSpPr>
           <a:xfrm>
             <a:off x="5593743" y="762000"/>
-            <a:ext cx="3321657" cy="3341132"/>
+            <a:ext cx="3321657" cy="3323669"/>
             <a:chOff x="5593743" y="762000"/>
-            <a:chExt cx="3321657" cy="3341132"/>
+            <a:chExt cx="3321657" cy="3323669"/>
           </a:xfrm>
         </p:grpSpPr>
         <p:pic>
@@ -16031,7 +15962,7 @@
               <a:r>
                 <a:rPr lang="en-US" sz="3200" i="1" dirty="0">
                   <a:solidFill>
-                    <a:srgbClr val="0000FF"/>
+                    <a:srgbClr val="C00000"/>
                   </a:solidFill>
                   <a:latin typeface="+mn-lt"/>
                 </a:rPr>
@@ -16040,7 +15971,7 @@
               <a:r>
                 <a:rPr lang="en-US" sz="3200" i="1" baseline="-25000" dirty="0">
                   <a:solidFill>
-                    <a:srgbClr val="0000FF"/>
+                    <a:srgbClr val="C00000"/>
                   </a:solidFill>
                   <a:latin typeface="+mn-lt"/>
                 </a:rPr>
@@ -16048,7 +15979,7 @@
               </a:r>
               <a:endParaRPr lang="en-US" sz="3200" dirty="0">
                 <a:solidFill>
-                  <a:srgbClr val="0000FF"/>
+                  <a:srgbClr val="C00000"/>
                 </a:solidFill>
                 <a:latin typeface="+mn-lt"/>
               </a:endParaRPr>
@@ -16135,265 +16066,405 @@
             </a:fontRef>
           </p:style>
         </p:cxnSp>
+        <mc:AlternateContent xmlns:mc="http://schemas.openxmlformats.org/markup-compatibility/2006">
+          <mc:Choice xmlns:a14="http://schemas.microsoft.com/office/drawing/2010/main" Requires="a14">
+            <p:sp>
+              <p:nvSpPr>
+                <p:cNvPr id="11" name="TextBox 10">
+                  <a:extLst>
+                    <a:ext uri="{FF2B5EF4-FFF2-40B4-BE49-F238E27FC236}">
+                      <a16:creationId xmlns:a16="http://schemas.microsoft.com/office/drawing/2014/main" id="{2477BCFB-A7E0-4618-AD47-B26FD79290F3}"/>
+                    </a:ext>
+                  </a:extLst>
+                </p:cNvPr>
+                <p:cNvSpPr txBox="1"/>
+                <p:nvPr/>
+              </p:nvSpPr>
+              <p:spPr>
+                <a:xfrm>
+                  <a:off x="7153275" y="3716337"/>
+                  <a:ext cx="381000" cy="369332"/>
+                </a:xfrm>
+                <a:prstGeom prst="rect">
+                  <a:avLst/>
+                </a:prstGeom>
+                <a:noFill/>
+              </p:spPr>
+              <p:txBody>
+                <a:bodyPr wrap="square" rtlCol="0">
+                  <a:spAutoFit/>
+                </a:bodyPr>
+                <a:lstStyle/>
+                <a:p>
+                  <a14:m>
+                    <m:oMathPara xmlns:m="http://schemas.openxmlformats.org/officeDocument/2006/math">
+                      <m:oMathParaPr>
+                        <m:jc m:val="centerGroup"/>
+                      </m:oMathParaPr>
+                      <m:oMath xmlns:m="http://schemas.openxmlformats.org/officeDocument/2006/math">
+                        <m:r>
+                          <a:rPr lang="en-US" i="1" dirty="0" smtClean="0">
+                            <a:latin typeface="Cambria Math" panose="02040503050406030204" pitchFamily="18" charset="0"/>
+                          </a:rPr>
+                          <m:t>𝑖</m:t>
+                        </m:r>
+                      </m:oMath>
+                    </m:oMathPara>
+                  </a14:m>
+                  <a:endParaRPr lang="en-US" dirty="0"/>
+                </a:p>
+              </p:txBody>
+            </p:sp>
+          </mc:Choice>
+          <mc:Fallback>
+            <p:sp>
+              <p:nvSpPr>
+                <p:cNvPr id="11" name="TextBox 10">
+                  <a:extLst>
+                    <a:ext uri="{FF2B5EF4-FFF2-40B4-BE49-F238E27FC236}">
+                      <a16:creationId xmlns:a16="http://schemas.microsoft.com/office/drawing/2014/main" id="{2477BCFB-A7E0-4618-AD47-B26FD79290F3}"/>
+                    </a:ext>
+                  </a:extLst>
+                </p:cNvPr>
+                <p:cNvSpPr txBox="1">
+                  <a:spLocks noRot="1" noChangeAspect="1" noMove="1" noResize="1" noEditPoints="1" noAdjustHandles="1" noChangeArrowheads="1" noChangeShapeType="1" noTextEdit="1"/>
+                </p:cNvSpPr>
+                <p:nvPr/>
+              </p:nvSpPr>
+              <p:spPr>
+                <a:xfrm>
+                  <a:off x="7153275" y="3716337"/>
+                  <a:ext cx="381000" cy="369332"/>
+                </a:xfrm>
+                <a:prstGeom prst="rect">
+                  <a:avLst/>
+                </a:prstGeom>
+                <a:blipFill>
+                  <a:blip r:embed="rId5"/>
+                  <a:stretch>
+                    <a:fillRect/>
+                  </a:stretch>
+                </a:blipFill>
+              </p:spPr>
+              <p:txBody>
+                <a:bodyPr/>
+                <a:lstStyle/>
+                <a:p>
+                  <a:r>
+                    <a:rPr lang="en-US">
+                      <a:noFill/>
+                    </a:rPr>
+                    <a:t> </a:t>
+                  </a:r>
+                </a:p>
+              </p:txBody>
+            </p:sp>
+          </mc:Fallback>
+        </mc:AlternateContent>
+        <mc:AlternateContent xmlns:mc="http://schemas.openxmlformats.org/markup-compatibility/2006">
+          <mc:Choice xmlns:a14="http://schemas.microsoft.com/office/drawing/2010/main" Requires="a14">
+            <p:sp>
+              <p:nvSpPr>
+                <p:cNvPr id="13" name="TextBox 12">
+                  <a:extLst>
+                    <a:ext uri="{FF2B5EF4-FFF2-40B4-BE49-F238E27FC236}">
+                      <a16:creationId xmlns:a16="http://schemas.microsoft.com/office/drawing/2014/main" id="{5857EF9A-AF6D-4F3F-824B-67378224851C}"/>
+                    </a:ext>
+                  </a:extLst>
+                </p:cNvPr>
+                <p:cNvSpPr txBox="1"/>
+                <p:nvPr/>
+              </p:nvSpPr>
+              <p:spPr>
+                <a:xfrm>
+                  <a:off x="5593743" y="1979890"/>
+                  <a:ext cx="381000" cy="369332"/>
+                </a:xfrm>
+                <a:prstGeom prst="rect">
+                  <a:avLst/>
+                </a:prstGeom>
+                <a:noFill/>
+              </p:spPr>
+              <p:txBody>
+                <a:bodyPr wrap="square" rtlCol="0">
+                  <a:spAutoFit/>
+                </a:bodyPr>
+                <a:lstStyle/>
+                <a:p>
+                  <a14:m>
+                    <m:oMathPara xmlns:m="http://schemas.openxmlformats.org/officeDocument/2006/math">
+                      <m:oMathParaPr>
+                        <m:jc m:val="centerGroup"/>
+                      </m:oMathParaPr>
+                      <m:oMath xmlns:m="http://schemas.openxmlformats.org/officeDocument/2006/math">
+                        <m:r>
+                          <a:rPr lang="en-US" i="1" dirty="0" smtClean="0">
+                            <a:latin typeface="Cambria Math" panose="02040503050406030204" pitchFamily="18" charset="0"/>
+                          </a:rPr>
+                          <m:t>𝑗</m:t>
+                        </m:r>
+                      </m:oMath>
+                    </m:oMathPara>
+                  </a14:m>
+                  <a:endParaRPr lang="en-US" dirty="0"/>
+                </a:p>
+              </p:txBody>
+            </p:sp>
+          </mc:Choice>
+          <mc:Fallback>
+            <p:sp>
+              <p:nvSpPr>
+                <p:cNvPr id="13" name="TextBox 12">
+                  <a:extLst>
+                    <a:ext uri="{FF2B5EF4-FFF2-40B4-BE49-F238E27FC236}">
+                      <a16:creationId xmlns:a16="http://schemas.microsoft.com/office/drawing/2014/main" id="{5857EF9A-AF6D-4F3F-824B-67378224851C}"/>
+                    </a:ext>
+                  </a:extLst>
+                </p:cNvPr>
+                <p:cNvSpPr txBox="1">
+                  <a:spLocks noRot="1" noChangeAspect="1" noMove="1" noResize="1" noEditPoints="1" noAdjustHandles="1" noChangeArrowheads="1" noChangeShapeType="1" noTextEdit="1"/>
+                </p:cNvSpPr>
+                <p:nvPr/>
+              </p:nvSpPr>
+              <p:spPr>
+                <a:xfrm>
+                  <a:off x="5593743" y="1979890"/>
+                  <a:ext cx="381000" cy="369332"/>
+                </a:xfrm>
+                <a:prstGeom prst="rect">
+                  <a:avLst/>
+                </a:prstGeom>
+                <a:blipFill>
+                  <a:blip r:embed="rId6"/>
+                  <a:stretch>
+                    <a:fillRect b="-13333"/>
+                  </a:stretch>
+                </a:blipFill>
+              </p:spPr>
+              <p:txBody>
+                <a:bodyPr/>
+                <a:lstStyle/>
+                <a:p>
+                  <a:r>
+                    <a:rPr lang="en-US">
+                      <a:noFill/>
+                    </a:rPr>
+                    <a:t> </a:t>
+                  </a:r>
+                </a:p>
+              </p:txBody>
+            </p:sp>
+          </mc:Fallback>
+        </mc:AlternateContent>
+      </p:grpSp>
+      <p:grpSp>
+        <p:nvGrpSpPr>
+          <p:cNvPr id="12" name="Group 11">
+            <a:extLst>
+              <a:ext uri="{FF2B5EF4-FFF2-40B4-BE49-F238E27FC236}">
+                <a16:creationId xmlns:a16="http://schemas.microsoft.com/office/drawing/2014/main" id="{AD7F4891-C78C-D553-C83D-B612938061E8}"/>
+              </a:ext>
+            </a:extLst>
+          </p:cNvPr>
+          <p:cNvGrpSpPr/>
+          <p:nvPr/>
+        </p:nvGrpSpPr>
+        <p:grpSpPr>
+          <a:xfrm>
+            <a:off x="6172200" y="3962400"/>
+            <a:ext cx="2626473" cy="2057390"/>
+            <a:chOff x="6172200" y="3962400"/>
+            <a:chExt cx="2626473" cy="2057390"/>
+          </a:xfrm>
+        </p:grpSpPr>
         <p:sp>
           <p:nvSpPr>
-            <p:cNvPr id="11" name="TextBox 10">
+            <p:cNvPr id="4" name="Right Brace 3">
               <a:extLst>
                 <a:ext uri="{FF2B5EF4-FFF2-40B4-BE49-F238E27FC236}">
-                  <a16:creationId xmlns:a16="http://schemas.microsoft.com/office/drawing/2014/main" id="{2477BCFB-A7E0-4618-AD47-B26FD79290F3}"/>
+                  <a16:creationId xmlns:a16="http://schemas.microsoft.com/office/drawing/2014/main" id="{F31DDE1D-B800-422E-BE8D-836463FE5447}"/>
+                </a:ext>
+                <a:ext uri="{C183D7F6-B498-43B3-948B-1728B52AA6E4}">
+                  <adec:decorative xmlns:adec="http://schemas.microsoft.com/office/drawing/2017/decorative" val="1"/>
                 </a:ext>
               </a:extLst>
             </p:cNvPr>
-            <p:cNvSpPr txBox="1"/>
+            <p:cNvSpPr/>
             <p:nvPr/>
           </p:nvSpPr>
           <p:spPr>
             <a:xfrm>
-              <a:off x="7239000" y="3733800"/>
-              <a:ext cx="381000" cy="369332"/>
+              <a:off x="6172200" y="3962400"/>
+              <a:ext cx="381000" cy="2057390"/>
             </a:xfrm>
-            <a:prstGeom prst="rect">
+            <a:prstGeom prst="rightBrace">
               <a:avLst/>
             </a:prstGeom>
-            <a:noFill/>
           </p:spPr>
+          <p:style>
+            <a:lnRef idx="1">
+              <a:schemeClr val="accent1"/>
+            </a:lnRef>
+            <a:fillRef idx="0">
+              <a:schemeClr val="accent1"/>
+            </a:fillRef>
+            <a:effectRef idx="0">
+              <a:schemeClr val="accent1"/>
+            </a:effectRef>
+            <a:fontRef idx="minor">
+              <a:schemeClr val="tx1"/>
+            </a:fontRef>
+          </p:style>
           <p:txBody>
-            <a:bodyPr wrap="square" rtlCol="0">
-              <a:spAutoFit/>
-            </a:bodyPr>
+            <a:bodyPr rtlCol="0" anchor="ctr"/>
             <a:lstStyle/>
             <a:p>
-              <a:r>
-                <a:rPr lang="en-US" dirty="0" err="1"/>
-                <a:t>i</a:t>
-              </a:r>
-              <a:endParaRPr lang="en-US" dirty="0"/>
+              <a:pPr algn="ctr"/>
+              <a:endParaRPr lang="en-US"/>
             </a:p>
           </p:txBody>
         </p:sp>
-        <p:sp>
-          <p:nvSpPr>
-            <p:cNvPr id="13" name="TextBox 12">
-              <a:extLst>
-                <a:ext uri="{FF2B5EF4-FFF2-40B4-BE49-F238E27FC236}">
-                  <a16:creationId xmlns:a16="http://schemas.microsoft.com/office/drawing/2014/main" id="{5857EF9A-AF6D-4F3F-824B-67378224851C}"/>
-                </a:ext>
-              </a:extLst>
-            </p:cNvPr>
-            <p:cNvSpPr txBox="1"/>
-            <p:nvPr/>
-          </p:nvSpPr>
-          <p:spPr>
-            <a:xfrm>
-              <a:off x="5593743" y="1979890"/>
-              <a:ext cx="381000" cy="369332"/>
-            </a:xfrm>
-            <a:prstGeom prst="rect">
-              <a:avLst/>
-            </a:prstGeom>
-            <a:noFill/>
-          </p:spPr>
-          <p:txBody>
-            <a:bodyPr wrap="square" rtlCol="0">
-              <a:spAutoFit/>
-            </a:bodyPr>
-            <a:lstStyle/>
-            <a:p>
-              <a:r>
-                <a:rPr lang="en-US" dirty="0"/>
-                <a:t>j</a:t>
-              </a:r>
-            </a:p>
-          </p:txBody>
-        </p:sp>
+        <mc:AlternateContent xmlns:mc="http://schemas.openxmlformats.org/markup-compatibility/2006">
+          <mc:Choice xmlns:a14="http://schemas.microsoft.com/office/drawing/2010/main" Requires="a14">
+            <p:sp>
+              <p:nvSpPr>
+                <p:cNvPr id="7" name="Rectangle 6">
+                  <a:extLst>
+                    <a:ext uri="{FF2B5EF4-FFF2-40B4-BE49-F238E27FC236}">
+                      <a16:creationId xmlns:a16="http://schemas.microsoft.com/office/drawing/2014/main" id="{0D037137-9DE6-4B8C-993A-729EBD7BA105}"/>
+                    </a:ext>
+                  </a:extLst>
+                </p:cNvPr>
+                <p:cNvSpPr/>
+                <p:nvPr/>
+              </p:nvSpPr>
+              <p:spPr>
+                <a:xfrm>
+                  <a:off x="6705600" y="4777259"/>
+                  <a:ext cx="2093073" cy="404341"/>
+                </a:xfrm>
+                <a:prstGeom prst="rect">
+                  <a:avLst/>
+                </a:prstGeom>
+              </p:spPr>
+              <p:txBody>
+                <a:bodyPr wrap="none">
+                  <a:spAutoFit/>
+                </a:bodyPr>
+                <a:lstStyle/>
+                <a:p>
+                  <a:pPr>
+                    <a:lnSpc>
+                      <a:spcPct val="140000"/>
+                    </a:lnSpc>
+                  </a:pPr>
+                  <a:r>
+                    <a:rPr lang="en-US" sz="1600" dirty="0"/>
+                    <a:t>for </a:t>
+                  </a:r>
+                  <a14:m>
+                    <m:oMath xmlns:m="http://schemas.openxmlformats.org/officeDocument/2006/math">
+                      <m:r>
+                        <a:rPr lang="en-US" sz="1600" i="1">
+                          <a:latin typeface="Cambria Math" panose="02040503050406030204" pitchFamily="18" charset="0"/>
+                        </a:rPr>
+                        <m:t>𝑖</m:t>
+                      </m:r>
+                      <m:r>
+                        <a:rPr lang="en-US" sz="1600" i="1">
+                          <a:latin typeface="Cambria Math" panose="02040503050406030204" pitchFamily="18" charset="0"/>
+                        </a:rPr>
+                        <m:t>,</m:t>
+                      </m:r>
+                      <m:r>
+                        <a:rPr lang="en-US" sz="1600" i="1">
+                          <a:latin typeface="Cambria Math" panose="02040503050406030204" pitchFamily="18" charset="0"/>
+                        </a:rPr>
+                        <m:t>𝑗</m:t>
+                      </m:r>
+                      <m:r>
+                        <a:rPr lang="en-US" sz="1600" b="0" i="1" smtClean="0">
+                          <a:latin typeface="Cambria Math" panose="02040503050406030204" pitchFamily="18" charset="0"/>
+                        </a:rPr>
+                        <m:t>,</m:t>
+                      </m:r>
+                      <m:r>
+                        <a:rPr lang="en-US" sz="1600" b="0" i="1" smtClean="0">
+                          <a:latin typeface="Cambria Math" panose="02040503050406030204" pitchFamily="18" charset="0"/>
+                        </a:rPr>
+                        <m:t>𝑘</m:t>
+                      </m:r>
+                      <m:r>
+                        <a:rPr lang="en-US" sz="1600" i="1">
+                          <a:latin typeface="Cambria Math" panose="02040503050406030204" pitchFamily="18" charset="0"/>
+                        </a:rPr>
+                        <m:t>∈{1, 2, …, </m:t>
+                      </m:r>
+                      <m:r>
+                        <a:rPr lang="en-US" sz="1600" i="1">
+                          <a:latin typeface="Cambria Math" panose="02040503050406030204" pitchFamily="18" charset="0"/>
+                        </a:rPr>
+                        <m:t>𝑁</m:t>
+                      </m:r>
+                      <m:r>
+                        <a:rPr lang="en-US" sz="1600" i="1">
+                          <a:latin typeface="Cambria Math" panose="02040503050406030204" pitchFamily="18" charset="0"/>
+                        </a:rPr>
+                        <m:t>}</m:t>
+                      </m:r>
+                    </m:oMath>
+                  </a14:m>
+                  <a:endParaRPr lang="en-US" sz="1600" dirty="0"/>
+                </a:p>
+              </p:txBody>
+            </p:sp>
+          </mc:Choice>
+          <mc:Fallback>
+            <p:sp>
+              <p:nvSpPr>
+                <p:cNvPr id="7" name="Rectangle 6">
+                  <a:extLst>
+                    <a:ext uri="{FF2B5EF4-FFF2-40B4-BE49-F238E27FC236}">
+                      <a16:creationId xmlns:a16="http://schemas.microsoft.com/office/drawing/2014/main" id="{0D037137-9DE6-4B8C-993A-729EBD7BA105}"/>
+                    </a:ext>
+                  </a:extLst>
+                </p:cNvPr>
+                <p:cNvSpPr>
+                  <a:spLocks noRot="1" noChangeAspect="1" noMove="1" noResize="1" noEditPoints="1" noAdjustHandles="1" noChangeArrowheads="1" noChangeShapeType="1" noTextEdit="1"/>
+                </p:cNvSpPr>
+                <p:nvPr/>
+              </p:nvSpPr>
+              <p:spPr>
+                <a:xfrm>
+                  <a:off x="6705600" y="4777259"/>
+                  <a:ext cx="2093073" cy="404341"/>
+                </a:xfrm>
+                <a:prstGeom prst="rect">
+                  <a:avLst/>
+                </a:prstGeom>
+                <a:blipFill>
+                  <a:blip r:embed="rId7"/>
+                  <a:stretch>
+                    <a:fillRect l="-1458" b="-19697"/>
+                  </a:stretch>
+                </a:blipFill>
+              </p:spPr>
+              <p:txBody>
+                <a:bodyPr/>
+                <a:lstStyle/>
+                <a:p>
+                  <a:r>
+                    <a:rPr lang="en-US">
+                      <a:noFill/>
+                    </a:rPr>
+                    <a:t> </a:t>
+                  </a:r>
+                </a:p>
+              </p:txBody>
+            </p:sp>
+          </mc:Fallback>
+        </mc:AlternateContent>
       </p:grpSp>
-      <p:sp>
-        <p:nvSpPr>
-          <p:cNvPr id="4" name="Right Brace 3">
-            <a:extLst>
-              <a:ext uri="{FF2B5EF4-FFF2-40B4-BE49-F238E27FC236}">
-                <a16:creationId xmlns:a16="http://schemas.microsoft.com/office/drawing/2014/main" id="{F31DDE1D-B800-422E-BE8D-836463FE5447}"/>
-              </a:ext>
-              <a:ext uri="{C183D7F6-B498-43B3-948B-1728B52AA6E4}">
-                <adec:decorative xmlns:adec="http://schemas.microsoft.com/office/drawing/2017/decorative" val="1"/>
-              </a:ext>
-            </a:extLst>
-          </p:cNvPr>
-          <p:cNvSpPr/>
-          <p:nvPr/>
-        </p:nvSpPr>
-        <p:spPr>
-          <a:xfrm>
-            <a:off x="6172200" y="3962400"/>
-            <a:ext cx="381000" cy="2057390"/>
-          </a:xfrm>
-          <a:prstGeom prst="rightBrace">
-            <a:avLst/>
-          </a:prstGeom>
-        </p:spPr>
-        <p:style>
-          <a:lnRef idx="1">
-            <a:schemeClr val="accent1"/>
-          </a:lnRef>
-          <a:fillRef idx="0">
-            <a:schemeClr val="accent1"/>
-          </a:fillRef>
-          <a:effectRef idx="0">
-            <a:schemeClr val="accent1"/>
-          </a:effectRef>
-          <a:fontRef idx="minor">
-            <a:schemeClr val="tx1"/>
-          </a:fontRef>
-        </p:style>
-        <p:txBody>
-          <a:bodyPr rtlCol="0" anchor="ctr"/>
-          <a:lstStyle/>
-          <a:p>
-            <a:pPr algn="ctr"/>
-            <a:endParaRPr lang="en-US"/>
-          </a:p>
-        </p:txBody>
-      </p:sp>
-      <mc:AlternateContent xmlns:mc="http://schemas.openxmlformats.org/markup-compatibility/2006" xmlns:a14="http://schemas.microsoft.com/office/drawing/2010/main">
-        <mc:Choice Requires="a14">
-          <p:sp>
-            <p:nvSpPr>
-              <p:cNvPr id="7" name="Rectangle 6">
-                <a:extLst>
-                  <a:ext uri="{FF2B5EF4-FFF2-40B4-BE49-F238E27FC236}">
-                    <a16:creationId xmlns:a16="http://schemas.microsoft.com/office/drawing/2014/main" id="{0D037137-9DE6-4B8C-993A-729EBD7BA105}"/>
-                  </a:ext>
-                </a:extLst>
-              </p:cNvPr>
-              <p:cNvSpPr/>
-              <p:nvPr/>
-            </p:nvSpPr>
-            <p:spPr>
-              <a:xfrm>
-                <a:off x="6705600" y="4777259"/>
-                <a:ext cx="2093073" cy="404341"/>
-              </a:xfrm>
-              <a:prstGeom prst="rect">
-                <a:avLst/>
-              </a:prstGeom>
-            </p:spPr>
-            <p:txBody>
-              <a:bodyPr wrap="none">
-                <a:spAutoFit/>
-              </a:bodyPr>
-              <a:lstStyle/>
-              <a:p>
-                <a:pPr>
-                  <a:lnSpc>
-                    <a:spcPct val="140000"/>
-                  </a:lnSpc>
-                </a:pPr>
-                <a:r>
-                  <a:rPr lang="en-US" sz="1600" dirty="0"/>
-                  <a:t>for </a:t>
-                </a:r>
-                <a14:m>
-                  <m:oMath xmlns:m="http://schemas.openxmlformats.org/officeDocument/2006/math">
-                    <m:r>
-                      <a:rPr lang="en-US" sz="1600" i="1">
-                        <a:latin typeface="Cambria Math" panose="02040503050406030204" pitchFamily="18" charset="0"/>
-                      </a:rPr>
-                      <m:t>𝑖</m:t>
-                    </m:r>
-                    <m:r>
-                      <a:rPr lang="en-US" sz="1600" i="1">
-                        <a:latin typeface="Cambria Math" panose="02040503050406030204" pitchFamily="18" charset="0"/>
-                      </a:rPr>
-                      <m:t>,</m:t>
-                    </m:r>
-                    <m:r>
-                      <a:rPr lang="en-US" sz="1600" i="1">
-                        <a:latin typeface="Cambria Math" panose="02040503050406030204" pitchFamily="18" charset="0"/>
-                      </a:rPr>
-                      <m:t>𝑗</m:t>
-                    </m:r>
-                    <m:r>
-                      <a:rPr lang="en-US" sz="1600" b="0" i="1" smtClean="0">
-                        <a:latin typeface="Cambria Math" panose="02040503050406030204" pitchFamily="18" charset="0"/>
-                      </a:rPr>
-                      <m:t>,</m:t>
-                    </m:r>
-                    <m:r>
-                      <a:rPr lang="en-US" sz="1600" b="0" i="1" smtClean="0">
-                        <a:latin typeface="Cambria Math" panose="02040503050406030204" pitchFamily="18" charset="0"/>
-                      </a:rPr>
-                      <m:t>𝑘</m:t>
-                    </m:r>
-                    <m:r>
-                      <a:rPr lang="en-US" sz="1600" i="1">
-                        <a:latin typeface="Cambria Math" panose="02040503050406030204" pitchFamily="18" charset="0"/>
-                      </a:rPr>
-                      <m:t>∈{1, 2, …, </m:t>
-                    </m:r>
-                    <m:r>
-                      <a:rPr lang="en-US" sz="1600" i="1">
-                        <a:latin typeface="Cambria Math" panose="02040503050406030204" pitchFamily="18" charset="0"/>
-                      </a:rPr>
-                      <m:t>𝑁</m:t>
-                    </m:r>
-                    <m:r>
-                      <a:rPr lang="en-US" sz="1600" i="1">
-                        <a:latin typeface="Cambria Math" panose="02040503050406030204" pitchFamily="18" charset="0"/>
-                      </a:rPr>
-                      <m:t>}</m:t>
-                    </m:r>
-                  </m:oMath>
-                </a14:m>
-                <a:endParaRPr lang="en-US" sz="1600" dirty="0"/>
-              </a:p>
-            </p:txBody>
-          </p:sp>
-        </mc:Choice>
-        <mc:Fallback xmlns="">
-          <p:sp>
-            <p:nvSpPr>
-              <p:cNvPr id="7" name="Rectangle 6">
-                <a:extLst>
-                  <a:ext uri="{FF2B5EF4-FFF2-40B4-BE49-F238E27FC236}">
-                    <a16:creationId xmlns:a16="http://schemas.microsoft.com/office/drawing/2014/main" id="{0D037137-9DE6-4B8C-993A-729EBD7BA105}"/>
-                  </a:ext>
-                </a:extLst>
-              </p:cNvPr>
-              <p:cNvSpPr>
-                <a:spLocks noRot="1" noChangeAspect="1" noMove="1" noResize="1" noEditPoints="1" noAdjustHandles="1" noChangeArrowheads="1" noChangeShapeType="1" noTextEdit="1"/>
-              </p:cNvSpPr>
-              <p:nvPr/>
-            </p:nvSpPr>
-            <p:spPr>
-              <a:xfrm>
-                <a:off x="6705600" y="4777259"/>
-                <a:ext cx="2093073" cy="404341"/>
-              </a:xfrm>
-              <a:prstGeom prst="rect">
-                <a:avLst/>
-              </a:prstGeom>
-              <a:blipFill>
-                <a:blip r:embed="rId5"/>
-                <a:stretch>
-                  <a:fillRect l="-1458" b="-19697"/>
-                </a:stretch>
-              </a:blipFill>
-            </p:spPr>
-            <p:txBody>
-              <a:bodyPr/>
-              <a:lstStyle/>
-              <a:p>
-                <a:r>
-                  <a:rPr lang="en-US">
-                    <a:noFill/>
-                  </a:rPr>
-                  <a:t> </a:t>
-                </a:r>
-              </a:p>
-            </p:txBody>
-          </p:sp>
-        </mc:Fallback>
-      </mc:AlternateContent>
       <p:sp>
         <p:nvSpPr>
           <p:cNvPr id="9" name="Star: 5 Points 8">
@@ -16834,6 +16905,33 @@
                                               <p:pRg st="8" end="8"/>
                                             </p:txEl>
                                           </p:spTgt>
+                                        </p:tgtEl>
+                                        <p:attrNameLst>
+                                          <p:attrName>style.visibility</p:attrName>
+                                        </p:attrNameLst>
+                                      </p:cBhvr>
+                                      <p:to>
+                                        <p:strVal val="visible"/>
+                                      </p:to>
+                                    </p:set>
+                                  </p:childTnLst>
+                                </p:cTn>
+                              </p:par>
+                              <p:par>
+                                <p:cTn id="25" presetID="1" presetClass="entr" presetSubtype="0" fill="hold" nodeType="withEffect">
+                                  <p:stCondLst>
+                                    <p:cond delay="0"/>
+                                  </p:stCondLst>
+                                  <p:childTnLst>
+                                    <p:set>
+                                      <p:cBhvr>
+                                        <p:cTn id="26" dur="1" fill="hold">
+                                          <p:stCondLst>
+                                            <p:cond delay="0"/>
+                                          </p:stCondLst>
+                                        </p:cTn>
+                                        <p:tgtEl>
+                                          <p:spTgt spid="12"/>
                                         </p:tgtEl>
                                         <p:attrNameLst>
                                           <p:attrName>style.visibility</p:attrName>
@@ -17375,17 +17473,26 @@
             <a:p>
               <a:r>
                 <a:rPr lang="en-US" sz="3200" i="1" dirty="0">
+                  <a:solidFill>
+                    <a:srgbClr val="C00000"/>
+                  </a:solidFill>
                   <a:latin typeface="+mn-lt"/>
                 </a:rPr>
                 <a:t>Q</a:t>
               </a:r>
               <a:r>
                 <a:rPr lang="en-US" sz="3200" baseline="-25000" dirty="0">
+                  <a:solidFill>
+                    <a:srgbClr val="C00000"/>
+                  </a:solidFill>
                   <a:latin typeface="+mn-lt"/>
                 </a:rPr>
                 <a:t>2</a:t>
               </a:r>
               <a:endParaRPr lang="en-US" sz="3200" dirty="0">
+                <a:solidFill>
+                  <a:srgbClr val="C00000"/>
+                </a:solidFill>
                 <a:latin typeface="+mn-lt"/>
               </a:endParaRPr>
             </a:p>
@@ -17414,17 +17521,26 @@
             <a:p>
               <a:r>
                 <a:rPr lang="en-US" sz="3200" i="1" dirty="0">
+                  <a:solidFill>
+                    <a:srgbClr val="C00000"/>
+                  </a:solidFill>
                   <a:latin typeface="+mn-lt"/>
                 </a:rPr>
                 <a:t>Q</a:t>
               </a:r>
               <a:r>
                 <a:rPr lang="en-US" sz="3200" baseline="-25000" dirty="0">
+                  <a:solidFill>
+                    <a:srgbClr val="C00000"/>
+                  </a:solidFill>
                   <a:latin typeface="+mn-lt"/>
                 </a:rPr>
                 <a:t>1</a:t>
               </a:r>
               <a:endParaRPr lang="en-US" sz="3200" dirty="0">
+                <a:solidFill>
+                  <a:srgbClr val="C00000"/>
+                </a:solidFill>
                 <a:latin typeface="+mn-lt"/>
               </a:endParaRPr>
             </a:p>
@@ -17453,17 +17569,26 @@
             <a:p>
               <a:r>
                 <a:rPr lang="en-US" sz="3200" i="1" dirty="0">
+                  <a:solidFill>
+                    <a:srgbClr val="C00000"/>
+                  </a:solidFill>
                   <a:latin typeface="+mn-lt"/>
                 </a:rPr>
                 <a:t>Q</a:t>
               </a:r>
               <a:r>
                 <a:rPr lang="en-US" sz="3200" baseline="-25000" dirty="0">
+                  <a:solidFill>
+                    <a:srgbClr val="C00000"/>
+                  </a:solidFill>
                   <a:latin typeface="+mn-lt"/>
                 </a:rPr>
                 <a:t>3</a:t>
               </a:r>
               <a:endParaRPr lang="en-US" sz="3200" dirty="0">
+                <a:solidFill>
+                  <a:srgbClr val="C00000"/>
+                </a:solidFill>
                 <a:latin typeface="+mn-lt"/>
               </a:endParaRPr>
             </a:p>
@@ -17492,17 +17617,26 @@
             <a:p>
               <a:r>
                 <a:rPr lang="en-US" sz="3200" i="1" dirty="0">
+                  <a:solidFill>
+                    <a:srgbClr val="C00000"/>
+                  </a:solidFill>
                   <a:latin typeface="+mn-lt"/>
                 </a:rPr>
                 <a:t>Q</a:t>
               </a:r>
               <a:r>
                 <a:rPr lang="en-US" sz="3200" baseline="-25000" dirty="0">
+                  <a:solidFill>
+                    <a:srgbClr val="C00000"/>
+                  </a:solidFill>
                   <a:latin typeface="+mn-lt"/>
                 </a:rPr>
                 <a:t>4</a:t>
               </a:r>
               <a:endParaRPr lang="en-US" sz="3200" dirty="0">
+                <a:solidFill>
+                  <a:srgbClr val="C00000"/>
+                </a:solidFill>
                 <a:latin typeface="+mn-lt"/>
               </a:endParaRPr>
             </a:p>
@@ -17833,6 +17967,33 @@
                                   </p:childTnLst>
                                 </p:cTn>
                               </p:par>
+                              <p:par>
+                                <p:cTn id="11" presetID="1" presetClass="entr" presetSubtype="0" fill="hold" grpId="0" nodeType="withEffect">
+                                  <p:stCondLst>
+                                    <p:cond delay="0"/>
+                                  </p:stCondLst>
+                                  <p:childTnLst>
+                                    <p:set>
+                                      <p:cBhvr>
+                                        <p:cTn id="12" dur="1" fill="hold">
+                                          <p:stCondLst>
+                                            <p:cond delay="0"/>
+                                          </p:stCondLst>
+                                        </p:cTn>
+                                        <p:tgtEl>
+                                          <p:spTgt spid="4"/>
+                                        </p:tgtEl>
+                                        <p:attrNameLst>
+                                          <p:attrName>style.visibility</p:attrName>
+                                        </p:attrNameLst>
+                                      </p:cBhvr>
+                                      <p:to>
+                                        <p:strVal val="visible"/>
+                                      </p:to>
+                                    </p:set>
+                                  </p:childTnLst>
+                                </p:cTn>
+                              </p:par>
                             </p:childTnLst>
                           </p:cTn>
                         </p:par>
@@ -17840,26 +18001,26 @@
                     </p:cTn>
                   </p:par>
                   <p:par>
-                    <p:cTn id="11" fill="hold">
+                    <p:cTn id="13" fill="hold">
                       <p:stCondLst>
                         <p:cond delay="indefinite"/>
                       </p:stCondLst>
                       <p:childTnLst>
                         <p:par>
-                          <p:cTn id="12" fill="hold">
+                          <p:cTn id="14" fill="hold">
                             <p:stCondLst>
                               <p:cond delay="0"/>
                             </p:stCondLst>
                             <p:childTnLst>
                               <p:par>
-                                <p:cTn id="13" presetID="1" presetClass="entr" presetSubtype="0" fill="hold" grpId="0" nodeType="clickEffect">
+                                <p:cTn id="15" presetID="1" presetClass="entr" presetSubtype="0" fill="hold" grpId="0" nodeType="clickEffect">
                                   <p:stCondLst>
                                     <p:cond delay="0"/>
                                   </p:stCondLst>
                                   <p:childTnLst>
                                     <p:set>
                                       <p:cBhvr>
-                                        <p:cTn id="14" dur="1" fill="hold">
+                                        <p:cTn id="16" dur="1" fill="hold">
                                           <p:stCondLst>
                                             <p:cond delay="0"/>
                                           </p:stCondLst>
@@ -17883,14 +18044,14 @@
                                 </p:cTn>
                               </p:par>
                               <p:par>
-                                <p:cTn id="15" presetID="1" presetClass="entr" presetSubtype="0" fill="hold" grpId="0" nodeType="withEffect">
+                                <p:cTn id="17" presetID="1" presetClass="entr" presetSubtype="0" fill="hold" grpId="0" nodeType="withEffect">
                                   <p:stCondLst>
                                     <p:cond delay="0"/>
                                   </p:stCondLst>
                                   <p:childTnLst>
                                     <p:set>
                                       <p:cBhvr>
-                                        <p:cTn id="16" dur="1" fill="hold">
+                                        <p:cTn id="18" dur="1" fill="hold">
                                           <p:stCondLst>
                                             <p:cond delay="0"/>
                                           </p:stCondLst>
@@ -17942,6 +18103,7 @@
     </p:tnLst>
     <p:bldLst>
       <p:bldP spid="3" grpId="0" uiExpand="1" build="p"/>
+      <p:bldP spid="4" grpId="0"/>
     </p:bldLst>
   </p:timing>
 </p:sld>
@@ -18211,8 +18373,8 @@
         </p:nvGrpSpPr>
         <p:grpSpPr>
           <a:xfrm>
-            <a:off x="5638800" y="2209800"/>
-            <a:ext cx="3038475" cy="3057525"/>
+            <a:off x="4267200" y="1690689"/>
+            <a:ext cx="4410075" cy="4124325"/>
             <a:chOff x="5638800" y="2209800"/>
             <a:chExt cx="3038475" cy="3057525"/>
           </a:xfrm>
@@ -18257,8 +18419,8 @@
           </p:nvSpPr>
           <p:spPr>
             <a:xfrm>
-              <a:off x="6993534" y="3505200"/>
-              <a:ext cx="397866" cy="400110"/>
+              <a:off x="6991708" y="3516618"/>
+              <a:ext cx="332658" cy="387884"/>
             </a:xfrm>
             <a:prstGeom prst="rect">
               <a:avLst/>
@@ -18271,26 +18433,26 @@
             <a:lstStyle/>
             <a:p>
               <a:r>
-                <a:rPr lang="en-US" sz="2000" i="1" dirty="0">
+                <a:rPr lang="en-US" sz="2800" i="1" dirty="0">
                   <a:solidFill>
-                    <a:srgbClr val="0000FF"/>
+                    <a:srgbClr val="C00000"/>
                   </a:solidFill>
                   <a:latin typeface="+mn-lt"/>
                 </a:rPr>
                 <a:t>X</a:t>
               </a:r>
               <a:r>
-                <a:rPr lang="en-US" sz="2000" i="1" baseline="-25000" dirty="0">
+                <a:rPr lang="en-US" sz="2800" i="1" baseline="-25000" dirty="0">
                   <a:solidFill>
-                    <a:srgbClr val="0000FF"/>
+                    <a:srgbClr val="C00000"/>
                   </a:solidFill>
                   <a:latin typeface="+mn-lt"/>
                 </a:rPr>
                 <a:t>ij</a:t>
               </a:r>
-              <a:endParaRPr lang="en-US" sz="2000" dirty="0">
+              <a:endParaRPr lang="en-US" sz="2800" dirty="0">
                 <a:solidFill>
-                  <a:srgbClr val="0000FF"/>
+                  <a:srgbClr val="C00000"/>
                 </a:solidFill>
                 <a:latin typeface="+mn-lt"/>
               </a:endParaRPr>
@@ -18452,33 +18614,15 @@
                                   </p:childTnLst>
                                 </p:cTn>
                               </p:par>
-                            </p:childTnLst>
-                          </p:cTn>
-                        </p:par>
-                      </p:childTnLst>
-                    </p:cTn>
-                  </p:par>
-                  <p:par>
-                    <p:cTn id="15" fill="hold">
-                      <p:stCondLst>
-                        <p:cond delay="indefinite"/>
-                      </p:stCondLst>
-                      <p:childTnLst>
-                        <p:par>
-                          <p:cTn id="16" fill="hold">
-                            <p:stCondLst>
-                              <p:cond delay="0"/>
-                            </p:stCondLst>
-                            <p:childTnLst>
                               <p:par>
-                                <p:cTn id="17" presetID="1" presetClass="entr" presetSubtype="0" fill="hold" grpId="0" nodeType="clickEffect">
+                                <p:cTn id="15" presetID="1" presetClass="entr" presetSubtype="0" fill="hold" grpId="0" nodeType="withEffect">
                                   <p:stCondLst>
                                     <p:cond delay="0"/>
                                   </p:stCondLst>
                                   <p:childTnLst>
                                     <p:set>
                                       <p:cBhvr>
-                                        <p:cTn id="18" dur="1" fill="hold">
+                                        <p:cTn id="16" dur="1" fill="hold">
                                           <p:stCondLst>
                                             <p:cond delay="0"/>
                                           </p:stCondLst>
@@ -18502,14 +18646,14 @@
                                 </p:cTn>
                               </p:par>
                               <p:par>
-                                <p:cTn id="19" presetID="1" presetClass="entr" presetSubtype="0" fill="hold" grpId="0" nodeType="withEffect">
+                                <p:cTn id="17" presetID="1" presetClass="entr" presetSubtype="0" fill="hold" grpId="0" nodeType="withEffect">
                                   <p:stCondLst>
                                     <p:cond delay="0"/>
                                   </p:stCondLst>
                                   <p:childTnLst>
                                     <p:set>
                                       <p:cBhvr>
-                                        <p:cTn id="20" dur="1" fill="hold">
+                                        <p:cTn id="18" dur="1" fill="hold">
                                           <p:stCondLst>
                                             <p:cond delay="0"/>
                                           </p:stCondLst>
@@ -18533,14 +18677,14 @@
                                 </p:cTn>
                               </p:par>
                               <p:par>
-                                <p:cTn id="21" presetID="1" presetClass="entr" presetSubtype="0" fill="hold" grpId="0" nodeType="withEffect">
+                                <p:cTn id="19" presetID="1" presetClass="entr" presetSubtype="0" fill="hold" grpId="0" nodeType="withEffect">
                                   <p:stCondLst>
                                     <p:cond delay="0"/>
                                   </p:stCondLst>
                                   <p:childTnLst>
                                     <p:set>
                                       <p:cBhvr>
-                                        <p:cTn id="22" dur="1" fill="hold">
+                                        <p:cTn id="20" dur="1" fill="hold">
                                           <p:stCondLst>
                                             <p:cond delay="0"/>
                                           </p:stCondLst>
@@ -18642,315 +18786,352 @@
           </a:p>
         </p:txBody>
       </p:sp>
-      <p:sp>
-        <p:nvSpPr>
-          <p:cNvPr id="3" name="Content Placeholder 2">
-            <a:extLst>
-              <a:ext uri="{FF2B5EF4-FFF2-40B4-BE49-F238E27FC236}">
-                <a16:creationId xmlns:a16="http://schemas.microsoft.com/office/drawing/2014/main" id="{EDA22658-0CBA-468F-B6EF-76D87E7C9DBD}"/>
-              </a:ext>
-            </a:extLst>
-          </p:cNvPr>
-          <p:cNvSpPr>
-            <a:spLocks noGrp="1"/>
-          </p:cNvSpPr>
-          <p:nvPr>
-            <p:ph idx="1"/>
-          </p:nvPr>
-        </p:nvSpPr>
-        <p:spPr>
-          <a:xfrm>
-            <a:off x="628650" y="1825625"/>
-            <a:ext cx="6762750" cy="4351338"/>
-          </a:xfrm>
-        </p:spPr>
-        <p:txBody>
-          <a:bodyPr>
-            <a:normAutofit fontScale="92500" lnSpcReduction="10000"/>
-          </a:bodyPr>
-          <a:lstStyle/>
-          <a:p>
-            <a:r>
-              <a:rPr lang="en-US" b="1" dirty="0"/>
-              <a:t>Boolean Satisfiability Problem (SAT)</a:t>
-            </a:r>
-            <a:br>
-              <a:rPr lang="en-US" dirty="0"/>
-            </a:br>
-            <a:r>
-              <a:rPr lang="en-US" dirty="0"/>
-              <a:t>Find variable assignments that makes a Boolean expression (often expressed in conjunctive normal form) evaluate as true.</a:t>
-            </a:r>
-          </a:p>
-          <a:p>
-            <a:endParaRPr lang="en-US" dirty="0"/>
-          </a:p>
-          <a:p>
-            <a:endParaRPr lang="en-US" dirty="0"/>
-          </a:p>
-          <a:p>
-            <a:r>
-              <a:rPr lang="en-US" b="1" dirty="0"/>
-              <a:t>Integer Programming</a:t>
-            </a:r>
-            <a:br>
-              <a:rPr lang="en-US" dirty="0"/>
-            </a:br>
-            <a:r>
-              <a:rPr lang="en-US" dirty="0"/>
-              <a:t>Variables are restricted to integers. Find a feasible solution that satisfies all constraints. The traveling salesman problem can be expressed as an integer program. </a:t>
-            </a:r>
-          </a:p>
-          <a:p>
-            <a:pPr marL="0" indent="0">
-              <a:buNone/>
-            </a:pPr>
-            <a:endParaRPr lang="en-US" dirty="0"/>
-          </a:p>
-          <a:p>
-            <a:r>
-              <a:rPr lang="en-US" b="1" dirty="0"/>
-              <a:t>Linear Programming</a:t>
-            </a:r>
-            <a:br>
-              <a:rPr lang="en-US" dirty="0"/>
-            </a:br>
-            <a:r>
-              <a:rPr lang="en-US" dirty="0"/>
-              <a:t>Variables are continuous and constraints </a:t>
-            </a:r>
-            <a:br>
-              <a:rPr lang="en-US" dirty="0"/>
-            </a:br>
-            <a:r>
-              <a:rPr lang="en-US" dirty="0"/>
-              <a:t>are linear (in)equalities. </a:t>
-            </a:r>
-            <a:br>
-              <a:rPr lang="en-US" dirty="0"/>
-            </a:br>
-            <a:r>
-              <a:rPr lang="en-US" dirty="0"/>
-              <a:t>Find a feasible solution using, e.g., </a:t>
-            </a:r>
-            <a:br>
-              <a:rPr lang="en-US" dirty="0"/>
-            </a:br>
-            <a:r>
-              <a:rPr lang="en-US" dirty="0"/>
-              <a:t>the simplex algorithm.</a:t>
-            </a:r>
-          </a:p>
-          <a:p>
-            <a:endParaRPr lang="en-US" dirty="0"/>
-          </a:p>
-          <a:p>
-            <a:endParaRPr lang="en-US" dirty="0"/>
-          </a:p>
-          <a:p>
-            <a:endParaRPr lang="en-US" dirty="0"/>
-          </a:p>
-          <a:p>
-            <a:endParaRPr lang="en-US" dirty="0"/>
-          </a:p>
-        </p:txBody>
-      </p:sp>
-      <p:sp>
-        <p:nvSpPr>
-          <p:cNvPr id="7" name="Rectangle 6">
-            <a:extLst>
-              <a:ext uri="{FF2B5EF4-FFF2-40B4-BE49-F238E27FC236}">
-                <a16:creationId xmlns:a16="http://schemas.microsoft.com/office/drawing/2014/main" id="{3F3560BE-A16D-4141-949D-AE1AB20774B8}"/>
-              </a:ext>
-            </a:extLst>
-          </p:cNvPr>
-          <p:cNvSpPr/>
-          <p:nvPr/>
-        </p:nvSpPr>
-        <p:spPr>
-          <a:xfrm>
-            <a:off x="2590800" y="2831068"/>
-            <a:ext cx="3709798" cy="369332"/>
-          </a:xfrm>
-          <a:prstGeom prst="rect">
-            <a:avLst/>
-          </a:prstGeom>
-        </p:spPr>
-        <p:txBody>
-          <a:bodyPr wrap="none">
-            <a:spAutoFit/>
-          </a:bodyPr>
-          <a:lstStyle/>
-          <a:p>
-            <a:r>
-              <a:rPr lang="en-US" dirty="0">
-                <a:solidFill>
-                  <a:srgbClr val="202122"/>
-                </a:solidFill>
-                <a:latin typeface="Calibri" panose="020F0502020204030204" pitchFamily="34" charset="0"/>
-              </a:rPr>
-              <a:t>(</a:t>
-            </a:r>
-            <a:r>
-              <a:rPr lang="en-US" i="1" dirty="0">
-                <a:solidFill>
-                  <a:srgbClr val="202122"/>
-                </a:solidFill>
-                <a:latin typeface="Calibri" panose="020F0502020204030204" pitchFamily="34" charset="0"/>
-              </a:rPr>
-              <a:t>x</a:t>
-            </a:r>
-            <a:r>
-              <a:rPr lang="en-US" baseline="-25000" dirty="0">
-                <a:solidFill>
-                  <a:srgbClr val="202122"/>
-                </a:solidFill>
-                <a:latin typeface="Calibri" panose="020F0502020204030204" pitchFamily="34" charset="0"/>
-              </a:rPr>
-              <a:t>1</a:t>
-            </a:r>
-            <a:r>
-              <a:rPr lang="en-US" dirty="0">
-                <a:solidFill>
-                  <a:srgbClr val="202122"/>
-                </a:solidFill>
-                <a:latin typeface="Calibri" panose="020F0502020204030204" pitchFamily="34" charset="0"/>
-              </a:rPr>
-              <a:t> ∨ ¬</a:t>
-            </a:r>
-            <a:r>
-              <a:rPr lang="en-US" i="1" dirty="0">
-                <a:solidFill>
-                  <a:srgbClr val="202122"/>
-                </a:solidFill>
-                <a:latin typeface="Calibri" panose="020F0502020204030204" pitchFamily="34" charset="0"/>
-              </a:rPr>
-              <a:t>x</a:t>
-            </a:r>
-            <a:r>
-              <a:rPr lang="en-US" baseline="-25000" dirty="0">
-                <a:solidFill>
-                  <a:srgbClr val="202122"/>
-                </a:solidFill>
-                <a:latin typeface="Calibri" panose="020F0502020204030204" pitchFamily="34" charset="0"/>
-              </a:rPr>
-              <a:t>2</a:t>
-            </a:r>
-            <a:r>
-              <a:rPr lang="en-US" dirty="0">
-                <a:solidFill>
-                  <a:srgbClr val="202122"/>
-                </a:solidFill>
-                <a:latin typeface="Calibri" panose="020F0502020204030204" pitchFamily="34" charset="0"/>
-              </a:rPr>
-              <a:t>) ∧ (¬</a:t>
-            </a:r>
-            <a:r>
-              <a:rPr lang="en-US" i="1" dirty="0">
-                <a:solidFill>
-                  <a:srgbClr val="202122"/>
-                </a:solidFill>
-                <a:latin typeface="Calibri" panose="020F0502020204030204" pitchFamily="34" charset="0"/>
-              </a:rPr>
-              <a:t>x</a:t>
-            </a:r>
-            <a:r>
-              <a:rPr lang="en-US" baseline="-25000" dirty="0">
-                <a:solidFill>
-                  <a:srgbClr val="202122"/>
-                </a:solidFill>
-                <a:latin typeface="Calibri" panose="020F0502020204030204" pitchFamily="34" charset="0"/>
-              </a:rPr>
-              <a:t>1</a:t>
-            </a:r>
-            <a:r>
-              <a:rPr lang="en-US" dirty="0">
-                <a:solidFill>
-                  <a:srgbClr val="202122"/>
-                </a:solidFill>
-                <a:latin typeface="Calibri" panose="020F0502020204030204" pitchFamily="34" charset="0"/>
-              </a:rPr>
-              <a:t> ∨ </a:t>
-            </a:r>
-            <a:r>
-              <a:rPr lang="en-US" i="1" dirty="0">
-                <a:solidFill>
-                  <a:srgbClr val="202122"/>
-                </a:solidFill>
-                <a:latin typeface="Calibri" panose="020F0502020204030204" pitchFamily="34" charset="0"/>
-              </a:rPr>
-              <a:t>x</a:t>
-            </a:r>
-            <a:r>
-              <a:rPr lang="en-US" baseline="-25000" dirty="0">
-                <a:solidFill>
-                  <a:srgbClr val="202122"/>
-                </a:solidFill>
-                <a:latin typeface="Calibri" panose="020F0502020204030204" pitchFamily="34" charset="0"/>
-              </a:rPr>
-              <a:t>2</a:t>
-            </a:r>
-            <a:r>
-              <a:rPr lang="en-US" dirty="0">
-                <a:solidFill>
-                  <a:srgbClr val="202122"/>
-                </a:solidFill>
-                <a:latin typeface="Calibri" panose="020F0502020204030204" pitchFamily="34" charset="0"/>
-              </a:rPr>
-              <a:t> ∨ </a:t>
-            </a:r>
-            <a:r>
-              <a:rPr lang="en-US" i="1" dirty="0">
-                <a:solidFill>
-                  <a:srgbClr val="202122"/>
-                </a:solidFill>
-                <a:latin typeface="Calibri" panose="020F0502020204030204" pitchFamily="34" charset="0"/>
-              </a:rPr>
-              <a:t>x</a:t>
-            </a:r>
-            <a:r>
-              <a:rPr lang="en-US" baseline="-25000" dirty="0">
-                <a:solidFill>
-                  <a:srgbClr val="202122"/>
-                </a:solidFill>
-                <a:latin typeface="Calibri" panose="020F0502020204030204" pitchFamily="34" charset="0"/>
-              </a:rPr>
-              <a:t>3</a:t>
-            </a:r>
-            <a:r>
-              <a:rPr lang="en-US" dirty="0">
-                <a:solidFill>
-                  <a:srgbClr val="202122"/>
-                </a:solidFill>
-                <a:latin typeface="Calibri" panose="020F0502020204030204" pitchFamily="34" charset="0"/>
-              </a:rPr>
-              <a:t>) ∧ ¬</a:t>
-            </a:r>
-            <a:r>
-              <a:rPr lang="en-US" i="1" dirty="0">
-                <a:solidFill>
-                  <a:srgbClr val="202122"/>
-                </a:solidFill>
-                <a:latin typeface="Calibri" panose="020F0502020204030204" pitchFamily="34" charset="0"/>
-              </a:rPr>
-              <a:t>x</a:t>
-            </a:r>
-            <a:r>
-              <a:rPr lang="en-US" baseline="-25000" dirty="0">
-                <a:solidFill>
-                  <a:srgbClr val="202122"/>
-                </a:solidFill>
-                <a:latin typeface="Calibri" panose="020F0502020204030204" pitchFamily="34" charset="0"/>
-              </a:rPr>
-              <a:t>1 </a:t>
-            </a:r>
-            <a:r>
-              <a:rPr lang="en-US" dirty="0"/>
-              <a:t>= True</a:t>
-            </a:r>
-          </a:p>
-        </p:txBody>
-      </p:sp>
+      <mc:AlternateContent xmlns:mc="http://schemas.openxmlformats.org/markup-compatibility/2006">
+        <mc:Choice xmlns:a14="http://schemas.microsoft.com/office/drawing/2010/main" Requires="a14">
+          <p:sp>
+            <p:nvSpPr>
+              <p:cNvPr id="3" name="Content Placeholder 2">
+                <a:extLst>
+                  <a:ext uri="{FF2B5EF4-FFF2-40B4-BE49-F238E27FC236}">
+                    <a16:creationId xmlns:a16="http://schemas.microsoft.com/office/drawing/2014/main" id="{EDA22658-0CBA-468F-B6EF-76D87E7C9DBD}"/>
+                  </a:ext>
+                </a:extLst>
+              </p:cNvPr>
+              <p:cNvSpPr>
+                <a:spLocks noGrp="1"/>
+              </p:cNvSpPr>
+              <p:nvPr>
+                <p:ph idx="1"/>
+              </p:nvPr>
+            </p:nvSpPr>
+            <p:spPr>
+              <a:xfrm>
+                <a:off x="628650" y="1825625"/>
+                <a:ext cx="6762750" cy="4351338"/>
+              </a:xfrm>
+            </p:spPr>
+            <p:txBody>
+              <a:bodyPr>
+                <a:normAutofit fontScale="92500" lnSpcReduction="10000"/>
+              </a:bodyPr>
+              <a:lstStyle/>
+              <a:p>
+                <a:r>
+                  <a:rPr lang="en-US" b="1" dirty="0"/>
+                  <a:t>Boolean Satisfiability Problem (SAT)</a:t>
+                </a:r>
+                <a:br>
+                  <a:rPr lang="en-US" dirty="0"/>
+                </a:br>
+                <a:r>
+                  <a:rPr lang="en-US" dirty="0"/>
+                  <a:t>Find variable assignments that make a Boolean expression (often expressed in conjunctive normal form) evaluate as true.	</a:t>
+                </a:r>
+              </a:p>
+              <a:p>
+                <a:pPr marL="0" indent="0">
+                  <a:buNone/>
+                </a:pPr>
+                <a14:m>
+                  <m:oMathPara xmlns:m="http://schemas.openxmlformats.org/officeDocument/2006/math">
+                    <m:oMathParaPr>
+                      <m:jc m:val="centerGroup"/>
+                    </m:oMathParaPr>
+                    <m:oMath xmlns:m="http://schemas.openxmlformats.org/officeDocument/2006/math">
+                      <m:r>
+                        <a:rPr lang="en-US" i="1" dirty="0" smtClean="0">
+                          <a:solidFill>
+                            <a:srgbClr val="202122"/>
+                          </a:solidFill>
+                          <a:latin typeface="Cambria Math" panose="02040503050406030204" pitchFamily="18" charset="0"/>
+                        </a:rPr>
+                        <m:t>(</m:t>
+                      </m:r>
+                      <m:r>
+                        <a:rPr lang="en-US" i="1" dirty="0" smtClean="0">
+                          <a:solidFill>
+                            <a:srgbClr val="202122"/>
+                          </a:solidFill>
+                          <a:latin typeface="Cambria Math" panose="02040503050406030204" pitchFamily="18" charset="0"/>
+                        </a:rPr>
+                        <m:t>𝑥</m:t>
+                      </m:r>
+                      <m:r>
+                        <a:rPr lang="en-US" i="1" baseline="-25000" dirty="0">
+                          <a:solidFill>
+                            <a:srgbClr val="202122"/>
+                          </a:solidFill>
+                          <a:latin typeface="Cambria Math" panose="02040503050406030204" pitchFamily="18" charset="0"/>
+                        </a:rPr>
+                        <m:t>1</m:t>
+                      </m:r>
+                      <m:r>
+                        <a:rPr lang="en-US" i="1" dirty="0">
+                          <a:solidFill>
+                            <a:srgbClr val="202122"/>
+                          </a:solidFill>
+                          <a:latin typeface="Cambria Math" panose="02040503050406030204" pitchFamily="18" charset="0"/>
+                        </a:rPr>
+                        <m:t> ∨ ¬</m:t>
+                      </m:r>
+                      <m:r>
+                        <a:rPr lang="en-US" i="1" dirty="0">
+                          <a:solidFill>
+                            <a:srgbClr val="202122"/>
+                          </a:solidFill>
+                          <a:latin typeface="Cambria Math" panose="02040503050406030204" pitchFamily="18" charset="0"/>
+                        </a:rPr>
+                        <m:t>𝑥</m:t>
+                      </m:r>
+                      <m:r>
+                        <a:rPr lang="en-US" i="1" baseline="-25000" dirty="0">
+                          <a:solidFill>
+                            <a:srgbClr val="202122"/>
+                          </a:solidFill>
+                          <a:latin typeface="Cambria Math" panose="02040503050406030204" pitchFamily="18" charset="0"/>
+                        </a:rPr>
+                        <m:t>2</m:t>
+                      </m:r>
+                      <m:r>
+                        <a:rPr lang="en-US" i="1" dirty="0">
+                          <a:solidFill>
+                            <a:srgbClr val="202122"/>
+                          </a:solidFill>
+                          <a:latin typeface="Cambria Math" panose="02040503050406030204" pitchFamily="18" charset="0"/>
+                        </a:rPr>
+                        <m:t>) ∧ (¬</m:t>
+                      </m:r>
+                      <m:r>
+                        <a:rPr lang="en-US" i="1" dirty="0">
+                          <a:solidFill>
+                            <a:srgbClr val="202122"/>
+                          </a:solidFill>
+                          <a:latin typeface="Cambria Math" panose="02040503050406030204" pitchFamily="18" charset="0"/>
+                        </a:rPr>
+                        <m:t>𝑥</m:t>
+                      </m:r>
+                      <m:r>
+                        <a:rPr lang="en-US" i="1" baseline="-25000" dirty="0">
+                          <a:solidFill>
+                            <a:srgbClr val="202122"/>
+                          </a:solidFill>
+                          <a:latin typeface="Cambria Math" panose="02040503050406030204" pitchFamily="18" charset="0"/>
+                        </a:rPr>
+                        <m:t>1</m:t>
+                      </m:r>
+                      <m:r>
+                        <a:rPr lang="en-US" i="1" dirty="0">
+                          <a:solidFill>
+                            <a:srgbClr val="202122"/>
+                          </a:solidFill>
+                          <a:latin typeface="Cambria Math" panose="02040503050406030204" pitchFamily="18" charset="0"/>
+                        </a:rPr>
+                        <m:t> ∨ </m:t>
+                      </m:r>
+                      <m:r>
+                        <a:rPr lang="en-US" i="1" dirty="0">
+                          <a:solidFill>
+                            <a:srgbClr val="202122"/>
+                          </a:solidFill>
+                          <a:latin typeface="Cambria Math" panose="02040503050406030204" pitchFamily="18" charset="0"/>
+                        </a:rPr>
+                        <m:t>𝑥</m:t>
+                      </m:r>
+                      <m:r>
+                        <a:rPr lang="en-US" i="1" baseline="-25000" dirty="0">
+                          <a:solidFill>
+                            <a:srgbClr val="202122"/>
+                          </a:solidFill>
+                          <a:latin typeface="Cambria Math" panose="02040503050406030204" pitchFamily="18" charset="0"/>
+                        </a:rPr>
+                        <m:t>2</m:t>
+                      </m:r>
+                      <m:r>
+                        <a:rPr lang="en-US" i="1" dirty="0">
+                          <a:solidFill>
+                            <a:srgbClr val="202122"/>
+                          </a:solidFill>
+                          <a:latin typeface="Cambria Math" panose="02040503050406030204" pitchFamily="18" charset="0"/>
+                        </a:rPr>
+                        <m:t> ∨ </m:t>
+                      </m:r>
+                      <m:r>
+                        <a:rPr lang="en-US" i="1" dirty="0">
+                          <a:solidFill>
+                            <a:srgbClr val="202122"/>
+                          </a:solidFill>
+                          <a:latin typeface="Cambria Math" panose="02040503050406030204" pitchFamily="18" charset="0"/>
+                        </a:rPr>
+                        <m:t>𝑥</m:t>
+                      </m:r>
+                      <m:r>
+                        <a:rPr lang="en-US" i="1" baseline="-25000" dirty="0">
+                          <a:solidFill>
+                            <a:srgbClr val="202122"/>
+                          </a:solidFill>
+                          <a:latin typeface="Cambria Math" panose="02040503050406030204" pitchFamily="18" charset="0"/>
+                        </a:rPr>
+                        <m:t>3</m:t>
+                      </m:r>
+                      <m:r>
+                        <a:rPr lang="en-US" i="1" dirty="0">
+                          <a:solidFill>
+                            <a:srgbClr val="202122"/>
+                          </a:solidFill>
+                          <a:latin typeface="Cambria Math" panose="02040503050406030204" pitchFamily="18" charset="0"/>
+                        </a:rPr>
+                        <m:t>) ∧ ¬</m:t>
+                      </m:r>
+                      <m:r>
+                        <a:rPr lang="en-US" i="1" dirty="0">
+                          <a:solidFill>
+                            <a:srgbClr val="202122"/>
+                          </a:solidFill>
+                          <a:latin typeface="Cambria Math" panose="02040503050406030204" pitchFamily="18" charset="0"/>
+                        </a:rPr>
+                        <m:t>𝑥</m:t>
+                      </m:r>
+                      <m:r>
+                        <a:rPr lang="en-US" i="1" baseline="-25000" dirty="0">
+                          <a:solidFill>
+                            <a:srgbClr val="202122"/>
+                          </a:solidFill>
+                          <a:latin typeface="Cambria Math" panose="02040503050406030204" pitchFamily="18" charset="0"/>
+                        </a:rPr>
+                        <m:t>1 </m:t>
+                      </m:r>
+                      <m:r>
+                        <a:rPr lang="en-US" i="1" dirty="0">
+                          <a:latin typeface="Cambria Math" panose="02040503050406030204" pitchFamily="18" charset="0"/>
+                        </a:rPr>
+                        <m:t>= </m:t>
+                      </m:r>
+                      <m:r>
+                        <a:rPr lang="en-US" i="1" dirty="0">
+                          <a:latin typeface="Cambria Math" panose="02040503050406030204" pitchFamily="18" charset="0"/>
+                        </a:rPr>
+                        <m:t>𝑇𝑟𝑢𝑒</m:t>
+                      </m:r>
+                    </m:oMath>
+                  </m:oMathPara>
+                </a14:m>
+                <a:endParaRPr lang="en-US" b="1" dirty="0"/>
+              </a:p>
+              <a:p>
+                <a:endParaRPr lang="en-US" b="1" dirty="0"/>
+              </a:p>
+              <a:p>
+                <a:r>
+                  <a:rPr lang="en-US" b="1" dirty="0"/>
+                  <a:t>Integer Programming</a:t>
+                </a:r>
+                <a:br>
+                  <a:rPr lang="en-US" dirty="0"/>
+                </a:br>
+                <a:r>
+                  <a:rPr lang="en-US" dirty="0"/>
+                  <a:t>Variables are restricted to integers. Find a feasible solution that satisfies all constraints. The traveling salesman problem can be expressed as an integer program. </a:t>
+                </a:r>
+              </a:p>
+              <a:p>
+                <a:pPr marL="0" indent="0">
+                  <a:buNone/>
+                </a:pPr>
+                <a:endParaRPr lang="en-US" dirty="0"/>
+              </a:p>
+              <a:p>
+                <a:r>
+                  <a:rPr lang="en-US" b="1" dirty="0"/>
+                  <a:t>Linear Programming</a:t>
+                </a:r>
+                <a:br>
+                  <a:rPr lang="en-US" dirty="0"/>
+                </a:br>
+                <a:r>
+                  <a:rPr lang="en-US" dirty="0"/>
+                  <a:t>Variables are continuous and constraints </a:t>
+                </a:r>
+                <a:br>
+                  <a:rPr lang="en-US" dirty="0"/>
+                </a:br>
+                <a:r>
+                  <a:rPr lang="en-US" dirty="0"/>
+                  <a:t>are linear (in)equalities. </a:t>
+                </a:r>
+                <a:br>
+                  <a:rPr lang="en-US" dirty="0"/>
+                </a:br>
+                <a:r>
+                  <a:rPr lang="en-US" dirty="0"/>
+                  <a:t>Find a feasible solution using, e.g., </a:t>
+                </a:r>
+                <a:br>
+                  <a:rPr lang="en-US" dirty="0"/>
+                </a:br>
+                <a:r>
+                  <a:rPr lang="en-US" dirty="0"/>
+                  <a:t>the simplex algorithm.</a:t>
+                </a:r>
+              </a:p>
+              <a:p>
+                <a:endParaRPr lang="en-US" dirty="0"/>
+              </a:p>
+              <a:p>
+                <a:endParaRPr lang="en-US" dirty="0"/>
+              </a:p>
+              <a:p>
+                <a:endParaRPr lang="en-US" dirty="0"/>
+              </a:p>
+              <a:p>
+                <a:endParaRPr lang="en-US" dirty="0"/>
+              </a:p>
+            </p:txBody>
+          </p:sp>
+        </mc:Choice>
+        <mc:Fallback>
+          <p:sp>
+            <p:nvSpPr>
+              <p:cNvPr id="3" name="Content Placeholder 2">
+                <a:extLst>
+                  <a:ext uri="{FF2B5EF4-FFF2-40B4-BE49-F238E27FC236}">
+                    <a16:creationId xmlns:a16="http://schemas.microsoft.com/office/drawing/2014/main" id="{EDA22658-0CBA-468F-B6EF-76D87E7C9DBD}"/>
+                  </a:ext>
+                </a:extLst>
+              </p:cNvPr>
+              <p:cNvSpPr>
+                <a:spLocks noGrp="1" noRot="1" noChangeAspect="1" noMove="1" noResize="1" noEditPoints="1" noAdjustHandles="1" noChangeArrowheads="1" noChangeShapeType="1" noTextEdit="1"/>
+              </p:cNvSpPr>
+              <p:nvPr>
+                <p:ph idx="1"/>
+              </p:nvPr>
+            </p:nvSpPr>
+            <p:spPr>
+              <a:xfrm>
+                <a:off x="628650" y="1825625"/>
+                <a:ext cx="6762750" cy="4351338"/>
+              </a:xfrm>
+              <a:blipFill>
+                <a:blip r:embed="rId2"/>
+                <a:stretch>
+                  <a:fillRect l="-631" t="-1821" r="-721"/>
+                </a:stretch>
+              </a:blipFill>
+            </p:spPr>
+            <p:txBody>
+              <a:bodyPr/>
+              <a:lstStyle/>
+              <a:p>
+                <a:r>
+                  <a:rPr lang="en-US">
+                    <a:noFill/>
+                  </a:rPr>
+                  <a:t> </a:t>
+                </a:r>
+              </a:p>
+            </p:txBody>
+          </p:sp>
+        </mc:Fallback>
+      </mc:AlternateContent>
       <p:pic>
         <p:nvPicPr>
           <p:cNvPr id="1026" name="Picture 2" descr="Linear programming - Simple English Wikipedia, the free encyclopedia">
@@ -18966,7 +19147,7 @@
           <p:nvPr/>
         </p:nvPicPr>
         <p:blipFill>
-          <a:blip r:embed="rId2" cstate="print">
+          <a:blip r:embed="rId3" cstate="print">
             <a:extLst>
               <a:ext uri="{28A0092B-C50C-407E-A947-70E740481C1C}">
                 <a14:useLocalDpi xmlns:a14="http://schemas.microsoft.com/office/drawing/2010/main" val="0"/>
